--- a/images/blocks.pptx
+++ b/images/blocks.pptx
@@ -6,7 +6,10 @@
   </p:sldMasterIdLst>
   <p:sldIdLst>
     <p:sldId id="256" r:id="rId2"/>
-    <p:sldId id="257" r:id="rId3"/>
+    <p:sldId id="260" r:id="rId3"/>
+    <p:sldId id="257" r:id="rId4"/>
+    <p:sldId id="258" r:id="rId5"/>
+    <p:sldId id="259" r:id="rId6"/>
   </p:sldIdLst>
   <p:sldSz cx="12192000" cy="6858000"/>
   <p:notesSz cx="6858000" cy="9144000"/>
@@ -105,6 +108,11 @@
       </a:defRPr>
     </a:lvl9pPr>
   </p:defaultTextStyle>
+  <p:extLst>
+    <p:ext uri="{EFAFB233-063F-42B5-8137-9DF3F51BA10A}">
+      <p15:sldGuideLst xmlns:p15="http://schemas.microsoft.com/office/powerpoint/2012/main"/>
+    </p:ext>
+  </p:extLst>
 </p:presentation>
 </file>
 
@@ -1056,6 +1064,731 @@
             <pc:docMk/>
             <pc:sldMk cId="3625871569" sldId="257"/>
             <ac:cxnSpMk id="73" creationId="{2B15C751-A2E5-41C7-BFE8-5893FA982890}"/>
+          </ac:cxnSpMkLst>
+        </pc:cxnChg>
+      </pc:sldChg>
+    </pc:docChg>
+  </pc:docChgLst>
+  <pc:docChgLst>
+    <pc:chgData name="Rahul Peddi" userId="f5f8722710ea5995" providerId="LiveId" clId="{CB25E4AF-5792-4637-AAA2-8EFBE5107DCC}"/>
+    <pc:docChg chg="undo redo custSel addSld delSld modSld">
+      <pc:chgData name="Rahul Peddi" userId="f5f8722710ea5995" providerId="LiveId" clId="{CB25E4AF-5792-4637-AAA2-8EFBE5107DCC}" dt="2019-02-18T23:07:16.428" v="754" actId="20577"/>
+      <pc:docMkLst>
+        <pc:docMk/>
+      </pc:docMkLst>
+      <pc:sldChg chg="addSp delSp modSp">
+        <pc:chgData name="Rahul Peddi" userId="f5f8722710ea5995" providerId="LiveId" clId="{CB25E4AF-5792-4637-AAA2-8EFBE5107DCC}" dt="2019-02-18T23:07:16.428" v="754" actId="20577"/>
+        <pc:sldMkLst>
+          <pc:docMk/>
+          <pc:sldMk cId="916707446" sldId="256"/>
+        </pc:sldMkLst>
+        <pc:spChg chg="mod">
+          <ac:chgData name="Rahul Peddi" userId="f5f8722710ea5995" providerId="LiveId" clId="{CB25E4AF-5792-4637-AAA2-8EFBE5107DCC}" dt="2019-02-18T04:27:06.437" v="178" actId="255"/>
+          <ac:spMkLst>
+            <pc:docMk/>
+            <pc:sldMk cId="916707446" sldId="256"/>
+            <ac:spMk id="4" creationId="{B6968101-D003-468A-B323-23C77D47A0E1}"/>
+          </ac:spMkLst>
+        </pc:spChg>
+        <pc:spChg chg="mod">
+          <ac:chgData name="Rahul Peddi" userId="f5f8722710ea5995" providerId="LiveId" clId="{CB25E4AF-5792-4637-AAA2-8EFBE5107DCC}" dt="2019-02-18T04:27:06.437" v="178" actId="255"/>
+          <ac:spMkLst>
+            <pc:docMk/>
+            <pc:sldMk cId="916707446" sldId="256"/>
+            <ac:spMk id="6" creationId="{35D73968-A712-4718-81E1-4E4DBEBA7AE2}"/>
+          </ac:spMkLst>
+        </pc:spChg>
+        <pc:spChg chg="mod">
+          <ac:chgData name="Rahul Peddi" userId="f5f8722710ea5995" providerId="LiveId" clId="{CB25E4AF-5792-4637-AAA2-8EFBE5107DCC}" dt="2019-02-18T04:27:06.437" v="178" actId="255"/>
+          <ac:spMkLst>
+            <pc:docMk/>
+            <pc:sldMk cId="916707446" sldId="256"/>
+            <ac:spMk id="10" creationId="{961E956B-9821-4FF6-9850-FF476764A488}"/>
+          </ac:spMkLst>
+        </pc:spChg>
+        <pc:spChg chg="add mod">
+          <ac:chgData name="Rahul Peddi" userId="f5f8722710ea5995" providerId="LiveId" clId="{CB25E4AF-5792-4637-AAA2-8EFBE5107DCC}" dt="2019-02-18T22:13:56.068" v="734" actId="1076"/>
+          <ac:spMkLst>
+            <pc:docMk/>
+            <pc:sldMk cId="916707446" sldId="256"/>
+            <ac:spMk id="27" creationId="{8E3C642D-35FD-4E10-909E-D815B4702A38}"/>
+          </ac:spMkLst>
+        </pc:spChg>
+        <pc:spChg chg="mod">
+          <ac:chgData name="Rahul Peddi" userId="f5f8722710ea5995" providerId="LiveId" clId="{CB25E4AF-5792-4637-AAA2-8EFBE5107DCC}" dt="2019-02-18T04:27:06.437" v="178" actId="255"/>
+          <ac:spMkLst>
+            <pc:docMk/>
+            <pc:sldMk cId="916707446" sldId="256"/>
+            <ac:spMk id="41" creationId="{3685C48F-35CC-46CA-9649-F0987692B908}"/>
+          </ac:spMkLst>
+        </pc:spChg>
+        <pc:spChg chg="mod">
+          <ac:chgData name="Rahul Peddi" userId="f5f8722710ea5995" providerId="LiveId" clId="{CB25E4AF-5792-4637-AAA2-8EFBE5107DCC}" dt="2019-02-18T04:28:11.598" v="265" actId="14100"/>
+          <ac:spMkLst>
+            <pc:docMk/>
+            <pc:sldMk cId="916707446" sldId="256"/>
+            <ac:spMk id="47" creationId="{685E7A9E-C017-43BF-8C54-56D58C05D975}"/>
+          </ac:spMkLst>
+        </pc:spChg>
+        <pc:spChg chg="mod">
+          <ac:chgData name="Rahul Peddi" userId="f5f8722710ea5995" providerId="LiveId" clId="{CB25E4AF-5792-4637-AAA2-8EFBE5107DCC}" dt="2019-02-18T23:07:16.428" v="754" actId="20577"/>
+          <ac:spMkLst>
+            <pc:docMk/>
+            <pc:sldMk cId="916707446" sldId="256"/>
+            <ac:spMk id="48" creationId="{B03E204B-C32E-4A61-AEC1-69894A829499}"/>
+          </ac:spMkLst>
+        </pc:spChg>
+        <pc:spChg chg="mod">
+          <ac:chgData name="Rahul Peddi" userId="f5f8722710ea5995" providerId="LiveId" clId="{CB25E4AF-5792-4637-AAA2-8EFBE5107DCC}" dt="2019-02-18T04:27:06.437" v="178" actId="255"/>
+          <ac:spMkLst>
+            <pc:docMk/>
+            <pc:sldMk cId="916707446" sldId="256"/>
+            <ac:spMk id="51" creationId="{AB67BA3D-C569-427D-9A9B-4C79E6F22EE0}"/>
+          </ac:spMkLst>
+        </pc:spChg>
+        <pc:spChg chg="add del">
+          <ac:chgData name="Rahul Peddi" userId="f5f8722710ea5995" providerId="LiveId" clId="{CB25E4AF-5792-4637-AAA2-8EFBE5107DCC}" dt="2019-02-18T22:07:44.983" v="500"/>
+          <ac:spMkLst>
+            <pc:docMk/>
+            <pc:sldMk cId="916707446" sldId="256"/>
+            <ac:spMk id="66" creationId="{7C6F388A-DA07-4B13-BF74-A2268AE7E6AA}"/>
+          </ac:spMkLst>
+        </pc:spChg>
+        <pc:spChg chg="add del mod">
+          <ac:chgData name="Rahul Peddi" userId="f5f8722710ea5995" providerId="LiveId" clId="{CB25E4AF-5792-4637-AAA2-8EFBE5107DCC}" dt="2019-02-18T22:11:49.097" v="625" actId="478"/>
+          <ac:spMkLst>
+            <pc:docMk/>
+            <pc:sldMk cId="916707446" sldId="256"/>
+            <ac:spMk id="67" creationId="{227C65E4-FD40-4E57-9D5C-0554D44EE911}"/>
+          </ac:spMkLst>
+        </pc:spChg>
+        <pc:spChg chg="mod">
+          <ac:chgData name="Rahul Peddi" userId="f5f8722710ea5995" providerId="LiveId" clId="{CB25E4AF-5792-4637-AAA2-8EFBE5107DCC}" dt="2019-02-18T04:27:06.437" v="178" actId="255"/>
+          <ac:spMkLst>
+            <pc:docMk/>
+            <pc:sldMk cId="916707446" sldId="256"/>
+            <ac:spMk id="69" creationId="{26E0E398-1E80-4596-A6B9-0F5696C397D4}"/>
+          </ac:spMkLst>
+        </pc:spChg>
+        <pc:spChg chg="mod">
+          <ac:chgData name="Rahul Peddi" userId="f5f8722710ea5995" providerId="LiveId" clId="{CB25E4AF-5792-4637-AAA2-8EFBE5107DCC}" dt="2019-02-18T04:27:06.437" v="178" actId="255"/>
+          <ac:spMkLst>
+            <pc:docMk/>
+            <pc:sldMk cId="916707446" sldId="256"/>
+            <ac:spMk id="71" creationId="{504C0520-AE5B-4464-8CD7-980FB0A687CE}"/>
+          </ac:spMkLst>
+        </pc:spChg>
+        <pc:spChg chg="mod">
+          <ac:chgData name="Rahul Peddi" userId="f5f8722710ea5995" providerId="LiveId" clId="{CB25E4AF-5792-4637-AAA2-8EFBE5107DCC}" dt="2019-02-18T04:27:06.437" v="178" actId="255"/>
+          <ac:spMkLst>
+            <pc:docMk/>
+            <pc:sldMk cId="916707446" sldId="256"/>
+            <ac:spMk id="96" creationId="{404CCF82-ED4E-4D35-A960-4578A6857248}"/>
+          </ac:spMkLst>
+        </pc:spChg>
+        <pc:spChg chg="mod">
+          <ac:chgData name="Rahul Peddi" userId="f5f8722710ea5995" providerId="LiveId" clId="{CB25E4AF-5792-4637-AAA2-8EFBE5107DCC}" dt="2019-02-18T04:27:06.437" v="178" actId="255"/>
+          <ac:spMkLst>
+            <pc:docMk/>
+            <pc:sldMk cId="916707446" sldId="256"/>
+            <ac:spMk id="97" creationId="{2205F757-DABF-49A0-85B6-406143A8C08D}"/>
+          </ac:spMkLst>
+        </pc:spChg>
+        <pc:spChg chg="mod">
+          <ac:chgData name="Rahul Peddi" userId="f5f8722710ea5995" providerId="LiveId" clId="{CB25E4AF-5792-4637-AAA2-8EFBE5107DCC}" dt="2019-02-18T04:27:06.437" v="178" actId="255"/>
+          <ac:spMkLst>
+            <pc:docMk/>
+            <pc:sldMk cId="916707446" sldId="256"/>
+            <ac:spMk id="98" creationId="{49C0C545-2E1C-4D66-9216-71AADEB597DF}"/>
+          </ac:spMkLst>
+        </pc:spChg>
+        <pc:spChg chg="mod">
+          <ac:chgData name="Rahul Peddi" userId="f5f8722710ea5995" providerId="LiveId" clId="{CB25E4AF-5792-4637-AAA2-8EFBE5107DCC}" dt="2019-02-18T04:27:06.437" v="178" actId="255"/>
+          <ac:spMkLst>
+            <pc:docMk/>
+            <pc:sldMk cId="916707446" sldId="256"/>
+            <ac:spMk id="119" creationId="{48459F0A-52CB-4DCF-BB6E-058B0B42DAAB}"/>
+          </ac:spMkLst>
+        </pc:spChg>
+        <pc:spChg chg="mod">
+          <ac:chgData name="Rahul Peddi" userId="f5f8722710ea5995" providerId="LiveId" clId="{CB25E4AF-5792-4637-AAA2-8EFBE5107DCC}" dt="2019-02-18T04:27:06.437" v="178" actId="255"/>
+          <ac:spMkLst>
+            <pc:docMk/>
+            <pc:sldMk cId="916707446" sldId="256"/>
+            <ac:spMk id="131" creationId="{B0AC01CF-17C2-4FAC-9DC6-B9ED0D0F5C05}"/>
+          </ac:spMkLst>
+        </pc:spChg>
+        <pc:spChg chg="mod">
+          <ac:chgData name="Rahul Peddi" userId="f5f8722710ea5995" providerId="LiveId" clId="{CB25E4AF-5792-4637-AAA2-8EFBE5107DCC}" dt="2019-02-18T04:27:06.437" v="178" actId="255"/>
+          <ac:spMkLst>
+            <pc:docMk/>
+            <pc:sldMk cId="916707446" sldId="256"/>
+            <ac:spMk id="144" creationId="{A785EE6F-12D4-46C0-BA4C-9117173AABDA}"/>
+          </ac:spMkLst>
+        </pc:spChg>
+        <pc:spChg chg="mod">
+          <ac:chgData name="Rahul Peddi" userId="f5f8722710ea5995" providerId="LiveId" clId="{CB25E4AF-5792-4637-AAA2-8EFBE5107DCC}" dt="2019-02-18T04:27:06.437" v="178" actId="255"/>
+          <ac:spMkLst>
+            <pc:docMk/>
+            <pc:sldMk cId="916707446" sldId="256"/>
+            <ac:spMk id="156" creationId="{91F61885-E42F-46DB-8245-4C25062FC181}"/>
+          </ac:spMkLst>
+        </pc:spChg>
+        <pc:spChg chg="mod">
+          <ac:chgData name="Rahul Peddi" userId="f5f8722710ea5995" providerId="LiveId" clId="{CB25E4AF-5792-4637-AAA2-8EFBE5107DCC}" dt="2019-02-18T04:27:06.437" v="178" actId="255"/>
+          <ac:spMkLst>
+            <pc:docMk/>
+            <pc:sldMk cId="916707446" sldId="256"/>
+            <ac:spMk id="157" creationId="{EECF94F8-A964-4B6F-9B22-7F9A6295808D}"/>
+          </ac:spMkLst>
+        </pc:spChg>
+        <pc:spChg chg="mod">
+          <ac:chgData name="Rahul Peddi" userId="f5f8722710ea5995" providerId="LiveId" clId="{CB25E4AF-5792-4637-AAA2-8EFBE5107DCC}" dt="2019-02-18T04:27:06.437" v="178" actId="255"/>
+          <ac:spMkLst>
+            <pc:docMk/>
+            <pc:sldMk cId="916707446" sldId="256"/>
+            <ac:spMk id="180" creationId="{0D0E36F4-9AF5-4C5E-8D11-09984F3C6B3F}"/>
+          </ac:spMkLst>
+        </pc:spChg>
+        <pc:spChg chg="mod">
+          <ac:chgData name="Rahul Peddi" userId="f5f8722710ea5995" providerId="LiveId" clId="{CB25E4AF-5792-4637-AAA2-8EFBE5107DCC}" dt="2019-02-18T04:27:06.437" v="178" actId="255"/>
+          <ac:spMkLst>
+            <pc:docMk/>
+            <pc:sldMk cId="916707446" sldId="256"/>
+            <ac:spMk id="181" creationId="{B53EACC7-F351-4A3E-8E20-A8B94C9C3ED4}"/>
+          </ac:spMkLst>
+        </pc:spChg>
+        <pc:spChg chg="mod">
+          <ac:chgData name="Rahul Peddi" userId="f5f8722710ea5995" providerId="LiveId" clId="{CB25E4AF-5792-4637-AAA2-8EFBE5107DCC}" dt="2019-02-18T04:27:06.437" v="178" actId="255"/>
+          <ac:spMkLst>
+            <pc:docMk/>
+            <pc:sldMk cId="916707446" sldId="256"/>
+            <ac:spMk id="191" creationId="{5C3651C0-6E30-437F-B889-B683B93EFB66}"/>
+          </ac:spMkLst>
+        </pc:spChg>
+        <pc:spChg chg="mod">
+          <ac:chgData name="Rahul Peddi" userId="f5f8722710ea5995" providerId="LiveId" clId="{CB25E4AF-5792-4637-AAA2-8EFBE5107DCC}" dt="2019-02-18T04:27:29.331" v="194" actId="1038"/>
+          <ac:spMkLst>
+            <pc:docMk/>
+            <pc:sldMk cId="916707446" sldId="256"/>
+            <ac:spMk id="216" creationId="{86BB5EAB-B776-4EBC-87C2-E7DD05A84537}"/>
+          </ac:spMkLst>
+        </pc:spChg>
+        <pc:spChg chg="mod">
+          <ac:chgData name="Rahul Peddi" userId="f5f8722710ea5995" providerId="LiveId" clId="{CB25E4AF-5792-4637-AAA2-8EFBE5107DCC}" dt="2019-02-18T22:10:10.318" v="601" actId="1076"/>
+          <ac:spMkLst>
+            <pc:docMk/>
+            <pc:sldMk cId="916707446" sldId="256"/>
+            <ac:spMk id="226" creationId="{7827EB0E-839D-43BE-8691-71C760DB67CE}"/>
+          </ac:spMkLst>
+        </pc:spChg>
+        <pc:spChg chg="mod">
+          <ac:chgData name="Rahul Peddi" userId="f5f8722710ea5995" providerId="LiveId" clId="{CB25E4AF-5792-4637-AAA2-8EFBE5107DCC}" dt="2019-02-18T22:12:38.152" v="701" actId="1035"/>
+          <ac:spMkLst>
+            <pc:docMk/>
+            <pc:sldMk cId="916707446" sldId="256"/>
+            <ac:spMk id="227" creationId="{2ABBC1B9-B327-4795-8876-ADADA69C2AE6}"/>
+          </ac:spMkLst>
+        </pc:spChg>
+        <pc:spChg chg="mod">
+          <ac:chgData name="Rahul Peddi" userId="f5f8722710ea5995" providerId="LiveId" clId="{CB25E4AF-5792-4637-AAA2-8EFBE5107DCC}" dt="2019-02-18T04:29:43.164" v="318" actId="1038"/>
+          <ac:spMkLst>
+            <pc:docMk/>
+            <pc:sldMk cId="916707446" sldId="256"/>
+            <ac:spMk id="228" creationId="{AC9E55B6-DD0B-4667-89AF-1ED259CBEE59}"/>
+          </ac:spMkLst>
+        </pc:spChg>
+        <pc:spChg chg="mod">
+          <ac:chgData name="Rahul Peddi" userId="f5f8722710ea5995" providerId="LiveId" clId="{CB25E4AF-5792-4637-AAA2-8EFBE5107DCC}" dt="2019-02-18T04:29:38.025" v="307" actId="1037"/>
+          <ac:spMkLst>
+            <pc:docMk/>
+            <pc:sldMk cId="916707446" sldId="256"/>
+            <ac:spMk id="229" creationId="{13325EE7-8E46-4014-B7B7-6A448E2A84AF}"/>
+          </ac:spMkLst>
+        </pc:spChg>
+        <pc:spChg chg="mod">
+          <ac:chgData name="Rahul Peddi" userId="f5f8722710ea5995" providerId="LiveId" clId="{CB25E4AF-5792-4637-AAA2-8EFBE5107DCC}" dt="2019-02-18T04:28:01.685" v="264" actId="1037"/>
+          <ac:spMkLst>
+            <pc:docMk/>
+            <pc:sldMk cId="916707446" sldId="256"/>
+            <ac:spMk id="230" creationId="{6F69C9A7-FD28-4172-B6C3-71C406DDAD79}"/>
+          </ac:spMkLst>
+        </pc:spChg>
+        <pc:spChg chg="mod">
+          <ac:chgData name="Rahul Peddi" userId="f5f8722710ea5995" providerId="LiveId" clId="{CB25E4AF-5792-4637-AAA2-8EFBE5107DCC}" dt="2019-02-18T04:27:57.298" v="254" actId="1037"/>
+          <ac:spMkLst>
+            <pc:docMk/>
+            <pc:sldMk cId="916707446" sldId="256"/>
+            <ac:spMk id="231" creationId="{70FE2228-E723-4D6D-AC49-A93A51C61693}"/>
+          </ac:spMkLst>
+        </pc:spChg>
+        <pc:spChg chg="mod">
+          <ac:chgData name="Rahul Peddi" userId="f5f8722710ea5995" providerId="LiveId" clId="{CB25E4AF-5792-4637-AAA2-8EFBE5107DCC}" dt="2019-02-18T04:27:06.437" v="178" actId="255"/>
+          <ac:spMkLst>
+            <pc:docMk/>
+            <pc:sldMk cId="916707446" sldId="256"/>
+            <ac:spMk id="236" creationId="{DFB956FA-2378-48AC-8FAC-503D53641662}"/>
+          </ac:spMkLst>
+        </pc:spChg>
+        <pc:spChg chg="mod">
+          <ac:chgData name="Rahul Peddi" userId="f5f8722710ea5995" providerId="LiveId" clId="{CB25E4AF-5792-4637-AAA2-8EFBE5107DCC}" dt="2019-02-18T04:27:06.437" v="178" actId="255"/>
+          <ac:spMkLst>
+            <pc:docMk/>
+            <pc:sldMk cId="916707446" sldId="256"/>
+            <ac:spMk id="237" creationId="{85664D0E-96EE-4CA6-9E22-5002561968E6}"/>
+          </ac:spMkLst>
+        </pc:spChg>
+        <pc:spChg chg="mod">
+          <ac:chgData name="Rahul Peddi" userId="f5f8722710ea5995" providerId="LiveId" clId="{CB25E4AF-5792-4637-AAA2-8EFBE5107DCC}" dt="2019-02-18T04:27:06.437" v="178" actId="255"/>
+          <ac:spMkLst>
+            <pc:docMk/>
+            <pc:sldMk cId="916707446" sldId="256"/>
+            <ac:spMk id="238" creationId="{EB5FB5F3-D11A-4082-97C1-6573328E5241}"/>
+          </ac:spMkLst>
+        </pc:spChg>
+        <pc:spChg chg="mod">
+          <ac:chgData name="Rahul Peddi" userId="f5f8722710ea5995" providerId="LiveId" clId="{CB25E4AF-5792-4637-AAA2-8EFBE5107DCC}" dt="2019-02-18T04:27:06.437" v="178" actId="255"/>
+          <ac:spMkLst>
+            <pc:docMk/>
+            <pc:sldMk cId="916707446" sldId="256"/>
+            <ac:spMk id="239" creationId="{F4D388DF-0B56-488A-AF19-14D1B291EB54}"/>
+          </ac:spMkLst>
+        </pc:spChg>
+        <pc:spChg chg="mod">
+          <ac:chgData name="Rahul Peddi" userId="f5f8722710ea5995" providerId="LiveId" clId="{CB25E4AF-5792-4637-AAA2-8EFBE5107DCC}" dt="2019-02-18T04:27:06.437" v="178" actId="255"/>
+          <ac:spMkLst>
+            <pc:docMk/>
+            <pc:sldMk cId="916707446" sldId="256"/>
+            <ac:spMk id="240" creationId="{39E21419-B4E9-4BF5-ADF3-B8EFFF74F6C8}"/>
+          </ac:spMkLst>
+        </pc:spChg>
+        <pc:grpChg chg="mod">
+          <ac:chgData name="Rahul Peddi" userId="f5f8722710ea5995" providerId="LiveId" clId="{CB25E4AF-5792-4637-AAA2-8EFBE5107DCC}" dt="2019-02-18T22:12:20.603" v="675" actId="1036"/>
+          <ac:grpSpMkLst>
+            <pc:docMk/>
+            <pc:sldMk cId="916707446" sldId="256"/>
+            <ac:grpSpMk id="188" creationId="{AF46327E-FA09-426C-9341-2B76C72EA690}"/>
+          </ac:grpSpMkLst>
+        </pc:grpChg>
+        <pc:picChg chg="add mod">
+          <ac:chgData name="Rahul Peddi" userId="f5f8722710ea5995" providerId="LiveId" clId="{CB25E4AF-5792-4637-AAA2-8EFBE5107DCC}" dt="2019-02-18T22:13:13.845" v="718" actId="1038"/>
+          <ac:picMkLst>
+            <pc:docMk/>
+            <pc:sldMk cId="916707446" sldId="256"/>
+            <ac:picMk id="68" creationId="{0460257B-4470-45A7-83A0-02E94ACE4996}"/>
+          </ac:picMkLst>
+        </pc:picChg>
+        <pc:cxnChg chg="del mod">
+          <ac:chgData name="Rahul Peddi" userId="f5f8722710ea5995" providerId="LiveId" clId="{CB25E4AF-5792-4637-AAA2-8EFBE5107DCC}" dt="2019-02-18T04:28:33.564" v="268" actId="478"/>
+          <ac:cxnSpMkLst>
+            <pc:docMk/>
+            <pc:sldMk cId="916707446" sldId="256"/>
+            <ac:cxnSpMk id="50" creationId="{4E41C870-4C0E-4CD1-8117-01C5120B47AE}"/>
+          </ac:cxnSpMkLst>
+        </pc:cxnChg>
+        <pc:cxnChg chg="add mod">
+          <ac:chgData name="Rahul Peddi" userId="f5f8722710ea5995" providerId="LiveId" clId="{CB25E4AF-5792-4637-AAA2-8EFBE5107DCC}" dt="2019-02-18T04:28:50.848" v="296" actId="14100"/>
+          <ac:cxnSpMkLst>
+            <pc:docMk/>
+            <pc:sldMk cId="916707446" sldId="256"/>
+            <ac:cxnSpMk id="62" creationId="{51289304-82BB-4485-BE4E-DCD2168FAFCD}"/>
+          </ac:cxnSpMkLst>
+        </pc:cxnChg>
+        <pc:cxnChg chg="add del mod">
+          <ac:chgData name="Rahul Peddi" userId="f5f8722710ea5995" providerId="LiveId" clId="{CB25E4AF-5792-4637-AAA2-8EFBE5107DCC}" dt="2019-02-18T22:12:41.564" v="702" actId="478"/>
+          <ac:cxnSpMkLst>
+            <pc:docMk/>
+            <pc:sldMk cId="916707446" sldId="256"/>
+            <ac:cxnSpMk id="72" creationId="{F8C49C06-3C93-487F-8D10-BE654B9DAB6E}"/>
+          </ac:cxnSpMkLst>
+        </pc:cxnChg>
+        <pc:cxnChg chg="add mod">
+          <ac:chgData name="Rahul Peddi" userId="f5f8722710ea5995" providerId="LiveId" clId="{CB25E4AF-5792-4637-AAA2-8EFBE5107DCC}" dt="2019-02-18T22:13:13.845" v="718" actId="1038"/>
+          <ac:cxnSpMkLst>
+            <pc:docMk/>
+            <pc:sldMk cId="916707446" sldId="256"/>
+            <ac:cxnSpMk id="75" creationId="{8585588A-C3D7-4A03-AB71-7BDAEEE1FC7B}"/>
+          </ac:cxnSpMkLst>
+        </pc:cxnChg>
+        <pc:cxnChg chg="add mod">
+          <ac:chgData name="Rahul Peddi" userId="f5f8722710ea5995" providerId="LiveId" clId="{CB25E4AF-5792-4637-AAA2-8EFBE5107DCC}" dt="2019-02-18T22:13:13.845" v="718" actId="1038"/>
+          <ac:cxnSpMkLst>
+            <pc:docMk/>
+            <pc:sldMk cId="916707446" sldId="256"/>
+            <ac:cxnSpMk id="85" creationId="{DFA2E5B0-2EA1-47E6-A8B2-20978308C51F}"/>
+          </ac:cxnSpMkLst>
+        </pc:cxnChg>
+        <pc:cxnChg chg="add del">
+          <ac:chgData name="Rahul Peddi" userId="f5f8722710ea5995" providerId="LiveId" clId="{CB25E4AF-5792-4637-AAA2-8EFBE5107DCC}" dt="2019-02-18T22:13:20.455" v="720"/>
+          <ac:cxnSpMkLst>
+            <pc:docMk/>
+            <pc:sldMk cId="916707446" sldId="256"/>
+            <ac:cxnSpMk id="86" creationId="{9E138899-FB1A-4517-A877-218B65E26EA8}"/>
+          </ac:cxnSpMkLst>
+        </pc:cxnChg>
+        <pc:cxnChg chg="del mod">
+          <ac:chgData name="Rahul Peddi" userId="f5f8722710ea5995" providerId="LiveId" clId="{CB25E4AF-5792-4637-AAA2-8EFBE5107DCC}" dt="2019-02-18T22:11:03.571" v="618" actId="478"/>
+          <ac:cxnSpMkLst>
+            <pc:docMk/>
+            <pc:sldMk cId="916707446" sldId="256"/>
+            <ac:cxnSpMk id="179" creationId="{998D2A28-1F8A-4F9F-AEE9-A02501E51BD4}"/>
+          </ac:cxnSpMkLst>
+        </pc:cxnChg>
+        <pc:cxnChg chg="mod">
+          <ac:chgData name="Rahul Peddi" userId="f5f8722710ea5995" providerId="LiveId" clId="{CB25E4AF-5792-4637-AAA2-8EFBE5107DCC}" dt="2019-02-18T04:27:29.331" v="194" actId="1038"/>
+          <ac:cxnSpMkLst>
+            <pc:docMk/>
+            <pc:sldMk cId="916707446" sldId="256"/>
+            <ac:cxnSpMk id="187" creationId="{CC668142-2C7E-4943-A9F6-849DF00AB13A}"/>
+          </ac:cxnSpMkLst>
+        </pc:cxnChg>
+      </pc:sldChg>
+      <pc:sldChg chg="delSp modSp">
+        <pc:chgData name="Rahul Peddi" userId="f5f8722710ea5995" providerId="LiveId" clId="{CB25E4AF-5792-4637-AAA2-8EFBE5107DCC}" dt="2019-02-14T21:46:52.492" v="52" actId="20577"/>
+        <pc:sldMkLst>
+          <pc:docMk/>
+          <pc:sldMk cId="3625871569" sldId="257"/>
+        </pc:sldMkLst>
+        <pc:spChg chg="del">
+          <ac:chgData name="Rahul Peddi" userId="f5f8722710ea5995" providerId="LiveId" clId="{CB25E4AF-5792-4637-AAA2-8EFBE5107DCC}" dt="2019-02-14T21:45:05.131" v="0" actId="478"/>
+          <ac:spMkLst>
+            <pc:docMk/>
+            <pc:sldMk cId="3625871569" sldId="257"/>
+            <ac:spMk id="71" creationId="{8267F912-9F71-4A88-90D7-F0F6D235EAEC}"/>
+          </ac:spMkLst>
+        </pc:spChg>
+        <pc:spChg chg="mod">
+          <ac:chgData name="Rahul Peddi" userId="f5f8722710ea5995" providerId="LiveId" clId="{CB25E4AF-5792-4637-AAA2-8EFBE5107DCC}" dt="2019-02-14T21:46:52.492" v="52" actId="20577"/>
+          <ac:spMkLst>
+            <pc:docMk/>
+            <pc:sldMk cId="3625871569" sldId="257"/>
+            <ac:spMk id="81" creationId="{621C7DA5-07BF-43C2-8C9D-4D9AF50DBED6}"/>
+          </ac:spMkLst>
+        </pc:spChg>
+        <pc:spChg chg="del">
+          <ac:chgData name="Rahul Peddi" userId="f5f8722710ea5995" providerId="LiveId" clId="{CB25E4AF-5792-4637-AAA2-8EFBE5107DCC}" dt="2019-02-14T21:45:08.115" v="1" actId="478"/>
+          <ac:spMkLst>
+            <pc:docMk/>
+            <pc:sldMk cId="3625871569" sldId="257"/>
+            <ac:spMk id="82" creationId="{763EB571-3D15-45AF-9CC7-F7DB1FCF89D8}"/>
+          </ac:spMkLst>
+        </pc:spChg>
+        <pc:spChg chg="mod">
+          <ac:chgData name="Rahul Peddi" userId="f5f8722710ea5995" providerId="LiveId" clId="{CB25E4AF-5792-4637-AAA2-8EFBE5107DCC}" dt="2019-02-14T21:46:21.364" v="22" actId="1076"/>
+          <ac:spMkLst>
+            <pc:docMk/>
+            <pc:sldMk cId="3625871569" sldId="257"/>
+            <ac:spMk id="83" creationId="{76A9BEAA-0682-4CD7-A70E-7BA21B61E510}"/>
+          </ac:spMkLst>
+        </pc:spChg>
+        <pc:cxnChg chg="mod">
+          <ac:chgData name="Rahul Peddi" userId="f5f8722710ea5995" providerId="LiveId" clId="{CB25E4AF-5792-4637-AAA2-8EFBE5107DCC}" dt="2019-02-14T21:46:33.133" v="25" actId="692"/>
+          <ac:cxnSpMkLst>
+            <pc:docMk/>
+            <pc:sldMk cId="3625871569" sldId="257"/>
+            <ac:cxnSpMk id="30" creationId="{73515440-5A22-4DF7-B1B6-8B3040ABB019}"/>
+          </ac:cxnSpMkLst>
+        </pc:cxnChg>
+        <pc:cxnChg chg="del mod">
+          <ac:chgData name="Rahul Peddi" userId="f5f8722710ea5995" providerId="LiveId" clId="{CB25E4AF-5792-4637-AAA2-8EFBE5107DCC}" dt="2019-02-14T21:45:36.123" v="6" actId="478"/>
+          <ac:cxnSpMkLst>
+            <pc:docMk/>
+            <pc:sldMk cId="3625871569" sldId="257"/>
+            <ac:cxnSpMk id="73" creationId="{2B15C751-A2E5-41C7-BFE8-5893FA982890}"/>
+          </ac:cxnSpMkLst>
+        </pc:cxnChg>
+      </pc:sldChg>
+      <pc:sldChg chg="addSp delSp modSp add del">
+        <pc:chgData name="Rahul Peddi" userId="f5f8722710ea5995" providerId="LiveId" clId="{CB25E4AF-5792-4637-AAA2-8EFBE5107DCC}" dt="2019-02-18T16:07:59.136" v="468" actId="2696"/>
+        <pc:sldMkLst>
+          <pc:docMk/>
+          <pc:sldMk cId="3020414285" sldId="258"/>
+        </pc:sldMkLst>
+        <pc:spChg chg="add mod ord">
+          <ac:chgData name="Rahul Peddi" userId="f5f8722710ea5995" providerId="LiveId" clId="{CB25E4AF-5792-4637-AAA2-8EFBE5107DCC}" dt="2019-02-18T07:08:00.765" v="453" actId="1037"/>
+          <ac:spMkLst>
+            <pc:docMk/>
+            <pc:sldMk cId="3020414285" sldId="258"/>
+            <ac:spMk id="2" creationId="{D27FEE64-474D-476C-8C81-064830D400BB}"/>
+          </ac:spMkLst>
+        </pc:spChg>
+        <pc:spChg chg="del">
+          <ac:chgData name="Rahul Peddi" userId="f5f8722710ea5995" providerId="LiveId" clId="{CB25E4AF-5792-4637-AAA2-8EFBE5107DCC}" dt="2019-02-18T04:22:25.396" v="54" actId="478"/>
+          <ac:spMkLst>
+            <pc:docMk/>
+            <pc:sldMk cId="3020414285" sldId="258"/>
+            <ac:spMk id="4" creationId="{C41A784A-3296-480B-9E7C-5D0B58058917}"/>
+          </ac:spMkLst>
+        </pc:spChg>
+        <pc:spChg chg="mod">
+          <ac:chgData name="Rahul Peddi" userId="f5f8722710ea5995" providerId="LiveId" clId="{CB25E4AF-5792-4637-AAA2-8EFBE5107DCC}" dt="2019-02-18T07:08:00.765" v="453" actId="1037"/>
+          <ac:spMkLst>
+            <pc:docMk/>
+            <pc:sldMk cId="3020414285" sldId="258"/>
+            <ac:spMk id="5" creationId="{0B48700A-CC5A-416F-B30A-8A3BEE18382A}"/>
+          </ac:spMkLst>
+        </pc:spChg>
+        <pc:spChg chg="mod">
+          <ac:chgData name="Rahul Peddi" userId="f5f8722710ea5995" providerId="LiveId" clId="{CB25E4AF-5792-4637-AAA2-8EFBE5107DCC}" dt="2019-02-18T07:08:00.765" v="453" actId="1037"/>
+          <ac:spMkLst>
+            <pc:docMk/>
+            <pc:sldMk cId="3020414285" sldId="258"/>
+            <ac:spMk id="6" creationId="{2E075DD2-942E-4AA0-BB94-0A9F8B4E29D9}"/>
+          </ac:spMkLst>
+        </pc:spChg>
+        <pc:spChg chg="mod">
+          <ac:chgData name="Rahul Peddi" userId="f5f8722710ea5995" providerId="LiveId" clId="{CB25E4AF-5792-4637-AAA2-8EFBE5107DCC}" dt="2019-02-18T07:08:00.765" v="453" actId="1037"/>
+          <ac:spMkLst>
+            <pc:docMk/>
+            <pc:sldMk cId="3020414285" sldId="258"/>
+            <ac:spMk id="7" creationId="{E242D4D6-3033-433D-B16B-545A8C4FC87A}"/>
+          </ac:spMkLst>
+        </pc:spChg>
+        <pc:spChg chg="mod">
+          <ac:chgData name="Rahul Peddi" userId="f5f8722710ea5995" providerId="LiveId" clId="{CB25E4AF-5792-4637-AAA2-8EFBE5107DCC}" dt="2019-02-18T07:08:00.765" v="453" actId="1037"/>
+          <ac:spMkLst>
+            <pc:docMk/>
+            <pc:sldMk cId="3020414285" sldId="258"/>
+            <ac:spMk id="8" creationId="{E8839FF8-A8F0-40AC-A495-42157B378CC4}"/>
+          </ac:spMkLst>
+        </pc:spChg>
+        <pc:spChg chg="mod">
+          <ac:chgData name="Rahul Peddi" userId="f5f8722710ea5995" providerId="LiveId" clId="{CB25E4AF-5792-4637-AAA2-8EFBE5107DCC}" dt="2019-02-18T07:08:00.765" v="453" actId="1037"/>
+          <ac:spMkLst>
+            <pc:docMk/>
+            <pc:sldMk cId="3020414285" sldId="258"/>
+            <ac:spMk id="15" creationId="{7715315B-590E-45CF-83CB-4013572EAAEB}"/>
+          </ac:spMkLst>
+        </pc:spChg>
+        <pc:spChg chg="mod">
+          <ac:chgData name="Rahul Peddi" userId="f5f8722710ea5995" providerId="LiveId" clId="{CB25E4AF-5792-4637-AAA2-8EFBE5107DCC}" dt="2019-02-18T07:08:00.765" v="453" actId="1037"/>
+          <ac:spMkLst>
+            <pc:docMk/>
+            <pc:sldMk cId="3020414285" sldId="258"/>
+            <ac:spMk id="16" creationId="{E936755D-DD1E-4C9D-8C75-3B91FFB83D20}"/>
+          </ac:spMkLst>
+        </pc:spChg>
+        <pc:spChg chg="mod">
+          <ac:chgData name="Rahul Peddi" userId="f5f8722710ea5995" providerId="LiveId" clId="{CB25E4AF-5792-4637-AAA2-8EFBE5107DCC}" dt="2019-02-18T07:08:00.765" v="453" actId="1037"/>
+          <ac:spMkLst>
+            <pc:docMk/>
+            <pc:sldMk cId="3020414285" sldId="258"/>
+            <ac:spMk id="18" creationId="{EE3FE011-1231-4AFC-93DA-B2AD204D47ED}"/>
+          </ac:spMkLst>
+        </pc:spChg>
+        <pc:spChg chg="mod">
+          <ac:chgData name="Rahul Peddi" userId="f5f8722710ea5995" providerId="LiveId" clId="{CB25E4AF-5792-4637-AAA2-8EFBE5107DCC}" dt="2019-02-18T07:08:00.765" v="453" actId="1037"/>
+          <ac:spMkLst>
+            <pc:docMk/>
+            <pc:sldMk cId="3020414285" sldId="258"/>
+            <ac:spMk id="19" creationId="{E08A2870-1A18-4808-A098-4CD477CAB781}"/>
+          </ac:spMkLst>
+        </pc:spChg>
+        <pc:spChg chg="del mod">
+          <ac:chgData name="Rahul Peddi" userId="f5f8722710ea5995" providerId="LiveId" clId="{CB25E4AF-5792-4637-AAA2-8EFBE5107DCC}" dt="2019-02-18T04:23:19.733" v="116" actId="478"/>
+          <ac:spMkLst>
+            <pc:docMk/>
+            <pc:sldMk cId="3020414285" sldId="258"/>
+            <ac:spMk id="24" creationId="{17950BB9-FE5C-4EE0-93CA-284484FE4290}"/>
+          </ac:spMkLst>
+        </pc:spChg>
+        <pc:spChg chg="mod">
+          <ac:chgData name="Rahul Peddi" userId="f5f8722710ea5995" providerId="LiveId" clId="{CB25E4AF-5792-4637-AAA2-8EFBE5107DCC}" dt="2019-02-18T07:08:00.765" v="453" actId="1037"/>
+          <ac:spMkLst>
+            <pc:docMk/>
+            <pc:sldMk cId="3020414285" sldId="258"/>
+            <ac:spMk id="25" creationId="{F5617655-64E5-4342-9CFB-F38121851FE0}"/>
+          </ac:spMkLst>
+        </pc:spChg>
+        <pc:spChg chg="add mod">
+          <ac:chgData name="Rahul Peddi" userId="f5f8722710ea5995" providerId="LiveId" clId="{CB25E4AF-5792-4637-AAA2-8EFBE5107DCC}" dt="2019-02-18T07:08:00.765" v="453" actId="1037"/>
+          <ac:spMkLst>
+            <pc:docMk/>
+            <pc:sldMk cId="3020414285" sldId="258"/>
+            <ac:spMk id="27" creationId="{CC699B97-8BA3-423B-861D-E0B20EF7F294}"/>
+          </ac:spMkLst>
+        </pc:spChg>
+        <pc:spChg chg="del">
+          <ac:chgData name="Rahul Peddi" userId="f5f8722710ea5995" providerId="LiveId" clId="{CB25E4AF-5792-4637-AAA2-8EFBE5107DCC}" dt="2019-02-18T04:22:27.334" v="56" actId="478"/>
+          <ac:spMkLst>
+            <pc:docMk/>
+            <pc:sldMk cId="3020414285" sldId="258"/>
+            <ac:spMk id="28" creationId="{787E96AE-BD5A-400E-B9A8-229CDE79ABA9}"/>
+          </ac:spMkLst>
+        </pc:spChg>
+        <pc:spChg chg="add mod">
+          <ac:chgData name="Rahul Peddi" userId="f5f8722710ea5995" providerId="LiveId" clId="{CB25E4AF-5792-4637-AAA2-8EFBE5107DCC}" dt="2019-02-18T07:08:00.765" v="453" actId="1037"/>
+          <ac:spMkLst>
+            <pc:docMk/>
+            <pc:sldMk cId="3020414285" sldId="258"/>
+            <ac:spMk id="31" creationId="{F5965033-EFA0-4FD4-8C95-42C42F1FA853}"/>
+          </ac:spMkLst>
+        </pc:spChg>
+        <pc:spChg chg="add mod">
+          <ac:chgData name="Rahul Peddi" userId="f5f8722710ea5995" providerId="LiveId" clId="{CB25E4AF-5792-4637-AAA2-8EFBE5107DCC}" dt="2019-02-18T07:08:49.209" v="465" actId="1035"/>
+          <ac:spMkLst>
+            <pc:docMk/>
+            <pc:sldMk cId="3020414285" sldId="258"/>
+            <ac:spMk id="32" creationId="{BDF9EDE7-BD4F-43E2-BF5C-019BA0B54F3A}"/>
+          </ac:spMkLst>
+        </pc:spChg>
+        <pc:spChg chg="del">
+          <ac:chgData name="Rahul Peddi" userId="f5f8722710ea5995" providerId="LiveId" clId="{CB25E4AF-5792-4637-AAA2-8EFBE5107DCC}" dt="2019-02-18T04:23:46.289" v="124" actId="478"/>
+          <ac:spMkLst>
+            <pc:docMk/>
+            <pc:sldMk cId="3020414285" sldId="258"/>
+            <ac:spMk id="81" creationId="{621C7DA5-07BF-43C2-8C9D-4D9AF50DBED6}"/>
+          </ac:spMkLst>
+        </pc:spChg>
+        <pc:spChg chg="del">
+          <ac:chgData name="Rahul Peddi" userId="f5f8722710ea5995" providerId="LiveId" clId="{CB25E4AF-5792-4637-AAA2-8EFBE5107DCC}" dt="2019-02-18T04:23:40.225" v="122" actId="478"/>
+          <ac:spMkLst>
+            <pc:docMk/>
+            <pc:sldMk cId="3020414285" sldId="258"/>
+            <ac:spMk id="83" creationId="{76A9BEAA-0682-4CD7-A70E-7BA21B61E510}"/>
+          </ac:spMkLst>
+        </pc:spChg>
+        <pc:cxnChg chg="mod">
+          <ac:chgData name="Rahul Peddi" userId="f5f8722710ea5995" providerId="LiveId" clId="{CB25E4AF-5792-4637-AAA2-8EFBE5107DCC}" dt="2019-02-18T07:08:00.765" v="453" actId="1037"/>
+          <ac:cxnSpMkLst>
+            <pc:docMk/>
+            <pc:sldMk cId="3020414285" sldId="258"/>
+            <ac:cxnSpMk id="10" creationId="{33879D10-61CB-4775-9357-C490F58BD118}"/>
+          </ac:cxnSpMkLst>
+        </pc:cxnChg>
+        <pc:cxnChg chg="mod">
+          <ac:chgData name="Rahul Peddi" userId="f5f8722710ea5995" providerId="LiveId" clId="{CB25E4AF-5792-4637-AAA2-8EFBE5107DCC}" dt="2019-02-18T07:08:00.765" v="453" actId="1037"/>
+          <ac:cxnSpMkLst>
+            <pc:docMk/>
+            <pc:sldMk cId="3020414285" sldId="258"/>
+            <ac:cxnSpMk id="12" creationId="{7C07CD14-C8AA-4DF9-9E9E-61E6CDD94959}"/>
+          </ac:cxnSpMkLst>
+        </pc:cxnChg>
+        <pc:cxnChg chg="mod">
+          <ac:chgData name="Rahul Peddi" userId="f5f8722710ea5995" providerId="LiveId" clId="{CB25E4AF-5792-4637-AAA2-8EFBE5107DCC}" dt="2019-02-18T07:08:00.765" v="453" actId="1037"/>
+          <ac:cxnSpMkLst>
+            <pc:docMk/>
+            <pc:sldMk cId="3020414285" sldId="258"/>
+            <ac:cxnSpMk id="13" creationId="{4D15E9D7-0B61-4615-B19E-83143388533D}"/>
+          </ac:cxnSpMkLst>
+        </pc:cxnChg>
+        <pc:cxnChg chg="mod">
+          <ac:chgData name="Rahul Peddi" userId="f5f8722710ea5995" providerId="LiveId" clId="{CB25E4AF-5792-4637-AAA2-8EFBE5107DCC}" dt="2019-02-18T07:08:00.765" v="453" actId="1037"/>
+          <ac:cxnSpMkLst>
+            <pc:docMk/>
+            <pc:sldMk cId="3020414285" sldId="258"/>
+            <ac:cxnSpMk id="14" creationId="{4BA7E1F9-265F-4477-99FB-834FBA844EC1}"/>
+          </ac:cxnSpMkLst>
+        </pc:cxnChg>
+        <pc:cxnChg chg="mod">
+          <ac:chgData name="Rahul Peddi" userId="f5f8722710ea5995" providerId="LiveId" clId="{CB25E4AF-5792-4637-AAA2-8EFBE5107DCC}" dt="2019-02-18T07:08:00.765" v="453" actId="1037"/>
+          <ac:cxnSpMkLst>
+            <pc:docMk/>
+            <pc:sldMk cId="3020414285" sldId="258"/>
+            <ac:cxnSpMk id="17" creationId="{C3459528-8E4D-4D84-892B-9CE461BD1619}"/>
+          </ac:cxnSpMkLst>
+        </pc:cxnChg>
+        <pc:cxnChg chg="mod">
+          <ac:chgData name="Rahul Peddi" userId="f5f8722710ea5995" providerId="LiveId" clId="{CB25E4AF-5792-4637-AAA2-8EFBE5107DCC}" dt="2019-02-18T07:08:00.765" v="453" actId="1037"/>
+          <ac:cxnSpMkLst>
+            <pc:docMk/>
+            <pc:sldMk cId="3020414285" sldId="258"/>
+            <ac:cxnSpMk id="21" creationId="{1EEA48F2-1F5F-4646-9637-FC32FF73E600}"/>
+          </ac:cxnSpMkLst>
+        </pc:cxnChg>
+        <pc:cxnChg chg="del">
+          <ac:chgData name="Rahul Peddi" userId="f5f8722710ea5995" providerId="LiveId" clId="{CB25E4AF-5792-4637-AAA2-8EFBE5107DCC}" dt="2019-02-18T04:22:28.548" v="57" actId="478"/>
+          <ac:cxnSpMkLst>
+            <pc:docMk/>
+            <pc:sldMk cId="3020414285" sldId="258"/>
+            <ac:cxnSpMk id="26" creationId="{BEB94C12-928A-4A11-B505-89F8DAEBDB94}"/>
+          </ac:cxnSpMkLst>
+        </pc:cxnChg>
+        <pc:cxnChg chg="del mod">
+          <ac:chgData name="Rahul Peddi" userId="f5f8722710ea5995" providerId="LiveId" clId="{CB25E4AF-5792-4637-AAA2-8EFBE5107DCC}" dt="2019-02-18T04:22:26.268" v="55" actId="478"/>
+          <ac:cxnSpMkLst>
+            <pc:docMk/>
+            <pc:sldMk cId="3020414285" sldId="258"/>
+            <ac:cxnSpMk id="30" creationId="{73515440-5A22-4DF7-B1B6-8B3040ABB019}"/>
+          </ac:cxnSpMkLst>
+        </pc:cxnChg>
+        <pc:cxnChg chg="add mod">
+          <ac:chgData name="Rahul Peddi" userId="f5f8722710ea5995" providerId="LiveId" clId="{CB25E4AF-5792-4637-AAA2-8EFBE5107DCC}" dt="2019-02-18T07:08:53.761" v="466" actId="14100"/>
+          <ac:cxnSpMkLst>
+            <pc:docMk/>
+            <pc:sldMk cId="3020414285" sldId="258"/>
+            <ac:cxnSpMk id="33" creationId="{64F208AD-96D6-48C4-8C90-250E55E72CB0}"/>
+          </ac:cxnSpMkLst>
+        </pc:cxnChg>
+        <pc:cxnChg chg="del">
+          <ac:chgData name="Rahul Peddi" userId="f5f8722710ea5995" providerId="LiveId" clId="{CB25E4AF-5792-4637-AAA2-8EFBE5107DCC}" dt="2019-02-18T04:23:44.398" v="123" actId="478"/>
+          <ac:cxnSpMkLst>
+            <pc:docMk/>
+            <pc:sldMk cId="3020414285" sldId="258"/>
+            <ac:cxnSpMk id="42" creationId="{C89904B0-30B0-46CB-8EEC-1010F4412EF4}"/>
+          </ac:cxnSpMkLst>
+        </pc:cxnChg>
+        <pc:cxnChg chg="del">
+          <ac:chgData name="Rahul Peddi" userId="f5f8722710ea5995" providerId="LiveId" clId="{CB25E4AF-5792-4637-AAA2-8EFBE5107DCC}" dt="2019-02-18T04:23:47.212" v="125" actId="478"/>
+          <ac:cxnSpMkLst>
+            <pc:docMk/>
+            <pc:sldMk cId="3020414285" sldId="258"/>
+            <ac:cxnSpMk id="55" creationId="{C2444D98-81EE-459A-9101-DE1F45021816}"/>
+          </ac:cxnSpMkLst>
+        </pc:cxnChg>
+      </pc:sldChg>
+      <pc:sldChg chg="delSp modSp add">
+        <pc:chgData name="Rahul Peddi" userId="f5f8722710ea5995" providerId="LiveId" clId="{CB25E4AF-5792-4637-AAA2-8EFBE5107DCC}" dt="2019-02-18T16:08:29.905" v="493" actId="1035"/>
+        <pc:sldMkLst>
+          <pc:docMk/>
+          <pc:sldMk cId="2851410350" sldId="259"/>
+        </pc:sldMkLst>
+        <pc:spChg chg="del">
+          <ac:chgData name="Rahul Peddi" userId="f5f8722710ea5995" providerId="LiveId" clId="{CB25E4AF-5792-4637-AAA2-8EFBE5107DCC}" dt="2019-02-18T16:08:08.129" v="472" actId="478"/>
+          <ac:spMkLst>
+            <pc:docMk/>
+            <pc:sldMk cId="2851410350" sldId="259"/>
+            <ac:spMk id="15" creationId="{7715315B-590E-45CF-83CB-4013572EAAEB}"/>
+          </ac:spMkLst>
+        </pc:spChg>
+        <pc:spChg chg="del">
+          <ac:chgData name="Rahul Peddi" userId="f5f8722710ea5995" providerId="LiveId" clId="{CB25E4AF-5792-4637-AAA2-8EFBE5107DCC}" dt="2019-02-18T16:08:10.041" v="473" actId="478"/>
+          <ac:spMkLst>
+            <pc:docMk/>
+            <pc:sldMk cId="2851410350" sldId="259"/>
+            <ac:spMk id="16" creationId="{E936755D-DD1E-4C9D-8C75-3B91FFB83D20}"/>
+          </ac:spMkLst>
+        </pc:spChg>
+        <pc:spChg chg="del">
+          <ac:chgData name="Rahul Peddi" userId="f5f8722710ea5995" providerId="LiveId" clId="{CB25E4AF-5792-4637-AAA2-8EFBE5107DCC}" dt="2019-02-18T16:08:06.323" v="471" actId="478"/>
+          <ac:spMkLst>
+            <pc:docMk/>
+            <pc:sldMk cId="2851410350" sldId="259"/>
+            <ac:spMk id="18" creationId="{EE3FE011-1231-4AFC-93DA-B2AD204D47ED}"/>
+          </ac:spMkLst>
+        </pc:spChg>
+        <pc:spChg chg="del">
+          <ac:chgData name="Rahul Peddi" userId="f5f8722710ea5995" providerId="LiveId" clId="{CB25E4AF-5792-4637-AAA2-8EFBE5107DCC}" dt="2019-02-18T16:08:04.879" v="470" actId="478"/>
+          <ac:spMkLst>
+            <pc:docMk/>
+            <pc:sldMk cId="2851410350" sldId="259"/>
+            <ac:spMk id="19" creationId="{E08A2870-1A18-4808-A098-4CD477CAB781}"/>
+          </ac:spMkLst>
+        </pc:spChg>
+        <pc:cxnChg chg="del">
+          <ac:chgData name="Rahul Peddi" userId="f5f8722710ea5995" providerId="LiveId" clId="{CB25E4AF-5792-4637-AAA2-8EFBE5107DCC}" dt="2019-02-18T16:08:21.633" v="474" actId="478"/>
+          <ac:cxnSpMkLst>
+            <pc:docMk/>
+            <pc:sldMk cId="2851410350" sldId="259"/>
+            <ac:cxnSpMk id="13" creationId="{4D15E9D7-0B61-4615-B19E-83143388533D}"/>
+          </ac:cxnSpMkLst>
+        </pc:cxnChg>
+        <pc:cxnChg chg="mod">
+          <ac:chgData name="Rahul Peddi" userId="f5f8722710ea5995" providerId="LiveId" clId="{CB25E4AF-5792-4637-AAA2-8EFBE5107DCC}" dt="2019-02-18T16:08:29.905" v="493" actId="1035"/>
+          <ac:cxnSpMkLst>
+            <pc:docMk/>
+            <pc:sldMk cId="2851410350" sldId="259"/>
+            <ac:cxnSpMk id="17" creationId="{C3459528-8E4D-4D84-892B-9CE461BD1619}"/>
           </ac:cxnSpMkLst>
         </pc:cxnChg>
       </pc:sldChg>
@@ -1211,7 +1944,7 @@
           <a:p>
             <a:fld id="{867BF435-8069-48E5-9C04-75840B59FFBF}" type="datetimeFigureOut">
               <a:rPr lang="en-US" smtClean="0"/>
-              <a:t>2/11/2019</a:t>
+              <a:t>3/3/2019</a:t>
             </a:fld>
             <a:endParaRPr lang="en-US"/>
           </a:p>
@@ -1409,7 +2142,7 @@
           <a:p>
             <a:fld id="{867BF435-8069-48E5-9C04-75840B59FFBF}" type="datetimeFigureOut">
               <a:rPr lang="en-US" smtClean="0"/>
-              <a:t>2/11/2019</a:t>
+              <a:t>3/3/2019</a:t>
             </a:fld>
             <a:endParaRPr lang="en-US"/>
           </a:p>
@@ -1617,7 +2350,7 @@
           <a:p>
             <a:fld id="{867BF435-8069-48E5-9C04-75840B59FFBF}" type="datetimeFigureOut">
               <a:rPr lang="en-US" smtClean="0"/>
-              <a:t>2/11/2019</a:t>
+              <a:t>3/3/2019</a:t>
             </a:fld>
             <a:endParaRPr lang="en-US"/>
           </a:p>
@@ -1815,7 +2548,7 @@
           <a:p>
             <a:fld id="{867BF435-8069-48E5-9C04-75840B59FFBF}" type="datetimeFigureOut">
               <a:rPr lang="en-US" smtClean="0"/>
-              <a:t>2/11/2019</a:t>
+              <a:t>3/3/2019</a:t>
             </a:fld>
             <a:endParaRPr lang="en-US"/>
           </a:p>
@@ -2090,7 +2823,7 @@
           <a:p>
             <a:fld id="{867BF435-8069-48E5-9C04-75840B59FFBF}" type="datetimeFigureOut">
               <a:rPr lang="en-US" smtClean="0"/>
-              <a:t>2/11/2019</a:t>
+              <a:t>3/3/2019</a:t>
             </a:fld>
             <a:endParaRPr lang="en-US"/>
           </a:p>
@@ -2355,7 +3088,7 @@
           <a:p>
             <a:fld id="{867BF435-8069-48E5-9C04-75840B59FFBF}" type="datetimeFigureOut">
               <a:rPr lang="en-US" smtClean="0"/>
-              <a:t>2/11/2019</a:t>
+              <a:t>3/3/2019</a:t>
             </a:fld>
             <a:endParaRPr lang="en-US"/>
           </a:p>
@@ -2767,7 +3500,7 @@
           <a:p>
             <a:fld id="{867BF435-8069-48E5-9C04-75840B59FFBF}" type="datetimeFigureOut">
               <a:rPr lang="en-US" smtClean="0"/>
-              <a:t>2/11/2019</a:t>
+              <a:t>3/3/2019</a:t>
             </a:fld>
             <a:endParaRPr lang="en-US"/>
           </a:p>
@@ -2908,7 +3641,7 @@
           <a:p>
             <a:fld id="{867BF435-8069-48E5-9C04-75840B59FFBF}" type="datetimeFigureOut">
               <a:rPr lang="en-US" smtClean="0"/>
-              <a:t>2/11/2019</a:t>
+              <a:t>3/3/2019</a:t>
             </a:fld>
             <a:endParaRPr lang="en-US"/>
           </a:p>
@@ -3021,7 +3754,7 @@
           <a:p>
             <a:fld id="{867BF435-8069-48E5-9C04-75840B59FFBF}" type="datetimeFigureOut">
               <a:rPr lang="en-US" smtClean="0"/>
-              <a:t>2/11/2019</a:t>
+              <a:t>3/3/2019</a:t>
             </a:fld>
             <a:endParaRPr lang="en-US"/>
           </a:p>
@@ -3332,7 +4065,7 @@
           <a:p>
             <a:fld id="{867BF435-8069-48E5-9C04-75840B59FFBF}" type="datetimeFigureOut">
               <a:rPr lang="en-US" smtClean="0"/>
-              <a:t>2/11/2019</a:t>
+              <a:t>3/3/2019</a:t>
             </a:fld>
             <a:endParaRPr lang="en-US"/>
           </a:p>
@@ -3620,7 +4353,7 @@
           <a:p>
             <a:fld id="{867BF435-8069-48E5-9C04-75840B59FFBF}" type="datetimeFigureOut">
               <a:rPr lang="en-US" smtClean="0"/>
-              <a:t>2/11/2019</a:t>
+              <a:t>3/3/2019</a:t>
             </a:fld>
             <a:endParaRPr lang="en-US"/>
           </a:p>
@@ -3861,7 +4594,7 @@
           <a:p>
             <a:fld id="{867BF435-8069-48E5-9C04-75840B59FFBF}" type="datetimeFigureOut">
               <a:rPr lang="en-US" smtClean="0"/>
-              <a:t>2/11/2019</a:t>
+              <a:t>3/3/2019</a:t>
             </a:fld>
             <a:endParaRPr lang="en-US"/>
           </a:p>
@@ -4292,10 +5025,10 @@
         </p:nvGrpSpPr>
         <p:grpSpPr>
           <a:xfrm>
-            <a:off x="722812" y="539931"/>
-            <a:ext cx="10528662" cy="5634446"/>
-            <a:chOff x="1619795" y="1221377"/>
-            <a:chExt cx="8502738" cy="3852985"/>
+            <a:off x="155234" y="539931"/>
+            <a:ext cx="11096240" cy="5634446"/>
+            <a:chOff x="1161432" y="1221377"/>
+            <a:chExt cx="8961101" cy="3852985"/>
           </a:xfrm>
         </p:grpSpPr>
         <p:grpSp>
@@ -4496,41 +5229,41 @@
             <a:p>
               <a:pPr algn="ctr"/>
               <a:r>
-                <a:rPr lang="en-US" sz="1400" b="1" dirty="0">
+                <a:rPr lang="en-US" b="1" dirty="0">
                   <a:latin typeface="Times New Roman" panose="02020603050405020304" pitchFamily="18" charset="0"/>
                   <a:cs typeface="Times New Roman" panose="02020603050405020304" pitchFamily="18" charset="0"/>
                 </a:rPr>
                 <a:t>p</a:t>
               </a:r>
               <a:r>
-                <a:rPr lang="en-US" sz="1400" i="1" baseline="-25000" dirty="0">
+                <a:rPr lang="en-US" i="1" baseline="-25000" dirty="0">
                   <a:latin typeface="Times New Roman" panose="02020603050405020304" pitchFamily="18" charset="0"/>
                   <a:cs typeface="Times New Roman" panose="02020603050405020304" pitchFamily="18" charset="0"/>
                 </a:rPr>
                 <a:t>rx</a:t>
               </a:r>
               <a:r>
-                <a:rPr lang="en-US" sz="1400" dirty="0">
+                <a:rPr lang="en-US" dirty="0">
                   <a:latin typeface="Times New Roman" panose="02020603050405020304" pitchFamily="18" charset="0"/>
                   <a:cs typeface="Times New Roman" panose="02020603050405020304" pitchFamily="18" charset="0"/>
                 </a:rPr>
                 <a:t>(</a:t>
               </a:r>
               <a:r>
-                <a:rPr lang="en-US" sz="1400" i="1" dirty="0">
+                <a:rPr lang="en-US" i="1" dirty="0">
                   <a:latin typeface="Times New Roman" panose="02020603050405020304" pitchFamily="18" charset="0"/>
                   <a:cs typeface="Times New Roman" panose="02020603050405020304" pitchFamily="18" charset="0"/>
                 </a:rPr>
                 <a:t>t</a:t>
               </a:r>
               <a:r>
-                <a:rPr lang="en-US" sz="1400" dirty="0">
+                <a:rPr lang="en-US" dirty="0">
                   <a:latin typeface="Times New Roman" panose="02020603050405020304" pitchFamily="18" charset="0"/>
                   <a:cs typeface="Times New Roman" panose="02020603050405020304" pitchFamily="18" charset="0"/>
                 </a:rPr>
                 <a:t>)</a:t>
               </a:r>
-              <a:endParaRPr lang="en-US" sz="1400" baseline="-25000" dirty="0">
+              <a:endParaRPr lang="en-US" baseline="-25000" dirty="0">
                 <a:latin typeface="Times New Roman" panose="02020603050405020304" pitchFamily="18" charset="0"/>
                 <a:cs typeface="Times New Roman" panose="02020603050405020304" pitchFamily="18" charset="0"/>
               </a:endParaRPr>
@@ -4573,12 +5306,12 @@
             </a:fontRef>
           </p:style>
           <p:txBody>
-            <a:bodyPr rtlCol="0" anchor="ctr"/>
+            <a:bodyPr rtlCol="0" anchor="t"/>
             <a:lstStyle/>
             <a:p>
               <a:pPr algn="ctr"/>
               <a:r>
-                <a:rPr lang="en-US" sz="1400" dirty="0">
+                <a:rPr lang="en-US" dirty="0">
                   <a:latin typeface="Times New Roman" panose="02020603050405020304" pitchFamily="18" charset="0"/>
                   <a:cs typeface="Times New Roman" panose="02020603050405020304" pitchFamily="18" charset="0"/>
                 </a:rPr>
@@ -4665,8 +5398,8 @@
             </a:fontRef>
           </p:style>
         </p:cxnSp>
-        <mc:AlternateContent xmlns:mc="http://schemas.openxmlformats.org/markup-compatibility/2006">
-          <mc:Choice xmlns:a14="http://schemas.microsoft.com/office/drawing/2010/main" Requires="a14">
+        <mc:AlternateContent xmlns:mc="http://schemas.openxmlformats.org/markup-compatibility/2006" xmlns:a14="http://schemas.microsoft.com/office/drawing/2010/main">
+          <mc:Choice Requires="a14">
             <p:sp>
               <p:nvSpPr>
                 <p:cNvPr id="47" name="Rectangle 46">
@@ -4681,8 +5414,8 @@
               </p:nvSpPr>
               <p:spPr>
                 <a:xfrm>
-                  <a:off x="5468986" y="2993570"/>
-                  <a:ext cx="883919" cy="352696"/>
+                  <a:off x="5468986" y="2934784"/>
+                  <a:ext cx="883919" cy="411483"/>
                 </a:xfrm>
                 <a:prstGeom prst="rect">
                   <a:avLst/>
@@ -4708,7 +5441,7 @@
                 <a:p>
                   <a:pPr algn="ctr"/>
                   <a:r>
-                    <a:rPr lang="en-US" sz="1400" dirty="0">
+                    <a:rPr lang="en-US" dirty="0">
                       <a:latin typeface="Times New Roman" panose="02020603050405020304" pitchFamily="18" charset="0"/>
                       <a:cs typeface="Times New Roman" panose="02020603050405020304" pitchFamily="18" charset="0"/>
                     </a:rPr>
@@ -4719,7 +5452,7 @@
                       <m:sSub>
                         <m:sSubPr>
                           <m:ctrlPr>
-                            <a:rPr lang="en-US" sz="1400" i="1" smtClean="0">
+                            <a:rPr lang="en-US" i="1" smtClean="0">
                               <a:latin typeface="Cambria Math" panose="02040503050406030204" pitchFamily="18" charset="0"/>
                               <a:cs typeface="Times New Roman" panose="02020603050405020304" pitchFamily="18" charset="0"/>
                             </a:rPr>
@@ -4727,7 +5460,7 @@
                         </m:sSubPr>
                         <m:e>
                           <m:r>
-                            <a:rPr lang="en-US" sz="1400" b="0" i="1" smtClean="0">
+                            <a:rPr lang="en-US" b="0" i="1" smtClean="0">
                               <a:latin typeface="Cambria Math" panose="02040503050406030204" pitchFamily="18" charset="0"/>
                               <a:cs typeface="Times New Roman" panose="02020603050405020304" pitchFamily="18" charset="0"/>
                             </a:rPr>
@@ -4736,7 +5469,7 @@
                         </m:e>
                         <m:sub>
                           <m:r>
-                            <a:rPr lang="en-US" sz="1400" b="0" i="1" smtClean="0">
+                            <a:rPr lang="en-US" b="0" i="1" smtClean="0">
                               <a:latin typeface="Cambria Math" panose="02040503050406030204" pitchFamily="18" charset="0"/>
                               <a:cs typeface="Times New Roman" panose="02020603050405020304" pitchFamily="18" charset="0"/>
                             </a:rPr>
@@ -4746,7 +5479,7 @@
                       </m:sSub>
                     </m:oMath>
                   </a14:m>
-                  <a:endParaRPr lang="en-US" sz="1400" dirty="0">
+                  <a:endParaRPr lang="en-US" dirty="0">
                     <a:latin typeface="Times New Roman" panose="02020603050405020304" pitchFamily="18" charset="0"/>
                     <a:cs typeface="Times New Roman" panose="02020603050405020304" pitchFamily="18" charset="0"/>
                   </a:endParaRPr>
@@ -4754,7 +5487,7 @@
               </p:txBody>
             </p:sp>
           </mc:Choice>
-          <mc:Fallback>
+          <mc:Fallback xmlns="">
             <p:sp>
               <p:nvSpPr>
                 <p:cNvPr id="47" name="Rectangle 46">
@@ -4771,8 +5504,8 @@
               </p:nvSpPr>
               <p:spPr>
                 <a:xfrm>
-                  <a:off x="5468986" y="2993570"/>
-                  <a:ext cx="883919" cy="352696"/>
+                  <a:off x="5468986" y="2934784"/>
+                  <a:ext cx="883919" cy="411483"/>
                 </a:xfrm>
                 <a:prstGeom prst="rect">
                   <a:avLst/>
@@ -4780,7 +5513,7 @@
                 <a:blipFill>
                   <a:blip r:embed="rId2"/>
                   <a:stretch>
-                    <a:fillRect/>
+                    <a:fillRect t="-8000" r="-2198" b="-8000"/>
                   </a:stretch>
                 </a:blipFill>
               </p:spPr>
@@ -4799,8 +5532,8 @@
             </p:sp>
           </mc:Fallback>
         </mc:AlternateContent>
-        <mc:AlternateContent xmlns:mc="http://schemas.openxmlformats.org/markup-compatibility/2006">
-          <mc:Choice xmlns:a14="http://schemas.microsoft.com/office/drawing/2010/main" Requires="a14">
+        <mc:AlternateContent xmlns:mc="http://schemas.openxmlformats.org/markup-compatibility/2006" xmlns:a14="http://schemas.microsoft.com/office/drawing/2010/main">
+          <mc:Choice Requires="a14">
             <p:sp>
               <p:nvSpPr>
                 <p:cNvPr id="48" name="Rectangle 47">
@@ -4816,7 +5549,7 @@
               <p:spPr>
                 <a:xfrm>
                   <a:off x="5468986" y="3378920"/>
-                  <a:ext cx="883919" cy="594359"/>
+                  <a:ext cx="980181" cy="594359"/>
                 </a:xfrm>
                 <a:prstGeom prst="rect">
                   <a:avLst/>
@@ -4842,7 +5575,7 @@
                 <a:p>
                   <a:pPr algn="ctr"/>
                   <a:r>
-                    <a:rPr lang="en-US" sz="1400" dirty="0">
+                    <a:rPr lang="en-US" dirty="0">
                       <a:latin typeface="Times New Roman" panose="02020603050405020304" pitchFamily="18" charset="0"/>
                       <a:cs typeface="Times New Roman" panose="02020603050405020304" pitchFamily="18" charset="0"/>
                     </a:rPr>
@@ -4853,7 +5586,7 @@
                       <m:sSub>
                         <m:sSubPr>
                           <m:ctrlPr>
-                            <a:rPr lang="en-US" sz="1400" i="1" smtClean="0">
+                            <a:rPr lang="en-US" i="1" smtClean="0">
                               <a:latin typeface="Cambria Math" panose="02040503050406030204" pitchFamily="18" charset="0"/>
                               <a:cs typeface="Times New Roman" panose="02020603050405020304" pitchFamily="18" charset="0"/>
                             </a:rPr>
@@ -4864,7 +5597,7 @@
                             <m:accPr>
                               <m:chr m:val="̅"/>
                               <m:ctrlPr>
-                                <a:rPr lang="en-US" sz="1400" i="1" smtClean="0">
+                                <a:rPr lang="en-US" i="1" smtClean="0">
                                   <a:latin typeface="Cambria Math" panose="02040503050406030204" pitchFamily="18" charset="0"/>
                                   <a:cs typeface="Times New Roman" panose="02020603050405020304" pitchFamily="18" charset="0"/>
                                 </a:rPr>
@@ -4872,18 +5605,18 @@
                             </m:accPr>
                             <m:e>
                               <m:r>
-                                <a:rPr lang="en-US" sz="1400" b="0" i="1" smtClean="0">
+                                <a:rPr lang="en-US" b="0" i="1" smtClean="0">
                                   <a:latin typeface="Cambria Math" panose="02040503050406030204" pitchFamily="18" charset="0"/>
                                   <a:cs typeface="Times New Roman" panose="02020603050405020304" pitchFamily="18" charset="0"/>
                                 </a:rPr>
-                                <m:t>𝑥</m:t>
+                                <m:t>𝑗</m:t>
                               </m:r>
                             </m:e>
                           </m:acc>
                         </m:e>
                         <m:sub>
                           <m:r>
-                            <a:rPr lang="en-US" sz="1400" b="0" i="1" smtClean="0">
+                            <a:rPr lang="en-US" b="0" i="1" smtClean="0">
                               <a:latin typeface="Cambria Math" panose="02040503050406030204" pitchFamily="18" charset="0"/>
                               <a:cs typeface="Times New Roman" panose="02020603050405020304" pitchFamily="18" charset="0"/>
                             </a:rPr>
@@ -4893,7 +5626,7 @@
                       </m:sSub>
                     </m:oMath>
                   </a14:m>
-                  <a:endParaRPr lang="en-US" sz="1400" dirty="0">
+                  <a:endParaRPr lang="en-US" dirty="0">
                     <a:latin typeface="Times New Roman" panose="02020603050405020304" pitchFamily="18" charset="0"/>
                     <a:cs typeface="Times New Roman" panose="02020603050405020304" pitchFamily="18" charset="0"/>
                   </a:endParaRPr>
@@ -4901,7 +5634,7 @@
               </p:txBody>
             </p:sp>
           </mc:Choice>
-          <mc:Fallback>
+          <mc:Fallback xmlns="">
             <p:sp>
               <p:nvSpPr>
                 <p:cNvPr id="48" name="Rectangle 47">
@@ -4919,7 +5652,7 @@
               <p:spPr>
                 <a:xfrm>
                   <a:off x="5468986" y="3378920"/>
-                  <a:ext cx="883919" cy="594359"/>
+                  <a:ext cx="980181" cy="594359"/>
                 </a:xfrm>
                 <a:prstGeom prst="rect">
                   <a:avLst/>
@@ -4927,7 +5660,7 @@
                 <a:blipFill>
                   <a:blip r:embed="rId3"/>
                   <a:stretch>
-                    <a:fillRect/>
+                    <a:fillRect l="-2970" t="-5517" r="-6931" b="-5517"/>
                   </a:stretch>
                 </a:blipFill>
               </p:spPr>
@@ -4985,45 +5718,6 @@
             </a:fontRef>
           </p:style>
         </p:cxnSp>
-        <p:cxnSp>
-          <p:nvCxnSpPr>
-            <p:cNvPr id="50" name="Straight Arrow Connector 49">
-              <a:extLst>
-                <a:ext uri="{FF2B5EF4-FFF2-40B4-BE49-F238E27FC236}">
-                  <a16:creationId xmlns:a16="http://schemas.microsoft.com/office/drawing/2014/main" id="{4E41C870-4C0E-4CD1-8117-01C5120B47AE}"/>
-                </a:ext>
-              </a:extLst>
-            </p:cNvPr>
-            <p:cNvCxnSpPr/>
-            <p:nvPr/>
-          </p:nvCxnSpPr>
-          <p:spPr>
-            <a:xfrm>
-              <a:off x="6352905" y="3616232"/>
-              <a:ext cx="383179" cy="0"/>
-            </a:xfrm>
-            <a:prstGeom prst="straightConnector1">
-              <a:avLst/>
-            </a:prstGeom>
-            <a:ln>
-              <a:tailEnd type="triangle"/>
-            </a:ln>
-          </p:spPr>
-          <p:style>
-            <a:lnRef idx="1">
-              <a:schemeClr val="dk1"/>
-            </a:lnRef>
-            <a:fillRef idx="0">
-              <a:schemeClr val="dk1"/>
-            </a:fillRef>
-            <a:effectRef idx="0">
-              <a:schemeClr val="dk1"/>
-            </a:effectRef>
-            <a:fontRef idx="minor">
-              <a:schemeClr val="tx1"/>
-            </a:fontRef>
-          </p:style>
-        </p:cxnSp>
         <p:sp>
           <p:nvSpPr>
             <p:cNvPr id="51" name="Rectangle 50">
@@ -5065,7 +5759,7 @@
             <a:p>
               <a:pPr algn="ctr"/>
               <a:r>
-                <a:rPr lang="en-US" sz="1400" dirty="0">
+                <a:rPr lang="en-US" dirty="0">
                   <a:latin typeface="Times New Roman" panose="02020603050405020304" pitchFamily="18" charset="0"/>
                   <a:cs typeface="Times New Roman" panose="02020603050405020304" pitchFamily="18" charset="0"/>
                 </a:rPr>
@@ -5115,41 +5809,41 @@
             <a:p>
               <a:pPr algn="ctr"/>
               <a:r>
-                <a:rPr lang="en-US" sz="1400" b="1" dirty="0">
+                <a:rPr lang="en-US" b="1" dirty="0">
                   <a:latin typeface="Times New Roman" panose="02020603050405020304" pitchFamily="18" charset="0"/>
                   <a:cs typeface="Times New Roman" panose="02020603050405020304" pitchFamily="18" charset="0"/>
                 </a:rPr>
                 <a:t>p</a:t>
               </a:r>
               <a:r>
-                <a:rPr lang="en-US" sz="1400" i="1" baseline="-25000" dirty="0">
+                <a:rPr lang="en-US" i="1" baseline="-25000" dirty="0">
                   <a:latin typeface="Times New Roman" panose="02020603050405020304" pitchFamily="18" charset="0"/>
                   <a:cs typeface="Times New Roman" panose="02020603050405020304" pitchFamily="18" charset="0"/>
                 </a:rPr>
                 <a:t>ry</a:t>
               </a:r>
               <a:r>
-                <a:rPr lang="en-US" sz="1400" dirty="0">
+                <a:rPr lang="en-US" dirty="0">
                   <a:latin typeface="Times New Roman" panose="02020603050405020304" pitchFamily="18" charset="0"/>
                   <a:cs typeface="Times New Roman" panose="02020603050405020304" pitchFamily="18" charset="0"/>
                 </a:rPr>
                 <a:t>(</a:t>
               </a:r>
               <a:r>
-                <a:rPr lang="en-US" sz="1400" i="1" dirty="0">
+                <a:rPr lang="en-US" i="1" dirty="0">
                   <a:latin typeface="Times New Roman" panose="02020603050405020304" pitchFamily="18" charset="0"/>
                   <a:cs typeface="Times New Roman" panose="02020603050405020304" pitchFamily="18" charset="0"/>
                 </a:rPr>
                 <a:t>t</a:t>
               </a:r>
               <a:r>
-                <a:rPr lang="en-US" sz="1400" dirty="0">
+                <a:rPr lang="en-US" dirty="0">
                   <a:latin typeface="Times New Roman" panose="02020603050405020304" pitchFamily="18" charset="0"/>
                   <a:cs typeface="Times New Roman" panose="02020603050405020304" pitchFamily="18" charset="0"/>
                 </a:rPr>
                 <a:t>)</a:t>
               </a:r>
-              <a:endParaRPr lang="en-US" sz="1400" i="1" baseline="-25000" dirty="0">
+              <a:endParaRPr lang="en-US" i="1" baseline="-25000" dirty="0">
                 <a:latin typeface="Times New Roman" panose="02020603050405020304" pitchFamily="18" charset="0"/>
                 <a:cs typeface="Times New Roman" panose="02020603050405020304" pitchFamily="18" charset="0"/>
               </a:endParaRPr>
@@ -5197,7 +5891,7 @@
             <a:p>
               <a:pPr algn="ctr"/>
               <a:r>
-                <a:rPr lang="en-US" sz="1400" i="1" dirty="0">
+                <a:rPr lang="en-US" i="1" dirty="0">
                   <a:latin typeface="Times New Roman" panose="02020603050405020304" pitchFamily="18" charset="0"/>
                   <a:cs typeface="Times New Roman" panose="02020603050405020304" pitchFamily="18" charset="0"/>
                 </a:rPr>
@@ -5555,7 +6249,7 @@
           <p:spPr>
             <a:xfrm>
               <a:off x="7851960" y="3341911"/>
-              <a:ext cx="312246" cy="210466"/>
+              <a:ext cx="360145" cy="252559"/>
             </a:xfrm>
             <a:prstGeom prst="rect">
               <a:avLst/>
@@ -5569,20 +6263,20 @@
             <a:lstStyle/>
             <a:p>
               <a:r>
-                <a:rPr lang="en-US" sz="1400" b="1" dirty="0">
+                <a:rPr lang="en-US" b="1" dirty="0">
                   <a:latin typeface="Times New Roman" panose="02020603050405020304" pitchFamily="18" charset="0"/>
                   <a:cs typeface="Times New Roman" panose="02020603050405020304" pitchFamily="18" charset="0"/>
                 </a:rPr>
                 <a:t>J</a:t>
               </a:r>
               <a:r>
-                <a:rPr lang="en-US" sz="1400" baseline="-25000" dirty="0">
+                <a:rPr lang="en-US" baseline="-25000" dirty="0">
                   <a:latin typeface="Times New Roman" panose="02020603050405020304" pitchFamily="18" charset="0"/>
                   <a:cs typeface="Times New Roman" panose="02020603050405020304" pitchFamily="18" charset="0"/>
                 </a:rPr>
                 <a:t>ay</a:t>
               </a:r>
-              <a:endParaRPr lang="en-US" sz="1400" dirty="0">
+              <a:endParaRPr lang="en-US" dirty="0">
                 <a:latin typeface="Times New Roman" panose="02020603050405020304" pitchFamily="18" charset="0"/>
                 <a:cs typeface="Times New Roman" panose="02020603050405020304" pitchFamily="18" charset="0"/>
               </a:endParaRPr>
@@ -5604,7 +6298,7 @@
           <p:spPr>
             <a:xfrm>
               <a:off x="7851960" y="2840988"/>
-              <a:ext cx="312246" cy="210466"/>
+              <a:ext cx="360145" cy="252559"/>
             </a:xfrm>
             <a:prstGeom prst="rect">
               <a:avLst/>
@@ -5618,20 +6312,20 @@
             <a:lstStyle/>
             <a:p>
               <a:r>
-                <a:rPr lang="en-US" sz="1400" b="1" dirty="0">
+                <a:rPr lang="en-US" b="1" dirty="0">
                   <a:latin typeface="Times New Roman" panose="02020603050405020304" pitchFamily="18" charset="0"/>
                   <a:cs typeface="Times New Roman" panose="02020603050405020304" pitchFamily="18" charset="0"/>
                 </a:rPr>
                 <a:t>J</a:t>
               </a:r>
               <a:r>
-                <a:rPr lang="en-US" sz="1400" baseline="-25000" dirty="0">
+                <a:rPr lang="en-US" baseline="-25000" dirty="0">
                   <a:latin typeface="Times New Roman" panose="02020603050405020304" pitchFamily="18" charset="0"/>
                   <a:cs typeface="Times New Roman" panose="02020603050405020304" pitchFamily="18" charset="0"/>
                 </a:rPr>
                 <a:t>ax</a:t>
               </a:r>
-              <a:endParaRPr lang="en-US" sz="1400" dirty="0">
+              <a:endParaRPr lang="en-US" dirty="0">
                 <a:latin typeface="Times New Roman" panose="02020603050405020304" pitchFamily="18" charset="0"/>
                 <a:cs typeface="Times New Roman" panose="02020603050405020304" pitchFamily="18" charset="0"/>
               </a:endParaRPr>
@@ -5781,7 +6475,7 @@
               <a:p>
                 <a:pPr algn="ctr"/>
                 <a:r>
-                  <a:rPr lang="en-US" sz="1400" dirty="0">
+                  <a:rPr lang="en-US" dirty="0">
                     <a:latin typeface="Times New Roman" panose="02020603050405020304" pitchFamily="18" charset="0"/>
                     <a:cs typeface="Times New Roman" panose="02020603050405020304" pitchFamily="18" charset="0"/>
                   </a:rPr>
@@ -5877,14 +6571,14 @@
             <a:p>
               <a:pPr algn="ctr"/>
               <a:r>
-                <a:rPr lang="en-US" sz="1400" i="1" dirty="0">
+                <a:rPr lang="en-US" i="1" dirty="0">
                   <a:latin typeface="Times New Roman" panose="02020603050405020304" pitchFamily="18" charset="0"/>
                   <a:cs typeface="Times New Roman" panose="02020603050405020304" pitchFamily="18" charset="0"/>
                 </a:rPr>
                 <a:t>k</a:t>
               </a:r>
               <a:r>
-                <a:rPr lang="en-US" sz="1400" i="1" baseline="-25000" dirty="0">
+                <a:rPr lang="en-US" i="1" baseline="-25000" dirty="0">
                   <a:latin typeface="Times New Roman" panose="02020603050405020304" pitchFamily="18" charset="0"/>
                   <a:cs typeface="Times New Roman" panose="02020603050405020304" pitchFamily="18" charset="0"/>
                 </a:rPr>
@@ -5908,7 +6602,7 @@
           <p:spPr>
             <a:xfrm>
               <a:off x="9633946" y="2857477"/>
-              <a:ext cx="277294" cy="210466"/>
+              <a:ext cx="314835" cy="252559"/>
             </a:xfrm>
             <a:prstGeom prst="rect">
               <a:avLst/>
@@ -5922,20 +6616,20 @@
             <a:lstStyle/>
             <a:p>
               <a:r>
-                <a:rPr lang="en-US" sz="1400" b="1" dirty="0">
+                <a:rPr lang="en-US" b="1" dirty="0">
                   <a:latin typeface="Times New Roman" panose="02020603050405020304" pitchFamily="18" charset="0"/>
                   <a:cs typeface="Times New Roman" panose="02020603050405020304" pitchFamily="18" charset="0"/>
                 </a:rPr>
                 <a:t>p</a:t>
               </a:r>
               <a:r>
-                <a:rPr lang="en-US" sz="1400" baseline="-25000" dirty="0">
+                <a:rPr lang="en-US" baseline="-25000" dirty="0">
                   <a:latin typeface="Times New Roman" panose="02020603050405020304" pitchFamily="18" charset="0"/>
                   <a:cs typeface="Times New Roman" panose="02020603050405020304" pitchFamily="18" charset="0"/>
                 </a:rPr>
                 <a:t>x</a:t>
               </a:r>
-              <a:endParaRPr lang="en-US" sz="1400" dirty="0">
+              <a:endParaRPr lang="en-US" dirty="0">
                 <a:latin typeface="Times New Roman" panose="02020603050405020304" pitchFamily="18" charset="0"/>
                 <a:cs typeface="Times New Roman" panose="02020603050405020304" pitchFamily="18" charset="0"/>
               </a:endParaRPr>
@@ -5957,7 +6651,7 @@
           <p:spPr>
             <a:xfrm>
               <a:off x="9639968" y="3346266"/>
-              <a:ext cx="277294" cy="210466"/>
+              <a:ext cx="314835" cy="252559"/>
             </a:xfrm>
             <a:prstGeom prst="rect">
               <a:avLst/>
@@ -5971,20 +6665,20 @@
             <a:lstStyle/>
             <a:p>
               <a:r>
-                <a:rPr lang="en-US" sz="1400" b="1" dirty="0">
+                <a:rPr lang="en-US" b="1" dirty="0">
                   <a:latin typeface="Times New Roman" panose="02020603050405020304" pitchFamily="18" charset="0"/>
                   <a:cs typeface="Times New Roman" panose="02020603050405020304" pitchFamily="18" charset="0"/>
                 </a:rPr>
                 <a:t>p</a:t>
               </a:r>
               <a:r>
-                <a:rPr lang="en-US" sz="1400" baseline="-25000" dirty="0">
+                <a:rPr lang="en-US" baseline="-25000" dirty="0">
                   <a:latin typeface="Times New Roman" panose="02020603050405020304" pitchFamily="18" charset="0"/>
                   <a:cs typeface="Times New Roman" panose="02020603050405020304" pitchFamily="18" charset="0"/>
                 </a:rPr>
                 <a:t>y</a:t>
               </a:r>
-              <a:endParaRPr lang="en-US" sz="1400" dirty="0">
+              <a:endParaRPr lang="en-US" dirty="0">
                 <a:latin typeface="Times New Roman" panose="02020603050405020304" pitchFamily="18" charset="0"/>
                 <a:cs typeface="Times New Roman" panose="02020603050405020304" pitchFamily="18" charset="0"/>
               </a:endParaRPr>
@@ -6179,7 +6873,7 @@
           <p:spPr>
             <a:xfrm>
               <a:off x="8453934" y="4633876"/>
-              <a:ext cx="300082" cy="369332"/>
+              <a:ext cx="242340" cy="252559"/>
             </a:xfrm>
             <a:prstGeom prst="rect">
               <a:avLst/>
@@ -6214,7 +6908,7 @@
           <p:spPr>
             <a:xfrm>
               <a:off x="7975474" y="4665938"/>
-              <a:ext cx="300082" cy="369332"/>
+              <a:ext cx="242340" cy="252559"/>
             </a:xfrm>
             <a:prstGeom prst="rect">
               <a:avLst/>
@@ -6249,7 +6943,7 @@
           <p:spPr>
             <a:xfrm>
               <a:off x="8259634" y="4485012"/>
-              <a:ext cx="213860" cy="210466"/>
+              <a:ext cx="231984" cy="252559"/>
             </a:xfrm>
             <a:prstGeom prst="rect">
               <a:avLst/>
@@ -6263,7 +6957,7 @@
             <a:lstStyle/>
             <a:p>
               <a:r>
-                <a:rPr lang="en-US" sz="1400" i="1" dirty="0">
+                <a:rPr lang="en-US" i="1" dirty="0">
                   <a:latin typeface="Times New Roman" panose="02020603050405020304" pitchFamily="18" charset="0"/>
                   <a:cs typeface="Times New Roman" panose="02020603050405020304" pitchFamily="18" charset="0"/>
                 </a:rPr>
@@ -6406,8 +7100,8 @@
           </p:nvSpPr>
           <p:spPr>
             <a:xfrm>
-              <a:off x="4158906" y="1221377"/>
-              <a:ext cx="870483" cy="921934"/>
+              <a:off x="4067473" y="1221377"/>
+              <a:ext cx="1050142" cy="921934"/>
             </a:xfrm>
             <a:prstGeom prst="rect">
               <a:avLst/>
@@ -6433,7 +7127,7 @@
             <a:p>
               <a:pPr algn="ctr"/>
               <a:r>
-                <a:rPr lang="en-US" sz="1400" dirty="0">
+                <a:rPr lang="en-US" dirty="0">
                   <a:latin typeface="Times New Roman" panose="02020603050405020304" pitchFamily="18" charset="0"/>
                   <a:cs typeface="Times New Roman" panose="02020603050405020304" pitchFamily="18" charset="0"/>
                 </a:rPr>
@@ -6442,45 +7136,6 @@
             </a:p>
           </p:txBody>
         </p:sp>
-        <p:cxnSp>
-          <p:nvCxnSpPr>
-            <p:cNvPr id="179" name="Straight Arrow Connector 178">
-              <a:extLst>
-                <a:ext uri="{FF2B5EF4-FFF2-40B4-BE49-F238E27FC236}">
-                  <a16:creationId xmlns:a16="http://schemas.microsoft.com/office/drawing/2014/main" id="{998D2A28-1F8A-4F9F-AEE9-A02501E51BD4}"/>
-                </a:ext>
-              </a:extLst>
-            </p:cNvPr>
-            <p:cNvCxnSpPr/>
-            <p:nvPr/>
-          </p:nvCxnSpPr>
-          <p:spPr>
-            <a:xfrm>
-              <a:off x="2917371" y="1497874"/>
-              <a:ext cx="1241535" cy="0"/>
-            </a:xfrm>
-            <a:prstGeom prst="straightConnector1">
-              <a:avLst/>
-            </a:prstGeom>
-            <a:ln>
-              <a:tailEnd type="triangle"/>
-            </a:ln>
-          </p:spPr>
-          <p:style>
-            <a:lnRef idx="1">
-              <a:schemeClr val="dk1"/>
-            </a:lnRef>
-            <a:fillRef idx="0">
-              <a:schemeClr val="dk1"/>
-            </a:fillRef>
-            <a:effectRef idx="0">
-              <a:schemeClr val="dk1"/>
-            </a:effectRef>
-            <a:fontRef idx="minor">
-              <a:schemeClr val="tx1"/>
-            </a:fontRef>
-          </p:style>
-        </p:cxnSp>
         <p:cxnSp>
           <p:nvCxnSpPr>
             <p:cNvPr id="187" name="Straight Arrow Connector 186">
@@ -6499,8 +7154,8 @@
           </p:nvCxnSpPr>
           <p:spPr>
             <a:xfrm>
-              <a:off x="4594148" y="2143311"/>
-              <a:ext cx="0" cy="654320"/>
+              <a:off x="4592544" y="2143311"/>
+              <a:ext cx="1604" cy="654320"/>
             </a:xfrm>
             <a:prstGeom prst="straightConnector1">
               <a:avLst/>
@@ -6538,8 +7193,8 @@
           </p:nvSpPr>
           <p:spPr>
             <a:xfrm>
-              <a:off x="2957131" y="1241443"/>
-              <a:ext cx="1131699" cy="210466"/>
+              <a:off x="1161432" y="1221377"/>
+              <a:ext cx="1412617" cy="252559"/>
             </a:xfrm>
             <a:prstGeom prst="rect">
               <a:avLst/>
@@ -6553,13 +7208,13 @@
             <a:lstStyle/>
             <a:p>
               <a:r>
-                <a:rPr lang="en-US" sz="1400" b="1" dirty="0">
+                <a:rPr lang="en-US" b="1" dirty="0">
                   <a:latin typeface="Times New Roman" panose="02020603050405020304" pitchFamily="18" charset="0"/>
                   <a:cs typeface="Times New Roman" panose="02020603050405020304" pitchFamily="18" charset="0"/>
                 </a:rPr>
                 <a:t>Demonstrations</a:t>
               </a:r>
-              <a:endParaRPr lang="en-US" sz="1400" dirty="0">
+              <a:endParaRPr lang="en-US" dirty="0">
                 <a:latin typeface="Times New Roman" panose="02020603050405020304" pitchFamily="18" charset="0"/>
                 <a:cs typeface="Times New Roman" panose="02020603050405020304" pitchFamily="18" charset="0"/>
               </a:endParaRPr>
@@ -6580,13 +7235,18 @@
           </p:nvSpPr>
           <p:spPr>
             <a:xfrm>
-              <a:off x="3085610" y="1496744"/>
-              <a:ext cx="849486" cy="210466"/>
+              <a:off x="1488768" y="1558106"/>
+              <a:ext cx="553033" cy="252559"/>
             </a:xfrm>
             <a:prstGeom prst="rect">
               <a:avLst/>
             </a:prstGeom>
             <a:noFill/>
+            <a:ln>
+              <a:solidFill>
+                <a:schemeClr val="dk1"/>
+              </a:solidFill>
+            </a:ln>
           </p:spPr>
           <p:txBody>
             <a:bodyPr wrap="none" rtlCol="0">
@@ -6595,83 +7255,41 @@
             <a:lstStyle/>
             <a:p>
               <a:r>
-                <a:rPr lang="en-US" sz="1400" i="1" dirty="0">
+                <a:rPr lang="en-US" b="1" dirty="0">
+                  <a:latin typeface="Times New Roman" panose="02020603050405020304" pitchFamily="18" charset="0"/>
+                  <a:cs typeface="Times New Roman" panose="02020603050405020304" pitchFamily="18" charset="0"/>
+                </a:rPr>
+                <a:t>J</a:t>
+              </a:r>
+              <a:r>
+                <a:rPr lang="en-US" baseline="-25000" dirty="0">
                   <a:latin typeface="Times New Roman" panose="02020603050405020304" pitchFamily="18" charset="0"/>
                   <a:cs typeface="Times New Roman" panose="02020603050405020304" pitchFamily="18" charset="0"/>
                 </a:rPr>
                 <a:t>x</a:t>
               </a:r>
               <a:r>
-                <a:rPr lang="en-US" sz="1400" dirty="0">
+                <a:rPr lang="en-US" dirty="0">
                   <a:latin typeface="Times New Roman" panose="02020603050405020304" pitchFamily="18" charset="0"/>
                   <a:cs typeface="Times New Roman" panose="02020603050405020304" pitchFamily="18" charset="0"/>
                 </a:rPr>
                 <a:t>, </a:t>
               </a:r>
               <a:r>
-                <a:rPr lang="en-US" sz="1400" i="1" dirty="0">
-                  <a:latin typeface="Times New Roman" panose="02020603050405020304" pitchFamily="18" charset="0"/>
-                  <a:cs typeface="Times New Roman" panose="02020603050405020304" pitchFamily="18" charset="0"/>
-                </a:rPr>
-                <a:t>y</a:t>
-              </a:r>
-              <a:r>
-                <a:rPr lang="en-US" sz="1400" dirty="0">
-                  <a:latin typeface="Times New Roman" panose="02020603050405020304" pitchFamily="18" charset="0"/>
-                  <a:cs typeface="Times New Roman" panose="02020603050405020304" pitchFamily="18" charset="0"/>
-                </a:rPr>
-                <a:t>, </a:t>
-              </a:r>
-              <a:r>
-                <a:rPr lang="en-US" sz="1400" i="1" dirty="0">
-                  <a:latin typeface="Times New Roman" panose="02020603050405020304" pitchFamily="18" charset="0"/>
-                  <a:cs typeface="Times New Roman" panose="02020603050405020304" pitchFamily="18" charset="0"/>
-                </a:rPr>
-                <a:t>t</a:t>
-              </a:r>
-              <a:r>
-                <a:rPr lang="en-US" sz="1400" dirty="0">
-                  <a:latin typeface="Times New Roman" panose="02020603050405020304" pitchFamily="18" charset="0"/>
-                  <a:cs typeface="Times New Roman" panose="02020603050405020304" pitchFamily="18" charset="0"/>
-                </a:rPr>
-                <a:t>, </a:t>
-              </a:r>
-              <a:r>
-                <a:rPr lang="en-US" sz="1400" b="1" dirty="0">
+                <a:rPr lang="en-US" b="1" dirty="0">
                   <a:latin typeface="Times New Roman" panose="02020603050405020304" pitchFamily="18" charset="0"/>
                   <a:cs typeface="Times New Roman" panose="02020603050405020304" pitchFamily="18" charset="0"/>
                 </a:rPr>
                 <a:t>J</a:t>
               </a:r>
               <a:r>
-                <a:rPr lang="en-US" sz="1400" baseline="-25000" dirty="0">
-                  <a:latin typeface="Times New Roman" panose="02020603050405020304" pitchFamily="18" charset="0"/>
-                  <a:cs typeface="Times New Roman" panose="02020603050405020304" pitchFamily="18" charset="0"/>
-                </a:rPr>
-                <a:t>x</a:t>
-              </a:r>
-              <a:r>
-                <a:rPr lang="en-US" sz="1400" dirty="0">
-                  <a:latin typeface="Times New Roman" panose="02020603050405020304" pitchFamily="18" charset="0"/>
-                  <a:cs typeface="Times New Roman" panose="02020603050405020304" pitchFamily="18" charset="0"/>
-                </a:rPr>
-                <a:t>, </a:t>
-              </a:r>
-              <a:r>
-                <a:rPr lang="en-US" sz="1400" b="1" dirty="0">
-                  <a:latin typeface="Times New Roman" panose="02020603050405020304" pitchFamily="18" charset="0"/>
-                  <a:cs typeface="Times New Roman" panose="02020603050405020304" pitchFamily="18" charset="0"/>
-                </a:rPr>
-                <a:t>J</a:t>
-              </a:r>
-              <a:r>
-                <a:rPr lang="en-US" sz="1400" baseline="-25000" dirty="0">
+                <a:rPr lang="en-US" baseline="-25000" dirty="0">
                   <a:latin typeface="Times New Roman" panose="02020603050405020304" pitchFamily="18" charset="0"/>
                   <a:cs typeface="Times New Roman" panose="02020603050405020304" pitchFamily="18" charset="0"/>
                 </a:rPr>
                 <a:t>y</a:t>
               </a:r>
-              <a:endParaRPr lang="en-US" sz="1400" dirty="0">
+              <a:endParaRPr lang="en-US" dirty="0">
                 <a:latin typeface="Times New Roman" panose="02020603050405020304" pitchFamily="18" charset="0"/>
                 <a:cs typeface="Times New Roman" panose="02020603050405020304" pitchFamily="18" charset="0"/>
               </a:endParaRPr>
@@ -6692,8 +7310,8 @@
           </p:nvSpPr>
           <p:spPr>
             <a:xfrm>
-              <a:off x="8349606" y="2849621"/>
-              <a:ext cx="312246" cy="210466"/>
+              <a:off x="8342574" y="2831756"/>
+              <a:ext cx="360145" cy="252559"/>
             </a:xfrm>
             <a:prstGeom prst="rect">
               <a:avLst/>
@@ -6707,20 +7325,20 @@
             <a:lstStyle/>
             <a:p>
               <a:r>
-                <a:rPr lang="en-US" sz="1400" b="1" dirty="0">
+                <a:rPr lang="en-US" b="1" dirty="0">
                   <a:latin typeface="Times New Roman" panose="02020603050405020304" pitchFamily="18" charset="0"/>
                   <a:cs typeface="Times New Roman" panose="02020603050405020304" pitchFamily="18" charset="0"/>
                 </a:rPr>
                 <a:t>J</a:t>
               </a:r>
               <a:r>
-                <a:rPr lang="en-US" sz="1400" baseline="-25000" dirty="0">
+                <a:rPr lang="en-US" baseline="-25000" dirty="0">
                   <a:latin typeface="Times New Roman" panose="02020603050405020304" pitchFamily="18" charset="0"/>
                   <a:cs typeface="Times New Roman" panose="02020603050405020304" pitchFamily="18" charset="0"/>
                 </a:rPr>
                 <a:t>cx</a:t>
               </a:r>
-              <a:endParaRPr lang="en-US" sz="1400" dirty="0">
+              <a:endParaRPr lang="en-US" dirty="0">
                 <a:latin typeface="Times New Roman" panose="02020603050405020304" pitchFamily="18" charset="0"/>
                 <a:cs typeface="Times New Roman" panose="02020603050405020304" pitchFamily="18" charset="0"/>
               </a:endParaRPr>
@@ -6741,8 +7359,8 @@
           </p:nvSpPr>
           <p:spPr>
             <a:xfrm>
-              <a:off x="8367617" y="3367664"/>
-              <a:ext cx="312246" cy="210466"/>
+              <a:off x="8332448" y="3337886"/>
+              <a:ext cx="360145" cy="252559"/>
             </a:xfrm>
             <a:prstGeom prst="rect">
               <a:avLst/>
@@ -6756,20 +7374,20 @@
             <a:lstStyle/>
             <a:p>
               <a:r>
-                <a:rPr lang="en-US" sz="1400" b="1" dirty="0">
+                <a:rPr lang="en-US" b="1" dirty="0">
                   <a:latin typeface="Times New Roman" panose="02020603050405020304" pitchFamily="18" charset="0"/>
                   <a:cs typeface="Times New Roman" panose="02020603050405020304" pitchFamily="18" charset="0"/>
                 </a:rPr>
                 <a:t>J</a:t>
               </a:r>
               <a:r>
-                <a:rPr lang="en-US" sz="1400" baseline="-25000" dirty="0">
+                <a:rPr lang="en-US" baseline="-25000" dirty="0">
                   <a:latin typeface="Times New Roman" panose="02020603050405020304" pitchFamily="18" charset="0"/>
                   <a:cs typeface="Times New Roman" panose="02020603050405020304" pitchFamily="18" charset="0"/>
                 </a:rPr>
                 <a:t>cy</a:t>
               </a:r>
-              <a:endParaRPr lang="en-US" sz="1400" dirty="0">
+              <a:endParaRPr lang="en-US" dirty="0">
                 <a:latin typeface="Times New Roman" panose="02020603050405020304" pitchFamily="18" charset="0"/>
                 <a:cs typeface="Times New Roman" panose="02020603050405020304" pitchFamily="18" charset="0"/>
               </a:endParaRPr>
@@ -6790,8 +7408,8 @@
           </p:nvSpPr>
           <p:spPr>
             <a:xfrm>
-              <a:off x="1619976" y="2671719"/>
-              <a:ext cx="1024403" cy="357792"/>
+              <a:off x="1549646" y="2671719"/>
+              <a:ext cx="1024403" cy="441978"/>
             </a:xfrm>
             <a:prstGeom prst="rect">
               <a:avLst/>
@@ -6805,7 +7423,7 @@
             <a:lstStyle/>
             <a:p>
               <a:r>
-                <a:rPr lang="en-US" sz="1400" dirty="0">
+                <a:rPr lang="en-US" dirty="0">
                   <a:latin typeface="Times New Roman" panose="02020603050405020304" pitchFamily="18" charset="0"/>
                   <a:cs typeface="Times New Roman" panose="02020603050405020304" pitchFamily="18" charset="0"/>
                 </a:rPr>
@@ -6828,8 +7446,8 @@
           </p:nvSpPr>
           <p:spPr>
             <a:xfrm>
-              <a:off x="2777109" y="2391772"/>
-              <a:ext cx="1066279" cy="357792"/>
+              <a:off x="2713808" y="2391772"/>
+              <a:ext cx="1285784" cy="441978"/>
             </a:xfrm>
             <a:prstGeom prst="rect">
               <a:avLst/>
@@ -6843,7 +7461,7 @@
             <a:lstStyle/>
             <a:p>
               <a:r>
-                <a:rPr lang="en-US" sz="1400" dirty="0">
+                <a:rPr lang="en-US" dirty="0">
                   <a:latin typeface="Times New Roman" panose="02020603050405020304" pitchFamily="18" charset="0"/>
                   <a:cs typeface="Times New Roman" panose="02020603050405020304" pitchFamily="18" charset="0"/>
                 </a:rPr>
@@ -6956,7 +7574,7 @@
         <p:spPr>
           <a:xfrm>
             <a:off x="8692182" y="3639304"/>
-            <a:ext cx="371582" cy="540096"/>
+            <a:ext cx="300082" cy="369332"/>
           </a:xfrm>
           <a:prstGeom prst="rect">
             <a:avLst/>
@@ -6991,7 +7609,7 @@
         <p:spPr>
           <a:xfrm>
             <a:off x="8688485" y="3983957"/>
-            <a:ext cx="371582" cy="540096"/>
+            <a:ext cx="300082" cy="369332"/>
           </a:xfrm>
           <a:prstGeom prst="rect">
             <a:avLst/>
@@ -7026,7 +7644,7 @@
         <p:spPr>
           <a:xfrm>
             <a:off x="8699942" y="2889272"/>
-            <a:ext cx="371582" cy="540096"/>
+            <a:ext cx="300082" cy="369332"/>
           </a:xfrm>
           <a:prstGeom prst="rect">
             <a:avLst/>
@@ -7061,7 +7679,7 @@
         <p:spPr>
           <a:xfrm>
             <a:off x="8696976" y="3250895"/>
-            <a:ext cx="371582" cy="540096"/>
+            <a:ext cx="300082" cy="369332"/>
           </a:xfrm>
           <a:prstGeom prst="rect">
             <a:avLst/>
@@ -7081,6 +7699,329 @@
           </a:p>
         </p:txBody>
       </p:sp>
+      <p:cxnSp>
+        <p:nvCxnSpPr>
+          <p:cNvPr id="62" name="Straight Arrow Connector 61">
+            <a:extLst>
+              <a:ext uri="{FF2B5EF4-FFF2-40B4-BE49-F238E27FC236}">
+                <a16:creationId xmlns:a16="http://schemas.microsoft.com/office/drawing/2014/main" id="{51289304-82BB-4485-BE4E-DCD2168FAFCD}"/>
+              </a:ext>
+            </a:extLst>
+          </p:cNvPr>
+          <p:cNvCxnSpPr>
+            <a:cxnSpLocks/>
+          </p:cNvCxnSpPr>
+          <p:nvPr/>
+        </p:nvCxnSpPr>
+        <p:spPr>
+          <a:xfrm flipV="1">
+            <a:off x="6709939" y="4008636"/>
+            <a:ext cx="353593" cy="3424"/>
+          </a:xfrm>
+          <a:prstGeom prst="straightConnector1">
+            <a:avLst/>
+          </a:prstGeom>
+          <a:ln>
+            <a:tailEnd type="triangle"/>
+          </a:ln>
+        </p:spPr>
+        <p:style>
+          <a:lnRef idx="1">
+            <a:schemeClr val="dk1"/>
+          </a:lnRef>
+          <a:fillRef idx="0">
+            <a:schemeClr val="dk1"/>
+          </a:fillRef>
+          <a:effectRef idx="0">
+            <a:schemeClr val="dk1"/>
+          </a:effectRef>
+          <a:fontRef idx="minor">
+            <a:schemeClr val="tx1"/>
+          </a:fontRef>
+        </p:style>
+      </p:cxnSp>
+      <p:pic>
+        <p:nvPicPr>
+          <p:cNvPr id="68" name="Picture 4" descr="Image result for quadrotor clipart">
+            <a:extLst>
+              <a:ext uri="{FF2B5EF4-FFF2-40B4-BE49-F238E27FC236}">
+                <a16:creationId xmlns:a16="http://schemas.microsoft.com/office/drawing/2014/main" id="{0460257B-4470-45A7-83A0-02E94ACE4996}"/>
+              </a:ext>
+            </a:extLst>
+          </p:cNvPr>
+          <p:cNvPicPr>
+            <a:picLocks noChangeAspect="1" noChangeArrowheads="1"/>
+          </p:cNvPicPr>
+          <p:nvPr/>
+        </p:nvPicPr>
+        <p:blipFill rotWithShape="1">
+          <a:blip r:embed="rId4">
+            <a:extLst>
+              <a:ext uri="{28A0092B-C50C-407E-A947-70E740481C1C}">
+                <a14:useLocalDpi xmlns:a14="http://schemas.microsoft.com/office/drawing/2010/main" val="0"/>
+              </a:ext>
+            </a:extLst>
+          </a:blip>
+          <a:srcRect l="17843" r="17515"/>
+          <a:stretch/>
+        </p:blipFill>
+        <p:spPr bwMode="auto">
+          <a:xfrm>
+            <a:off x="1998021" y="700432"/>
+            <a:ext cx="1085263" cy="1027196"/>
+          </a:xfrm>
+          <a:prstGeom prst="rect">
+            <a:avLst/>
+          </a:prstGeom>
+          <a:noFill/>
+          <a:extLst>
+            <a:ext uri="{909E8E84-426E-40DD-AFC4-6F175D3DCCD1}">
+              <a14:hiddenFill xmlns:a14="http://schemas.microsoft.com/office/drawing/2010/main">
+                <a:solidFill>
+                  <a:srgbClr val="FFFFFF"/>
+                </a:solidFill>
+              </a14:hiddenFill>
+            </a:ext>
+          </a:extLst>
+        </p:spPr>
+      </p:pic>
+      <p:cxnSp>
+        <p:nvCxnSpPr>
+          <p:cNvPr id="75" name="Straight Arrow Connector 74">
+            <a:extLst>
+              <a:ext uri="{FF2B5EF4-FFF2-40B4-BE49-F238E27FC236}">
+                <a16:creationId xmlns:a16="http://schemas.microsoft.com/office/drawing/2014/main" id="{8585588A-C3D7-4A03-AB71-7BDAEEE1FC7B}"/>
+              </a:ext>
+            </a:extLst>
+          </p:cNvPr>
+          <p:cNvCxnSpPr>
+            <a:cxnSpLocks/>
+            <a:stCxn id="68" idx="3"/>
+            <a:endCxn id="216" idx="1"/>
+          </p:cNvCxnSpPr>
+          <p:nvPr/>
+        </p:nvCxnSpPr>
+        <p:spPr>
+          <a:xfrm>
+            <a:off x="3083284" y="1214030"/>
+            <a:ext cx="670406" cy="0"/>
+          </a:xfrm>
+          <a:prstGeom prst="straightConnector1">
+            <a:avLst/>
+          </a:prstGeom>
+          <a:ln>
+            <a:tailEnd type="triangle"/>
+          </a:ln>
+        </p:spPr>
+        <p:style>
+          <a:lnRef idx="1">
+            <a:schemeClr val="dk1"/>
+          </a:lnRef>
+          <a:fillRef idx="0">
+            <a:schemeClr val="dk1"/>
+          </a:fillRef>
+          <a:effectRef idx="0">
+            <a:schemeClr val="dk1"/>
+          </a:effectRef>
+          <a:fontRef idx="minor">
+            <a:schemeClr val="tx1"/>
+          </a:fontRef>
+        </p:style>
+      </p:cxnSp>
+      <p:cxnSp>
+        <p:nvCxnSpPr>
+          <p:cNvPr id="85" name="Straight Arrow Connector 84">
+            <a:extLst>
+              <a:ext uri="{FF2B5EF4-FFF2-40B4-BE49-F238E27FC236}">
+                <a16:creationId xmlns:a16="http://schemas.microsoft.com/office/drawing/2014/main" id="{DFA2E5B0-2EA1-47E6-A8B2-20978308C51F}"/>
+              </a:ext>
+            </a:extLst>
+          </p:cNvPr>
+          <p:cNvCxnSpPr>
+            <a:cxnSpLocks/>
+            <a:stCxn id="227" idx="3"/>
+            <a:endCxn id="68" idx="1"/>
+          </p:cNvCxnSpPr>
+          <p:nvPr/>
+        </p:nvCxnSpPr>
+        <p:spPr>
+          <a:xfrm flipV="1">
+            <a:off x="1245367" y="1214030"/>
+            <a:ext cx="752654" cy="2986"/>
+          </a:xfrm>
+          <a:prstGeom prst="straightConnector1">
+            <a:avLst/>
+          </a:prstGeom>
+          <a:ln>
+            <a:tailEnd type="triangle"/>
+          </a:ln>
+        </p:spPr>
+        <p:style>
+          <a:lnRef idx="1">
+            <a:schemeClr val="dk1"/>
+          </a:lnRef>
+          <a:fillRef idx="0">
+            <a:schemeClr val="dk1"/>
+          </a:fillRef>
+          <a:effectRef idx="0">
+            <a:schemeClr val="dk1"/>
+          </a:effectRef>
+          <a:fontRef idx="minor">
+            <a:schemeClr val="tx1"/>
+          </a:fontRef>
+        </p:style>
+      </p:cxnSp>
+      <p:sp>
+        <p:nvSpPr>
+          <p:cNvPr id="27" name="Rectangle 26">
+            <a:extLst>
+              <a:ext uri="{FF2B5EF4-FFF2-40B4-BE49-F238E27FC236}">
+                <a16:creationId xmlns:a16="http://schemas.microsoft.com/office/drawing/2014/main" id="{8E3C642D-35FD-4E10-909E-D815B4702A38}"/>
+              </a:ext>
+            </a:extLst>
+          </p:cNvPr>
+          <p:cNvSpPr/>
+          <p:nvPr/>
+        </p:nvSpPr>
+        <p:spPr>
+          <a:xfrm>
+            <a:off x="2923414" y="836749"/>
+            <a:ext cx="909224" cy="369332"/>
+          </a:xfrm>
+          <a:prstGeom prst="rect">
+            <a:avLst/>
+          </a:prstGeom>
+        </p:spPr>
+        <p:txBody>
+          <a:bodyPr wrap="none">
+            <a:spAutoFit/>
+          </a:bodyPr>
+          <a:lstStyle/>
+          <a:p>
+            <a:pPr algn="ctr"/>
+            <a:r>
+              <a:rPr lang="en-US" dirty="0">
+                <a:latin typeface="Times New Roman" panose="02020603050405020304" pitchFamily="18" charset="0"/>
+                <a:cs typeface="Times New Roman" panose="02020603050405020304" pitchFamily="18" charset="0"/>
+              </a:rPr>
+              <a:t>x(</a:t>
+            </a:r>
+            <a:r>
+              <a:rPr lang="en-US" i="1" dirty="0">
+                <a:latin typeface="Times New Roman" panose="02020603050405020304" pitchFamily="18" charset="0"/>
+                <a:cs typeface="Times New Roman" panose="02020603050405020304" pitchFamily="18" charset="0"/>
+              </a:rPr>
+              <a:t>t</a:t>
+            </a:r>
+            <a:r>
+              <a:rPr lang="en-US" dirty="0">
+                <a:latin typeface="Times New Roman" panose="02020603050405020304" pitchFamily="18" charset="0"/>
+                <a:cs typeface="Times New Roman" panose="02020603050405020304" pitchFamily="18" charset="0"/>
+              </a:rPr>
+              <a:t>),y(t)</a:t>
+            </a:r>
+            <a:endParaRPr lang="en-US" i="1" baseline="-25000" dirty="0">
+              <a:latin typeface="Times New Roman" panose="02020603050405020304" pitchFamily="18" charset="0"/>
+              <a:cs typeface="Times New Roman" panose="02020603050405020304" pitchFamily="18" charset="0"/>
+            </a:endParaRPr>
+          </a:p>
+        </p:txBody>
+      </p:sp>
+      <p:sp>
+        <p:nvSpPr>
+          <p:cNvPr id="2" name="Rectangle 1">
+            <a:extLst>
+              <a:ext uri="{FF2B5EF4-FFF2-40B4-BE49-F238E27FC236}">
+                <a16:creationId xmlns:a16="http://schemas.microsoft.com/office/drawing/2014/main" id="{2B2AFCDF-524C-4E9D-9AE8-0385B85AF52D}"/>
+              </a:ext>
+            </a:extLst>
+          </p:cNvPr>
+          <p:cNvSpPr/>
+          <p:nvPr/>
+        </p:nvSpPr>
+        <p:spPr>
+          <a:xfrm>
+            <a:off x="3832638" y="3766669"/>
+            <a:ext cx="1160095" cy="855984"/>
+          </a:xfrm>
+          <a:prstGeom prst="rect">
+            <a:avLst/>
+          </a:prstGeom>
+        </p:spPr>
+        <p:style>
+          <a:lnRef idx="2">
+            <a:schemeClr val="dk1"/>
+          </a:lnRef>
+          <a:fillRef idx="1">
+            <a:schemeClr val="lt1"/>
+          </a:fillRef>
+          <a:effectRef idx="0">
+            <a:schemeClr val="dk1"/>
+          </a:effectRef>
+          <a:fontRef idx="minor">
+            <a:schemeClr val="dk1"/>
+          </a:fontRef>
+        </p:style>
+        <p:txBody>
+          <a:bodyPr rtlCol="0" anchor="ctr"/>
+          <a:lstStyle/>
+          <a:p>
+            <a:pPr algn="ctr"/>
+            <a:r>
+              <a:rPr lang="en-US" dirty="0">
+                <a:latin typeface="Times New Roman" panose="02020603050405020304" pitchFamily="18" charset="0"/>
+                <a:cs typeface="Times New Roman" panose="02020603050405020304" pitchFamily="18" charset="0"/>
+              </a:rPr>
+              <a:t>SMT Solver</a:t>
+            </a:r>
+          </a:p>
+        </p:txBody>
+      </p:sp>
+      <p:cxnSp>
+        <p:nvCxnSpPr>
+          <p:cNvPr id="5" name="Connector: Elbow 4">
+            <a:extLst>
+              <a:ext uri="{FF2B5EF4-FFF2-40B4-BE49-F238E27FC236}">
+                <a16:creationId xmlns:a16="http://schemas.microsoft.com/office/drawing/2014/main" id="{1193C734-26D7-4051-8AC3-C8D526DD4E66}"/>
+              </a:ext>
+            </a:extLst>
+          </p:cNvPr>
+          <p:cNvCxnSpPr>
+            <a:cxnSpLocks/>
+            <a:stCxn id="2" idx="2"/>
+            <a:endCxn id="71" idx="2"/>
+          </p:cNvCxnSpPr>
+          <p:nvPr/>
+        </p:nvCxnSpPr>
+        <p:spPr>
+          <a:xfrm rot="5400000">
+            <a:off x="3566938" y="3845807"/>
+            <a:ext cx="68902" cy="1622595"/>
+          </a:xfrm>
+          <a:prstGeom prst="bentConnector3">
+            <a:avLst>
+              <a:gd name="adj1" fmla="val 1164841"/>
+            </a:avLst>
+          </a:prstGeom>
+          <a:ln>
+            <a:tailEnd type="triangle"/>
+          </a:ln>
+        </p:spPr>
+        <p:style>
+          <a:lnRef idx="1">
+            <a:schemeClr val="dk1"/>
+          </a:lnRef>
+          <a:fillRef idx="0">
+            <a:schemeClr val="dk1"/>
+          </a:fillRef>
+          <a:effectRef idx="0">
+            <a:schemeClr val="dk1"/>
+          </a:effectRef>
+          <a:fontRef idx="minor">
+            <a:schemeClr val="tx1"/>
+          </a:fontRef>
+        </p:style>
+      </p:cxnSp>
     </p:spTree>
     <p:extLst>
       <p:ext uri="{BB962C8B-B14F-4D97-AF65-F5344CB8AC3E}">
@@ -7095,6 +8036,3047 @@
 </file>
 
 <file path=ppt/slides/slide2.xml><?xml version="1.0" encoding="utf-8"?>
+<p:sld xmlns:a="http://schemas.openxmlformats.org/drawingml/2006/main" xmlns:r="http://schemas.openxmlformats.org/officeDocument/2006/relationships" xmlns:p="http://schemas.openxmlformats.org/presentationml/2006/main">
+  <p:cSld>
+    <p:spTree>
+      <p:nvGrpSpPr>
+        <p:cNvPr id="1" name=""/>
+        <p:cNvGrpSpPr/>
+        <p:nvPr/>
+      </p:nvGrpSpPr>
+      <p:grpSpPr>
+        <a:xfrm>
+          <a:off x="0" y="0"/>
+          <a:ext cx="0" cy="0"/>
+          <a:chOff x="0" y="0"/>
+          <a:chExt cx="0" cy="0"/>
+        </a:xfrm>
+      </p:grpSpPr>
+      <p:grpSp>
+        <p:nvGrpSpPr>
+          <p:cNvPr id="188" name="Group 187">
+            <a:extLst>
+              <a:ext uri="{FF2B5EF4-FFF2-40B4-BE49-F238E27FC236}">
+                <a16:creationId xmlns:a16="http://schemas.microsoft.com/office/drawing/2014/main" id="{AF46327E-FA09-426C-9341-2B76C72EA690}"/>
+              </a:ext>
+            </a:extLst>
+          </p:cNvPr>
+          <p:cNvGrpSpPr/>
+          <p:nvPr/>
+        </p:nvGrpSpPr>
+        <p:grpSpPr>
+          <a:xfrm>
+            <a:off x="155234" y="539931"/>
+            <a:ext cx="11096240" cy="5634446"/>
+            <a:chOff x="1161432" y="1221377"/>
+            <a:chExt cx="8961101" cy="3852985"/>
+          </a:xfrm>
+        </p:grpSpPr>
+        <p:grpSp>
+          <p:nvGrpSpPr>
+            <p:cNvPr id="7" name="Group 6">
+              <a:extLst>
+                <a:ext uri="{FF2B5EF4-FFF2-40B4-BE49-F238E27FC236}">
+                  <a16:creationId xmlns:a16="http://schemas.microsoft.com/office/drawing/2014/main" id="{0B8B4FAD-5360-4066-B560-2D321E8A5EDC}"/>
+                </a:ext>
+              </a:extLst>
+            </p:cNvPr>
+            <p:cNvGrpSpPr/>
+            <p:nvPr/>
+          </p:nvGrpSpPr>
+          <p:grpSpPr>
+            <a:xfrm>
+              <a:off x="1619795" y="3076300"/>
+              <a:ext cx="783772" cy="687977"/>
+              <a:chOff x="1558834" y="2238103"/>
+              <a:chExt cx="1018903" cy="836024"/>
+            </a:xfrm>
+          </p:grpSpPr>
+          <p:sp>
+            <p:nvSpPr>
+              <p:cNvPr id="4" name="Rectangle 3">
+                <a:extLst>
+                  <a:ext uri="{FF2B5EF4-FFF2-40B4-BE49-F238E27FC236}">
+                    <a16:creationId xmlns:a16="http://schemas.microsoft.com/office/drawing/2014/main" id="{B6968101-D003-468A-B323-23C77D47A0E1}"/>
+                  </a:ext>
+                </a:extLst>
+              </p:cNvPr>
+              <p:cNvSpPr/>
+              <p:nvPr/>
+            </p:nvSpPr>
+            <p:spPr>
+              <a:xfrm>
+                <a:off x="1558834" y="2238103"/>
+                <a:ext cx="1018903" cy="836024"/>
+              </a:xfrm>
+              <a:prstGeom prst="rect">
+                <a:avLst/>
+              </a:prstGeom>
+            </p:spPr>
+            <p:style>
+              <a:lnRef idx="2">
+                <a:schemeClr val="dk1"/>
+              </a:lnRef>
+              <a:fillRef idx="1">
+                <a:schemeClr val="lt1"/>
+              </a:fillRef>
+              <a:effectRef idx="0">
+                <a:schemeClr val="dk1"/>
+              </a:effectRef>
+              <a:fontRef idx="minor">
+                <a:schemeClr val="dk1"/>
+              </a:fontRef>
+            </p:style>
+            <p:txBody>
+              <a:bodyPr rtlCol="0" anchor="ctr"/>
+              <a:lstStyle/>
+              <a:p>
+                <a:pPr algn="ctr"/>
+                <a:endParaRPr lang="en-US" dirty="0"/>
+              </a:p>
+            </p:txBody>
+          </p:sp>
+          <p:sp>
+            <p:nvSpPr>
+              <p:cNvPr id="6" name="Freeform: Shape 5">
+                <a:extLst>
+                  <a:ext uri="{FF2B5EF4-FFF2-40B4-BE49-F238E27FC236}">
+                    <a16:creationId xmlns:a16="http://schemas.microsoft.com/office/drawing/2014/main" id="{35D73968-A712-4718-81E1-4E4DBEBA7AE2}"/>
+                  </a:ext>
+                </a:extLst>
+              </p:cNvPr>
+              <p:cNvSpPr/>
+              <p:nvPr/>
+            </p:nvSpPr>
+            <p:spPr>
+              <a:xfrm>
+                <a:off x="1750423" y="2481943"/>
+                <a:ext cx="600891" cy="400594"/>
+              </a:xfrm>
+              <a:custGeom>
+                <a:avLst/>
+                <a:gdLst>
+                  <a:gd name="connsiteX0" fmla="*/ 0 w 827314"/>
+                  <a:gd name="connsiteY0" fmla="*/ 426783 h 426783"/>
+                  <a:gd name="connsiteX1" fmla="*/ 252549 w 827314"/>
+                  <a:gd name="connsiteY1" fmla="*/ 63 h 426783"/>
+                  <a:gd name="connsiteX2" fmla="*/ 600891 w 827314"/>
+                  <a:gd name="connsiteY2" fmla="*/ 391949 h 426783"/>
+                  <a:gd name="connsiteX3" fmla="*/ 827314 w 827314"/>
+                  <a:gd name="connsiteY3" fmla="*/ 34897 h 426783"/>
+                </a:gdLst>
+                <a:ahLst/>
+                <a:cxnLst>
+                  <a:cxn ang="0">
+                    <a:pos x="connsiteX0" y="connsiteY0"/>
+                  </a:cxn>
+                  <a:cxn ang="0">
+                    <a:pos x="connsiteX1" y="connsiteY1"/>
+                  </a:cxn>
+                  <a:cxn ang="0">
+                    <a:pos x="connsiteX2" y="connsiteY2"/>
+                  </a:cxn>
+                  <a:cxn ang="0">
+                    <a:pos x="connsiteX3" y="connsiteY3"/>
+                  </a:cxn>
+                </a:cxnLst>
+                <a:rect l="l" t="t" r="r" b="b"/>
+                <a:pathLst>
+                  <a:path w="827314" h="426783">
+                    <a:moveTo>
+                      <a:pt x="0" y="426783"/>
+                    </a:moveTo>
+                    <a:cubicBezTo>
+                      <a:pt x="76200" y="216326"/>
+                      <a:pt x="152401" y="5869"/>
+                      <a:pt x="252549" y="63"/>
+                    </a:cubicBezTo>
+                    <a:cubicBezTo>
+                      <a:pt x="352697" y="-5743"/>
+                      <a:pt x="505097" y="386143"/>
+                      <a:pt x="600891" y="391949"/>
+                    </a:cubicBezTo>
+                    <a:cubicBezTo>
+                      <a:pt x="696685" y="397755"/>
+                      <a:pt x="761999" y="216326"/>
+                      <a:pt x="827314" y="34897"/>
+                    </a:cubicBezTo>
+                  </a:path>
+                </a:pathLst>
+              </a:custGeom>
+            </p:spPr>
+            <p:style>
+              <a:lnRef idx="2">
+                <a:schemeClr val="dk1"/>
+              </a:lnRef>
+              <a:fillRef idx="1">
+                <a:schemeClr val="lt1"/>
+              </a:fillRef>
+              <a:effectRef idx="0">
+                <a:schemeClr val="dk1"/>
+              </a:effectRef>
+              <a:fontRef idx="minor">
+                <a:schemeClr val="dk1"/>
+              </a:fontRef>
+            </p:style>
+            <p:txBody>
+              <a:bodyPr rtlCol="0" anchor="ctr"/>
+              <a:lstStyle/>
+              <a:p>
+                <a:pPr algn="ctr"/>
+                <a:endParaRPr lang="en-US"/>
+              </a:p>
+            </p:txBody>
+          </p:sp>
+        </p:grpSp>
+        <p:sp>
+          <p:nvSpPr>
+            <p:cNvPr id="10" name="Rectangle 9">
+              <a:extLst>
+                <a:ext uri="{FF2B5EF4-FFF2-40B4-BE49-F238E27FC236}">
+                  <a16:creationId xmlns:a16="http://schemas.microsoft.com/office/drawing/2014/main" id="{961E956B-9821-4FF6-9850-FF476764A488}"/>
+                </a:ext>
+              </a:extLst>
+            </p:cNvPr>
+            <p:cNvSpPr/>
+            <p:nvPr/>
+          </p:nvSpPr>
+          <p:spPr>
+            <a:xfrm>
+              <a:off x="2856411" y="2795445"/>
+              <a:ext cx="883919" cy="352696"/>
+            </a:xfrm>
+            <a:prstGeom prst="rect">
+              <a:avLst/>
+            </a:prstGeom>
+          </p:spPr>
+          <p:style>
+            <a:lnRef idx="2">
+              <a:schemeClr val="dk1"/>
+            </a:lnRef>
+            <a:fillRef idx="1">
+              <a:schemeClr val="lt1"/>
+            </a:fillRef>
+            <a:effectRef idx="0">
+              <a:schemeClr val="dk1"/>
+            </a:effectRef>
+            <a:fontRef idx="minor">
+              <a:schemeClr val="dk1"/>
+            </a:fontRef>
+          </p:style>
+          <p:txBody>
+            <a:bodyPr rtlCol="0" anchor="ctr"/>
+            <a:lstStyle/>
+            <a:p>
+              <a:pPr algn="ctr"/>
+              <a:r>
+                <a:rPr lang="en-US" b="1" dirty="0">
+                  <a:latin typeface="Times New Roman" panose="02020603050405020304" pitchFamily="18" charset="0"/>
+                  <a:cs typeface="Times New Roman" panose="02020603050405020304" pitchFamily="18" charset="0"/>
+                </a:rPr>
+                <a:t>p</a:t>
+              </a:r>
+              <a:r>
+                <a:rPr lang="en-US" i="1" baseline="-25000" dirty="0">
+                  <a:latin typeface="Times New Roman" panose="02020603050405020304" pitchFamily="18" charset="0"/>
+                  <a:cs typeface="Times New Roman" panose="02020603050405020304" pitchFamily="18" charset="0"/>
+                </a:rPr>
+                <a:t>rx</a:t>
+              </a:r>
+              <a:r>
+                <a:rPr lang="en-US" dirty="0">
+                  <a:latin typeface="Times New Roman" panose="02020603050405020304" pitchFamily="18" charset="0"/>
+                  <a:cs typeface="Times New Roman" panose="02020603050405020304" pitchFamily="18" charset="0"/>
+                </a:rPr>
+                <a:t>(</a:t>
+              </a:r>
+              <a:r>
+                <a:rPr lang="en-US" i="1" dirty="0">
+                  <a:latin typeface="Times New Roman" panose="02020603050405020304" pitchFamily="18" charset="0"/>
+                  <a:cs typeface="Times New Roman" panose="02020603050405020304" pitchFamily="18" charset="0"/>
+                </a:rPr>
+                <a:t>t</a:t>
+              </a:r>
+              <a:r>
+                <a:rPr lang="en-US" dirty="0">
+                  <a:latin typeface="Times New Roman" panose="02020603050405020304" pitchFamily="18" charset="0"/>
+                  <a:cs typeface="Times New Roman" panose="02020603050405020304" pitchFamily="18" charset="0"/>
+                </a:rPr>
+                <a:t>)</a:t>
+              </a:r>
+              <a:endParaRPr lang="en-US" baseline="-25000" dirty="0">
+                <a:latin typeface="Times New Roman" panose="02020603050405020304" pitchFamily="18" charset="0"/>
+                <a:cs typeface="Times New Roman" panose="02020603050405020304" pitchFamily="18" charset="0"/>
+              </a:endParaRPr>
+            </a:p>
+          </p:txBody>
+        </p:sp>
+        <p:sp>
+          <p:nvSpPr>
+            <p:cNvPr id="41" name="Rectangle 40">
+              <a:extLst>
+                <a:ext uri="{FF2B5EF4-FFF2-40B4-BE49-F238E27FC236}">
+                  <a16:creationId xmlns:a16="http://schemas.microsoft.com/office/drawing/2014/main" id="{3685C48F-35CC-46CA-9649-F0987692B908}"/>
+                </a:ext>
+              </a:extLst>
+            </p:cNvPr>
+            <p:cNvSpPr/>
+            <p:nvPr/>
+          </p:nvSpPr>
+          <p:spPr>
+            <a:xfrm>
+              <a:off x="4097759" y="2797631"/>
+              <a:ext cx="992778" cy="1262738"/>
+            </a:xfrm>
+            <a:prstGeom prst="rect">
+              <a:avLst/>
+            </a:prstGeom>
+          </p:spPr>
+          <p:style>
+            <a:lnRef idx="2">
+              <a:schemeClr val="dk1"/>
+            </a:lnRef>
+            <a:fillRef idx="1">
+              <a:schemeClr val="lt1"/>
+            </a:fillRef>
+            <a:effectRef idx="0">
+              <a:schemeClr val="dk1"/>
+            </a:effectRef>
+            <a:fontRef idx="minor">
+              <a:schemeClr val="dk1"/>
+            </a:fontRef>
+          </p:style>
+          <p:txBody>
+            <a:bodyPr rtlCol="0" anchor="t"/>
+            <a:lstStyle/>
+            <a:p>
+              <a:pPr algn="ctr"/>
+              <a:r>
+                <a:rPr lang="en-US" dirty="0">
+                  <a:latin typeface="Times New Roman" panose="02020603050405020304" pitchFamily="18" charset="0"/>
+                  <a:cs typeface="Times New Roman" panose="02020603050405020304" pitchFamily="18" charset="0"/>
+                </a:rPr>
+                <a:t>Trained Regression Model</a:t>
+              </a:r>
+            </a:p>
+          </p:txBody>
+        </p:sp>
+        <p:cxnSp>
+          <p:nvCxnSpPr>
+            <p:cNvPr id="45" name="Straight Arrow Connector 44">
+              <a:extLst>
+                <a:ext uri="{FF2B5EF4-FFF2-40B4-BE49-F238E27FC236}">
+                  <a16:creationId xmlns:a16="http://schemas.microsoft.com/office/drawing/2014/main" id="{EE811716-2770-44ED-AEB6-54CC0896B796}"/>
+                </a:ext>
+              </a:extLst>
+            </p:cNvPr>
+            <p:cNvCxnSpPr/>
+            <p:nvPr/>
+          </p:nvCxnSpPr>
+          <p:spPr>
+            <a:xfrm>
+              <a:off x="5085807" y="3169918"/>
+              <a:ext cx="383179" cy="0"/>
+            </a:xfrm>
+            <a:prstGeom prst="straightConnector1">
+              <a:avLst/>
+            </a:prstGeom>
+            <a:ln>
+              <a:tailEnd type="triangle"/>
+            </a:ln>
+          </p:spPr>
+          <p:style>
+            <a:lnRef idx="1">
+              <a:schemeClr val="dk1"/>
+            </a:lnRef>
+            <a:fillRef idx="0">
+              <a:schemeClr val="dk1"/>
+            </a:fillRef>
+            <a:effectRef idx="0">
+              <a:schemeClr val="dk1"/>
+            </a:effectRef>
+            <a:fontRef idx="minor">
+              <a:schemeClr val="tx1"/>
+            </a:fontRef>
+          </p:style>
+        </p:cxnSp>
+        <p:cxnSp>
+          <p:nvCxnSpPr>
+            <p:cNvPr id="46" name="Straight Arrow Connector 45">
+              <a:extLst>
+                <a:ext uri="{FF2B5EF4-FFF2-40B4-BE49-F238E27FC236}">
+                  <a16:creationId xmlns:a16="http://schemas.microsoft.com/office/drawing/2014/main" id="{9B8CC8EF-D037-4A9D-9A8E-AAF47EEAF224}"/>
+                </a:ext>
+              </a:extLst>
+            </p:cNvPr>
+            <p:cNvCxnSpPr/>
+            <p:nvPr/>
+          </p:nvCxnSpPr>
+          <p:spPr>
+            <a:xfrm>
+              <a:off x="5085807" y="3616232"/>
+              <a:ext cx="383179" cy="0"/>
+            </a:xfrm>
+            <a:prstGeom prst="straightConnector1">
+              <a:avLst/>
+            </a:prstGeom>
+            <a:ln>
+              <a:tailEnd type="triangle"/>
+            </a:ln>
+          </p:spPr>
+          <p:style>
+            <a:lnRef idx="1">
+              <a:schemeClr val="dk1"/>
+            </a:lnRef>
+            <a:fillRef idx="0">
+              <a:schemeClr val="dk1"/>
+            </a:fillRef>
+            <a:effectRef idx="0">
+              <a:schemeClr val="dk1"/>
+            </a:effectRef>
+            <a:fontRef idx="minor">
+              <a:schemeClr val="tx1"/>
+            </a:fontRef>
+          </p:style>
+        </p:cxnSp>
+        <mc:AlternateContent xmlns:mc="http://schemas.openxmlformats.org/markup-compatibility/2006" xmlns:a14="http://schemas.microsoft.com/office/drawing/2010/main">
+          <mc:Choice Requires="a14">
+            <p:sp>
+              <p:nvSpPr>
+                <p:cNvPr id="47" name="Rectangle 46">
+                  <a:extLst>
+                    <a:ext uri="{FF2B5EF4-FFF2-40B4-BE49-F238E27FC236}">
+                      <a16:creationId xmlns:a16="http://schemas.microsoft.com/office/drawing/2014/main" id="{685E7A9E-C017-43BF-8C54-56D58C05D975}"/>
+                    </a:ext>
+                  </a:extLst>
+                </p:cNvPr>
+                <p:cNvSpPr/>
+                <p:nvPr/>
+              </p:nvSpPr>
+              <p:spPr>
+                <a:xfrm>
+                  <a:off x="5468986" y="2934784"/>
+                  <a:ext cx="883919" cy="411483"/>
+                </a:xfrm>
+                <a:prstGeom prst="rect">
+                  <a:avLst/>
+                </a:prstGeom>
+              </p:spPr>
+              <p:style>
+                <a:lnRef idx="2">
+                  <a:schemeClr val="dk1"/>
+                </a:lnRef>
+                <a:fillRef idx="1">
+                  <a:schemeClr val="lt1"/>
+                </a:fillRef>
+                <a:effectRef idx="0">
+                  <a:schemeClr val="dk1"/>
+                </a:effectRef>
+                <a:fontRef idx="minor">
+                  <a:schemeClr val="dk1"/>
+                </a:fontRef>
+              </p:style>
+              <p:txBody>
+                <a:bodyPr rtlCol="0" anchor="ctr"/>
+                <a:lstStyle/>
+                <a:p>
+                  <a:pPr algn="ctr"/>
+                  <a:r>
+                    <a:rPr lang="en-US" dirty="0">
+                      <a:latin typeface="Times New Roman" panose="02020603050405020304" pitchFamily="18" charset="0"/>
+                      <a:cs typeface="Times New Roman" panose="02020603050405020304" pitchFamily="18" charset="0"/>
+                    </a:rPr>
+                    <a:t>Integral, </a:t>
+                  </a:r>
+                  <a14:m>
+                    <m:oMath xmlns:m="http://schemas.openxmlformats.org/officeDocument/2006/math">
+                      <m:sSub>
+                        <m:sSubPr>
+                          <m:ctrlPr>
+                            <a:rPr lang="en-US" i="1" smtClean="0">
+                              <a:latin typeface="Cambria Math" panose="02040503050406030204" pitchFamily="18" charset="0"/>
+                              <a:cs typeface="Times New Roman" panose="02020603050405020304" pitchFamily="18" charset="0"/>
+                            </a:rPr>
+                          </m:ctrlPr>
+                        </m:sSubPr>
+                        <m:e>
+                          <m:r>
+                            <a:rPr lang="en-US" b="0" i="1" smtClean="0">
+                              <a:latin typeface="Cambria Math" panose="02040503050406030204" pitchFamily="18" charset="0"/>
+                              <a:cs typeface="Times New Roman" panose="02020603050405020304" pitchFamily="18" charset="0"/>
+                            </a:rPr>
+                            <m:t>𝑔</m:t>
+                          </m:r>
+                        </m:e>
+                        <m:sub>
+                          <m:r>
+                            <a:rPr lang="en-US" b="0" i="1" smtClean="0">
+                              <a:latin typeface="Cambria Math" panose="02040503050406030204" pitchFamily="18" charset="0"/>
+                              <a:cs typeface="Times New Roman" panose="02020603050405020304" pitchFamily="18" charset="0"/>
+                            </a:rPr>
+                            <m:t>𝑢</m:t>
+                          </m:r>
+                        </m:sub>
+                      </m:sSub>
+                    </m:oMath>
+                  </a14:m>
+                  <a:endParaRPr lang="en-US" dirty="0">
+                    <a:latin typeface="Times New Roman" panose="02020603050405020304" pitchFamily="18" charset="0"/>
+                    <a:cs typeface="Times New Roman" panose="02020603050405020304" pitchFamily="18" charset="0"/>
+                  </a:endParaRPr>
+                </a:p>
+              </p:txBody>
+            </p:sp>
+          </mc:Choice>
+          <mc:Fallback xmlns="">
+            <p:sp>
+              <p:nvSpPr>
+                <p:cNvPr id="47" name="Rectangle 46">
+                  <a:extLst>
+                    <a:ext uri="{FF2B5EF4-FFF2-40B4-BE49-F238E27FC236}">
+                      <a16:creationId xmlns:a16="http://schemas.microsoft.com/office/drawing/2014/main" id="{685E7A9E-C017-43BF-8C54-56D58C05D975}"/>
+                    </a:ext>
+                  </a:extLst>
+                </p:cNvPr>
+                <p:cNvSpPr>
+                  <a:spLocks noRot="1" noChangeAspect="1" noMove="1" noResize="1" noEditPoints="1" noAdjustHandles="1" noChangeArrowheads="1" noChangeShapeType="1" noTextEdit="1"/>
+                </p:cNvSpPr>
+                <p:nvPr/>
+              </p:nvSpPr>
+              <p:spPr>
+                <a:xfrm>
+                  <a:off x="5468986" y="2934784"/>
+                  <a:ext cx="883919" cy="411483"/>
+                </a:xfrm>
+                <a:prstGeom prst="rect">
+                  <a:avLst/>
+                </a:prstGeom>
+                <a:blipFill>
+                  <a:blip r:embed="rId2"/>
+                  <a:stretch>
+                    <a:fillRect t="-8000" r="-2198" b="-8000"/>
+                  </a:stretch>
+                </a:blipFill>
+              </p:spPr>
+              <p:txBody>
+                <a:bodyPr/>
+                <a:lstStyle/>
+                <a:p>
+                  <a:r>
+                    <a:rPr lang="en-US">
+                      <a:noFill/>
+                    </a:rPr>
+                    <a:t> </a:t>
+                  </a:r>
+                </a:p>
+              </p:txBody>
+            </p:sp>
+          </mc:Fallback>
+        </mc:AlternateContent>
+        <mc:AlternateContent xmlns:mc="http://schemas.openxmlformats.org/markup-compatibility/2006" xmlns:a14="http://schemas.microsoft.com/office/drawing/2010/main">
+          <mc:Choice Requires="a14">
+            <p:sp>
+              <p:nvSpPr>
+                <p:cNvPr id="48" name="Rectangle 47">
+                  <a:extLst>
+                    <a:ext uri="{FF2B5EF4-FFF2-40B4-BE49-F238E27FC236}">
+                      <a16:creationId xmlns:a16="http://schemas.microsoft.com/office/drawing/2014/main" id="{B03E204B-C32E-4A61-AEC1-69894A829499}"/>
+                    </a:ext>
+                  </a:extLst>
+                </p:cNvPr>
+                <p:cNvSpPr/>
+                <p:nvPr/>
+              </p:nvSpPr>
+              <p:spPr>
+                <a:xfrm>
+                  <a:off x="5468986" y="3378920"/>
+                  <a:ext cx="980181" cy="594359"/>
+                </a:xfrm>
+                <a:prstGeom prst="rect">
+                  <a:avLst/>
+                </a:prstGeom>
+              </p:spPr>
+              <p:style>
+                <a:lnRef idx="2">
+                  <a:schemeClr val="dk1"/>
+                </a:lnRef>
+                <a:fillRef idx="1">
+                  <a:schemeClr val="lt1"/>
+                </a:fillRef>
+                <a:effectRef idx="0">
+                  <a:schemeClr val="dk1"/>
+                </a:effectRef>
+                <a:fontRef idx="minor">
+                  <a:schemeClr val="dk1"/>
+                </a:fontRef>
+              </p:style>
+              <p:txBody>
+                <a:bodyPr rtlCol="0" anchor="ctr"/>
+                <a:lstStyle/>
+                <a:p>
+                  <a:pPr algn="ctr"/>
+                  <a:r>
+                    <a:rPr lang="en-US" dirty="0">
+                      <a:latin typeface="Times New Roman" panose="02020603050405020304" pitchFamily="18" charset="0"/>
+                      <a:cs typeface="Times New Roman" panose="02020603050405020304" pitchFamily="18" charset="0"/>
+                    </a:rPr>
+                    <a:t>Average Command, </a:t>
+                  </a:r>
+                  <a14:m>
+                    <m:oMath xmlns:m="http://schemas.openxmlformats.org/officeDocument/2006/math">
+                      <m:sSub>
+                        <m:sSubPr>
+                          <m:ctrlPr>
+                            <a:rPr lang="en-US" i="1" smtClean="0">
+                              <a:latin typeface="Cambria Math" panose="02040503050406030204" pitchFamily="18" charset="0"/>
+                              <a:cs typeface="Times New Roman" panose="02020603050405020304" pitchFamily="18" charset="0"/>
+                            </a:rPr>
+                          </m:ctrlPr>
+                        </m:sSubPr>
+                        <m:e>
+                          <m:acc>
+                            <m:accPr>
+                              <m:chr m:val="̅"/>
+                              <m:ctrlPr>
+                                <a:rPr lang="en-US" i="1" smtClean="0">
+                                  <a:latin typeface="Cambria Math" panose="02040503050406030204" pitchFamily="18" charset="0"/>
+                                  <a:cs typeface="Times New Roman" panose="02020603050405020304" pitchFamily="18" charset="0"/>
+                                </a:rPr>
+                              </m:ctrlPr>
+                            </m:accPr>
+                            <m:e>
+                              <m:r>
+                                <a:rPr lang="en-US" b="0" i="1" smtClean="0">
+                                  <a:latin typeface="Cambria Math" panose="02040503050406030204" pitchFamily="18" charset="0"/>
+                                  <a:cs typeface="Times New Roman" panose="02020603050405020304" pitchFamily="18" charset="0"/>
+                                </a:rPr>
+                                <m:t>𝑗</m:t>
+                              </m:r>
+                            </m:e>
+                          </m:acc>
+                        </m:e>
+                        <m:sub>
+                          <m:r>
+                            <a:rPr lang="en-US" b="0" i="1" smtClean="0">
+                              <a:latin typeface="Cambria Math" panose="02040503050406030204" pitchFamily="18" charset="0"/>
+                              <a:cs typeface="Times New Roman" panose="02020603050405020304" pitchFamily="18" charset="0"/>
+                            </a:rPr>
+                            <m:t>𝑢</m:t>
+                          </m:r>
+                        </m:sub>
+                      </m:sSub>
+                    </m:oMath>
+                  </a14:m>
+                  <a:endParaRPr lang="en-US" dirty="0">
+                    <a:latin typeface="Times New Roman" panose="02020603050405020304" pitchFamily="18" charset="0"/>
+                    <a:cs typeface="Times New Roman" panose="02020603050405020304" pitchFamily="18" charset="0"/>
+                  </a:endParaRPr>
+                </a:p>
+              </p:txBody>
+            </p:sp>
+          </mc:Choice>
+          <mc:Fallback xmlns="">
+            <p:sp>
+              <p:nvSpPr>
+                <p:cNvPr id="48" name="Rectangle 47">
+                  <a:extLst>
+                    <a:ext uri="{FF2B5EF4-FFF2-40B4-BE49-F238E27FC236}">
+                      <a16:creationId xmlns:a16="http://schemas.microsoft.com/office/drawing/2014/main" id="{B03E204B-C32E-4A61-AEC1-69894A829499}"/>
+                    </a:ext>
+                  </a:extLst>
+                </p:cNvPr>
+                <p:cNvSpPr>
+                  <a:spLocks noRot="1" noChangeAspect="1" noMove="1" noResize="1" noEditPoints="1" noAdjustHandles="1" noChangeArrowheads="1" noChangeShapeType="1" noTextEdit="1"/>
+                </p:cNvSpPr>
+                <p:nvPr/>
+              </p:nvSpPr>
+              <p:spPr>
+                <a:xfrm>
+                  <a:off x="5468986" y="3378920"/>
+                  <a:ext cx="980181" cy="594359"/>
+                </a:xfrm>
+                <a:prstGeom prst="rect">
+                  <a:avLst/>
+                </a:prstGeom>
+                <a:blipFill>
+                  <a:blip r:embed="rId3"/>
+                  <a:stretch>
+                    <a:fillRect l="-2970" t="-5517" r="-6931" b="-5517"/>
+                  </a:stretch>
+                </a:blipFill>
+              </p:spPr>
+              <p:txBody>
+                <a:bodyPr/>
+                <a:lstStyle/>
+                <a:p>
+                  <a:r>
+                    <a:rPr lang="en-US">
+                      <a:noFill/>
+                    </a:rPr>
+                    <a:t> </a:t>
+                  </a:r>
+                </a:p>
+              </p:txBody>
+            </p:sp>
+          </mc:Fallback>
+        </mc:AlternateContent>
+        <p:cxnSp>
+          <p:nvCxnSpPr>
+            <p:cNvPr id="49" name="Straight Arrow Connector 48">
+              <a:extLst>
+                <a:ext uri="{FF2B5EF4-FFF2-40B4-BE49-F238E27FC236}">
+                  <a16:creationId xmlns:a16="http://schemas.microsoft.com/office/drawing/2014/main" id="{E903B944-1A57-433D-B4D0-F22F71EEA458}"/>
+                </a:ext>
+              </a:extLst>
+            </p:cNvPr>
+            <p:cNvCxnSpPr/>
+            <p:nvPr/>
+          </p:nvCxnSpPr>
+          <p:spPr>
+            <a:xfrm>
+              <a:off x="6352905" y="3169918"/>
+              <a:ext cx="383179" cy="0"/>
+            </a:xfrm>
+            <a:prstGeom prst="straightConnector1">
+              <a:avLst/>
+            </a:prstGeom>
+            <a:ln>
+              <a:tailEnd type="triangle"/>
+            </a:ln>
+          </p:spPr>
+          <p:style>
+            <a:lnRef idx="1">
+              <a:schemeClr val="dk1"/>
+            </a:lnRef>
+            <a:fillRef idx="0">
+              <a:schemeClr val="dk1"/>
+            </a:fillRef>
+            <a:effectRef idx="0">
+              <a:schemeClr val="dk1"/>
+            </a:effectRef>
+            <a:fontRef idx="minor">
+              <a:schemeClr val="tx1"/>
+            </a:fontRef>
+          </p:style>
+        </p:cxnSp>
+        <p:sp>
+          <p:nvSpPr>
+            <p:cNvPr id="51" name="Rectangle 50">
+              <a:extLst>
+                <a:ext uri="{FF2B5EF4-FFF2-40B4-BE49-F238E27FC236}">
+                  <a16:creationId xmlns:a16="http://schemas.microsoft.com/office/drawing/2014/main" id="{AB67BA3D-C569-427D-9A9B-4C79E6F22EE0}"/>
+                </a:ext>
+              </a:extLst>
+            </p:cNvPr>
+            <p:cNvSpPr/>
+            <p:nvPr/>
+          </p:nvSpPr>
+          <p:spPr>
+            <a:xfrm>
+              <a:off x="6740435" y="2815043"/>
+              <a:ext cx="992778" cy="1053736"/>
+            </a:xfrm>
+            <a:prstGeom prst="rect">
+              <a:avLst/>
+            </a:prstGeom>
+          </p:spPr>
+          <p:style>
+            <a:lnRef idx="2">
+              <a:schemeClr val="dk1"/>
+            </a:lnRef>
+            <a:fillRef idx="1">
+              <a:schemeClr val="lt1"/>
+            </a:fillRef>
+            <a:effectRef idx="0">
+              <a:schemeClr val="dk1"/>
+            </a:effectRef>
+            <a:fontRef idx="minor">
+              <a:schemeClr val="dk1"/>
+            </a:fontRef>
+          </p:style>
+          <p:txBody>
+            <a:bodyPr rtlCol="0" anchor="ctr"/>
+            <a:lstStyle/>
+            <a:p>
+              <a:pPr algn="ctr"/>
+              <a:r>
+                <a:rPr lang="en-US" dirty="0">
+                  <a:latin typeface="Times New Roman" panose="02020603050405020304" pitchFamily="18" charset="0"/>
+                  <a:cs typeface="Times New Roman" panose="02020603050405020304" pitchFamily="18" charset="0"/>
+                </a:rPr>
+                <a:t>Command String Generation</a:t>
+              </a:r>
+            </a:p>
+          </p:txBody>
+        </p:sp>
+        <p:sp>
+          <p:nvSpPr>
+            <p:cNvPr id="69" name="Rectangle 68">
+              <a:extLst>
+                <a:ext uri="{FF2B5EF4-FFF2-40B4-BE49-F238E27FC236}">
+                  <a16:creationId xmlns:a16="http://schemas.microsoft.com/office/drawing/2014/main" id="{26E0E398-1E80-4596-A6B9-0F5696C397D4}"/>
+                </a:ext>
+              </a:extLst>
+            </p:cNvPr>
+            <p:cNvSpPr/>
+            <p:nvPr/>
+          </p:nvSpPr>
+          <p:spPr>
+            <a:xfrm>
+              <a:off x="2852060" y="3251559"/>
+              <a:ext cx="883919" cy="352696"/>
+            </a:xfrm>
+            <a:prstGeom prst="rect">
+              <a:avLst/>
+            </a:prstGeom>
+          </p:spPr>
+          <p:style>
+            <a:lnRef idx="2">
+              <a:schemeClr val="dk1"/>
+            </a:lnRef>
+            <a:fillRef idx="1">
+              <a:schemeClr val="lt1"/>
+            </a:fillRef>
+            <a:effectRef idx="0">
+              <a:schemeClr val="dk1"/>
+            </a:effectRef>
+            <a:fontRef idx="minor">
+              <a:schemeClr val="dk1"/>
+            </a:fontRef>
+          </p:style>
+          <p:txBody>
+            <a:bodyPr rtlCol="0" anchor="ctr"/>
+            <a:lstStyle/>
+            <a:p>
+              <a:pPr algn="ctr"/>
+              <a:r>
+                <a:rPr lang="en-US" b="1" dirty="0">
+                  <a:latin typeface="Times New Roman" panose="02020603050405020304" pitchFamily="18" charset="0"/>
+                  <a:cs typeface="Times New Roman" panose="02020603050405020304" pitchFamily="18" charset="0"/>
+                </a:rPr>
+                <a:t>p</a:t>
+              </a:r>
+              <a:r>
+                <a:rPr lang="en-US" i="1" baseline="-25000" dirty="0">
+                  <a:latin typeface="Times New Roman" panose="02020603050405020304" pitchFamily="18" charset="0"/>
+                  <a:cs typeface="Times New Roman" panose="02020603050405020304" pitchFamily="18" charset="0"/>
+                </a:rPr>
+                <a:t>ry</a:t>
+              </a:r>
+              <a:r>
+                <a:rPr lang="en-US" dirty="0">
+                  <a:latin typeface="Times New Roman" panose="02020603050405020304" pitchFamily="18" charset="0"/>
+                  <a:cs typeface="Times New Roman" panose="02020603050405020304" pitchFamily="18" charset="0"/>
+                </a:rPr>
+                <a:t>(</a:t>
+              </a:r>
+              <a:r>
+                <a:rPr lang="en-US" i="1" dirty="0">
+                  <a:latin typeface="Times New Roman" panose="02020603050405020304" pitchFamily="18" charset="0"/>
+                  <a:cs typeface="Times New Roman" panose="02020603050405020304" pitchFamily="18" charset="0"/>
+                </a:rPr>
+                <a:t>t</a:t>
+              </a:r>
+              <a:r>
+                <a:rPr lang="en-US" dirty="0">
+                  <a:latin typeface="Times New Roman" panose="02020603050405020304" pitchFamily="18" charset="0"/>
+                  <a:cs typeface="Times New Roman" panose="02020603050405020304" pitchFamily="18" charset="0"/>
+                </a:rPr>
+                <a:t>)</a:t>
+              </a:r>
+              <a:endParaRPr lang="en-US" i="1" baseline="-25000" dirty="0">
+                <a:latin typeface="Times New Roman" panose="02020603050405020304" pitchFamily="18" charset="0"/>
+                <a:cs typeface="Times New Roman" panose="02020603050405020304" pitchFamily="18" charset="0"/>
+              </a:endParaRPr>
+            </a:p>
+          </p:txBody>
+        </p:sp>
+        <p:sp>
+          <p:nvSpPr>
+            <p:cNvPr id="71" name="Rectangle 70">
+              <a:extLst>
+                <a:ext uri="{FF2B5EF4-FFF2-40B4-BE49-F238E27FC236}">
+                  <a16:creationId xmlns:a16="http://schemas.microsoft.com/office/drawing/2014/main" id="{504C0520-AE5B-4464-8CD7-980FB0A687CE}"/>
+                </a:ext>
+              </a:extLst>
+            </p:cNvPr>
+            <p:cNvSpPr/>
+            <p:nvPr/>
+          </p:nvSpPr>
+          <p:spPr>
+            <a:xfrm>
+              <a:off x="2847330" y="3707673"/>
+              <a:ext cx="883919" cy="352696"/>
+            </a:xfrm>
+            <a:prstGeom prst="rect">
+              <a:avLst/>
+            </a:prstGeom>
+          </p:spPr>
+          <p:style>
+            <a:lnRef idx="2">
+              <a:schemeClr val="dk1"/>
+            </a:lnRef>
+            <a:fillRef idx="1">
+              <a:schemeClr val="lt1"/>
+            </a:fillRef>
+            <a:effectRef idx="0">
+              <a:schemeClr val="dk1"/>
+            </a:effectRef>
+            <a:fontRef idx="minor">
+              <a:schemeClr val="dk1"/>
+            </a:fontRef>
+          </p:style>
+          <p:txBody>
+            <a:bodyPr rtlCol="0" anchor="ctr"/>
+            <a:lstStyle/>
+            <a:p>
+              <a:pPr algn="ctr"/>
+              <a:r>
+                <a:rPr lang="en-US" i="1" dirty="0">
+                  <a:latin typeface="Times New Roman" panose="02020603050405020304" pitchFamily="18" charset="0"/>
+                  <a:cs typeface="Times New Roman" panose="02020603050405020304" pitchFamily="18" charset="0"/>
+                </a:rPr>
+                <a:t>t</a:t>
+              </a:r>
+            </a:p>
+          </p:txBody>
+        </p:sp>
+        <p:cxnSp>
+          <p:nvCxnSpPr>
+            <p:cNvPr id="73" name="Connector: Elbow 72">
+              <a:extLst>
+                <a:ext uri="{FF2B5EF4-FFF2-40B4-BE49-F238E27FC236}">
+                  <a16:creationId xmlns:a16="http://schemas.microsoft.com/office/drawing/2014/main" id="{5165D21A-2A53-4581-9F38-F6461DFD99A0}"/>
+                </a:ext>
+              </a:extLst>
+            </p:cNvPr>
+            <p:cNvCxnSpPr>
+              <a:cxnSpLocks/>
+              <a:endCxn id="10" idx="1"/>
+            </p:cNvCxnSpPr>
+            <p:nvPr/>
+          </p:nvCxnSpPr>
+          <p:spPr>
+            <a:xfrm flipV="1">
+              <a:off x="2403567" y="2971793"/>
+              <a:ext cx="452844" cy="236222"/>
+            </a:xfrm>
+            <a:prstGeom prst="bentConnector3">
+              <a:avLst/>
+            </a:prstGeom>
+            <a:ln>
+              <a:tailEnd type="triangle"/>
+            </a:ln>
+          </p:spPr>
+          <p:style>
+            <a:lnRef idx="1">
+              <a:schemeClr val="dk1"/>
+            </a:lnRef>
+            <a:fillRef idx="0">
+              <a:schemeClr val="dk1"/>
+            </a:fillRef>
+            <a:effectRef idx="0">
+              <a:schemeClr val="dk1"/>
+            </a:effectRef>
+            <a:fontRef idx="minor">
+              <a:schemeClr val="tx1"/>
+            </a:fontRef>
+          </p:style>
+        </p:cxnSp>
+        <p:cxnSp>
+          <p:nvCxnSpPr>
+            <p:cNvPr id="81" name="Straight Arrow Connector 80">
+              <a:extLst>
+                <a:ext uri="{FF2B5EF4-FFF2-40B4-BE49-F238E27FC236}">
+                  <a16:creationId xmlns:a16="http://schemas.microsoft.com/office/drawing/2014/main" id="{5C4B79B4-88B7-4C8C-A198-A2A87975A3A7}"/>
+                </a:ext>
+              </a:extLst>
+            </p:cNvPr>
+            <p:cNvCxnSpPr>
+              <a:cxnSpLocks/>
+              <a:stCxn id="4" idx="3"/>
+              <a:endCxn id="69" idx="1"/>
+            </p:cNvCxnSpPr>
+            <p:nvPr/>
+          </p:nvCxnSpPr>
+          <p:spPr>
+            <a:xfrm>
+              <a:off x="2403567" y="3420289"/>
+              <a:ext cx="448493" cy="7618"/>
+            </a:xfrm>
+            <a:prstGeom prst="straightConnector1">
+              <a:avLst/>
+            </a:prstGeom>
+            <a:ln>
+              <a:tailEnd type="triangle"/>
+            </a:ln>
+          </p:spPr>
+          <p:style>
+            <a:lnRef idx="1">
+              <a:schemeClr val="dk1"/>
+            </a:lnRef>
+            <a:fillRef idx="0">
+              <a:schemeClr val="dk1"/>
+            </a:fillRef>
+            <a:effectRef idx="0">
+              <a:schemeClr val="dk1"/>
+            </a:effectRef>
+            <a:fontRef idx="minor">
+              <a:schemeClr val="tx1"/>
+            </a:fontRef>
+          </p:style>
+        </p:cxnSp>
+        <p:cxnSp>
+          <p:nvCxnSpPr>
+            <p:cNvPr id="83" name="Connector: Elbow 82">
+              <a:extLst>
+                <a:ext uri="{FF2B5EF4-FFF2-40B4-BE49-F238E27FC236}">
+                  <a16:creationId xmlns:a16="http://schemas.microsoft.com/office/drawing/2014/main" id="{3383E3DE-3CC6-46C0-A227-15A44A12F86B}"/>
+                </a:ext>
+              </a:extLst>
+            </p:cNvPr>
+            <p:cNvCxnSpPr>
+              <a:cxnSpLocks/>
+            </p:cNvCxnSpPr>
+            <p:nvPr/>
+          </p:nvCxnSpPr>
+          <p:spPr>
+            <a:xfrm>
+              <a:off x="2407736" y="3646166"/>
+              <a:ext cx="452844" cy="236222"/>
+            </a:xfrm>
+            <a:prstGeom prst="bentConnector3">
+              <a:avLst/>
+            </a:prstGeom>
+            <a:ln>
+              <a:tailEnd type="triangle"/>
+            </a:ln>
+          </p:spPr>
+          <p:style>
+            <a:lnRef idx="1">
+              <a:schemeClr val="dk1"/>
+            </a:lnRef>
+            <a:fillRef idx="0">
+              <a:schemeClr val="dk1"/>
+            </a:fillRef>
+            <a:effectRef idx="0">
+              <a:schemeClr val="dk1"/>
+            </a:effectRef>
+            <a:fontRef idx="minor">
+              <a:schemeClr val="tx1"/>
+            </a:fontRef>
+          </p:style>
+        </p:cxnSp>
+        <p:cxnSp>
+          <p:nvCxnSpPr>
+            <p:cNvPr id="84" name="Straight Arrow Connector 83">
+              <a:extLst>
+                <a:ext uri="{FF2B5EF4-FFF2-40B4-BE49-F238E27FC236}">
+                  <a16:creationId xmlns:a16="http://schemas.microsoft.com/office/drawing/2014/main" id="{B84B76BF-E410-4B63-94F2-C8E34193CDC1}"/>
+                </a:ext>
+              </a:extLst>
+            </p:cNvPr>
+            <p:cNvCxnSpPr>
+              <a:cxnSpLocks/>
+              <a:stCxn id="10" idx="3"/>
+            </p:cNvCxnSpPr>
+            <p:nvPr/>
+          </p:nvCxnSpPr>
+          <p:spPr>
+            <a:xfrm>
+              <a:off x="3740330" y="2971793"/>
+              <a:ext cx="357429" cy="0"/>
+            </a:xfrm>
+            <a:prstGeom prst="straightConnector1">
+              <a:avLst/>
+            </a:prstGeom>
+            <a:ln>
+              <a:tailEnd type="triangle"/>
+            </a:ln>
+          </p:spPr>
+          <p:style>
+            <a:lnRef idx="1">
+              <a:schemeClr val="dk1"/>
+            </a:lnRef>
+            <a:fillRef idx="0">
+              <a:schemeClr val="dk1"/>
+            </a:fillRef>
+            <a:effectRef idx="0">
+              <a:schemeClr val="dk1"/>
+            </a:effectRef>
+            <a:fontRef idx="minor">
+              <a:schemeClr val="tx1"/>
+            </a:fontRef>
+          </p:style>
+        </p:cxnSp>
+        <p:cxnSp>
+          <p:nvCxnSpPr>
+            <p:cNvPr id="87" name="Straight Arrow Connector 86">
+              <a:extLst>
+                <a:ext uri="{FF2B5EF4-FFF2-40B4-BE49-F238E27FC236}">
+                  <a16:creationId xmlns:a16="http://schemas.microsoft.com/office/drawing/2014/main" id="{23B37549-D6EE-4D3B-BABE-479753714C18}"/>
+                </a:ext>
+              </a:extLst>
+            </p:cNvPr>
+            <p:cNvCxnSpPr>
+              <a:cxnSpLocks/>
+              <a:stCxn id="69" idx="3"/>
+              <a:endCxn id="41" idx="1"/>
+            </p:cNvCxnSpPr>
+            <p:nvPr/>
+          </p:nvCxnSpPr>
+          <p:spPr>
+            <a:xfrm>
+              <a:off x="3735979" y="3427907"/>
+              <a:ext cx="361780" cy="1093"/>
+            </a:xfrm>
+            <a:prstGeom prst="straightConnector1">
+              <a:avLst/>
+            </a:prstGeom>
+            <a:ln>
+              <a:tailEnd type="triangle"/>
+            </a:ln>
+          </p:spPr>
+          <p:style>
+            <a:lnRef idx="1">
+              <a:schemeClr val="dk1"/>
+            </a:lnRef>
+            <a:fillRef idx="0">
+              <a:schemeClr val="dk1"/>
+            </a:fillRef>
+            <a:effectRef idx="0">
+              <a:schemeClr val="dk1"/>
+            </a:effectRef>
+            <a:fontRef idx="minor">
+              <a:schemeClr val="tx1"/>
+            </a:fontRef>
+          </p:style>
+        </p:cxnSp>
+        <p:cxnSp>
+          <p:nvCxnSpPr>
+            <p:cNvPr id="90" name="Straight Arrow Connector 89">
+              <a:extLst>
+                <a:ext uri="{FF2B5EF4-FFF2-40B4-BE49-F238E27FC236}">
+                  <a16:creationId xmlns:a16="http://schemas.microsoft.com/office/drawing/2014/main" id="{389A74D0-BF53-487D-BE3B-0D6775AEE3CA}"/>
+                </a:ext>
+              </a:extLst>
+            </p:cNvPr>
+            <p:cNvCxnSpPr>
+              <a:cxnSpLocks/>
+            </p:cNvCxnSpPr>
+            <p:nvPr/>
+          </p:nvCxnSpPr>
+          <p:spPr>
+            <a:xfrm>
+              <a:off x="3733804" y="3867686"/>
+              <a:ext cx="361780" cy="1093"/>
+            </a:xfrm>
+            <a:prstGeom prst="straightConnector1">
+              <a:avLst/>
+            </a:prstGeom>
+            <a:ln>
+              <a:tailEnd type="triangle"/>
+            </a:ln>
+          </p:spPr>
+          <p:style>
+            <a:lnRef idx="1">
+              <a:schemeClr val="dk1"/>
+            </a:lnRef>
+            <a:fillRef idx="0">
+              <a:schemeClr val="dk1"/>
+            </a:fillRef>
+            <a:effectRef idx="0">
+              <a:schemeClr val="dk1"/>
+            </a:effectRef>
+            <a:fontRef idx="minor">
+              <a:schemeClr val="tx1"/>
+            </a:fontRef>
+          </p:style>
+        </p:cxnSp>
+        <p:cxnSp>
+          <p:nvCxnSpPr>
+            <p:cNvPr id="92" name="Straight Arrow Connector 91">
+              <a:extLst>
+                <a:ext uri="{FF2B5EF4-FFF2-40B4-BE49-F238E27FC236}">
+                  <a16:creationId xmlns:a16="http://schemas.microsoft.com/office/drawing/2014/main" id="{23F0F0F8-DB7A-44D1-996C-1DF9A64BC7B9}"/>
+                </a:ext>
+              </a:extLst>
+            </p:cNvPr>
+            <p:cNvCxnSpPr>
+              <a:cxnSpLocks/>
+            </p:cNvCxnSpPr>
+            <p:nvPr/>
+          </p:nvCxnSpPr>
+          <p:spPr>
+            <a:xfrm>
+              <a:off x="7733213" y="3085549"/>
+              <a:ext cx="430993" cy="4355"/>
+            </a:xfrm>
+            <a:prstGeom prst="straightConnector1">
+              <a:avLst/>
+            </a:prstGeom>
+            <a:ln>
+              <a:tailEnd type="triangle"/>
+            </a:ln>
+          </p:spPr>
+          <p:style>
+            <a:lnRef idx="1">
+              <a:schemeClr val="dk1"/>
+            </a:lnRef>
+            <a:fillRef idx="0">
+              <a:schemeClr val="dk1"/>
+            </a:fillRef>
+            <a:effectRef idx="0">
+              <a:schemeClr val="dk1"/>
+            </a:effectRef>
+            <a:fontRef idx="minor">
+              <a:schemeClr val="tx1"/>
+            </a:fontRef>
+          </p:style>
+        </p:cxnSp>
+        <p:cxnSp>
+          <p:nvCxnSpPr>
+            <p:cNvPr id="94" name="Straight Arrow Connector 93">
+              <a:extLst>
+                <a:ext uri="{FF2B5EF4-FFF2-40B4-BE49-F238E27FC236}">
+                  <a16:creationId xmlns:a16="http://schemas.microsoft.com/office/drawing/2014/main" id="{0E297948-C0E6-4051-BEC8-1C9E790B7F3C}"/>
+                </a:ext>
+              </a:extLst>
+            </p:cNvPr>
+            <p:cNvCxnSpPr>
+              <a:cxnSpLocks/>
+            </p:cNvCxnSpPr>
+            <p:nvPr/>
+          </p:nvCxnSpPr>
+          <p:spPr>
+            <a:xfrm>
+              <a:off x="7728859" y="3602074"/>
+              <a:ext cx="429523" cy="0"/>
+            </a:xfrm>
+            <a:prstGeom prst="straightConnector1">
+              <a:avLst/>
+            </a:prstGeom>
+            <a:ln>
+              <a:tailEnd type="triangle"/>
+            </a:ln>
+          </p:spPr>
+          <p:style>
+            <a:lnRef idx="1">
+              <a:schemeClr val="dk1"/>
+            </a:lnRef>
+            <a:fillRef idx="0">
+              <a:schemeClr val="dk1"/>
+            </a:fillRef>
+            <a:effectRef idx="0">
+              <a:schemeClr val="dk1"/>
+            </a:effectRef>
+            <a:fontRef idx="minor">
+              <a:schemeClr val="tx1"/>
+            </a:fontRef>
+          </p:style>
+        </p:cxnSp>
+        <p:sp>
+          <p:nvSpPr>
+            <p:cNvPr id="96" name="TextBox 95">
+              <a:extLst>
+                <a:ext uri="{FF2B5EF4-FFF2-40B4-BE49-F238E27FC236}">
+                  <a16:creationId xmlns:a16="http://schemas.microsoft.com/office/drawing/2014/main" id="{404CCF82-ED4E-4D35-A960-4578A6857248}"/>
+                </a:ext>
+              </a:extLst>
+            </p:cNvPr>
+            <p:cNvSpPr txBox="1"/>
+            <p:nvPr/>
+          </p:nvSpPr>
+          <p:spPr>
+            <a:xfrm>
+              <a:off x="7851960" y="3341911"/>
+              <a:ext cx="360145" cy="252559"/>
+            </a:xfrm>
+            <a:prstGeom prst="rect">
+              <a:avLst/>
+            </a:prstGeom>
+            <a:noFill/>
+          </p:spPr>
+          <p:txBody>
+            <a:bodyPr wrap="none" rtlCol="0">
+              <a:spAutoFit/>
+            </a:bodyPr>
+            <a:lstStyle/>
+            <a:p>
+              <a:r>
+                <a:rPr lang="en-US" b="1" dirty="0">
+                  <a:latin typeface="Times New Roman" panose="02020603050405020304" pitchFamily="18" charset="0"/>
+                  <a:cs typeface="Times New Roman" panose="02020603050405020304" pitchFamily="18" charset="0"/>
+                </a:rPr>
+                <a:t>J</a:t>
+              </a:r>
+              <a:r>
+                <a:rPr lang="en-US" baseline="-25000" dirty="0">
+                  <a:latin typeface="Times New Roman" panose="02020603050405020304" pitchFamily="18" charset="0"/>
+                  <a:cs typeface="Times New Roman" panose="02020603050405020304" pitchFamily="18" charset="0"/>
+                </a:rPr>
+                <a:t>ay</a:t>
+              </a:r>
+              <a:endParaRPr lang="en-US" dirty="0">
+                <a:latin typeface="Times New Roman" panose="02020603050405020304" pitchFamily="18" charset="0"/>
+                <a:cs typeface="Times New Roman" panose="02020603050405020304" pitchFamily="18" charset="0"/>
+              </a:endParaRPr>
+            </a:p>
+          </p:txBody>
+        </p:sp>
+        <p:sp>
+          <p:nvSpPr>
+            <p:cNvPr id="97" name="TextBox 96">
+              <a:extLst>
+                <a:ext uri="{FF2B5EF4-FFF2-40B4-BE49-F238E27FC236}">
+                  <a16:creationId xmlns:a16="http://schemas.microsoft.com/office/drawing/2014/main" id="{2205F757-DABF-49A0-85B6-406143A8C08D}"/>
+                </a:ext>
+              </a:extLst>
+            </p:cNvPr>
+            <p:cNvSpPr txBox="1"/>
+            <p:nvPr/>
+          </p:nvSpPr>
+          <p:spPr>
+            <a:xfrm>
+              <a:off x="7851960" y="2840988"/>
+              <a:ext cx="360145" cy="252559"/>
+            </a:xfrm>
+            <a:prstGeom prst="rect">
+              <a:avLst/>
+            </a:prstGeom>
+            <a:noFill/>
+          </p:spPr>
+          <p:txBody>
+            <a:bodyPr wrap="none" rtlCol="0">
+              <a:spAutoFit/>
+            </a:bodyPr>
+            <a:lstStyle/>
+            <a:p>
+              <a:r>
+                <a:rPr lang="en-US" b="1" dirty="0">
+                  <a:latin typeface="Times New Roman" panose="02020603050405020304" pitchFamily="18" charset="0"/>
+                  <a:cs typeface="Times New Roman" panose="02020603050405020304" pitchFamily="18" charset="0"/>
+                </a:rPr>
+                <a:t>J</a:t>
+              </a:r>
+              <a:r>
+                <a:rPr lang="en-US" baseline="-25000" dirty="0">
+                  <a:latin typeface="Times New Roman" panose="02020603050405020304" pitchFamily="18" charset="0"/>
+                  <a:cs typeface="Times New Roman" panose="02020603050405020304" pitchFamily="18" charset="0"/>
+                </a:rPr>
+                <a:t>ax</a:t>
+              </a:r>
+              <a:endParaRPr lang="en-US" dirty="0">
+                <a:latin typeface="Times New Roman" panose="02020603050405020304" pitchFamily="18" charset="0"/>
+                <a:cs typeface="Times New Roman" panose="02020603050405020304" pitchFamily="18" charset="0"/>
+              </a:endParaRPr>
+            </a:p>
+          </p:txBody>
+        </p:sp>
+        <p:cxnSp>
+          <p:nvCxnSpPr>
+            <p:cNvPr id="113" name="Straight Arrow Connector 112">
+              <a:extLst>
+                <a:ext uri="{FF2B5EF4-FFF2-40B4-BE49-F238E27FC236}">
+                  <a16:creationId xmlns:a16="http://schemas.microsoft.com/office/drawing/2014/main" id="{39C20603-9922-4199-85BE-EAAD43A140D5}"/>
+                </a:ext>
+              </a:extLst>
+            </p:cNvPr>
+            <p:cNvCxnSpPr>
+              <a:cxnSpLocks/>
+            </p:cNvCxnSpPr>
+            <p:nvPr/>
+          </p:nvCxnSpPr>
+          <p:spPr>
+            <a:xfrm>
+              <a:off x="9558646" y="3573040"/>
+              <a:ext cx="555178" cy="3454"/>
+            </a:xfrm>
+            <a:prstGeom prst="straightConnector1">
+              <a:avLst/>
+            </a:prstGeom>
+            <a:ln>
+              <a:tailEnd type="triangle"/>
+            </a:ln>
+          </p:spPr>
+          <p:style>
+            <a:lnRef idx="1">
+              <a:schemeClr val="dk1"/>
+            </a:lnRef>
+            <a:fillRef idx="0">
+              <a:schemeClr val="dk1"/>
+            </a:fillRef>
+            <a:effectRef idx="0">
+              <a:schemeClr val="dk1"/>
+            </a:effectRef>
+            <a:fontRef idx="minor">
+              <a:schemeClr val="tx1"/>
+            </a:fontRef>
+          </p:style>
+        </p:cxnSp>
+        <p:cxnSp>
+          <p:nvCxnSpPr>
+            <p:cNvPr id="118" name="Straight Arrow Connector 117">
+              <a:extLst>
+                <a:ext uri="{FF2B5EF4-FFF2-40B4-BE49-F238E27FC236}">
+                  <a16:creationId xmlns:a16="http://schemas.microsoft.com/office/drawing/2014/main" id="{0277FC26-9665-4773-BF66-4C3E7CB8965B}"/>
+                </a:ext>
+              </a:extLst>
+            </p:cNvPr>
+            <p:cNvCxnSpPr>
+              <a:cxnSpLocks/>
+            </p:cNvCxnSpPr>
+            <p:nvPr/>
+          </p:nvCxnSpPr>
+          <p:spPr>
+            <a:xfrm>
+              <a:off x="9558646" y="3093173"/>
+              <a:ext cx="563887" cy="0"/>
+            </a:xfrm>
+            <a:prstGeom prst="straightConnector1">
+              <a:avLst/>
+            </a:prstGeom>
+            <a:ln>
+              <a:tailEnd type="triangle"/>
+            </a:ln>
+          </p:spPr>
+          <p:style>
+            <a:lnRef idx="1">
+              <a:schemeClr val="dk1"/>
+            </a:lnRef>
+            <a:fillRef idx="0">
+              <a:schemeClr val="dk1"/>
+            </a:fillRef>
+            <a:effectRef idx="0">
+              <a:schemeClr val="dk1"/>
+            </a:effectRef>
+            <a:fontRef idx="minor">
+              <a:schemeClr val="tx1"/>
+            </a:fontRef>
+          </p:style>
+        </p:cxnSp>
+        <p:grpSp>
+          <p:nvGrpSpPr>
+            <p:cNvPr id="166" name="Group 165">
+              <a:extLst>
+                <a:ext uri="{FF2B5EF4-FFF2-40B4-BE49-F238E27FC236}">
+                  <a16:creationId xmlns:a16="http://schemas.microsoft.com/office/drawing/2014/main" id="{A39444D6-C6FD-49E2-BE61-F3FEAB3190F5}"/>
+                </a:ext>
+              </a:extLst>
+            </p:cNvPr>
+            <p:cNvGrpSpPr/>
+            <p:nvPr/>
+          </p:nvGrpSpPr>
+          <p:grpSpPr>
+            <a:xfrm>
+              <a:off x="8635356" y="2815043"/>
+              <a:ext cx="992778" cy="1053736"/>
+              <a:chOff x="8504908" y="1976846"/>
+              <a:chExt cx="992778" cy="1053736"/>
+            </a:xfrm>
+          </p:grpSpPr>
+          <p:sp>
+            <p:nvSpPr>
+              <p:cNvPr id="98" name="Rectangle 97">
+                <a:extLst>
+                  <a:ext uri="{FF2B5EF4-FFF2-40B4-BE49-F238E27FC236}">
+                    <a16:creationId xmlns:a16="http://schemas.microsoft.com/office/drawing/2014/main" id="{49C0C545-2E1C-4D66-9216-71AADEB597DF}"/>
+                  </a:ext>
+                </a:extLst>
+              </p:cNvPr>
+              <p:cNvSpPr/>
+              <p:nvPr/>
+            </p:nvSpPr>
+            <p:spPr>
+              <a:xfrm>
+                <a:off x="8504908" y="1976846"/>
+                <a:ext cx="992778" cy="1053736"/>
+              </a:xfrm>
+              <a:prstGeom prst="rect">
+                <a:avLst/>
+              </a:prstGeom>
+            </p:spPr>
+            <p:style>
+              <a:lnRef idx="2">
+                <a:schemeClr val="dk1"/>
+              </a:lnRef>
+              <a:fillRef idx="1">
+                <a:schemeClr val="lt1"/>
+              </a:fillRef>
+              <a:effectRef idx="0">
+                <a:schemeClr val="dk1"/>
+              </a:effectRef>
+              <a:fontRef idx="minor">
+                <a:schemeClr val="dk1"/>
+              </a:fontRef>
+            </p:style>
+            <p:txBody>
+              <a:bodyPr rtlCol="0" anchor="t"/>
+              <a:lstStyle/>
+              <a:p>
+                <a:pPr algn="ctr"/>
+                <a:r>
+                  <a:rPr lang="en-US" dirty="0">
+                    <a:latin typeface="Times New Roman" panose="02020603050405020304" pitchFamily="18" charset="0"/>
+                    <a:cs typeface="Times New Roman" panose="02020603050405020304" pitchFamily="18" charset="0"/>
+                  </a:rPr>
+                  <a:t>Plant (UAV)</a:t>
+                </a:r>
+              </a:p>
+            </p:txBody>
+          </p:sp>
+          <p:pic>
+            <p:nvPicPr>
+              <p:cNvPr id="1028" name="Picture 4" descr="Image result for quadrotor clipart">
+                <a:extLst>
+                  <a:ext uri="{FF2B5EF4-FFF2-40B4-BE49-F238E27FC236}">
+                    <a16:creationId xmlns:a16="http://schemas.microsoft.com/office/drawing/2014/main" id="{512E8876-A688-4008-8862-352E0C25C45C}"/>
+                  </a:ext>
+                </a:extLst>
+              </p:cNvPr>
+              <p:cNvPicPr>
+                <a:picLocks noChangeAspect="1" noChangeArrowheads="1"/>
+              </p:cNvPicPr>
+              <p:nvPr/>
+            </p:nvPicPr>
+            <p:blipFill rotWithShape="1">
+              <a:blip r:embed="rId4">
+                <a:extLst>
+                  <a:ext uri="{28A0092B-C50C-407E-A947-70E740481C1C}">
+                    <a14:useLocalDpi xmlns:a14="http://schemas.microsoft.com/office/drawing/2010/main" val="0"/>
+                  </a:ext>
+                </a:extLst>
+              </a:blip>
+              <a:srcRect l="17843" r="17515"/>
+              <a:stretch/>
+            </p:blipFill>
+            <p:spPr bwMode="auto">
+              <a:xfrm>
+                <a:off x="8534506" y="2229746"/>
+                <a:ext cx="947252" cy="759179"/>
+              </a:xfrm>
+              <a:prstGeom prst="rect">
+                <a:avLst/>
+              </a:prstGeom>
+              <a:noFill/>
+              <a:extLst>
+                <a:ext uri="{909E8E84-426E-40DD-AFC4-6F175D3DCCD1}">
+                  <a14:hiddenFill xmlns:a14="http://schemas.microsoft.com/office/drawing/2010/main">
+                    <a:solidFill>
+                      <a:srgbClr val="FFFFFF"/>
+                    </a:solidFill>
+                  </a14:hiddenFill>
+                </a:ext>
+              </a:extLst>
+            </p:spPr>
+          </p:pic>
+        </p:grpSp>
+        <p:sp>
+          <p:nvSpPr>
+            <p:cNvPr id="119" name="Rectangle 118">
+              <a:extLst>
+                <a:ext uri="{FF2B5EF4-FFF2-40B4-BE49-F238E27FC236}">
+                  <a16:creationId xmlns:a16="http://schemas.microsoft.com/office/drawing/2014/main" id="{48459F0A-52CB-4DCF-BB6E-058B0B42DAAB}"/>
+                </a:ext>
+              </a:extLst>
+            </p:cNvPr>
+            <p:cNvSpPr/>
+            <p:nvPr/>
+          </p:nvSpPr>
+          <p:spPr>
+            <a:xfrm>
+              <a:off x="8142517" y="4079508"/>
+              <a:ext cx="335277" cy="305706"/>
+            </a:xfrm>
+            <a:prstGeom prst="rect">
+              <a:avLst/>
+            </a:prstGeom>
+          </p:spPr>
+          <p:style>
+            <a:lnRef idx="2">
+              <a:schemeClr val="dk1"/>
+            </a:lnRef>
+            <a:fillRef idx="1">
+              <a:schemeClr val="lt1"/>
+            </a:fillRef>
+            <a:effectRef idx="0">
+              <a:schemeClr val="dk1"/>
+            </a:effectRef>
+            <a:fontRef idx="minor">
+              <a:schemeClr val="dk1"/>
+            </a:fontRef>
+          </p:style>
+          <p:txBody>
+            <a:bodyPr rtlCol="0" anchor="ctr"/>
+            <a:lstStyle/>
+            <a:p>
+              <a:pPr algn="ctr"/>
+              <a:r>
+                <a:rPr lang="en-US" i="1" dirty="0">
+                  <a:latin typeface="Times New Roman" panose="02020603050405020304" pitchFamily="18" charset="0"/>
+                  <a:cs typeface="Times New Roman" panose="02020603050405020304" pitchFamily="18" charset="0"/>
+                </a:rPr>
+                <a:t>k</a:t>
+              </a:r>
+              <a:r>
+                <a:rPr lang="en-US" i="1" baseline="-25000" dirty="0">
+                  <a:latin typeface="Times New Roman" panose="02020603050405020304" pitchFamily="18" charset="0"/>
+                  <a:cs typeface="Times New Roman" panose="02020603050405020304" pitchFamily="18" charset="0"/>
+                </a:rPr>
+                <a:t>p</a:t>
+              </a:r>
+            </a:p>
+          </p:txBody>
+        </p:sp>
+        <p:sp>
+          <p:nvSpPr>
+            <p:cNvPr id="156" name="TextBox 155">
+              <a:extLst>
+                <a:ext uri="{FF2B5EF4-FFF2-40B4-BE49-F238E27FC236}">
+                  <a16:creationId xmlns:a16="http://schemas.microsoft.com/office/drawing/2014/main" id="{91F61885-E42F-46DB-8245-4C25062FC181}"/>
+                </a:ext>
+              </a:extLst>
+            </p:cNvPr>
+            <p:cNvSpPr txBox="1"/>
+            <p:nvPr/>
+          </p:nvSpPr>
+          <p:spPr>
+            <a:xfrm>
+              <a:off x="9633946" y="2857477"/>
+              <a:ext cx="314835" cy="252559"/>
+            </a:xfrm>
+            <a:prstGeom prst="rect">
+              <a:avLst/>
+            </a:prstGeom>
+            <a:noFill/>
+          </p:spPr>
+          <p:txBody>
+            <a:bodyPr wrap="none" rtlCol="0">
+              <a:spAutoFit/>
+            </a:bodyPr>
+            <a:lstStyle/>
+            <a:p>
+              <a:r>
+                <a:rPr lang="en-US" b="1" dirty="0">
+                  <a:latin typeface="Times New Roman" panose="02020603050405020304" pitchFamily="18" charset="0"/>
+                  <a:cs typeface="Times New Roman" panose="02020603050405020304" pitchFamily="18" charset="0"/>
+                </a:rPr>
+                <a:t>p</a:t>
+              </a:r>
+              <a:r>
+                <a:rPr lang="en-US" baseline="-25000" dirty="0">
+                  <a:latin typeface="Times New Roman" panose="02020603050405020304" pitchFamily="18" charset="0"/>
+                  <a:cs typeface="Times New Roman" panose="02020603050405020304" pitchFamily="18" charset="0"/>
+                </a:rPr>
+                <a:t>x</a:t>
+              </a:r>
+              <a:endParaRPr lang="en-US" dirty="0">
+                <a:latin typeface="Times New Roman" panose="02020603050405020304" pitchFamily="18" charset="0"/>
+                <a:cs typeface="Times New Roman" panose="02020603050405020304" pitchFamily="18" charset="0"/>
+              </a:endParaRPr>
+            </a:p>
+          </p:txBody>
+        </p:sp>
+        <p:sp>
+          <p:nvSpPr>
+            <p:cNvPr id="157" name="TextBox 156">
+              <a:extLst>
+                <a:ext uri="{FF2B5EF4-FFF2-40B4-BE49-F238E27FC236}">
+                  <a16:creationId xmlns:a16="http://schemas.microsoft.com/office/drawing/2014/main" id="{EECF94F8-A964-4B6F-9B22-7F9A6295808D}"/>
+                </a:ext>
+              </a:extLst>
+            </p:cNvPr>
+            <p:cNvSpPr txBox="1"/>
+            <p:nvPr/>
+          </p:nvSpPr>
+          <p:spPr>
+            <a:xfrm>
+              <a:off x="9639968" y="3346266"/>
+              <a:ext cx="314835" cy="252559"/>
+            </a:xfrm>
+            <a:prstGeom prst="rect">
+              <a:avLst/>
+            </a:prstGeom>
+            <a:noFill/>
+          </p:spPr>
+          <p:txBody>
+            <a:bodyPr wrap="none" rtlCol="0">
+              <a:spAutoFit/>
+            </a:bodyPr>
+            <a:lstStyle/>
+            <a:p>
+              <a:r>
+                <a:rPr lang="en-US" b="1" dirty="0">
+                  <a:latin typeface="Times New Roman" panose="02020603050405020304" pitchFamily="18" charset="0"/>
+                  <a:cs typeface="Times New Roman" panose="02020603050405020304" pitchFamily="18" charset="0"/>
+                </a:rPr>
+                <a:t>p</a:t>
+              </a:r>
+              <a:r>
+                <a:rPr lang="en-US" baseline="-25000" dirty="0">
+                  <a:latin typeface="Times New Roman" panose="02020603050405020304" pitchFamily="18" charset="0"/>
+                  <a:cs typeface="Times New Roman" panose="02020603050405020304" pitchFamily="18" charset="0"/>
+                </a:rPr>
+                <a:t>y</a:t>
+              </a:r>
+              <a:endParaRPr lang="en-US" dirty="0">
+                <a:latin typeface="Times New Roman" panose="02020603050405020304" pitchFamily="18" charset="0"/>
+                <a:cs typeface="Times New Roman" panose="02020603050405020304" pitchFamily="18" charset="0"/>
+              </a:endParaRPr>
+            </a:p>
+          </p:txBody>
+        </p:sp>
+        <p:cxnSp>
+          <p:nvCxnSpPr>
+            <p:cNvPr id="165" name="Connector: Elbow 164">
+              <a:extLst>
+                <a:ext uri="{FF2B5EF4-FFF2-40B4-BE49-F238E27FC236}">
+                  <a16:creationId xmlns:a16="http://schemas.microsoft.com/office/drawing/2014/main" id="{E7269B7B-FE94-4A65-9CC6-C73F1FA88DC6}"/>
+                </a:ext>
+              </a:extLst>
+            </p:cNvPr>
+            <p:cNvCxnSpPr>
+              <a:cxnSpLocks/>
+              <a:endCxn id="131" idx="6"/>
+            </p:cNvCxnSpPr>
+            <p:nvPr/>
+          </p:nvCxnSpPr>
+          <p:spPr>
+            <a:xfrm rot="5400000">
+              <a:off x="8328330" y="3251852"/>
+              <a:ext cx="1824909" cy="1514415"/>
+            </a:xfrm>
+            <a:prstGeom prst="bentConnector2">
+              <a:avLst/>
+            </a:prstGeom>
+            <a:ln>
+              <a:tailEnd type="triangle"/>
+            </a:ln>
+          </p:spPr>
+          <p:style>
+            <a:lnRef idx="1">
+              <a:schemeClr val="dk1"/>
+            </a:lnRef>
+            <a:fillRef idx="0">
+              <a:schemeClr val="dk1"/>
+            </a:fillRef>
+            <a:effectRef idx="0">
+              <a:schemeClr val="dk1"/>
+            </a:effectRef>
+            <a:fontRef idx="minor">
+              <a:schemeClr val="tx1"/>
+            </a:fontRef>
+          </p:style>
+        </p:cxnSp>
+        <p:sp>
+          <p:nvSpPr>
+            <p:cNvPr id="131" name="Oval 130">
+              <a:extLst>
+                <a:ext uri="{FF2B5EF4-FFF2-40B4-BE49-F238E27FC236}">
+                  <a16:creationId xmlns:a16="http://schemas.microsoft.com/office/drawing/2014/main" id="{B0AC01CF-17C2-4FAC-9DC6-B9ED0D0F5C05}"/>
+                </a:ext>
+              </a:extLst>
+            </p:cNvPr>
+            <p:cNvSpPr/>
+            <p:nvPr/>
+          </p:nvSpPr>
+          <p:spPr>
+            <a:xfrm>
+              <a:off x="8148299" y="4768665"/>
+              <a:ext cx="335277" cy="305697"/>
+            </a:xfrm>
+            <a:prstGeom prst="ellipse">
+              <a:avLst/>
+            </a:prstGeom>
+          </p:spPr>
+          <p:style>
+            <a:lnRef idx="2">
+              <a:schemeClr val="dk1"/>
+            </a:lnRef>
+            <a:fillRef idx="1">
+              <a:schemeClr val="lt1"/>
+            </a:fillRef>
+            <a:effectRef idx="0">
+              <a:schemeClr val="dk1"/>
+            </a:effectRef>
+            <a:fontRef idx="minor">
+              <a:schemeClr val="dk1"/>
+            </a:fontRef>
+          </p:style>
+          <p:txBody>
+            <a:bodyPr rtlCol="0" anchor="ctr"/>
+            <a:lstStyle/>
+            <a:p>
+              <a:pPr algn="ctr"/>
+              <a:endParaRPr lang="en-US"/>
+            </a:p>
+          </p:txBody>
+        </p:sp>
+        <p:cxnSp>
+          <p:nvCxnSpPr>
+            <p:cNvPr id="138" name="Connector: Elbow 137">
+              <a:extLst>
+                <a:ext uri="{FF2B5EF4-FFF2-40B4-BE49-F238E27FC236}">
+                  <a16:creationId xmlns:a16="http://schemas.microsoft.com/office/drawing/2014/main" id="{6206CCA5-D5CD-47DE-986F-A8E91EB7CC54}"/>
+                </a:ext>
+              </a:extLst>
+            </p:cNvPr>
+            <p:cNvCxnSpPr>
+              <a:cxnSpLocks/>
+              <a:endCxn id="131" idx="2"/>
+            </p:cNvCxnSpPr>
+            <p:nvPr/>
+          </p:nvCxnSpPr>
+          <p:spPr>
+            <a:xfrm>
+              <a:off x="3958239" y="2971793"/>
+              <a:ext cx="4190060" cy="1949721"/>
+            </a:xfrm>
+            <a:prstGeom prst="bentConnector3">
+              <a:avLst>
+                <a:gd name="adj1" fmla="val -1128"/>
+              </a:avLst>
+            </a:prstGeom>
+            <a:ln>
+              <a:tailEnd type="triangle"/>
+            </a:ln>
+          </p:spPr>
+          <p:style>
+            <a:lnRef idx="1">
+              <a:schemeClr val="dk1"/>
+            </a:lnRef>
+            <a:fillRef idx="0">
+              <a:schemeClr val="dk1"/>
+            </a:fillRef>
+            <a:effectRef idx="0">
+              <a:schemeClr val="dk1"/>
+            </a:effectRef>
+            <a:fontRef idx="minor">
+              <a:schemeClr val="tx1"/>
+            </a:fontRef>
+          </p:style>
+        </p:cxnSp>
+        <p:cxnSp>
+          <p:nvCxnSpPr>
+            <p:cNvPr id="142" name="Straight Arrow Connector 141">
+              <a:extLst>
+                <a:ext uri="{FF2B5EF4-FFF2-40B4-BE49-F238E27FC236}">
+                  <a16:creationId xmlns:a16="http://schemas.microsoft.com/office/drawing/2014/main" id="{D2E67A87-B173-4B99-8440-CF452F1A38E0}"/>
+                </a:ext>
+              </a:extLst>
+            </p:cNvPr>
+            <p:cNvCxnSpPr>
+              <a:cxnSpLocks/>
+              <a:stCxn id="131" idx="0"/>
+              <a:endCxn id="119" idx="2"/>
+            </p:cNvCxnSpPr>
+            <p:nvPr/>
+          </p:nvCxnSpPr>
+          <p:spPr>
+            <a:xfrm flipH="1" flipV="1">
+              <a:off x="8310156" y="4385214"/>
+              <a:ext cx="5782" cy="383451"/>
+            </a:xfrm>
+            <a:prstGeom prst="straightConnector1">
+              <a:avLst/>
+            </a:prstGeom>
+            <a:ln>
+              <a:tailEnd type="triangle"/>
+            </a:ln>
+          </p:spPr>
+          <p:style>
+            <a:lnRef idx="1">
+              <a:schemeClr val="dk1"/>
+            </a:lnRef>
+            <a:fillRef idx="0">
+              <a:schemeClr val="dk1"/>
+            </a:fillRef>
+            <a:effectRef idx="0">
+              <a:schemeClr val="dk1"/>
+            </a:effectRef>
+            <a:fontRef idx="minor">
+              <a:schemeClr val="tx1"/>
+            </a:fontRef>
+          </p:style>
+        </p:cxnSp>
+        <p:sp>
+          <p:nvSpPr>
+            <p:cNvPr id="144" name="TextBox 143">
+              <a:extLst>
+                <a:ext uri="{FF2B5EF4-FFF2-40B4-BE49-F238E27FC236}">
+                  <a16:creationId xmlns:a16="http://schemas.microsoft.com/office/drawing/2014/main" id="{A785EE6F-12D4-46C0-BA4C-9117173AABDA}"/>
+                </a:ext>
+              </a:extLst>
+            </p:cNvPr>
+            <p:cNvSpPr txBox="1"/>
+            <p:nvPr/>
+          </p:nvSpPr>
+          <p:spPr>
+            <a:xfrm>
+              <a:off x="8453934" y="4633876"/>
+              <a:ext cx="242340" cy="252559"/>
+            </a:xfrm>
+            <a:prstGeom prst="rect">
+              <a:avLst/>
+            </a:prstGeom>
+            <a:noFill/>
+          </p:spPr>
+          <p:txBody>
+            <a:bodyPr wrap="none" rtlCol="0">
+              <a:spAutoFit/>
+            </a:bodyPr>
+            <a:lstStyle/>
+            <a:p>
+              <a:r>
+                <a:rPr lang="en-US" dirty="0"/>
+                <a:t>_</a:t>
+              </a:r>
+            </a:p>
+          </p:txBody>
+        </p:sp>
+        <p:sp>
+          <p:nvSpPr>
+            <p:cNvPr id="180" name="TextBox 179">
+              <a:extLst>
+                <a:ext uri="{FF2B5EF4-FFF2-40B4-BE49-F238E27FC236}">
+                  <a16:creationId xmlns:a16="http://schemas.microsoft.com/office/drawing/2014/main" id="{0D0E36F4-9AF5-4C5E-8D11-09984F3C6B3F}"/>
+                </a:ext>
+              </a:extLst>
+            </p:cNvPr>
+            <p:cNvSpPr txBox="1"/>
+            <p:nvPr/>
+          </p:nvSpPr>
+          <p:spPr>
+            <a:xfrm>
+              <a:off x="7975474" y="4665938"/>
+              <a:ext cx="242340" cy="252559"/>
+            </a:xfrm>
+            <a:prstGeom prst="rect">
+              <a:avLst/>
+            </a:prstGeom>
+            <a:noFill/>
+          </p:spPr>
+          <p:txBody>
+            <a:bodyPr wrap="none" rtlCol="0">
+              <a:spAutoFit/>
+            </a:bodyPr>
+            <a:lstStyle/>
+            <a:p>
+              <a:r>
+                <a:rPr lang="en-US" dirty="0"/>
+                <a:t>+</a:t>
+              </a:r>
+            </a:p>
+          </p:txBody>
+        </p:sp>
+        <p:sp>
+          <p:nvSpPr>
+            <p:cNvPr id="181" name="TextBox 180">
+              <a:extLst>
+                <a:ext uri="{FF2B5EF4-FFF2-40B4-BE49-F238E27FC236}">
+                  <a16:creationId xmlns:a16="http://schemas.microsoft.com/office/drawing/2014/main" id="{B53EACC7-F351-4A3E-8E20-A8B94C9C3ED4}"/>
+                </a:ext>
+              </a:extLst>
+            </p:cNvPr>
+            <p:cNvSpPr txBox="1"/>
+            <p:nvPr/>
+          </p:nvSpPr>
+          <p:spPr>
+            <a:xfrm>
+              <a:off x="8259634" y="4485012"/>
+              <a:ext cx="231984" cy="252559"/>
+            </a:xfrm>
+            <a:prstGeom prst="rect">
+              <a:avLst/>
+            </a:prstGeom>
+            <a:noFill/>
+          </p:spPr>
+          <p:txBody>
+            <a:bodyPr wrap="none" rtlCol="0">
+              <a:spAutoFit/>
+            </a:bodyPr>
+            <a:lstStyle/>
+            <a:p>
+              <a:r>
+                <a:rPr lang="en-US" i="1" dirty="0">
+                  <a:latin typeface="Times New Roman" panose="02020603050405020304" pitchFamily="18" charset="0"/>
+                  <a:cs typeface="Times New Roman" panose="02020603050405020304" pitchFamily="18" charset="0"/>
+                </a:rPr>
+                <a:t>e</a:t>
+              </a:r>
+            </a:p>
+          </p:txBody>
+        </p:sp>
+        <p:cxnSp>
+          <p:nvCxnSpPr>
+            <p:cNvPr id="163" name="Straight Connector 162">
+              <a:extLst>
+                <a:ext uri="{FF2B5EF4-FFF2-40B4-BE49-F238E27FC236}">
+                  <a16:creationId xmlns:a16="http://schemas.microsoft.com/office/drawing/2014/main" id="{034B4283-5944-4597-9D4F-4669F790C382}"/>
+                </a:ext>
+              </a:extLst>
+            </p:cNvPr>
+            <p:cNvCxnSpPr>
+              <a:cxnSpLocks/>
+            </p:cNvCxnSpPr>
+            <p:nvPr/>
+          </p:nvCxnSpPr>
+          <p:spPr>
+            <a:xfrm flipV="1">
+              <a:off x="8296090" y="2989211"/>
+              <a:ext cx="18650" cy="1090297"/>
+            </a:xfrm>
+            <a:prstGeom prst="line">
+              <a:avLst/>
+            </a:prstGeom>
+          </p:spPr>
+          <p:style>
+            <a:lnRef idx="1">
+              <a:schemeClr val="dk1"/>
+            </a:lnRef>
+            <a:fillRef idx="0">
+              <a:schemeClr val="dk1"/>
+            </a:fillRef>
+            <a:effectRef idx="0">
+              <a:schemeClr val="dk1"/>
+            </a:effectRef>
+            <a:fontRef idx="minor">
+              <a:schemeClr val="tx1"/>
+            </a:fontRef>
+          </p:style>
+        </p:cxnSp>
+        <p:cxnSp>
+          <p:nvCxnSpPr>
+            <p:cNvPr id="171" name="Straight Arrow Connector 170">
+              <a:extLst>
+                <a:ext uri="{FF2B5EF4-FFF2-40B4-BE49-F238E27FC236}">
+                  <a16:creationId xmlns:a16="http://schemas.microsoft.com/office/drawing/2014/main" id="{911719F6-4445-4222-B0D4-6E8CB4447DFA}"/>
+                </a:ext>
+              </a:extLst>
+            </p:cNvPr>
+            <p:cNvCxnSpPr>
+              <a:cxnSpLocks/>
+            </p:cNvCxnSpPr>
+            <p:nvPr/>
+          </p:nvCxnSpPr>
+          <p:spPr>
+            <a:xfrm>
+              <a:off x="8411475" y="3603175"/>
+              <a:ext cx="237551" cy="0"/>
+            </a:xfrm>
+            <a:prstGeom prst="straightConnector1">
+              <a:avLst/>
+            </a:prstGeom>
+            <a:ln>
+              <a:tailEnd type="triangle"/>
+            </a:ln>
+          </p:spPr>
+          <p:style>
+            <a:lnRef idx="1">
+              <a:schemeClr val="dk1"/>
+            </a:lnRef>
+            <a:fillRef idx="0">
+              <a:schemeClr val="dk1"/>
+            </a:fillRef>
+            <a:effectRef idx="0">
+              <a:schemeClr val="dk1"/>
+            </a:effectRef>
+            <a:fontRef idx="minor">
+              <a:schemeClr val="tx1"/>
+            </a:fontRef>
+          </p:style>
+        </p:cxnSp>
+        <p:cxnSp>
+          <p:nvCxnSpPr>
+            <p:cNvPr id="175" name="Straight Arrow Connector 174">
+              <a:extLst>
+                <a:ext uri="{FF2B5EF4-FFF2-40B4-BE49-F238E27FC236}">
+                  <a16:creationId xmlns:a16="http://schemas.microsoft.com/office/drawing/2014/main" id="{8CC90907-2C39-4013-BF15-2ED29471BCB6}"/>
+                </a:ext>
+              </a:extLst>
+            </p:cNvPr>
+            <p:cNvCxnSpPr>
+              <a:cxnSpLocks/>
+            </p:cNvCxnSpPr>
+            <p:nvPr/>
+          </p:nvCxnSpPr>
+          <p:spPr>
+            <a:xfrm flipV="1">
+              <a:off x="8424104" y="3091504"/>
+              <a:ext cx="205486" cy="554"/>
+            </a:xfrm>
+            <a:prstGeom prst="straightConnector1">
+              <a:avLst/>
+            </a:prstGeom>
+            <a:ln>
+              <a:tailEnd type="triangle"/>
+            </a:ln>
+          </p:spPr>
+          <p:style>
+            <a:lnRef idx="1">
+              <a:schemeClr val="dk1"/>
+            </a:lnRef>
+            <a:fillRef idx="0">
+              <a:schemeClr val="dk1"/>
+            </a:fillRef>
+            <a:effectRef idx="0">
+              <a:schemeClr val="dk1"/>
+            </a:effectRef>
+            <a:fontRef idx="minor">
+              <a:schemeClr val="tx1"/>
+            </a:fontRef>
+          </p:style>
+        </p:cxnSp>
+        <p:sp>
+          <p:nvSpPr>
+            <p:cNvPr id="216" name="Rectangle 215">
+              <a:extLst>
+                <a:ext uri="{FF2B5EF4-FFF2-40B4-BE49-F238E27FC236}">
+                  <a16:creationId xmlns:a16="http://schemas.microsoft.com/office/drawing/2014/main" id="{86BB5EAB-B776-4EBC-87C2-E7DD05A84537}"/>
+                </a:ext>
+              </a:extLst>
+            </p:cNvPr>
+            <p:cNvSpPr/>
+            <p:nvPr/>
+          </p:nvSpPr>
+          <p:spPr>
+            <a:xfrm>
+              <a:off x="4067473" y="1221377"/>
+              <a:ext cx="1050142" cy="921934"/>
+            </a:xfrm>
+            <a:prstGeom prst="rect">
+              <a:avLst/>
+            </a:prstGeom>
+          </p:spPr>
+          <p:style>
+            <a:lnRef idx="2">
+              <a:schemeClr val="dk1"/>
+            </a:lnRef>
+            <a:fillRef idx="1">
+              <a:schemeClr val="lt1"/>
+            </a:fillRef>
+            <a:effectRef idx="0">
+              <a:schemeClr val="dk1"/>
+            </a:effectRef>
+            <a:fontRef idx="minor">
+              <a:schemeClr val="dk1"/>
+            </a:fontRef>
+          </p:style>
+          <p:txBody>
+            <a:bodyPr rtlCol="0" anchor="ctr"/>
+            <a:lstStyle/>
+            <a:p>
+              <a:pPr algn="ctr"/>
+              <a:r>
+                <a:rPr lang="en-US" dirty="0">
+                  <a:latin typeface="Times New Roman" panose="02020603050405020304" pitchFamily="18" charset="0"/>
+                  <a:cs typeface="Times New Roman" panose="02020603050405020304" pitchFamily="18" charset="0"/>
+                </a:rPr>
+                <a:t>Regression Model Training</a:t>
+              </a:r>
+            </a:p>
+          </p:txBody>
+        </p:sp>
+        <p:cxnSp>
+          <p:nvCxnSpPr>
+            <p:cNvPr id="187" name="Straight Arrow Connector 186">
+              <a:extLst>
+                <a:ext uri="{FF2B5EF4-FFF2-40B4-BE49-F238E27FC236}">
+                  <a16:creationId xmlns:a16="http://schemas.microsoft.com/office/drawing/2014/main" id="{CC668142-2C7E-4943-A9F6-849DF00AB13A}"/>
+                </a:ext>
+              </a:extLst>
+            </p:cNvPr>
+            <p:cNvCxnSpPr>
+              <a:cxnSpLocks/>
+              <a:stCxn id="216" idx="2"/>
+              <a:endCxn id="41" idx="0"/>
+            </p:cNvCxnSpPr>
+            <p:nvPr/>
+          </p:nvCxnSpPr>
+          <p:spPr>
+            <a:xfrm>
+              <a:off x="4592544" y="2143311"/>
+              <a:ext cx="1604" cy="654320"/>
+            </a:xfrm>
+            <a:prstGeom prst="straightConnector1">
+              <a:avLst/>
+            </a:prstGeom>
+            <a:ln>
+              <a:tailEnd type="triangle"/>
+            </a:ln>
+          </p:spPr>
+          <p:style>
+            <a:lnRef idx="1">
+              <a:schemeClr val="dk1"/>
+            </a:lnRef>
+            <a:fillRef idx="0">
+              <a:schemeClr val="dk1"/>
+            </a:fillRef>
+            <a:effectRef idx="0">
+              <a:schemeClr val="dk1"/>
+            </a:effectRef>
+            <a:fontRef idx="minor">
+              <a:schemeClr val="tx1"/>
+            </a:fontRef>
+          </p:style>
+        </p:cxnSp>
+        <p:sp>
+          <p:nvSpPr>
+            <p:cNvPr id="226" name="TextBox 225">
+              <a:extLst>
+                <a:ext uri="{FF2B5EF4-FFF2-40B4-BE49-F238E27FC236}">
+                  <a16:creationId xmlns:a16="http://schemas.microsoft.com/office/drawing/2014/main" id="{7827EB0E-839D-43BE-8691-71C760DB67CE}"/>
+                </a:ext>
+              </a:extLst>
+            </p:cNvPr>
+            <p:cNvSpPr txBox="1"/>
+            <p:nvPr/>
+          </p:nvSpPr>
+          <p:spPr>
+            <a:xfrm>
+              <a:off x="1161432" y="1221377"/>
+              <a:ext cx="1412617" cy="252559"/>
+            </a:xfrm>
+            <a:prstGeom prst="rect">
+              <a:avLst/>
+            </a:prstGeom>
+            <a:noFill/>
+          </p:spPr>
+          <p:txBody>
+            <a:bodyPr wrap="none" rtlCol="0">
+              <a:spAutoFit/>
+            </a:bodyPr>
+            <a:lstStyle/>
+            <a:p>
+              <a:r>
+                <a:rPr lang="en-US" b="1" dirty="0">
+                  <a:latin typeface="Times New Roman" panose="02020603050405020304" pitchFamily="18" charset="0"/>
+                  <a:cs typeface="Times New Roman" panose="02020603050405020304" pitchFamily="18" charset="0"/>
+                </a:rPr>
+                <a:t>Demonstrations</a:t>
+              </a:r>
+              <a:endParaRPr lang="en-US" dirty="0">
+                <a:latin typeface="Times New Roman" panose="02020603050405020304" pitchFamily="18" charset="0"/>
+                <a:cs typeface="Times New Roman" panose="02020603050405020304" pitchFamily="18" charset="0"/>
+              </a:endParaRPr>
+            </a:p>
+          </p:txBody>
+        </p:sp>
+        <p:sp>
+          <p:nvSpPr>
+            <p:cNvPr id="227" name="TextBox 226">
+              <a:extLst>
+                <a:ext uri="{FF2B5EF4-FFF2-40B4-BE49-F238E27FC236}">
+                  <a16:creationId xmlns:a16="http://schemas.microsoft.com/office/drawing/2014/main" id="{2ABBC1B9-B327-4795-8876-ADADA69C2AE6}"/>
+                </a:ext>
+              </a:extLst>
+            </p:cNvPr>
+            <p:cNvSpPr txBox="1"/>
+            <p:nvPr/>
+          </p:nvSpPr>
+          <p:spPr>
+            <a:xfrm>
+              <a:off x="1488768" y="1558106"/>
+              <a:ext cx="553033" cy="252559"/>
+            </a:xfrm>
+            <a:prstGeom prst="rect">
+              <a:avLst/>
+            </a:prstGeom>
+            <a:noFill/>
+            <a:ln>
+              <a:solidFill>
+                <a:schemeClr val="dk1"/>
+              </a:solidFill>
+            </a:ln>
+          </p:spPr>
+          <p:txBody>
+            <a:bodyPr wrap="none" rtlCol="0">
+              <a:spAutoFit/>
+            </a:bodyPr>
+            <a:lstStyle/>
+            <a:p>
+              <a:r>
+                <a:rPr lang="en-US" b="1" dirty="0">
+                  <a:latin typeface="Times New Roman" panose="02020603050405020304" pitchFamily="18" charset="0"/>
+                  <a:cs typeface="Times New Roman" panose="02020603050405020304" pitchFamily="18" charset="0"/>
+                </a:rPr>
+                <a:t>J</a:t>
+              </a:r>
+              <a:r>
+                <a:rPr lang="en-US" baseline="-25000" dirty="0">
+                  <a:latin typeface="Times New Roman" panose="02020603050405020304" pitchFamily="18" charset="0"/>
+                  <a:cs typeface="Times New Roman" panose="02020603050405020304" pitchFamily="18" charset="0"/>
+                </a:rPr>
+                <a:t>x</a:t>
+              </a:r>
+              <a:r>
+                <a:rPr lang="en-US" dirty="0">
+                  <a:latin typeface="Times New Roman" panose="02020603050405020304" pitchFamily="18" charset="0"/>
+                  <a:cs typeface="Times New Roman" panose="02020603050405020304" pitchFamily="18" charset="0"/>
+                </a:rPr>
+                <a:t>, </a:t>
+              </a:r>
+              <a:r>
+                <a:rPr lang="en-US" b="1" dirty="0">
+                  <a:latin typeface="Times New Roman" panose="02020603050405020304" pitchFamily="18" charset="0"/>
+                  <a:cs typeface="Times New Roman" panose="02020603050405020304" pitchFamily="18" charset="0"/>
+                </a:rPr>
+                <a:t>J</a:t>
+              </a:r>
+              <a:r>
+                <a:rPr lang="en-US" baseline="-25000" dirty="0">
+                  <a:latin typeface="Times New Roman" panose="02020603050405020304" pitchFamily="18" charset="0"/>
+                  <a:cs typeface="Times New Roman" panose="02020603050405020304" pitchFamily="18" charset="0"/>
+                </a:rPr>
+                <a:t>y</a:t>
+              </a:r>
+              <a:endParaRPr lang="en-US" dirty="0">
+                <a:latin typeface="Times New Roman" panose="02020603050405020304" pitchFamily="18" charset="0"/>
+                <a:cs typeface="Times New Roman" panose="02020603050405020304" pitchFamily="18" charset="0"/>
+              </a:endParaRPr>
+            </a:p>
+          </p:txBody>
+        </p:sp>
+        <p:sp>
+          <p:nvSpPr>
+            <p:cNvPr id="228" name="TextBox 227">
+              <a:extLst>
+                <a:ext uri="{FF2B5EF4-FFF2-40B4-BE49-F238E27FC236}">
+                  <a16:creationId xmlns:a16="http://schemas.microsoft.com/office/drawing/2014/main" id="{AC9E55B6-DD0B-4667-89AF-1ED259CBEE59}"/>
+                </a:ext>
+              </a:extLst>
+            </p:cNvPr>
+            <p:cNvSpPr txBox="1"/>
+            <p:nvPr/>
+          </p:nvSpPr>
+          <p:spPr>
+            <a:xfrm>
+              <a:off x="8342574" y="2831756"/>
+              <a:ext cx="360145" cy="252559"/>
+            </a:xfrm>
+            <a:prstGeom prst="rect">
+              <a:avLst/>
+            </a:prstGeom>
+            <a:noFill/>
+          </p:spPr>
+          <p:txBody>
+            <a:bodyPr wrap="none" rtlCol="0">
+              <a:spAutoFit/>
+            </a:bodyPr>
+            <a:lstStyle/>
+            <a:p>
+              <a:r>
+                <a:rPr lang="en-US" b="1" dirty="0">
+                  <a:latin typeface="Times New Roman" panose="02020603050405020304" pitchFamily="18" charset="0"/>
+                  <a:cs typeface="Times New Roman" panose="02020603050405020304" pitchFamily="18" charset="0"/>
+                </a:rPr>
+                <a:t>J</a:t>
+              </a:r>
+              <a:r>
+                <a:rPr lang="en-US" baseline="-25000" dirty="0">
+                  <a:latin typeface="Times New Roman" panose="02020603050405020304" pitchFamily="18" charset="0"/>
+                  <a:cs typeface="Times New Roman" panose="02020603050405020304" pitchFamily="18" charset="0"/>
+                </a:rPr>
+                <a:t>cx</a:t>
+              </a:r>
+              <a:endParaRPr lang="en-US" dirty="0">
+                <a:latin typeface="Times New Roman" panose="02020603050405020304" pitchFamily="18" charset="0"/>
+                <a:cs typeface="Times New Roman" panose="02020603050405020304" pitchFamily="18" charset="0"/>
+              </a:endParaRPr>
+            </a:p>
+          </p:txBody>
+        </p:sp>
+        <p:sp>
+          <p:nvSpPr>
+            <p:cNvPr id="229" name="TextBox 228">
+              <a:extLst>
+                <a:ext uri="{FF2B5EF4-FFF2-40B4-BE49-F238E27FC236}">
+                  <a16:creationId xmlns:a16="http://schemas.microsoft.com/office/drawing/2014/main" id="{13325EE7-8E46-4014-B7B7-6A448E2A84AF}"/>
+                </a:ext>
+              </a:extLst>
+            </p:cNvPr>
+            <p:cNvSpPr txBox="1"/>
+            <p:nvPr/>
+          </p:nvSpPr>
+          <p:spPr>
+            <a:xfrm>
+              <a:off x="8332448" y="3337886"/>
+              <a:ext cx="360145" cy="252559"/>
+            </a:xfrm>
+            <a:prstGeom prst="rect">
+              <a:avLst/>
+            </a:prstGeom>
+            <a:noFill/>
+          </p:spPr>
+          <p:txBody>
+            <a:bodyPr wrap="none" rtlCol="0">
+              <a:spAutoFit/>
+            </a:bodyPr>
+            <a:lstStyle/>
+            <a:p>
+              <a:r>
+                <a:rPr lang="en-US" b="1" dirty="0">
+                  <a:latin typeface="Times New Roman" panose="02020603050405020304" pitchFamily="18" charset="0"/>
+                  <a:cs typeface="Times New Roman" panose="02020603050405020304" pitchFamily="18" charset="0"/>
+                </a:rPr>
+                <a:t>J</a:t>
+              </a:r>
+              <a:r>
+                <a:rPr lang="en-US" baseline="-25000" dirty="0">
+                  <a:latin typeface="Times New Roman" panose="02020603050405020304" pitchFamily="18" charset="0"/>
+                  <a:cs typeface="Times New Roman" panose="02020603050405020304" pitchFamily="18" charset="0"/>
+                </a:rPr>
+                <a:t>cy</a:t>
+              </a:r>
+              <a:endParaRPr lang="en-US" dirty="0">
+                <a:latin typeface="Times New Roman" panose="02020603050405020304" pitchFamily="18" charset="0"/>
+                <a:cs typeface="Times New Roman" panose="02020603050405020304" pitchFamily="18" charset="0"/>
+              </a:endParaRPr>
+            </a:p>
+          </p:txBody>
+        </p:sp>
+        <p:sp>
+          <p:nvSpPr>
+            <p:cNvPr id="230" name="TextBox 229">
+              <a:extLst>
+                <a:ext uri="{FF2B5EF4-FFF2-40B4-BE49-F238E27FC236}">
+                  <a16:creationId xmlns:a16="http://schemas.microsoft.com/office/drawing/2014/main" id="{6F69C9A7-FD28-4172-B6C3-71C406DDAD79}"/>
+                </a:ext>
+              </a:extLst>
+            </p:cNvPr>
+            <p:cNvSpPr txBox="1"/>
+            <p:nvPr/>
+          </p:nvSpPr>
+          <p:spPr>
+            <a:xfrm>
+              <a:off x="1549646" y="2671719"/>
+              <a:ext cx="1024403" cy="441978"/>
+            </a:xfrm>
+            <a:prstGeom prst="rect">
+              <a:avLst/>
+            </a:prstGeom>
+            <a:noFill/>
+          </p:spPr>
+          <p:txBody>
+            <a:bodyPr wrap="square" rtlCol="0">
+              <a:spAutoFit/>
+            </a:bodyPr>
+            <a:lstStyle/>
+            <a:p>
+              <a:r>
+                <a:rPr lang="en-US" dirty="0">
+                  <a:latin typeface="Times New Roman" panose="02020603050405020304" pitchFamily="18" charset="0"/>
+                  <a:cs typeface="Times New Roman" panose="02020603050405020304" pitchFamily="18" charset="0"/>
+                </a:rPr>
+                <a:t>Trajectory Generation</a:t>
+              </a:r>
+            </a:p>
+          </p:txBody>
+        </p:sp>
+        <p:sp>
+          <p:nvSpPr>
+            <p:cNvPr id="231" name="TextBox 230">
+              <a:extLst>
+                <a:ext uri="{FF2B5EF4-FFF2-40B4-BE49-F238E27FC236}">
+                  <a16:creationId xmlns:a16="http://schemas.microsoft.com/office/drawing/2014/main" id="{70FE2228-E723-4D6D-AC49-A93A51C61693}"/>
+                </a:ext>
+              </a:extLst>
+            </p:cNvPr>
+            <p:cNvSpPr txBox="1"/>
+            <p:nvPr/>
+          </p:nvSpPr>
+          <p:spPr>
+            <a:xfrm>
+              <a:off x="2713808" y="2391772"/>
+              <a:ext cx="1285784" cy="441978"/>
+            </a:xfrm>
+            <a:prstGeom prst="rect">
+              <a:avLst/>
+            </a:prstGeom>
+            <a:noFill/>
+          </p:spPr>
+          <p:txBody>
+            <a:bodyPr wrap="square" rtlCol="0">
+              <a:spAutoFit/>
+            </a:bodyPr>
+            <a:lstStyle/>
+            <a:p>
+              <a:r>
+                <a:rPr lang="en-US" dirty="0">
+                  <a:latin typeface="Times New Roman" panose="02020603050405020304" pitchFamily="18" charset="0"/>
+                  <a:cs typeface="Times New Roman" panose="02020603050405020304" pitchFamily="18" charset="0"/>
+                </a:rPr>
+                <a:t>Trajectory Decomposition</a:t>
+              </a:r>
+            </a:p>
+          </p:txBody>
+        </p:sp>
+      </p:grpSp>
+      <p:sp>
+        <p:nvSpPr>
+          <p:cNvPr id="191" name="Oval 190">
+            <a:extLst>
+              <a:ext uri="{FF2B5EF4-FFF2-40B4-BE49-F238E27FC236}">
+                <a16:creationId xmlns:a16="http://schemas.microsoft.com/office/drawing/2014/main" id="{5C3651C0-6E30-437F-B889-B683B93EFB66}"/>
+              </a:ext>
+            </a:extLst>
+          </p:cNvPr>
+          <p:cNvSpPr/>
+          <p:nvPr/>
+        </p:nvSpPr>
+        <p:spPr>
+          <a:xfrm>
+            <a:off x="8841376" y="3111657"/>
+            <a:ext cx="320040" cy="320040"/>
+          </a:xfrm>
+          <a:prstGeom prst="ellipse">
+            <a:avLst/>
+          </a:prstGeom>
+        </p:spPr>
+        <p:style>
+          <a:lnRef idx="2">
+            <a:schemeClr val="dk1"/>
+          </a:lnRef>
+          <a:fillRef idx="1">
+            <a:schemeClr val="lt1"/>
+          </a:fillRef>
+          <a:effectRef idx="0">
+            <a:schemeClr val="dk1"/>
+          </a:effectRef>
+          <a:fontRef idx="minor">
+            <a:schemeClr val="dk1"/>
+          </a:fontRef>
+        </p:style>
+        <p:txBody>
+          <a:bodyPr rtlCol="0" anchor="ctr"/>
+          <a:lstStyle/>
+          <a:p>
+            <a:pPr algn="ctr"/>
+            <a:endParaRPr lang="en-US"/>
+          </a:p>
+        </p:txBody>
+      </p:sp>
+      <p:sp>
+        <p:nvSpPr>
+          <p:cNvPr id="236" name="Oval 235">
+            <a:extLst>
+              <a:ext uri="{FF2B5EF4-FFF2-40B4-BE49-F238E27FC236}">
+                <a16:creationId xmlns:a16="http://schemas.microsoft.com/office/drawing/2014/main" id="{DFB956FA-2378-48AC-8FAC-503D53641662}"/>
+              </a:ext>
+            </a:extLst>
+          </p:cNvPr>
+          <p:cNvSpPr/>
+          <p:nvPr/>
+        </p:nvSpPr>
+        <p:spPr>
+          <a:xfrm>
+            <a:off x="8828325" y="3854912"/>
+            <a:ext cx="320040" cy="320040"/>
+          </a:xfrm>
+          <a:prstGeom prst="ellipse">
+            <a:avLst/>
+          </a:prstGeom>
+        </p:spPr>
+        <p:style>
+          <a:lnRef idx="2">
+            <a:schemeClr val="dk1"/>
+          </a:lnRef>
+          <a:fillRef idx="1">
+            <a:schemeClr val="lt1"/>
+          </a:fillRef>
+          <a:effectRef idx="0">
+            <a:schemeClr val="dk1"/>
+          </a:effectRef>
+          <a:fontRef idx="minor">
+            <a:schemeClr val="dk1"/>
+          </a:fontRef>
+        </p:style>
+        <p:txBody>
+          <a:bodyPr rtlCol="0" anchor="ctr"/>
+          <a:lstStyle/>
+          <a:p>
+            <a:pPr algn="ctr"/>
+            <a:endParaRPr lang="en-US"/>
+          </a:p>
+        </p:txBody>
+      </p:sp>
+      <p:sp>
+        <p:nvSpPr>
+          <p:cNvPr id="237" name="TextBox 236">
+            <a:extLst>
+              <a:ext uri="{FF2B5EF4-FFF2-40B4-BE49-F238E27FC236}">
+                <a16:creationId xmlns:a16="http://schemas.microsoft.com/office/drawing/2014/main" id="{85664D0E-96EE-4CA6-9E22-5002561968E6}"/>
+              </a:ext>
+            </a:extLst>
+          </p:cNvPr>
+          <p:cNvSpPr txBox="1"/>
+          <p:nvPr/>
+        </p:nvSpPr>
+        <p:spPr>
+          <a:xfrm>
+            <a:off x="8692182" y="3639304"/>
+            <a:ext cx="300082" cy="369332"/>
+          </a:xfrm>
+          <a:prstGeom prst="rect">
+            <a:avLst/>
+          </a:prstGeom>
+          <a:noFill/>
+        </p:spPr>
+        <p:txBody>
+          <a:bodyPr wrap="none" rtlCol="0">
+            <a:spAutoFit/>
+          </a:bodyPr>
+          <a:lstStyle/>
+          <a:p>
+            <a:r>
+              <a:rPr lang="en-US" dirty="0"/>
+              <a:t>+</a:t>
+            </a:r>
+          </a:p>
+        </p:txBody>
+      </p:sp>
+      <p:sp>
+        <p:nvSpPr>
+          <p:cNvPr id="238" name="TextBox 237">
+            <a:extLst>
+              <a:ext uri="{FF2B5EF4-FFF2-40B4-BE49-F238E27FC236}">
+                <a16:creationId xmlns:a16="http://schemas.microsoft.com/office/drawing/2014/main" id="{EB5FB5F3-D11A-4082-97C1-6573328E5241}"/>
+              </a:ext>
+            </a:extLst>
+          </p:cNvPr>
+          <p:cNvSpPr txBox="1"/>
+          <p:nvPr/>
+        </p:nvSpPr>
+        <p:spPr>
+          <a:xfrm>
+            <a:off x="8688485" y="3983957"/>
+            <a:ext cx="300082" cy="369332"/>
+          </a:xfrm>
+          <a:prstGeom prst="rect">
+            <a:avLst/>
+          </a:prstGeom>
+          <a:noFill/>
+        </p:spPr>
+        <p:txBody>
+          <a:bodyPr wrap="none" rtlCol="0">
+            <a:spAutoFit/>
+          </a:bodyPr>
+          <a:lstStyle/>
+          <a:p>
+            <a:r>
+              <a:rPr lang="en-US" dirty="0"/>
+              <a:t>+</a:t>
+            </a:r>
+          </a:p>
+        </p:txBody>
+      </p:sp>
+      <p:sp>
+        <p:nvSpPr>
+          <p:cNvPr id="239" name="TextBox 238">
+            <a:extLst>
+              <a:ext uri="{FF2B5EF4-FFF2-40B4-BE49-F238E27FC236}">
+                <a16:creationId xmlns:a16="http://schemas.microsoft.com/office/drawing/2014/main" id="{F4D388DF-0B56-488A-AF19-14D1B291EB54}"/>
+              </a:ext>
+            </a:extLst>
+          </p:cNvPr>
+          <p:cNvSpPr txBox="1"/>
+          <p:nvPr/>
+        </p:nvSpPr>
+        <p:spPr>
+          <a:xfrm>
+            <a:off x="8699942" y="2889272"/>
+            <a:ext cx="300082" cy="369332"/>
+          </a:xfrm>
+          <a:prstGeom prst="rect">
+            <a:avLst/>
+          </a:prstGeom>
+          <a:noFill/>
+        </p:spPr>
+        <p:txBody>
+          <a:bodyPr wrap="none" rtlCol="0">
+            <a:spAutoFit/>
+          </a:bodyPr>
+          <a:lstStyle/>
+          <a:p>
+            <a:r>
+              <a:rPr lang="en-US" dirty="0"/>
+              <a:t>+</a:t>
+            </a:r>
+          </a:p>
+        </p:txBody>
+      </p:sp>
+      <p:sp>
+        <p:nvSpPr>
+          <p:cNvPr id="240" name="TextBox 239">
+            <a:extLst>
+              <a:ext uri="{FF2B5EF4-FFF2-40B4-BE49-F238E27FC236}">
+                <a16:creationId xmlns:a16="http://schemas.microsoft.com/office/drawing/2014/main" id="{39E21419-B4E9-4BF5-ADF3-B8EFFF74F6C8}"/>
+              </a:ext>
+            </a:extLst>
+          </p:cNvPr>
+          <p:cNvSpPr txBox="1"/>
+          <p:nvPr/>
+        </p:nvSpPr>
+        <p:spPr>
+          <a:xfrm>
+            <a:off x="8696976" y="3250895"/>
+            <a:ext cx="300082" cy="369332"/>
+          </a:xfrm>
+          <a:prstGeom prst="rect">
+            <a:avLst/>
+          </a:prstGeom>
+          <a:noFill/>
+        </p:spPr>
+        <p:txBody>
+          <a:bodyPr wrap="none" rtlCol="0">
+            <a:spAutoFit/>
+          </a:bodyPr>
+          <a:lstStyle/>
+          <a:p>
+            <a:r>
+              <a:rPr lang="en-US" dirty="0"/>
+              <a:t>+</a:t>
+            </a:r>
+          </a:p>
+        </p:txBody>
+      </p:sp>
+      <p:cxnSp>
+        <p:nvCxnSpPr>
+          <p:cNvPr id="62" name="Straight Arrow Connector 61">
+            <a:extLst>
+              <a:ext uri="{FF2B5EF4-FFF2-40B4-BE49-F238E27FC236}">
+                <a16:creationId xmlns:a16="http://schemas.microsoft.com/office/drawing/2014/main" id="{51289304-82BB-4485-BE4E-DCD2168FAFCD}"/>
+              </a:ext>
+            </a:extLst>
+          </p:cNvPr>
+          <p:cNvCxnSpPr>
+            <a:cxnSpLocks/>
+          </p:cNvCxnSpPr>
+          <p:nvPr/>
+        </p:nvCxnSpPr>
+        <p:spPr>
+          <a:xfrm flipV="1">
+            <a:off x="6709939" y="4008636"/>
+            <a:ext cx="353593" cy="3424"/>
+          </a:xfrm>
+          <a:prstGeom prst="straightConnector1">
+            <a:avLst/>
+          </a:prstGeom>
+          <a:ln>
+            <a:tailEnd type="triangle"/>
+          </a:ln>
+        </p:spPr>
+        <p:style>
+          <a:lnRef idx="1">
+            <a:schemeClr val="dk1"/>
+          </a:lnRef>
+          <a:fillRef idx="0">
+            <a:schemeClr val="dk1"/>
+          </a:fillRef>
+          <a:effectRef idx="0">
+            <a:schemeClr val="dk1"/>
+          </a:effectRef>
+          <a:fontRef idx="minor">
+            <a:schemeClr val="tx1"/>
+          </a:fontRef>
+        </p:style>
+      </p:cxnSp>
+      <p:pic>
+        <p:nvPicPr>
+          <p:cNvPr id="68" name="Picture 4" descr="Image result for quadrotor clipart">
+            <a:extLst>
+              <a:ext uri="{FF2B5EF4-FFF2-40B4-BE49-F238E27FC236}">
+                <a16:creationId xmlns:a16="http://schemas.microsoft.com/office/drawing/2014/main" id="{0460257B-4470-45A7-83A0-02E94ACE4996}"/>
+              </a:ext>
+            </a:extLst>
+          </p:cNvPr>
+          <p:cNvPicPr>
+            <a:picLocks noChangeAspect="1" noChangeArrowheads="1"/>
+          </p:cNvPicPr>
+          <p:nvPr/>
+        </p:nvPicPr>
+        <p:blipFill rotWithShape="1">
+          <a:blip r:embed="rId4">
+            <a:extLst>
+              <a:ext uri="{28A0092B-C50C-407E-A947-70E740481C1C}">
+                <a14:useLocalDpi xmlns:a14="http://schemas.microsoft.com/office/drawing/2010/main" val="0"/>
+              </a:ext>
+            </a:extLst>
+          </a:blip>
+          <a:srcRect l="17843" r="17515"/>
+          <a:stretch/>
+        </p:blipFill>
+        <p:spPr bwMode="auto">
+          <a:xfrm>
+            <a:off x="1998021" y="700432"/>
+            <a:ext cx="1085263" cy="1027196"/>
+          </a:xfrm>
+          <a:prstGeom prst="rect">
+            <a:avLst/>
+          </a:prstGeom>
+          <a:noFill/>
+          <a:extLst>
+            <a:ext uri="{909E8E84-426E-40DD-AFC4-6F175D3DCCD1}">
+              <a14:hiddenFill xmlns:a14="http://schemas.microsoft.com/office/drawing/2010/main">
+                <a:solidFill>
+                  <a:srgbClr val="FFFFFF"/>
+                </a:solidFill>
+              </a14:hiddenFill>
+            </a:ext>
+          </a:extLst>
+        </p:spPr>
+      </p:pic>
+      <p:cxnSp>
+        <p:nvCxnSpPr>
+          <p:cNvPr id="75" name="Straight Arrow Connector 74">
+            <a:extLst>
+              <a:ext uri="{FF2B5EF4-FFF2-40B4-BE49-F238E27FC236}">
+                <a16:creationId xmlns:a16="http://schemas.microsoft.com/office/drawing/2014/main" id="{8585588A-C3D7-4A03-AB71-7BDAEEE1FC7B}"/>
+              </a:ext>
+            </a:extLst>
+          </p:cNvPr>
+          <p:cNvCxnSpPr>
+            <a:cxnSpLocks/>
+            <a:stCxn id="68" idx="3"/>
+            <a:endCxn id="216" idx="1"/>
+          </p:cNvCxnSpPr>
+          <p:nvPr/>
+        </p:nvCxnSpPr>
+        <p:spPr>
+          <a:xfrm>
+            <a:off x="3083284" y="1214030"/>
+            <a:ext cx="670406" cy="0"/>
+          </a:xfrm>
+          <a:prstGeom prst="straightConnector1">
+            <a:avLst/>
+          </a:prstGeom>
+          <a:ln>
+            <a:tailEnd type="triangle"/>
+          </a:ln>
+        </p:spPr>
+        <p:style>
+          <a:lnRef idx="1">
+            <a:schemeClr val="dk1"/>
+          </a:lnRef>
+          <a:fillRef idx="0">
+            <a:schemeClr val="dk1"/>
+          </a:fillRef>
+          <a:effectRef idx="0">
+            <a:schemeClr val="dk1"/>
+          </a:effectRef>
+          <a:fontRef idx="minor">
+            <a:schemeClr val="tx1"/>
+          </a:fontRef>
+        </p:style>
+      </p:cxnSp>
+      <p:cxnSp>
+        <p:nvCxnSpPr>
+          <p:cNvPr id="85" name="Straight Arrow Connector 84">
+            <a:extLst>
+              <a:ext uri="{FF2B5EF4-FFF2-40B4-BE49-F238E27FC236}">
+                <a16:creationId xmlns:a16="http://schemas.microsoft.com/office/drawing/2014/main" id="{DFA2E5B0-2EA1-47E6-A8B2-20978308C51F}"/>
+              </a:ext>
+            </a:extLst>
+          </p:cNvPr>
+          <p:cNvCxnSpPr>
+            <a:cxnSpLocks/>
+            <a:stCxn id="227" idx="3"/>
+            <a:endCxn id="68" idx="1"/>
+          </p:cNvCxnSpPr>
+          <p:nvPr/>
+        </p:nvCxnSpPr>
+        <p:spPr>
+          <a:xfrm flipV="1">
+            <a:off x="1245367" y="1214030"/>
+            <a:ext cx="752654" cy="2986"/>
+          </a:xfrm>
+          <a:prstGeom prst="straightConnector1">
+            <a:avLst/>
+          </a:prstGeom>
+          <a:ln>
+            <a:tailEnd type="triangle"/>
+          </a:ln>
+        </p:spPr>
+        <p:style>
+          <a:lnRef idx="1">
+            <a:schemeClr val="dk1"/>
+          </a:lnRef>
+          <a:fillRef idx="0">
+            <a:schemeClr val="dk1"/>
+          </a:fillRef>
+          <a:effectRef idx="0">
+            <a:schemeClr val="dk1"/>
+          </a:effectRef>
+          <a:fontRef idx="minor">
+            <a:schemeClr val="tx1"/>
+          </a:fontRef>
+        </p:style>
+      </p:cxnSp>
+      <p:sp>
+        <p:nvSpPr>
+          <p:cNvPr id="27" name="Rectangle 26">
+            <a:extLst>
+              <a:ext uri="{FF2B5EF4-FFF2-40B4-BE49-F238E27FC236}">
+                <a16:creationId xmlns:a16="http://schemas.microsoft.com/office/drawing/2014/main" id="{8E3C642D-35FD-4E10-909E-D815B4702A38}"/>
+              </a:ext>
+            </a:extLst>
+          </p:cNvPr>
+          <p:cNvSpPr/>
+          <p:nvPr/>
+        </p:nvSpPr>
+        <p:spPr>
+          <a:xfrm>
+            <a:off x="2923414" y="836749"/>
+            <a:ext cx="909224" cy="369332"/>
+          </a:xfrm>
+          <a:prstGeom prst="rect">
+            <a:avLst/>
+          </a:prstGeom>
+        </p:spPr>
+        <p:txBody>
+          <a:bodyPr wrap="none">
+            <a:spAutoFit/>
+          </a:bodyPr>
+          <a:lstStyle/>
+          <a:p>
+            <a:pPr algn="ctr"/>
+            <a:r>
+              <a:rPr lang="en-US" dirty="0">
+                <a:latin typeface="Times New Roman" panose="02020603050405020304" pitchFamily="18" charset="0"/>
+                <a:cs typeface="Times New Roman" panose="02020603050405020304" pitchFamily="18" charset="0"/>
+              </a:rPr>
+              <a:t>x(</a:t>
+            </a:r>
+            <a:r>
+              <a:rPr lang="en-US" i="1" dirty="0">
+                <a:latin typeface="Times New Roman" panose="02020603050405020304" pitchFamily="18" charset="0"/>
+                <a:cs typeface="Times New Roman" panose="02020603050405020304" pitchFamily="18" charset="0"/>
+              </a:rPr>
+              <a:t>t</a:t>
+            </a:r>
+            <a:r>
+              <a:rPr lang="en-US" dirty="0">
+                <a:latin typeface="Times New Roman" panose="02020603050405020304" pitchFamily="18" charset="0"/>
+                <a:cs typeface="Times New Roman" panose="02020603050405020304" pitchFamily="18" charset="0"/>
+              </a:rPr>
+              <a:t>),y(t)</a:t>
+            </a:r>
+            <a:endParaRPr lang="en-US" i="1" baseline="-25000" dirty="0">
+              <a:latin typeface="Times New Roman" panose="02020603050405020304" pitchFamily="18" charset="0"/>
+              <a:cs typeface="Times New Roman" panose="02020603050405020304" pitchFamily="18" charset="0"/>
+            </a:endParaRPr>
+          </a:p>
+        </p:txBody>
+      </p:sp>
+      <p:sp>
+        <p:nvSpPr>
+          <p:cNvPr id="2" name="Rectangle 1">
+            <a:extLst>
+              <a:ext uri="{FF2B5EF4-FFF2-40B4-BE49-F238E27FC236}">
+                <a16:creationId xmlns:a16="http://schemas.microsoft.com/office/drawing/2014/main" id="{2B2AFCDF-524C-4E9D-9AE8-0385B85AF52D}"/>
+              </a:ext>
+            </a:extLst>
+          </p:cNvPr>
+          <p:cNvSpPr/>
+          <p:nvPr/>
+        </p:nvSpPr>
+        <p:spPr>
+          <a:xfrm>
+            <a:off x="3832638" y="3766669"/>
+            <a:ext cx="1160095" cy="855984"/>
+          </a:xfrm>
+          <a:prstGeom prst="rect">
+            <a:avLst/>
+          </a:prstGeom>
+        </p:spPr>
+        <p:style>
+          <a:lnRef idx="2">
+            <a:schemeClr val="dk1"/>
+          </a:lnRef>
+          <a:fillRef idx="1">
+            <a:schemeClr val="lt1"/>
+          </a:fillRef>
+          <a:effectRef idx="0">
+            <a:schemeClr val="dk1"/>
+          </a:effectRef>
+          <a:fontRef idx="minor">
+            <a:schemeClr val="dk1"/>
+          </a:fontRef>
+        </p:style>
+        <p:txBody>
+          <a:bodyPr rtlCol="0" anchor="ctr"/>
+          <a:lstStyle/>
+          <a:p>
+            <a:pPr algn="ctr"/>
+            <a:r>
+              <a:rPr lang="en-US" dirty="0">
+                <a:latin typeface="Times New Roman" panose="02020603050405020304" pitchFamily="18" charset="0"/>
+                <a:cs typeface="Times New Roman" panose="02020603050405020304" pitchFamily="18" charset="0"/>
+              </a:rPr>
+              <a:t>Error Check</a:t>
+            </a:r>
+          </a:p>
+        </p:txBody>
+      </p:sp>
+      <p:cxnSp>
+        <p:nvCxnSpPr>
+          <p:cNvPr id="5" name="Connector: Elbow 4">
+            <a:extLst>
+              <a:ext uri="{FF2B5EF4-FFF2-40B4-BE49-F238E27FC236}">
+                <a16:creationId xmlns:a16="http://schemas.microsoft.com/office/drawing/2014/main" id="{1193C734-26D7-4051-8AC3-C8D526DD4E66}"/>
+              </a:ext>
+            </a:extLst>
+          </p:cNvPr>
+          <p:cNvCxnSpPr>
+            <a:cxnSpLocks/>
+            <a:stCxn id="2" idx="2"/>
+            <a:endCxn id="71" idx="2"/>
+          </p:cNvCxnSpPr>
+          <p:nvPr/>
+        </p:nvCxnSpPr>
+        <p:spPr>
+          <a:xfrm rot="5400000">
+            <a:off x="3566938" y="3845807"/>
+            <a:ext cx="68902" cy="1622595"/>
+          </a:xfrm>
+          <a:prstGeom prst="bentConnector3">
+            <a:avLst>
+              <a:gd name="adj1" fmla="val 1164841"/>
+            </a:avLst>
+          </a:prstGeom>
+          <a:ln>
+            <a:tailEnd type="triangle"/>
+          </a:ln>
+        </p:spPr>
+        <p:style>
+          <a:lnRef idx="1">
+            <a:schemeClr val="dk1"/>
+          </a:lnRef>
+          <a:fillRef idx="0">
+            <a:schemeClr val="dk1"/>
+          </a:fillRef>
+          <a:effectRef idx="0">
+            <a:schemeClr val="dk1"/>
+          </a:effectRef>
+          <a:fontRef idx="minor">
+            <a:schemeClr val="tx1"/>
+          </a:fontRef>
+        </p:style>
+      </p:cxnSp>
+    </p:spTree>
+    <p:extLst>
+      <p:ext uri="{BB962C8B-B14F-4D97-AF65-F5344CB8AC3E}">
+        <p14:creationId xmlns:p14="http://schemas.microsoft.com/office/powerpoint/2010/main" val="2628845042"/>
+      </p:ext>
+    </p:extLst>
+  </p:cSld>
+  <p:clrMapOvr>
+    <a:masterClrMapping/>
+  </p:clrMapOvr>
+</p:sld>
+</file>
+
+<file path=ppt/slides/slide3.xml><?xml version="1.0" encoding="utf-8"?>
 <p:sld xmlns:a="http://schemas.openxmlformats.org/drawingml/2006/main" xmlns:r="http://schemas.openxmlformats.org/officeDocument/2006/relationships" xmlns:p="http://schemas.openxmlformats.org/presentationml/2006/main">
   <p:cSld>
     <p:spTree>
@@ -7838,8 +11820,8 @@
           </a:fontRef>
         </p:style>
       </p:cxnSp>
-      <mc:AlternateContent xmlns:mc="http://schemas.openxmlformats.org/markup-compatibility/2006">
-        <mc:Choice xmlns:a14="http://schemas.microsoft.com/office/drawing/2010/main" Requires="a14">
+      <mc:AlternateContent xmlns:mc="http://schemas.openxmlformats.org/markup-compatibility/2006" xmlns:a14="http://schemas.microsoft.com/office/drawing/2010/main">
+        <mc:Choice Requires="a14">
           <p:sp>
             <p:nvSpPr>
               <p:cNvPr id="24" name="TextBox 23">
@@ -7907,7 +11889,7 @@
             </p:txBody>
           </p:sp>
         </mc:Choice>
-        <mc:Fallback>
+        <mc:Fallback xmlns="">
           <p:sp>
             <p:nvSpPr>
               <p:cNvPr id="24" name="TextBox 23">
@@ -7952,8 +11934,8 @@
           </p:sp>
         </mc:Fallback>
       </mc:AlternateContent>
-      <mc:AlternateContent xmlns:mc="http://schemas.openxmlformats.org/markup-compatibility/2006">
-        <mc:Choice xmlns:a14="http://schemas.microsoft.com/office/drawing/2010/main" Requires="a14">
+      <mc:AlternateContent xmlns:mc="http://schemas.openxmlformats.org/markup-compatibility/2006" xmlns:a14="http://schemas.microsoft.com/office/drawing/2010/main">
+        <mc:Choice Requires="a14">
           <p:sp>
             <p:nvSpPr>
               <p:cNvPr id="25" name="TextBox 24">
@@ -8021,7 +12003,7 @@
             </p:txBody>
           </p:sp>
         </mc:Choice>
-        <mc:Fallback>
+        <mc:Fallback xmlns="">
           <p:sp>
             <p:nvSpPr>
               <p:cNvPr id="25" name="TextBox 24">
@@ -8194,12 +12176,14 @@
         </p:nvCxnSpPr>
         <p:spPr>
           <a:xfrm flipH="1">
-            <a:off x="5528370" y="1925046"/>
-            <a:ext cx="5623565" cy="1808754"/>
+            <a:off x="1211179" y="1925046"/>
+            <a:ext cx="9940756" cy="176823"/>
           </a:xfrm>
-          <a:prstGeom prst="bentConnector3">
+          <a:prstGeom prst="bentConnector5">
             <a:avLst>
-              <a:gd name="adj1" fmla="val -8582"/>
+              <a:gd name="adj1" fmla="val -4953"/>
+              <a:gd name="adj2" fmla="val 809189"/>
+              <a:gd name="adj3" fmla="val 104367"/>
             </a:avLst>
           </a:prstGeom>
           <a:ln w="9525">
@@ -8305,102 +12289,8 @@
           </a:fontRef>
         </p:style>
       </p:cxnSp>
-      <p:sp>
-        <p:nvSpPr>
-          <p:cNvPr id="71" name="Rectangle 70">
-            <a:extLst>
-              <a:ext uri="{FF2B5EF4-FFF2-40B4-BE49-F238E27FC236}">
-                <a16:creationId xmlns:a16="http://schemas.microsoft.com/office/drawing/2014/main" id="{8267F912-9F71-4A88-90D7-F0F6D235EAEC}"/>
-              </a:ext>
-            </a:extLst>
-          </p:cNvPr>
-          <p:cNvSpPr/>
-          <p:nvPr/>
-        </p:nvSpPr>
-        <p:spPr>
-          <a:xfrm>
-            <a:off x="4338153" y="3233995"/>
-            <a:ext cx="1190210" cy="962527"/>
-          </a:xfrm>
-          <a:prstGeom prst="rect">
-            <a:avLst/>
-          </a:prstGeom>
-        </p:spPr>
-        <p:style>
-          <a:lnRef idx="2">
-            <a:schemeClr val="dk1"/>
-          </a:lnRef>
-          <a:fillRef idx="1">
-            <a:schemeClr val="lt1"/>
-          </a:fillRef>
-          <a:effectRef idx="0">
-            <a:schemeClr val="dk1"/>
-          </a:effectRef>
-          <a:fontRef idx="minor">
-            <a:schemeClr val="dk1"/>
-          </a:fontRef>
-        </p:style>
-        <p:txBody>
-          <a:bodyPr rtlCol="0" anchor="ctr"/>
-          <a:lstStyle/>
-          <a:p>
-            <a:pPr algn="ctr"/>
-            <a:r>
-              <a:rPr lang="en-US" dirty="0">
-                <a:latin typeface="Times New Roman" panose="02020603050405020304" pitchFamily="18" charset="0"/>
-                <a:cs typeface="Times New Roman" panose="02020603050405020304" pitchFamily="18" charset="0"/>
-              </a:rPr>
-              <a:t>Motion Planner</a:t>
-            </a:r>
-          </a:p>
-        </p:txBody>
-      </p:sp>
-      <p:cxnSp>
-        <p:nvCxnSpPr>
-          <p:cNvPr id="73" name="Connector: Elbow 72">
-            <a:extLst>
-              <a:ext uri="{FF2B5EF4-FFF2-40B4-BE49-F238E27FC236}">
-                <a16:creationId xmlns:a16="http://schemas.microsoft.com/office/drawing/2014/main" id="{2B15C751-A2E5-41C7-BFE8-5893FA982890}"/>
-              </a:ext>
-            </a:extLst>
-          </p:cNvPr>
-          <p:cNvCxnSpPr>
-            <a:cxnSpLocks/>
-            <a:stCxn id="71" idx="1"/>
-          </p:cNvCxnSpPr>
-          <p:nvPr/>
-        </p:nvCxnSpPr>
-        <p:spPr>
-          <a:xfrm rot="10800000">
-            <a:off x="1211179" y="2202043"/>
-            <a:ext cx="3126974" cy="1513217"/>
-          </a:xfrm>
-          <a:prstGeom prst="bentConnector3">
-            <a:avLst>
-              <a:gd name="adj1" fmla="val 111328"/>
-            </a:avLst>
-          </a:prstGeom>
-          <a:ln w="9525">
-            <a:tailEnd type="triangle" w="lg" len="lg"/>
-          </a:ln>
-        </p:spPr>
-        <p:style>
-          <a:lnRef idx="1">
-            <a:schemeClr val="dk1"/>
-          </a:lnRef>
-          <a:fillRef idx="0">
-            <a:schemeClr val="dk1"/>
-          </a:fillRef>
-          <a:effectRef idx="0">
-            <a:schemeClr val="dk1"/>
-          </a:effectRef>
-          <a:fontRef idx="minor">
-            <a:schemeClr val="tx1"/>
-          </a:fontRef>
-        </p:style>
-      </p:cxnSp>
-      <mc:AlternateContent xmlns:mc="http://schemas.openxmlformats.org/markup-compatibility/2006">
-        <mc:Choice xmlns:a14="http://schemas.microsoft.com/office/drawing/2010/main" Requires="a14">
+      <mc:AlternateContent xmlns:mc="http://schemas.openxmlformats.org/markup-compatibility/2006" xmlns:a14="http://schemas.microsoft.com/office/drawing/2010/main">
+        <mc:Choice Requires="a14">
           <p:sp>
             <p:nvSpPr>
               <p:cNvPr id="81" name="TextBox 80">
@@ -8416,7 +12306,7 @@
             <p:spPr>
               <a:xfrm>
                 <a:off x="8310281" y="2773986"/>
-                <a:ext cx="941476" cy="646331"/>
+                <a:ext cx="2788136" cy="646331"/>
               </a:xfrm>
               <a:prstGeom prst="rect">
                 <a:avLst/>
@@ -8524,7 +12414,7 @@
                     <a:latin typeface="Times New Roman" panose="02020603050405020304" pitchFamily="18" charset="0"/>
                     <a:cs typeface="Times New Roman" panose="02020603050405020304" pitchFamily="18" charset="0"/>
                   </a:rPr>
-                  <a:t>)</a:t>
+                  <a:t>) (angular velocities)</a:t>
                 </a:r>
                 <a:endParaRPr lang="en-US" i="1" dirty="0">
                   <a:latin typeface="Times New Roman" panose="02020603050405020304" pitchFamily="18" charset="0"/>
@@ -8540,7 +12430,7 @@
             </p:txBody>
           </p:sp>
         </mc:Choice>
-        <mc:Fallback>
+        <mc:Fallback xmlns="">
           <p:sp>
             <p:nvSpPr>
               <p:cNvPr id="81" name="TextBox 80">
@@ -8558,7 +12448,7 @@
             <p:spPr>
               <a:xfrm>
                 <a:off x="8310281" y="2773986"/>
-                <a:ext cx="941476" cy="646331"/>
+                <a:ext cx="2788136" cy="646331"/>
               </a:xfrm>
               <a:prstGeom prst="rect">
                 <a:avLst/>
@@ -8566,131 +12456,7 @@
               <a:blipFill>
                 <a:blip r:embed="rId4"/>
                 <a:stretch>
-                  <a:fillRect t="-4717" r="-5806"/>
-                </a:stretch>
-              </a:blipFill>
-            </p:spPr>
-            <p:txBody>
-              <a:bodyPr/>
-              <a:lstStyle/>
-              <a:p>
-                <a:r>
-                  <a:rPr lang="en-US">
-                    <a:noFill/>
-                  </a:rPr>
-                  <a:t> </a:t>
-                </a:r>
-              </a:p>
-            </p:txBody>
-          </p:sp>
-        </mc:Fallback>
-      </mc:AlternateContent>
-      <mc:AlternateContent xmlns:mc="http://schemas.openxmlformats.org/markup-compatibility/2006">
-        <mc:Choice xmlns:a14="http://schemas.microsoft.com/office/drawing/2010/main" Requires="a14">
-          <p:sp>
-            <p:nvSpPr>
-              <p:cNvPr id="82" name="TextBox 81">
-                <a:extLst>
-                  <a:ext uri="{FF2B5EF4-FFF2-40B4-BE49-F238E27FC236}">
-                    <a16:creationId xmlns:a16="http://schemas.microsoft.com/office/drawing/2014/main" id="{763EB571-3D15-45AF-9CC7-F7DB1FCF89D8}"/>
-                  </a:ext>
-                </a:extLst>
-              </p:cNvPr>
-              <p:cNvSpPr txBox="1"/>
-              <p:nvPr/>
-            </p:nvSpPr>
-            <p:spPr>
-              <a:xfrm>
-                <a:off x="7527780" y="3391524"/>
-                <a:ext cx="545342" cy="369332"/>
-              </a:xfrm>
-              <a:prstGeom prst="rect">
-                <a:avLst/>
-              </a:prstGeom>
-              <a:noFill/>
-            </p:spPr>
-            <p:txBody>
-              <a:bodyPr wrap="none" rtlCol="0">
-                <a:spAutoFit/>
-              </a:bodyPr>
-              <a:lstStyle/>
-              <a:p>
-                <a14:m>
-                  <m:oMath xmlns:m="http://schemas.openxmlformats.org/officeDocument/2006/math">
-                    <m:acc>
-                      <m:accPr>
-                        <m:chr m:val="̈"/>
-                        <m:ctrlPr>
-                          <a:rPr lang="en-US" i="1" smtClean="0">
-                            <a:latin typeface="Cambria Math" panose="02040503050406030204" pitchFamily="18" charset="0"/>
-                            <a:cs typeface="Times New Roman" panose="02020603050405020304" pitchFamily="18" charset="0"/>
-                          </a:rPr>
-                        </m:ctrlPr>
-                      </m:accPr>
-                      <m:e>
-                        <m:r>
-                          <a:rPr lang="en-US" b="1" i="1" smtClean="0">
-                            <a:latin typeface="Cambria Math" panose="02040503050406030204" pitchFamily="18" charset="0"/>
-                            <a:cs typeface="Times New Roman" panose="02020603050405020304" pitchFamily="18" charset="0"/>
-                          </a:rPr>
-                          <m:t>𝒑</m:t>
-                        </m:r>
-                      </m:e>
-                    </m:acc>
-                  </m:oMath>
-                </a14:m>
-                <a:r>
-                  <a:rPr lang="en-US" dirty="0">
-                    <a:latin typeface="Times New Roman" panose="02020603050405020304" pitchFamily="18" charset="0"/>
-                    <a:cs typeface="Times New Roman" panose="02020603050405020304" pitchFamily="18" charset="0"/>
-                  </a:rPr>
-                  <a:t>(</a:t>
-                </a:r>
-                <a:r>
-                  <a:rPr lang="en-US" i="1" dirty="0">
-                    <a:latin typeface="Times New Roman" panose="02020603050405020304" pitchFamily="18" charset="0"/>
-                    <a:cs typeface="Times New Roman" panose="02020603050405020304" pitchFamily="18" charset="0"/>
-                  </a:rPr>
-                  <a:t>t</a:t>
-                </a:r>
-                <a:r>
-                  <a:rPr lang="en-US" dirty="0">
-                    <a:latin typeface="Times New Roman" panose="02020603050405020304" pitchFamily="18" charset="0"/>
-                    <a:cs typeface="Times New Roman" panose="02020603050405020304" pitchFamily="18" charset="0"/>
-                  </a:rPr>
-                  <a:t>)</a:t>
-                </a:r>
-              </a:p>
-            </p:txBody>
-          </p:sp>
-        </mc:Choice>
-        <mc:Fallback>
-          <p:sp>
-            <p:nvSpPr>
-              <p:cNvPr id="82" name="TextBox 81">
-                <a:extLst>
-                  <a:ext uri="{FF2B5EF4-FFF2-40B4-BE49-F238E27FC236}">
-                    <a16:creationId xmlns:a16="http://schemas.microsoft.com/office/drawing/2014/main" id="{763EB571-3D15-45AF-9CC7-F7DB1FCF89D8}"/>
-                  </a:ext>
-                </a:extLst>
-              </p:cNvPr>
-              <p:cNvSpPr txBox="1">
-                <a:spLocks noRot="1" noChangeAspect="1" noMove="1" noResize="1" noEditPoints="1" noAdjustHandles="1" noChangeArrowheads="1" noChangeShapeType="1" noTextEdit="1"/>
-              </p:cNvSpPr>
-              <p:nvPr/>
-            </p:nvSpPr>
-            <p:spPr>
-              <a:xfrm>
-                <a:off x="7527780" y="3391524"/>
-                <a:ext cx="545342" cy="369332"/>
-              </a:xfrm>
-              <a:prstGeom prst="rect">
-                <a:avLst/>
-              </a:prstGeom>
-              <a:blipFill>
-                <a:blip r:embed="rId5"/>
-                <a:stretch>
-                  <a:fillRect t="-8197" r="-10112" b="-24590"/>
+                  <a:fillRect t="-4717" r="-1092"/>
                 </a:stretch>
               </a:blipFill>
             </p:spPr>
@@ -8723,7 +12489,7 @@
         </p:nvSpPr>
         <p:spPr>
           <a:xfrm>
-            <a:off x="2334779" y="3358164"/>
+            <a:off x="4614844" y="2949727"/>
             <a:ext cx="518091" cy="369332"/>
           </a:xfrm>
           <a:prstGeom prst="rect">
@@ -8772,6 +12538,1760 @@
     <p:extLst>
       <p:ext uri="{BB962C8B-B14F-4D97-AF65-F5344CB8AC3E}">
         <p14:creationId xmlns:p14="http://schemas.microsoft.com/office/powerpoint/2010/main" val="3625871569"/>
+      </p:ext>
+    </p:extLst>
+  </p:cSld>
+  <p:clrMapOvr>
+    <a:masterClrMapping/>
+  </p:clrMapOvr>
+</p:sld>
+</file>
+
+<file path=ppt/slides/slide4.xml><?xml version="1.0" encoding="utf-8"?>
+<p:sld xmlns:a="http://schemas.openxmlformats.org/drawingml/2006/main" xmlns:r="http://schemas.openxmlformats.org/officeDocument/2006/relationships" xmlns:p="http://schemas.openxmlformats.org/presentationml/2006/main">
+  <p:cSld>
+    <p:spTree>
+      <p:nvGrpSpPr>
+        <p:cNvPr id="1" name=""/>
+        <p:cNvGrpSpPr/>
+        <p:nvPr/>
+      </p:nvGrpSpPr>
+      <p:grpSpPr>
+        <a:xfrm>
+          <a:off x="0" y="0"/>
+          <a:ext cx="0" cy="0"/>
+          <a:chOff x="0" y="0"/>
+          <a:chExt cx="0" cy="0"/>
+        </a:xfrm>
+      </p:grpSpPr>
+      <p:sp>
+        <p:nvSpPr>
+          <p:cNvPr id="2" name="Rectangle 1">
+            <a:extLst>
+              <a:ext uri="{FF2B5EF4-FFF2-40B4-BE49-F238E27FC236}">
+                <a16:creationId xmlns:a16="http://schemas.microsoft.com/office/drawing/2014/main" id="{D27FEE64-474D-476C-8C81-064830D400BB}"/>
+              </a:ext>
+            </a:extLst>
+          </p:cNvPr>
+          <p:cNvSpPr/>
+          <p:nvPr/>
+        </p:nvSpPr>
+        <p:spPr>
+          <a:xfrm>
+            <a:off x="2791376" y="879566"/>
+            <a:ext cx="8181422" cy="1979247"/>
+          </a:xfrm>
+          <a:prstGeom prst="rect">
+            <a:avLst/>
+          </a:prstGeom>
+          <a:solidFill>
+            <a:schemeClr val="accent3">
+              <a:lumMod val="20000"/>
+              <a:lumOff val="80000"/>
+              <a:alpha val="43000"/>
+            </a:schemeClr>
+          </a:solidFill>
+        </p:spPr>
+        <p:style>
+          <a:lnRef idx="2">
+            <a:schemeClr val="dk1"/>
+          </a:lnRef>
+          <a:fillRef idx="1">
+            <a:schemeClr val="lt1"/>
+          </a:fillRef>
+          <a:effectRef idx="0">
+            <a:schemeClr val="dk1"/>
+          </a:effectRef>
+          <a:fontRef idx="minor">
+            <a:schemeClr val="dk1"/>
+          </a:fontRef>
+        </p:style>
+        <p:txBody>
+          <a:bodyPr rtlCol="0" anchor="ctr"/>
+          <a:lstStyle/>
+          <a:p>
+            <a:pPr algn="ctr"/>
+            <a:endParaRPr lang="en-US"/>
+          </a:p>
+        </p:txBody>
+      </p:sp>
+      <p:sp>
+        <p:nvSpPr>
+          <p:cNvPr id="5" name="Rectangle 4">
+            <a:extLst>
+              <a:ext uri="{FF2B5EF4-FFF2-40B4-BE49-F238E27FC236}">
+                <a16:creationId xmlns:a16="http://schemas.microsoft.com/office/drawing/2014/main" id="{0B48700A-CC5A-416F-B30A-8A3BEE18382A}"/>
+              </a:ext>
+            </a:extLst>
+          </p:cNvPr>
+          <p:cNvSpPr/>
+          <p:nvPr/>
+        </p:nvSpPr>
+        <p:spPr>
+          <a:xfrm>
+            <a:off x="2975989" y="1443785"/>
+            <a:ext cx="1383632" cy="962527"/>
+          </a:xfrm>
+          <a:prstGeom prst="rect">
+            <a:avLst/>
+          </a:prstGeom>
+        </p:spPr>
+        <p:style>
+          <a:lnRef idx="2">
+            <a:schemeClr val="dk1"/>
+          </a:lnRef>
+          <a:fillRef idx="1">
+            <a:schemeClr val="lt1"/>
+          </a:fillRef>
+          <a:effectRef idx="0">
+            <a:schemeClr val="dk1"/>
+          </a:effectRef>
+          <a:fontRef idx="minor">
+            <a:schemeClr val="dk1"/>
+          </a:fontRef>
+        </p:style>
+        <p:txBody>
+          <a:bodyPr rtlCol="0" anchor="ctr"/>
+          <a:lstStyle/>
+          <a:p>
+            <a:pPr algn="ctr"/>
+            <a:r>
+              <a:rPr lang="en-US" dirty="0">
+                <a:latin typeface="Times New Roman" panose="02020603050405020304" pitchFamily="18" charset="0"/>
+                <a:cs typeface="Times New Roman" panose="02020603050405020304" pitchFamily="18" charset="0"/>
+              </a:rPr>
+              <a:t>Low Level Control</a:t>
+            </a:r>
+          </a:p>
+        </p:txBody>
+      </p:sp>
+      <p:sp>
+        <p:nvSpPr>
+          <p:cNvPr id="6" name="Rectangle 5">
+            <a:extLst>
+              <a:ext uri="{FF2B5EF4-FFF2-40B4-BE49-F238E27FC236}">
+                <a16:creationId xmlns:a16="http://schemas.microsoft.com/office/drawing/2014/main" id="{2E075DD2-942E-4AA0-BB94-0A9F8B4E29D9}"/>
+              </a:ext>
+            </a:extLst>
+          </p:cNvPr>
+          <p:cNvSpPr/>
+          <p:nvPr/>
+        </p:nvSpPr>
+        <p:spPr>
+          <a:xfrm>
+            <a:off x="5308692" y="1443784"/>
+            <a:ext cx="1190210" cy="962527"/>
+          </a:xfrm>
+          <a:prstGeom prst="rect">
+            <a:avLst/>
+          </a:prstGeom>
+        </p:spPr>
+        <p:style>
+          <a:lnRef idx="2">
+            <a:schemeClr val="dk1"/>
+          </a:lnRef>
+          <a:fillRef idx="1">
+            <a:schemeClr val="lt1"/>
+          </a:fillRef>
+          <a:effectRef idx="0">
+            <a:schemeClr val="dk1"/>
+          </a:effectRef>
+          <a:fontRef idx="minor">
+            <a:schemeClr val="dk1"/>
+          </a:fontRef>
+        </p:style>
+        <p:txBody>
+          <a:bodyPr rtlCol="0" anchor="ctr"/>
+          <a:lstStyle/>
+          <a:p>
+            <a:pPr algn="ctr"/>
+            <a:r>
+              <a:rPr lang="en-US" dirty="0">
+                <a:latin typeface="Times New Roman" panose="02020603050405020304" pitchFamily="18" charset="0"/>
+                <a:cs typeface="Times New Roman" panose="02020603050405020304" pitchFamily="18" charset="0"/>
+              </a:rPr>
+              <a:t>Attitude Control</a:t>
+            </a:r>
+          </a:p>
+        </p:txBody>
+      </p:sp>
+      <p:sp>
+        <p:nvSpPr>
+          <p:cNvPr id="7" name="Rectangle 6">
+            <a:extLst>
+              <a:ext uri="{FF2B5EF4-FFF2-40B4-BE49-F238E27FC236}">
+                <a16:creationId xmlns:a16="http://schemas.microsoft.com/office/drawing/2014/main" id="{E242D4D6-3033-433D-B16B-545A8C4FC87A}"/>
+              </a:ext>
+            </a:extLst>
+          </p:cNvPr>
+          <p:cNvSpPr/>
+          <p:nvPr/>
+        </p:nvSpPr>
+        <p:spPr>
+          <a:xfrm>
+            <a:off x="7254551" y="1443783"/>
+            <a:ext cx="1383632" cy="962527"/>
+          </a:xfrm>
+          <a:prstGeom prst="rect">
+            <a:avLst/>
+          </a:prstGeom>
+        </p:spPr>
+        <p:style>
+          <a:lnRef idx="2">
+            <a:schemeClr val="dk1"/>
+          </a:lnRef>
+          <a:fillRef idx="1">
+            <a:schemeClr val="lt1"/>
+          </a:fillRef>
+          <a:effectRef idx="0">
+            <a:schemeClr val="dk1"/>
+          </a:effectRef>
+          <a:fontRef idx="minor">
+            <a:schemeClr val="dk1"/>
+          </a:fontRef>
+        </p:style>
+        <p:txBody>
+          <a:bodyPr rtlCol="0" anchor="ctr"/>
+          <a:lstStyle/>
+          <a:p>
+            <a:pPr algn="ctr"/>
+            <a:r>
+              <a:rPr lang="en-US" dirty="0">
+                <a:latin typeface="Times New Roman" panose="02020603050405020304" pitchFamily="18" charset="0"/>
+                <a:cs typeface="Times New Roman" panose="02020603050405020304" pitchFamily="18" charset="0"/>
+              </a:rPr>
+              <a:t>Motor Dynamics</a:t>
+            </a:r>
+          </a:p>
+        </p:txBody>
+      </p:sp>
+      <p:sp>
+        <p:nvSpPr>
+          <p:cNvPr id="8" name="Rectangle 7">
+            <a:extLst>
+              <a:ext uri="{FF2B5EF4-FFF2-40B4-BE49-F238E27FC236}">
+                <a16:creationId xmlns:a16="http://schemas.microsoft.com/office/drawing/2014/main" id="{E8839FF8-A8F0-40AC-A495-42157B378CC4}"/>
+              </a:ext>
+            </a:extLst>
+          </p:cNvPr>
+          <p:cNvSpPr/>
+          <p:nvPr/>
+        </p:nvSpPr>
+        <p:spPr>
+          <a:xfrm>
+            <a:off x="9393832" y="1443782"/>
+            <a:ext cx="1383632" cy="962527"/>
+          </a:xfrm>
+          <a:prstGeom prst="rect">
+            <a:avLst/>
+          </a:prstGeom>
+        </p:spPr>
+        <p:style>
+          <a:lnRef idx="2">
+            <a:schemeClr val="dk1"/>
+          </a:lnRef>
+          <a:fillRef idx="1">
+            <a:schemeClr val="lt1"/>
+          </a:fillRef>
+          <a:effectRef idx="0">
+            <a:schemeClr val="dk1"/>
+          </a:effectRef>
+          <a:fontRef idx="minor">
+            <a:schemeClr val="dk1"/>
+          </a:fontRef>
+        </p:style>
+        <p:txBody>
+          <a:bodyPr rtlCol="0" anchor="ctr"/>
+          <a:lstStyle/>
+          <a:p>
+            <a:pPr algn="ctr"/>
+            <a:r>
+              <a:rPr lang="en-US" dirty="0">
+                <a:latin typeface="Times New Roman" panose="02020603050405020304" pitchFamily="18" charset="0"/>
+                <a:cs typeface="Times New Roman" panose="02020603050405020304" pitchFamily="18" charset="0"/>
+              </a:rPr>
+              <a:t>Quadrotor Body Dynamics</a:t>
+            </a:r>
+          </a:p>
+        </p:txBody>
+      </p:sp>
+      <p:cxnSp>
+        <p:nvCxnSpPr>
+          <p:cNvPr id="10" name="Straight Arrow Connector 9">
+            <a:extLst>
+              <a:ext uri="{FF2B5EF4-FFF2-40B4-BE49-F238E27FC236}">
+                <a16:creationId xmlns:a16="http://schemas.microsoft.com/office/drawing/2014/main" id="{33879D10-61CB-4775-9357-C490F58BD118}"/>
+              </a:ext>
+            </a:extLst>
+          </p:cNvPr>
+          <p:cNvCxnSpPr>
+            <a:cxnSpLocks/>
+            <a:stCxn id="7" idx="3"/>
+            <a:endCxn id="8" idx="1"/>
+          </p:cNvCxnSpPr>
+          <p:nvPr/>
+        </p:nvCxnSpPr>
+        <p:spPr>
+          <a:xfrm flipV="1">
+            <a:off x="8638183" y="1925046"/>
+            <a:ext cx="755649" cy="1"/>
+          </a:xfrm>
+          <a:prstGeom prst="straightConnector1">
+            <a:avLst/>
+          </a:prstGeom>
+          <a:ln w="9525">
+            <a:tailEnd type="triangle" w="lg" len="lg"/>
+          </a:ln>
+        </p:spPr>
+        <p:style>
+          <a:lnRef idx="1">
+            <a:schemeClr val="dk1"/>
+          </a:lnRef>
+          <a:fillRef idx="0">
+            <a:schemeClr val="dk1"/>
+          </a:fillRef>
+          <a:effectRef idx="0">
+            <a:schemeClr val="dk1"/>
+          </a:effectRef>
+          <a:fontRef idx="minor">
+            <a:schemeClr val="tx1"/>
+          </a:fontRef>
+        </p:style>
+      </p:cxnSp>
+      <p:cxnSp>
+        <p:nvCxnSpPr>
+          <p:cNvPr id="12" name="Straight Arrow Connector 11">
+            <a:extLst>
+              <a:ext uri="{FF2B5EF4-FFF2-40B4-BE49-F238E27FC236}">
+                <a16:creationId xmlns:a16="http://schemas.microsoft.com/office/drawing/2014/main" id="{7C07CD14-C8AA-4DF9-9E9E-61E6CDD94959}"/>
+              </a:ext>
+            </a:extLst>
+          </p:cNvPr>
+          <p:cNvCxnSpPr>
+            <a:cxnSpLocks/>
+          </p:cNvCxnSpPr>
+          <p:nvPr/>
+        </p:nvCxnSpPr>
+        <p:spPr>
+          <a:xfrm flipV="1">
+            <a:off x="6498902" y="1925044"/>
+            <a:ext cx="755649" cy="1"/>
+          </a:xfrm>
+          <a:prstGeom prst="straightConnector1">
+            <a:avLst/>
+          </a:prstGeom>
+          <a:ln w="9525">
+            <a:tailEnd type="triangle" w="lg" len="lg"/>
+          </a:ln>
+        </p:spPr>
+        <p:style>
+          <a:lnRef idx="1">
+            <a:schemeClr val="dk1"/>
+          </a:lnRef>
+          <a:fillRef idx="0">
+            <a:schemeClr val="dk1"/>
+          </a:fillRef>
+          <a:effectRef idx="0">
+            <a:schemeClr val="dk1"/>
+          </a:effectRef>
+          <a:fontRef idx="minor">
+            <a:schemeClr val="tx1"/>
+          </a:fontRef>
+        </p:style>
+      </p:cxnSp>
+      <p:cxnSp>
+        <p:nvCxnSpPr>
+          <p:cNvPr id="13" name="Straight Arrow Connector 12">
+            <a:extLst>
+              <a:ext uri="{FF2B5EF4-FFF2-40B4-BE49-F238E27FC236}">
+                <a16:creationId xmlns:a16="http://schemas.microsoft.com/office/drawing/2014/main" id="{4D15E9D7-0B61-4615-B19E-83143388533D}"/>
+              </a:ext>
+            </a:extLst>
+          </p:cNvPr>
+          <p:cNvCxnSpPr>
+            <a:cxnSpLocks/>
+          </p:cNvCxnSpPr>
+          <p:nvPr/>
+        </p:nvCxnSpPr>
+        <p:spPr>
+          <a:xfrm flipV="1">
+            <a:off x="4359621" y="1707992"/>
+            <a:ext cx="945604" cy="1153"/>
+          </a:xfrm>
+          <a:prstGeom prst="straightConnector1">
+            <a:avLst/>
+          </a:prstGeom>
+          <a:ln w="9525">
+            <a:tailEnd type="triangle" w="lg" len="lg"/>
+          </a:ln>
+        </p:spPr>
+        <p:style>
+          <a:lnRef idx="1">
+            <a:schemeClr val="dk1"/>
+          </a:lnRef>
+          <a:fillRef idx="0">
+            <a:schemeClr val="dk1"/>
+          </a:fillRef>
+          <a:effectRef idx="0">
+            <a:schemeClr val="dk1"/>
+          </a:effectRef>
+          <a:fontRef idx="minor">
+            <a:schemeClr val="tx1"/>
+          </a:fontRef>
+        </p:style>
+      </p:cxnSp>
+      <p:cxnSp>
+        <p:nvCxnSpPr>
+          <p:cNvPr id="14" name="Straight Arrow Connector 13">
+            <a:extLst>
+              <a:ext uri="{FF2B5EF4-FFF2-40B4-BE49-F238E27FC236}">
+                <a16:creationId xmlns:a16="http://schemas.microsoft.com/office/drawing/2014/main" id="{4BA7E1F9-265F-4477-99FB-834FBA844EC1}"/>
+              </a:ext>
+            </a:extLst>
+          </p:cNvPr>
+          <p:cNvCxnSpPr>
+            <a:cxnSpLocks/>
+          </p:cNvCxnSpPr>
+          <p:nvPr/>
+        </p:nvCxnSpPr>
+        <p:spPr>
+          <a:xfrm flipV="1">
+            <a:off x="2039658" y="1709143"/>
+            <a:ext cx="755649" cy="1"/>
+          </a:xfrm>
+          <a:prstGeom prst="straightConnector1">
+            <a:avLst/>
+          </a:prstGeom>
+          <a:ln w="9525">
+            <a:tailEnd type="triangle" w="lg" len="lg"/>
+          </a:ln>
+        </p:spPr>
+        <p:style>
+          <a:lnRef idx="1">
+            <a:schemeClr val="dk1"/>
+          </a:lnRef>
+          <a:fillRef idx="0">
+            <a:schemeClr val="dk1"/>
+          </a:fillRef>
+          <a:effectRef idx="0">
+            <a:schemeClr val="dk1"/>
+          </a:effectRef>
+          <a:fontRef idx="minor">
+            <a:schemeClr val="tx1"/>
+          </a:fontRef>
+        </p:style>
+      </p:cxnSp>
+      <p:sp>
+        <p:nvSpPr>
+          <p:cNvPr id="15" name="TextBox 14">
+            <a:extLst>
+              <a:ext uri="{FF2B5EF4-FFF2-40B4-BE49-F238E27FC236}">
+                <a16:creationId xmlns:a16="http://schemas.microsoft.com/office/drawing/2014/main" id="{7715315B-590E-45CF-83CB-4013572EAAEB}"/>
+              </a:ext>
+            </a:extLst>
+          </p:cNvPr>
+          <p:cNvSpPr txBox="1"/>
+          <p:nvPr/>
+        </p:nvSpPr>
+        <p:spPr>
+          <a:xfrm>
+            <a:off x="6685808" y="1555711"/>
+            <a:ext cx="381836" cy="369332"/>
+          </a:xfrm>
+          <a:prstGeom prst="rect">
+            <a:avLst/>
+          </a:prstGeom>
+          <a:noFill/>
+        </p:spPr>
+        <p:txBody>
+          <a:bodyPr wrap="none" rtlCol="0">
+            <a:spAutoFit/>
+          </a:bodyPr>
+          <a:lstStyle/>
+          <a:p>
+            <a:r>
+              <a:rPr lang="en-US" i="1" dirty="0">
+                <a:latin typeface="Times New Roman" panose="02020603050405020304" pitchFamily="18" charset="0"/>
+                <a:cs typeface="Times New Roman" panose="02020603050405020304" pitchFamily="18" charset="0"/>
+              </a:rPr>
+              <a:t>w</a:t>
+            </a:r>
+            <a:r>
+              <a:rPr lang="en-US" i="1" baseline="-25000" dirty="0">
+                <a:latin typeface="Times New Roman" panose="02020603050405020304" pitchFamily="18" charset="0"/>
+                <a:cs typeface="Times New Roman" panose="02020603050405020304" pitchFamily="18" charset="0"/>
+              </a:rPr>
+              <a:t>i</a:t>
+            </a:r>
+            <a:endParaRPr lang="en-US" i="1" dirty="0">
+              <a:latin typeface="Times New Roman" panose="02020603050405020304" pitchFamily="18" charset="0"/>
+              <a:cs typeface="Times New Roman" panose="02020603050405020304" pitchFamily="18" charset="0"/>
+            </a:endParaRPr>
+          </a:p>
+        </p:txBody>
+      </p:sp>
+      <p:sp>
+        <p:nvSpPr>
+          <p:cNvPr id="16" name="TextBox 15">
+            <a:extLst>
+              <a:ext uri="{FF2B5EF4-FFF2-40B4-BE49-F238E27FC236}">
+                <a16:creationId xmlns:a16="http://schemas.microsoft.com/office/drawing/2014/main" id="{E936755D-DD1E-4C9D-8C75-3B91FFB83D20}"/>
+              </a:ext>
+            </a:extLst>
+          </p:cNvPr>
+          <p:cNvSpPr txBox="1"/>
+          <p:nvPr/>
+        </p:nvSpPr>
+        <p:spPr>
+          <a:xfrm>
+            <a:off x="8635134" y="1555711"/>
+            <a:ext cx="761747" cy="646331"/>
+          </a:xfrm>
+          <a:prstGeom prst="rect">
+            <a:avLst/>
+          </a:prstGeom>
+          <a:noFill/>
+        </p:spPr>
+        <p:txBody>
+          <a:bodyPr wrap="none" rtlCol="0">
+            <a:spAutoFit/>
+          </a:bodyPr>
+          <a:lstStyle/>
+          <a:p>
+            <a:r>
+              <a:rPr lang="en-US" i="1" dirty="0">
+                <a:latin typeface="Times New Roman" panose="02020603050405020304" pitchFamily="18" charset="0"/>
+                <a:cs typeface="Times New Roman" panose="02020603050405020304" pitchFamily="18" charset="0"/>
+              </a:rPr>
+              <a:t>Fi, Mi</a:t>
+            </a:r>
+          </a:p>
+          <a:p>
+            <a:endParaRPr lang="en-US" i="1" dirty="0">
+              <a:latin typeface="Times New Roman" panose="02020603050405020304" pitchFamily="18" charset="0"/>
+              <a:cs typeface="Times New Roman" panose="02020603050405020304" pitchFamily="18" charset="0"/>
+            </a:endParaRPr>
+          </a:p>
+        </p:txBody>
+      </p:sp>
+      <p:cxnSp>
+        <p:nvCxnSpPr>
+          <p:cNvPr id="17" name="Straight Arrow Connector 16">
+            <a:extLst>
+              <a:ext uri="{FF2B5EF4-FFF2-40B4-BE49-F238E27FC236}">
+                <a16:creationId xmlns:a16="http://schemas.microsoft.com/office/drawing/2014/main" id="{C3459528-8E4D-4D84-892B-9CE461BD1619}"/>
+              </a:ext>
+            </a:extLst>
+          </p:cNvPr>
+          <p:cNvCxnSpPr>
+            <a:cxnSpLocks/>
+          </p:cNvCxnSpPr>
+          <p:nvPr/>
+        </p:nvCxnSpPr>
+        <p:spPr>
+          <a:xfrm flipV="1">
+            <a:off x="4359621" y="2171867"/>
+            <a:ext cx="945604" cy="1154"/>
+          </a:xfrm>
+          <a:prstGeom prst="straightConnector1">
+            <a:avLst/>
+          </a:prstGeom>
+          <a:ln w="9525">
+            <a:tailEnd type="triangle" w="lg" len="lg"/>
+          </a:ln>
+        </p:spPr>
+        <p:style>
+          <a:lnRef idx="1">
+            <a:schemeClr val="dk1"/>
+          </a:lnRef>
+          <a:fillRef idx="0">
+            <a:schemeClr val="dk1"/>
+          </a:fillRef>
+          <a:effectRef idx="0">
+            <a:schemeClr val="dk1"/>
+          </a:effectRef>
+          <a:fontRef idx="minor">
+            <a:schemeClr val="tx1"/>
+          </a:fontRef>
+        </p:style>
+      </p:cxnSp>
+      <p:sp>
+        <p:nvSpPr>
+          <p:cNvPr id="18" name="TextBox 17">
+            <a:extLst>
+              <a:ext uri="{FF2B5EF4-FFF2-40B4-BE49-F238E27FC236}">
+                <a16:creationId xmlns:a16="http://schemas.microsoft.com/office/drawing/2014/main" id="{EE3FE011-1231-4AFC-93DA-B2AD204D47ED}"/>
+              </a:ext>
+            </a:extLst>
+          </p:cNvPr>
+          <p:cNvSpPr txBox="1"/>
+          <p:nvPr/>
+        </p:nvSpPr>
+        <p:spPr>
+          <a:xfrm>
+            <a:off x="4451443" y="1338660"/>
+            <a:ext cx="728084" cy="369332"/>
+          </a:xfrm>
+          <a:prstGeom prst="rect">
+            <a:avLst/>
+          </a:prstGeom>
+          <a:noFill/>
+        </p:spPr>
+        <p:txBody>
+          <a:bodyPr wrap="none" rtlCol="0">
+            <a:spAutoFit/>
+          </a:bodyPr>
+          <a:lstStyle/>
+          <a:p>
+            <a:r>
+              <a:rPr lang="el-GR" i="1" dirty="0">
+                <a:latin typeface="Times New Roman" panose="02020603050405020304" pitchFamily="18" charset="0"/>
+                <a:cs typeface="Times New Roman" panose="02020603050405020304" pitchFamily="18" charset="0"/>
+              </a:rPr>
+              <a:t>ϕ</a:t>
+            </a:r>
+            <a:r>
+              <a:rPr lang="en-US" i="1" baseline="-25000" dirty="0">
+                <a:latin typeface="Times New Roman" panose="02020603050405020304" pitchFamily="18" charset="0"/>
+                <a:cs typeface="Times New Roman" panose="02020603050405020304" pitchFamily="18" charset="0"/>
+              </a:rPr>
+              <a:t>des</a:t>
+            </a:r>
+            <a:r>
+              <a:rPr lang="en-US" dirty="0">
+                <a:latin typeface="Times New Roman" panose="02020603050405020304" pitchFamily="18" charset="0"/>
+                <a:cs typeface="Times New Roman" panose="02020603050405020304" pitchFamily="18" charset="0"/>
+              </a:rPr>
+              <a:t>(</a:t>
+            </a:r>
+            <a:r>
+              <a:rPr lang="en-US" i="1" dirty="0">
+                <a:latin typeface="Times New Roman" panose="02020603050405020304" pitchFamily="18" charset="0"/>
+                <a:cs typeface="Times New Roman" panose="02020603050405020304" pitchFamily="18" charset="0"/>
+              </a:rPr>
+              <a:t>t</a:t>
+            </a:r>
+            <a:r>
+              <a:rPr lang="en-US" dirty="0">
+                <a:latin typeface="Times New Roman" panose="02020603050405020304" pitchFamily="18" charset="0"/>
+                <a:cs typeface="Times New Roman" panose="02020603050405020304" pitchFamily="18" charset="0"/>
+              </a:rPr>
+              <a:t>)</a:t>
+            </a:r>
+            <a:endParaRPr lang="en-US" i="1" dirty="0">
+              <a:latin typeface="Times New Roman" panose="02020603050405020304" pitchFamily="18" charset="0"/>
+              <a:cs typeface="Times New Roman" panose="02020603050405020304" pitchFamily="18" charset="0"/>
+            </a:endParaRPr>
+          </a:p>
+        </p:txBody>
+      </p:sp>
+      <p:sp>
+        <p:nvSpPr>
+          <p:cNvPr id="19" name="TextBox 18">
+            <a:extLst>
+              <a:ext uri="{FF2B5EF4-FFF2-40B4-BE49-F238E27FC236}">
+                <a16:creationId xmlns:a16="http://schemas.microsoft.com/office/drawing/2014/main" id="{E08A2870-1A18-4808-A098-4CD477CAB781}"/>
+              </a:ext>
+            </a:extLst>
+          </p:cNvPr>
+          <p:cNvSpPr txBox="1"/>
+          <p:nvPr/>
+        </p:nvSpPr>
+        <p:spPr>
+          <a:xfrm>
+            <a:off x="4432227" y="1802536"/>
+            <a:ext cx="721672" cy="369332"/>
+          </a:xfrm>
+          <a:prstGeom prst="rect">
+            <a:avLst/>
+          </a:prstGeom>
+          <a:noFill/>
+        </p:spPr>
+        <p:txBody>
+          <a:bodyPr wrap="none" rtlCol="0">
+            <a:spAutoFit/>
+          </a:bodyPr>
+          <a:lstStyle/>
+          <a:p>
+            <a:r>
+              <a:rPr lang="el-GR" i="1" dirty="0">
+                <a:latin typeface="Times New Roman" panose="02020603050405020304" pitchFamily="18" charset="0"/>
+                <a:cs typeface="Times New Roman" panose="02020603050405020304" pitchFamily="18" charset="0"/>
+              </a:rPr>
+              <a:t>θ</a:t>
+            </a:r>
+            <a:r>
+              <a:rPr lang="en-US" i="1" baseline="-25000" dirty="0">
+                <a:latin typeface="Times New Roman" panose="02020603050405020304" pitchFamily="18" charset="0"/>
+                <a:cs typeface="Times New Roman" panose="02020603050405020304" pitchFamily="18" charset="0"/>
+              </a:rPr>
+              <a:t>des</a:t>
+            </a:r>
+            <a:r>
+              <a:rPr lang="en-US" dirty="0">
+                <a:latin typeface="Times New Roman" panose="02020603050405020304" pitchFamily="18" charset="0"/>
+                <a:cs typeface="Times New Roman" panose="02020603050405020304" pitchFamily="18" charset="0"/>
+              </a:rPr>
+              <a:t>(</a:t>
+            </a:r>
+            <a:r>
+              <a:rPr lang="en-US" i="1" dirty="0">
+                <a:latin typeface="Times New Roman" panose="02020603050405020304" pitchFamily="18" charset="0"/>
+                <a:cs typeface="Times New Roman" panose="02020603050405020304" pitchFamily="18" charset="0"/>
+              </a:rPr>
+              <a:t>t</a:t>
+            </a:r>
+            <a:r>
+              <a:rPr lang="en-US" dirty="0">
+                <a:latin typeface="Times New Roman" panose="02020603050405020304" pitchFamily="18" charset="0"/>
+                <a:cs typeface="Times New Roman" panose="02020603050405020304" pitchFamily="18" charset="0"/>
+              </a:rPr>
+              <a:t>)</a:t>
+            </a:r>
+          </a:p>
+        </p:txBody>
+      </p:sp>
+      <p:cxnSp>
+        <p:nvCxnSpPr>
+          <p:cNvPr id="21" name="Straight Arrow Connector 20">
+            <a:extLst>
+              <a:ext uri="{FF2B5EF4-FFF2-40B4-BE49-F238E27FC236}">
+                <a16:creationId xmlns:a16="http://schemas.microsoft.com/office/drawing/2014/main" id="{1EEA48F2-1F5F-4646-9637-FC32FF73E600}"/>
+              </a:ext>
+            </a:extLst>
+          </p:cNvPr>
+          <p:cNvCxnSpPr>
+            <a:cxnSpLocks/>
+          </p:cNvCxnSpPr>
+          <p:nvPr/>
+        </p:nvCxnSpPr>
+        <p:spPr>
+          <a:xfrm flipV="1">
+            <a:off x="2035272" y="2173187"/>
+            <a:ext cx="755649" cy="1"/>
+          </a:xfrm>
+          <a:prstGeom prst="straightConnector1">
+            <a:avLst/>
+          </a:prstGeom>
+          <a:ln w="9525">
+            <a:tailEnd type="triangle" w="lg" len="lg"/>
+          </a:ln>
+        </p:spPr>
+        <p:style>
+          <a:lnRef idx="1">
+            <a:schemeClr val="dk1"/>
+          </a:lnRef>
+          <a:fillRef idx="0">
+            <a:schemeClr val="dk1"/>
+          </a:fillRef>
+          <a:effectRef idx="0">
+            <a:schemeClr val="dk1"/>
+          </a:effectRef>
+          <a:fontRef idx="minor">
+            <a:schemeClr val="tx1"/>
+          </a:fontRef>
+        </p:style>
+      </p:cxnSp>
+      <p:sp>
+        <p:nvSpPr>
+          <p:cNvPr id="25" name="TextBox 24">
+            <a:extLst>
+              <a:ext uri="{FF2B5EF4-FFF2-40B4-BE49-F238E27FC236}">
+                <a16:creationId xmlns:a16="http://schemas.microsoft.com/office/drawing/2014/main" id="{F5617655-64E5-4342-9CFB-F38121851FE0}"/>
+              </a:ext>
+            </a:extLst>
+          </p:cNvPr>
+          <p:cNvSpPr txBox="1"/>
+          <p:nvPr/>
+        </p:nvSpPr>
+        <p:spPr>
+          <a:xfrm>
+            <a:off x="2175219" y="1820476"/>
+            <a:ext cx="369012" cy="369332"/>
+          </a:xfrm>
+          <a:prstGeom prst="rect">
+            <a:avLst/>
+          </a:prstGeom>
+          <a:noFill/>
+        </p:spPr>
+        <p:txBody>
+          <a:bodyPr wrap="none" rtlCol="0">
+            <a:spAutoFit/>
+          </a:bodyPr>
+          <a:lstStyle/>
+          <a:p>
+            <a:r>
+              <a:rPr lang="en-US" b="1" i="1" dirty="0">
+                <a:latin typeface="Times New Roman" panose="02020603050405020304" pitchFamily="18" charset="0"/>
+                <a:cs typeface="Times New Roman" panose="02020603050405020304" pitchFamily="18" charset="0"/>
+              </a:rPr>
+              <a:t>J</a:t>
+            </a:r>
+            <a:r>
+              <a:rPr lang="en-US" i="1" baseline="-25000" dirty="0">
+                <a:latin typeface="Times New Roman" panose="02020603050405020304" pitchFamily="18" charset="0"/>
+                <a:cs typeface="Times New Roman" panose="02020603050405020304" pitchFamily="18" charset="0"/>
+              </a:rPr>
+              <a:t>x</a:t>
+            </a:r>
+            <a:endParaRPr lang="en-US" i="1" dirty="0">
+              <a:latin typeface="Times New Roman" panose="02020603050405020304" pitchFamily="18" charset="0"/>
+              <a:cs typeface="Times New Roman" panose="02020603050405020304" pitchFamily="18" charset="0"/>
+            </a:endParaRPr>
+          </a:p>
+        </p:txBody>
+      </p:sp>
+      <p:sp>
+        <p:nvSpPr>
+          <p:cNvPr id="27" name="TextBox 26">
+            <a:extLst>
+              <a:ext uri="{FF2B5EF4-FFF2-40B4-BE49-F238E27FC236}">
+                <a16:creationId xmlns:a16="http://schemas.microsoft.com/office/drawing/2014/main" id="{CC699B97-8BA3-423B-861D-E0B20EF7F294}"/>
+              </a:ext>
+            </a:extLst>
+          </p:cNvPr>
+          <p:cNvSpPr txBox="1"/>
+          <p:nvPr/>
+        </p:nvSpPr>
+        <p:spPr>
+          <a:xfrm>
+            <a:off x="2175219" y="1338660"/>
+            <a:ext cx="369012" cy="369332"/>
+          </a:xfrm>
+          <a:prstGeom prst="rect">
+            <a:avLst/>
+          </a:prstGeom>
+          <a:noFill/>
+        </p:spPr>
+        <p:txBody>
+          <a:bodyPr wrap="none" rtlCol="0">
+            <a:spAutoFit/>
+          </a:bodyPr>
+          <a:lstStyle/>
+          <a:p>
+            <a:r>
+              <a:rPr lang="en-US" b="1" i="1" dirty="0">
+                <a:latin typeface="Times New Roman" panose="02020603050405020304" pitchFamily="18" charset="0"/>
+                <a:cs typeface="Times New Roman" panose="02020603050405020304" pitchFamily="18" charset="0"/>
+              </a:rPr>
+              <a:t>J</a:t>
+            </a:r>
+            <a:r>
+              <a:rPr lang="en-US" i="1" baseline="-25000" dirty="0">
+                <a:latin typeface="Times New Roman" panose="02020603050405020304" pitchFamily="18" charset="0"/>
+                <a:cs typeface="Times New Roman" panose="02020603050405020304" pitchFamily="18" charset="0"/>
+              </a:rPr>
+              <a:t>y</a:t>
+            </a:r>
+            <a:endParaRPr lang="en-US" i="1" dirty="0">
+              <a:latin typeface="Times New Roman" panose="02020603050405020304" pitchFamily="18" charset="0"/>
+              <a:cs typeface="Times New Roman" panose="02020603050405020304" pitchFamily="18" charset="0"/>
+            </a:endParaRPr>
+          </a:p>
+        </p:txBody>
+      </p:sp>
+      <p:sp>
+        <p:nvSpPr>
+          <p:cNvPr id="31" name="Rectangle 30">
+            <a:extLst>
+              <a:ext uri="{FF2B5EF4-FFF2-40B4-BE49-F238E27FC236}">
+                <a16:creationId xmlns:a16="http://schemas.microsoft.com/office/drawing/2014/main" id="{F5965033-EFA0-4FD4-8C95-42C42F1FA853}"/>
+              </a:ext>
+            </a:extLst>
+          </p:cNvPr>
+          <p:cNvSpPr/>
+          <p:nvPr/>
+        </p:nvSpPr>
+        <p:spPr>
+          <a:xfrm>
+            <a:off x="592186" y="1443779"/>
+            <a:ext cx="1447472" cy="962527"/>
+          </a:xfrm>
+          <a:prstGeom prst="rect">
+            <a:avLst/>
+          </a:prstGeom>
+        </p:spPr>
+        <p:style>
+          <a:lnRef idx="2">
+            <a:schemeClr val="dk1"/>
+          </a:lnRef>
+          <a:fillRef idx="1">
+            <a:schemeClr val="lt1"/>
+          </a:fillRef>
+          <a:effectRef idx="0">
+            <a:schemeClr val="dk1"/>
+          </a:effectRef>
+          <a:fontRef idx="minor">
+            <a:schemeClr val="dk1"/>
+          </a:fontRef>
+        </p:style>
+        <p:txBody>
+          <a:bodyPr rtlCol="0" anchor="ctr"/>
+          <a:lstStyle/>
+          <a:p>
+            <a:pPr algn="ctr"/>
+            <a:r>
+              <a:rPr lang="en-US" dirty="0">
+                <a:latin typeface="Times New Roman" panose="02020603050405020304" pitchFamily="18" charset="0"/>
+                <a:cs typeface="Times New Roman" panose="02020603050405020304" pitchFamily="18" charset="0"/>
+              </a:rPr>
+              <a:t>Teleoperation Input Commands</a:t>
+            </a:r>
+          </a:p>
+        </p:txBody>
+      </p:sp>
+      <p:sp>
+        <p:nvSpPr>
+          <p:cNvPr id="32" name="TextBox 31">
+            <a:extLst>
+              <a:ext uri="{FF2B5EF4-FFF2-40B4-BE49-F238E27FC236}">
+                <a16:creationId xmlns:a16="http://schemas.microsoft.com/office/drawing/2014/main" id="{BDF9EDE7-BD4F-43E2-BF5C-019BA0B54F3A}"/>
+              </a:ext>
+            </a:extLst>
+          </p:cNvPr>
+          <p:cNvSpPr txBox="1"/>
+          <p:nvPr/>
+        </p:nvSpPr>
+        <p:spPr>
+          <a:xfrm>
+            <a:off x="11274067" y="1741573"/>
+            <a:ext cx="518091" cy="369332"/>
+          </a:xfrm>
+          <a:prstGeom prst="rect">
+            <a:avLst/>
+          </a:prstGeom>
+          <a:noFill/>
+          <a:ln>
+            <a:solidFill>
+              <a:schemeClr val="dk1"/>
+            </a:solidFill>
+          </a:ln>
+        </p:spPr>
+        <p:txBody>
+          <a:bodyPr wrap="none" rtlCol="0">
+            <a:spAutoFit/>
+          </a:bodyPr>
+          <a:lstStyle/>
+          <a:p>
+            <a:r>
+              <a:rPr lang="en-US" b="1" i="1" dirty="0">
+                <a:latin typeface="Times New Roman" panose="02020603050405020304" pitchFamily="18" charset="0"/>
+                <a:cs typeface="Times New Roman" panose="02020603050405020304" pitchFamily="18" charset="0"/>
+              </a:rPr>
+              <a:t>p</a:t>
+            </a:r>
+            <a:r>
+              <a:rPr lang="en-US" dirty="0">
+                <a:latin typeface="Times New Roman" panose="02020603050405020304" pitchFamily="18" charset="0"/>
+                <a:cs typeface="Times New Roman" panose="02020603050405020304" pitchFamily="18" charset="0"/>
+              </a:rPr>
+              <a:t>(</a:t>
+            </a:r>
+            <a:r>
+              <a:rPr lang="en-US" i="1" dirty="0">
+                <a:latin typeface="Times New Roman" panose="02020603050405020304" pitchFamily="18" charset="0"/>
+                <a:cs typeface="Times New Roman" panose="02020603050405020304" pitchFamily="18" charset="0"/>
+              </a:rPr>
+              <a:t>t</a:t>
+            </a:r>
+            <a:r>
+              <a:rPr lang="en-US" dirty="0">
+                <a:latin typeface="Times New Roman" panose="02020603050405020304" pitchFamily="18" charset="0"/>
+                <a:cs typeface="Times New Roman" panose="02020603050405020304" pitchFamily="18" charset="0"/>
+              </a:rPr>
+              <a:t>)</a:t>
+            </a:r>
+          </a:p>
+        </p:txBody>
+      </p:sp>
+      <p:cxnSp>
+        <p:nvCxnSpPr>
+          <p:cNvPr id="33" name="Straight Arrow Connector 32">
+            <a:extLst>
+              <a:ext uri="{FF2B5EF4-FFF2-40B4-BE49-F238E27FC236}">
+                <a16:creationId xmlns:a16="http://schemas.microsoft.com/office/drawing/2014/main" id="{64F208AD-96D6-48C4-8C90-250E55E72CB0}"/>
+              </a:ext>
+            </a:extLst>
+          </p:cNvPr>
+          <p:cNvCxnSpPr>
+            <a:cxnSpLocks/>
+            <a:endCxn id="32" idx="1"/>
+          </p:cNvCxnSpPr>
+          <p:nvPr/>
+        </p:nvCxnSpPr>
+        <p:spPr>
+          <a:xfrm>
+            <a:off x="10972798" y="1925044"/>
+            <a:ext cx="301269" cy="1195"/>
+          </a:xfrm>
+          <a:prstGeom prst="straightConnector1">
+            <a:avLst/>
+          </a:prstGeom>
+          <a:ln w="9525">
+            <a:tailEnd type="triangle" w="lg" len="lg"/>
+          </a:ln>
+        </p:spPr>
+        <p:style>
+          <a:lnRef idx="1">
+            <a:schemeClr val="dk1"/>
+          </a:lnRef>
+          <a:fillRef idx="0">
+            <a:schemeClr val="dk1"/>
+          </a:fillRef>
+          <a:effectRef idx="0">
+            <a:schemeClr val="dk1"/>
+          </a:effectRef>
+          <a:fontRef idx="minor">
+            <a:schemeClr val="tx1"/>
+          </a:fontRef>
+        </p:style>
+      </p:cxnSp>
+    </p:spTree>
+    <p:extLst>
+      <p:ext uri="{BB962C8B-B14F-4D97-AF65-F5344CB8AC3E}">
+        <p14:creationId xmlns:p14="http://schemas.microsoft.com/office/powerpoint/2010/main" val="3020414285"/>
+      </p:ext>
+    </p:extLst>
+  </p:cSld>
+  <p:clrMapOvr>
+    <a:masterClrMapping/>
+  </p:clrMapOvr>
+</p:sld>
+</file>
+
+<file path=ppt/slides/slide5.xml><?xml version="1.0" encoding="utf-8"?>
+<p:sld xmlns:a="http://schemas.openxmlformats.org/drawingml/2006/main" xmlns:r="http://schemas.openxmlformats.org/officeDocument/2006/relationships" xmlns:p="http://schemas.openxmlformats.org/presentationml/2006/main">
+  <p:cSld>
+    <p:spTree>
+      <p:nvGrpSpPr>
+        <p:cNvPr id="1" name=""/>
+        <p:cNvGrpSpPr/>
+        <p:nvPr/>
+      </p:nvGrpSpPr>
+      <p:grpSpPr>
+        <a:xfrm>
+          <a:off x="0" y="0"/>
+          <a:ext cx="0" cy="0"/>
+          <a:chOff x="0" y="0"/>
+          <a:chExt cx="0" cy="0"/>
+        </a:xfrm>
+      </p:grpSpPr>
+      <p:sp>
+        <p:nvSpPr>
+          <p:cNvPr id="2" name="Rectangle 1">
+            <a:extLst>
+              <a:ext uri="{FF2B5EF4-FFF2-40B4-BE49-F238E27FC236}">
+                <a16:creationId xmlns:a16="http://schemas.microsoft.com/office/drawing/2014/main" id="{D27FEE64-474D-476C-8C81-064830D400BB}"/>
+              </a:ext>
+            </a:extLst>
+          </p:cNvPr>
+          <p:cNvSpPr/>
+          <p:nvPr/>
+        </p:nvSpPr>
+        <p:spPr>
+          <a:xfrm>
+            <a:off x="2791376" y="879566"/>
+            <a:ext cx="8181422" cy="1979247"/>
+          </a:xfrm>
+          <a:prstGeom prst="rect">
+            <a:avLst/>
+          </a:prstGeom>
+          <a:solidFill>
+            <a:schemeClr val="accent3">
+              <a:lumMod val="20000"/>
+              <a:lumOff val="80000"/>
+              <a:alpha val="43000"/>
+            </a:schemeClr>
+          </a:solidFill>
+        </p:spPr>
+        <p:style>
+          <a:lnRef idx="2">
+            <a:schemeClr val="dk1"/>
+          </a:lnRef>
+          <a:fillRef idx="1">
+            <a:schemeClr val="lt1"/>
+          </a:fillRef>
+          <a:effectRef idx="0">
+            <a:schemeClr val="dk1"/>
+          </a:effectRef>
+          <a:fontRef idx="minor">
+            <a:schemeClr val="dk1"/>
+          </a:fontRef>
+        </p:style>
+        <p:txBody>
+          <a:bodyPr rtlCol="0" anchor="ctr"/>
+          <a:lstStyle/>
+          <a:p>
+            <a:pPr algn="ctr"/>
+            <a:endParaRPr lang="en-US"/>
+          </a:p>
+        </p:txBody>
+      </p:sp>
+      <p:sp>
+        <p:nvSpPr>
+          <p:cNvPr id="5" name="Rectangle 4">
+            <a:extLst>
+              <a:ext uri="{FF2B5EF4-FFF2-40B4-BE49-F238E27FC236}">
+                <a16:creationId xmlns:a16="http://schemas.microsoft.com/office/drawing/2014/main" id="{0B48700A-CC5A-416F-B30A-8A3BEE18382A}"/>
+              </a:ext>
+            </a:extLst>
+          </p:cNvPr>
+          <p:cNvSpPr/>
+          <p:nvPr/>
+        </p:nvSpPr>
+        <p:spPr>
+          <a:xfrm>
+            <a:off x="2975989" y="1443785"/>
+            <a:ext cx="1383632" cy="962527"/>
+          </a:xfrm>
+          <a:prstGeom prst="rect">
+            <a:avLst/>
+          </a:prstGeom>
+        </p:spPr>
+        <p:style>
+          <a:lnRef idx="2">
+            <a:schemeClr val="dk1"/>
+          </a:lnRef>
+          <a:fillRef idx="1">
+            <a:schemeClr val="lt1"/>
+          </a:fillRef>
+          <a:effectRef idx="0">
+            <a:schemeClr val="dk1"/>
+          </a:effectRef>
+          <a:fontRef idx="minor">
+            <a:schemeClr val="dk1"/>
+          </a:fontRef>
+        </p:style>
+        <p:txBody>
+          <a:bodyPr rtlCol="0" anchor="ctr"/>
+          <a:lstStyle/>
+          <a:p>
+            <a:pPr algn="ctr"/>
+            <a:r>
+              <a:rPr lang="en-US" dirty="0">
+                <a:latin typeface="Times New Roman" panose="02020603050405020304" pitchFamily="18" charset="0"/>
+                <a:cs typeface="Times New Roman" panose="02020603050405020304" pitchFamily="18" charset="0"/>
+              </a:rPr>
+              <a:t>Low Level Control</a:t>
+            </a:r>
+          </a:p>
+        </p:txBody>
+      </p:sp>
+      <p:sp>
+        <p:nvSpPr>
+          <p:cNvPr id="6" name="Rectangle 5">
+            <a:extLst>
+              <a:ext uri="{FF2B5EF4-FFF2-40B4-BE49-F238E27FC236}">
+                <a16:creationId xmlns:a16="http://schemas.microsoft.com/office/drawing/2014/main" id="{2E075DD2-942E-4AA0-BB94-0A9F8B4E29D9}"/>
+              </a:ext>
+            </a:extLst>
+          </p:cNvPr>
+          <p:cNvSpPr/>
+          <p:nvPr/>
+        </p:nvSpPr>
+        <p:spPr>
+          <a:xfrm>
+            <a:off x="5308692" y="1443784"/>
+            <a:ext cx="1190210" cy="962527"/>
+          </a:xfrm>
+          <a:prstGeom prst="rect">
+            <a:avLst/>
+          </a:prstGeom>
+        </p:spPr>
+        <p:style>
+          <a:lnRef idx="2">
+            <a:schemeClr val="dk1"/>
+          </a:lnRef>
+          <a:fillRef idx="1">
+            <a:schemeClr val="lt1"/>
+          </a:fillRef>
+          <a:effectRef idx="0">
+            <a:schemeClr val="dk1"/>
+          </a:effectRef>
+          <a:fontRef idx="minor">
+            <a:schemeClr val="dk1"/>
+          </a:fontRef>
+        </p:style>
+        <p:txBody>
+          <a:bodyPr rtlCol="0" anchor="ctr"/>
+          <a:lstStyle/>
+          <a:p>
+            <a:pPr algn="ctr"/>
+            <a:r>
+              <a:rPr lang="en-US" dirty="0">
+                <a:latin typeface="Times New Roman" panose="02020603050405020304" pitchFamily="18" charset="0"/>
+                <a:cs typeface="Times New Roman" panose="02020603050405020304" pitchFamily="18" charset="0"/>
+              </a:rPr>
+              <a:t>Attitude Control</a:t>
+            </a:r>
+          </a:p>
+        </p:txBody>
+      </p:sp>
+      <p:sp>
+        <p:nvSpPr>
+          <p:cNvPr id="7" name="Rectangle 6">
+            <a:extLst>
+              <a:ext uri="{FF2B5EF4-FFF2-40B4-BE49-F238E27FC236}">
+                <a16:creationId xmlns:a16="http://schemas.microsoft.com/office/drawing/2014/main" id="{E242D4D6-3033-433D-B16B-545A8C4FC87A}"/>
+              </a:ext>
+            </a:extLst>
+          </p:cNvPr>
+          <p:cNvSpPr/>
+          <p:nvPr/>
+        </p:nvSpPr>
+        <p:spPr>
+          <a:xfrm>
+            <a:off x="7254551" y="1443783"/>
+            <a:ext cx="1383632" cy="962527"/>
+          </a:xfrm>
+          <a:prstGeom prst="rect">
+            <a:avLst/>
+          </a:prstGeom>
+        </p:spPr>
+        <p:style>
+          <a:lnRef idx="2">
+            <a:schemeClr val="dk1"/>
+          </a:lnRef>
+          <a:fillRef idx="1">
+            <a:schemeClr val="lt1"/>
+          </a:fillRef>
+          <a:effectRef idx="0">
+            <a:schemeClr val="dk1"/>
+          </a:effectRef>
+          <a:fontRef idx="minor">
+            <a:schemeClr val="dk1"/>
+          </a:fontRef>
+        </p:style>
+        <p:txBody>
+          <a:bodyPr rtlCol="0" anchor="ctr"/>
+          <a:lstStyle/>
+          <a:p>
+            <a:pPr algn="ctr"/>
+            <a:r>
+              <a:rPr lang="en-US" dirty="0">
+                <a:latin typeface="Times New Roman" panose="02020603050405020304" pitchFamily="18" charset="0"/>
+                <a:cs typeface="Times New Roman" panose="02020603050405020304" pitchFamily="18" charset="0"/>
+              </a:rPr>
+              <a:t>Motor Dynamics</a:t>
+            </a:r>
+          </a:p>
+        </p:txBody>
+      </p:sp>
+      <p:sp>
+        <p:nvSpPr>
+          <p:cNvPr id="8" name="Rectangle 7">
+            <a:extLst>
+              <a:ext uri="{FF2B5EF4-FFF2-40B4-BE49-F238E27FC236}">
+                <a16:creationId xmlns:a16="http://schemas.microsoft.com/office/drawing/2014/main" id="{E8839FF8-A8F0-40AC-A495-42157B378CC4}"/>
+              </a:ext>
+            </a:extLst>
+          </p:cNvPr>
+          <p:cNvSpPr/>
+          <p:nvPr/>
+        </p:nvSpPr>
+        <p:spPr>
+          <a:xfrm>
+            <a:off x="9393832" y="1443782"/>
+            <a:ext cx="1383632" cy="962527"/>
+          </a:xfrm>
+          <a:prstGeom prst="rect">
+            <a:avLst/>
+          </a:prstGeom>
+        </p:spPr>
+        <p:style>
+          <a:lnRef idx="2">
+            <a:schemeClr val="dk1"/>
+          </a:lnRef>
+          <a:fillRef idx="1">
+            <a:schemeClr val="lt1"/>
+          </a:fillRef>
+          <a:effectRef idx="0">
+            <a:schemeClr val="dk1"/>
+          </a:effectRef>
+          <a:fontRef idx="minor">
+            <a:schemeClr val="dk1"/>
+          </a:fontRef>
+        </p:style>
+        <p:txBody>
+          <a:bodyPr rtlCol="0" anchor="ctr"/>
+          <a:lstStyle/>
+          <a:p>
+            <a:pPr algn="ctr"/>
+            <a:r>
+              <a:rPr lang="en-US" dirty="0">
+                <a:latin typeface="Times New Roman" panose="02020603050405020304" pitchFamily="18" charset="0"/>
+                <a:cs typeface="Times New Roman" panose="02020603050405020304" pitchFamily="18" charset="0"/>
+              </a:rPr>
+              <a:t>Quadrotor Body Dynamics</a:t>
+            </a:r>
+          </a:p>
+        </p:txBody>
+      </p:sp>
+      <p:cxnSp>
+        <p:nvCxnSpPr>
+          <p:cNvPr id="10" name="Straight Arrow Connector 9">
+            <a:extLst>
+              <a:ext uri="{FF2B5EF4-FFF2-40B4-BE49-F238E27FC236}">
+                <a16:creationId xmlns:a16="http://schemas.microsoft.com/office/drawing/2014/main" id="{33879D10-61CB-4775-9357-C490F58BD118}"/>
+              </a:ext>
+            </a:extLst>
+          </p:cNvPr>
+          <p:cNvCxnSpPr>
+            <a:cxnSpLocks/>
+            <a:stCxn id="7" idx="3"/>
+            <a:endCxn id="8" idx="1"/>
+          </p:cNvCxnSpPr>
+          <p:nvPr/>
+        </p:nvCxnSpPr>
+        <p:spPr>
+          <a:xfrm flipV="1">
+            <a:off x="8638183" y="1925046"/>
+            <a:ext cx="755649" cy="1"/>
+          </a:xfrm>
+          <a:prstGeom prst="straightConnector1">
+            <a:avLst/>
+          </a:prstGeom>
+          <a:ln w="9525">
+            <a:tailEnd type="triangle" w="lg" len="lg"/>
+          </a:ln>
+        </p:spPr>
+        <p:style>
+          <a:lnRef idx="1">
+            <a:schemeClr val="dk1"/>
+          </a:lnRef>
+          <a:fillRef idx="0">
+            <a:schemeClr val="dk1"/>
+          </a:fillRef>
+          <a:effectRef idx="0">
+            <a:schemeClr val="dk1"/>
+          </a:effectRef>
+          <a:fontRef idx="minor">
+            <a:schemeClr val="tx1"/>
+          </a:fontRef>
+        </p:style>
+      </p:cxnSp>
+      <p:cxnSp>
+        <p:nvCxnSpPr>
+          <p:cNvPr id="12" name="Straight Arrow Connector 11">
+            <a:extLst>
+              <a:ext uri="{FF2B5EF4-FFF2-40B4-BE49-F238E27FC236}">
+                <a16:creationId xmlns:a16="http://schemas.microsoft.com/office/drawing/2014/main" id="{7C07CD14-C8AA-4DF9-9E9E-61E6CDD94959}"/>
+              </a:ext>
+            </a:extLst>
+          </p:cNvPr>
+          <p:cNvCxnSpPr>
+            <a:cxnSpLocks/>
+          </p:cNvCxnSpPr>
+          <p:nvPr/>
+        </p:nvCxnSpPr>
+        <p:spPr>
+          <a:xfrm flipV="1">
+            <a:off x="6498902" y="1925044"/>
+            <a:ext cx="755649" cy="1"/>
+          </a:xfrm>
+          <a:prstGeom prst="straightConnector1">
+            <a:avLst/>
+          </a:prstGeom>
+          <a:ln w="9525">
+            <a:tailEnd type="triangle" w="lg" len="lg"/>
+          </a:ln>
+        </p:spPr>
+        <p:style>
+          <a:lnRef idx="1">
+            <a:schemeClr val="dk1"/>
+          </a:lnRef>
+          <a:fillRef idx="0">
+            <a:schemeClr val="dk1"/>
+          </a:fillRef>
+          <a:effectRef idx="0">
+            <a:schemeClr val="dk1"/>
+          </a:effectRef>
+          <a:fontRef idx="minor">
+            <a:schemeClr val="tx1"/>
+          </a:fontRef>
+        </p:style>
+      </p:cxnSp>
+      <p:cxnSp>
+        <p:nvCxnSpPr>
+          <p:cNvPr id="14" name="Straight Arrow Connector 13">
+            <a:extLst>
+              <a:ext uri="{FF2B5EF4-FFF2-40B4-BE49-F238E27FC236}">
+                <a16:creationId xmlns:a16="http://schemas.microsoft.com/office/drawing/2014/main" id="{4BA7E1F9-265F-4477-99FB-834FBA844EC1}"/>
+              </a:ext>
+            </a:extLst>
+          </p:cNvPr>
+          <p:cNvCxnSpPr>
+            <a:cxnSpLocks/>
+          </p:cNvCxnSpPr>
+          <p:nvPr/>
+        </p:nvCxnSpPr>
+        <p:spPr>
+          <a:xfrm flipV="1">
+            <a:off x="2039658" y="1709143"/>
+            <a:ext cx="755649" cy="1"/>
+          </a:xfrm>
+          <a:prstGeom prst="straightConnector1">
+            <a:avLst/>
+          </a:prstGeom>
+          <a:ln w="9525">
+            <a:tailEnd type="triangle" w="lg" len="lg"/>
+          </a:ln>
+        </p:spPr>
+        <p:style>
+          <a:lnRef idx="1">
+            <a:schemeClr val="dk1"/>
+          </a:lnRef>
+          <a:fillRef idx="0">
+            <a:schemeClr val="dk1"/>
+          </a:fillRef>
+          <a:effectRef idx="0">
+            <a:schemeClr val="dk1"/>
+          </a:effectRef>
+          <a:fontRef idx="minor">
+            <a:schemeClr val="tx1"/>
+          </a:fontRef>
+        </p:style>
+      </p:cxnSp>
+      <p:cxnSp>
+        <p:nvCxnSpPr>
+          <p:cNvPr id="17" name="Straight Arrow Connector 16">
+            <a:extLst>
+              <a:ext uri="{FF2B5EF4-FFF2-40B4-BE49-F238E27FC236}">
+                <a16:creationId xmlns:a16="http://schemas.microsoft.com/office/drawing/2014/main" id="{C3459528-8E4D-4D84-892B-9CE461BD1619}"/>
+              </a:ext>
+            </a:extLst>
+          </p:cNvPr>
+          <p:cNvCxnSpPr>
+            <a:cxnSpLocks/>
+          </p:cNvCxnSpPr>
+          <p:nvPr/>
+        </p:nvCxnSpPr>
+        <p:spPr>
+          <a:xfrm flipV="1">
+            <a:off x="4359621" y="1928021"/>
+            <a:ext cx="945604" cy="1154"/>
+          </a:xfrm>
+          <a:prstGeom prst="straightConnector1">
+            <a:avLst/>
+          </a:prstGeom>
+          <a:ln w="9525">
+            <a:tailEnd type="triangle" w="lg" len="lg"/>
+          </a:ln>
+        </p:spPr>
+        <p:style>
+          <a:lnRef idx="1">
+            <a:schemeClr val="dk1"/>
+          </a:lnRef>
+          <a:fillRef idx="0">
+            <a:schemeClr val="dk1"/>
+          </a:fillRef>
+          <a:effectRef idx="0">
+            <a:schemeClr val="dk1"/>
+          </a:effectRef>
+          <a:fontRef idx="minor">
+            <a:schemeClr val="tx1"/>
+          </a:fontRef>
+        </p:style>
+      </p:cxnSp>
+      <p:cxnSp>
+        <p:nvCxnSpPr>
+          <p:cNvPr id="21" name="Straight Arrow Connector 20">
+            <a:extLst>
+              <a:ext uri="{FF2B5EF4-FFF2-40B4-BE49-F238E27FC236}">
+                <a16:creationId xmlns:a16="http://schemas.microsoft.com/office/drawing/2014/main" id="{1EEA48F2-1F5F-4646-9637-FC32FF73E600}"/>
+              </a:ext>
+            </a:extLst>
+          </p:cNvPr>
+          <p:cNvCxnSpPr>
+            <a:cxnSpLocks/>
+          </p:cNvCxnSpPr>
+          <p:nvPr/>
+        </p:nvCxnSpPr>
+        <p:spPr>
+          <a:xfrm flipV="1">
+            <a:off x="2035272" y="2173187"/>
+            <a:ext cx="755649" cy="1"/>
+          </a:xfrm>
+          <a:prstGeom prst="straightConnector1">
+            <a:avLst/>
+          </a:prstGeom>
+          <a:ln w="9525">
+            <a:tailEnd type="triangle" w="lg" len="lg"/>
+          </a:ln>
+        </p:spPr>
+        <p:style>
+          <a:lnRef idx="1">
+            <a:schemeClr val="dk1"/>
+          </a:lnRef>
+          <a:fillRef idx="0">
+            <a:schemeClr val="dk1"/>
+          </a:fillRef>
+          <a:effectRef idx="0">
+            <a:schemeClr val="dk1"/>
+          </a:effectRef>
+          <a:fontRef idx="minor">
+            <a:schemeClr val="tx1"/>
+          </a:fontRef>
+        </p:style>
+      </p:cxnSp>
+      <p:sp>
+        <p:nvSpPr>
+          <p:cNvPr id="25" name="TextBox 24">
+            <a:extLst>
+              <a:ext uri="{FF2B5EF4-FFF2-40B4-BE49-F238E27FC236}">
+                <a16:creationId xmlns:a16="http://schemas.microsoft.com/office/drawing/2014/main" id="{F5617655-64E5-4342-9CFB-F38121851FE0}"/>
+              </a:ext>
+            </a:extLst>
+          </p:cNvPr>
+          <p:cNvSpPr txBox="1"/>
+          <p:nvPr/>
+        </p:nvSpPr>
+        <p:spPr>
+          <a:xfrm>
+            <a:off x="2175219" y="1820476"/>
+            <a:ext cx="369012" cy="369332"/>
+          </a:xfrm>
+          <a:prstGeom prst="rect">
+            <a:avLst/>
+          </a:prstGeom>
+          <a:noFill/>
+        </p:spPr>
+        <p:txBody>
+          <a:bodyPr wrap="none" rtlCol="0">
+            <a:spAutoFit/>
+          </a:bodyPr>
+          <a:lstStyle/>
+          <a:p>
+            <a:r>
+              <a:rPr lang="en-US" b="1" i="1" dirty="0">
+                <a:latin typeface="Times New Roman" panose="02020603050405020304" pitchFamily="18" charset="0"/>
+                <a:cs typeface="Times New Roman" panose="02020603050405020304" pitchFamily="18" charset="0"/>
+              </a:rPr>
+              <a:t>J</a:t>
+            </a:r>
+            <a:r>
+              <a:rPr lang="en-US" i="1" baseline="-25000" dirty="0">
+                <a:latin typeface="Times New Roman" panose="02020603050405020304" pitchFamily="18" charset="0"/>
+                <a:cs typeface="Times New Roman" panose="02020603050405020304" pitchFamily="18" charset="0"/>
+              </a:rPr>
+              <a:t>x</a:t>
+            </a:r>
+            <a:endParaRPr lang="en-US" i="1" dirty="0">
+              <a:latin typeface="Times New Roman" panose="02020603050405020304" pitchFamily="18" charset="0"/>
+              <a:cs typeface="Times New Roman" panose="02020603050405020304" pitchFamily="18" charset="0"/>
+            </a:endParaRPr>
+          </a:p>
+        </p:txBody>
+      </p:sp>
+      <p:sp>
+        <p:nvSpPr>
+          <p:cNvPr id="27" name="TextBox 26">
+            <a:extLst>
+              <a:ext uri="{FF2B5EF4-FFF2-40B4-BE49-F238E27FC236}">
+                <a16:creationId xmlns:a16="http://schemas.microsoft.com/office/drawing/2014/main" id="{CC699B97-8BA3-423B-861D-E0B20EF7F294}"/>
+              </a:ext>
+            </a:extLst>
+          </p:cNvPr>
+          <p:cNvSpPr txBox="1"/>
+          <p:nvPr/>
+        </p:nvSpPr>
+        <p:spPr>
+          <a:xfrm>
+            <a:off x="2175219" y="1338660"/>
+            <a:ext cx="369012" cy="369332"/>
+          </a:xfrm>
+          <a:prstGeom prst="rect">
+            <a:avLst/>
+          </a:prstGeom>
+          <a:noFill/>
+        </p:spPr>
+        <p:txBody>
+          <a:bodyPr wrap="none" rtlCol="0">
+            <a:spAutoFit/>
+          </a:bodyPr>
+          <a:lstStyle/>
+          <a:p>
+            <a:r>
+              <a:rPr lang="en-US" b="1" i="1" dirty="0">
+                <a:latin typeface="Times New Roman" panose="02020603050405020304" pitchFamily="18" charset="0"/>
+                <a:cs typeface="Times New Roman" panose="02020603050405020304" pitchFamily="18" charset="0"/>
+              </a:rPr>
+              <a:t>J</a:t>
+            </a:r>
+            <a:r>
+              <a:rPr lang="en-US" i="1" baseline="-25000" dirty="0">
+                <a:latin typeface="Times New Roman" panose="02020603050405020304" pitchFamily="18" charset="0"/>
+                <a:cs typeface="Times New Roman" panose="02020603050405020304" pitchFamily="18" charset="0"/>
+              </a:rPr>
+              <a:t>y</a:t>
+            </a:r>
+            <a:endParaRPr lang="en-US" i="1" dirty="0">
+              <a:latin typeface="Times New Roman" panose="02020603050405020304" pitchFamily="18" charset="0"/>
+              <a:cs typeface="Times New Roman" panose="02020603050405020304" pitchFamily="18" charset="0"/>
+            </a:endParaRPr>
+          </a:p>
+        </p:txBody>
+      </p:sp>
+      <p:sp>
+        <p:nvSpPr>
+          <p:cNvPr id="31" name="Rectangle 30">
+            <a:extLst>
+              <a:ext uri="{FF2B5EF4-FFF2-40B4-BE49-F238E27FC236}">
+                <a16:creationId xmlns:a16="http://schemas.microsoft.com/office/drawing/2014/main" id="{F5965033-EFA0-4FD4-8C95-42C42F1FA853}"/>
+              </a:ext>
+            </a:extLst>
+          </p:cNvPr>
+          <p:cNvSpPr/>
+          <p:nvPr/>
+        </p:nvSpPr>
+        <p:spPr>
+          <a:xfrm>
+            <a:off x="592186" y="1443779"/>
+            <a:ext cx="1447472" cy="962527"/>
+          </a:xfrm>
+          <a:prstGeom prst="rect">
+            <a:avLst/>
+          </a:prstGeom>
+        </p:spPr>
+        <p:style>
+          <a:lnRef idx="2">
+            <a:schemeClr val="dk1"/>
+          </a:lnRef>
+          <a:fillRef idx="1">
+            <a:schemeClr val="lt1"/>
+          </a:fillRef>
+          <a:effectRef idx="0">
+            <a:schemeClr val="dk1"/>
+          </a:effectRef>
+          <a:fontRef idx="minor">
+            <a:schemeClr val="dk1"/>
+          </a:fontRef>
+        </p:style>
+        <p:txBody>
+          <a:bodyPr rtlCol="0" anchor="ctr"/>
+          <a:lstStyle/>
+          <a:p>
+            <a:pPr algn="ctr"/>
+            <a:r>
+              <a:rPr lang="en-US" dirty="0">
+                <a:latin typeface="Times New Roman" panose="02020603050405020304" pitchFamily="18" charset="0"/>
+                <a:cs typeface="Times New Roman" panose="02020603050405020304" pitchFamily="18" charset="0"/>
+              </a:rPr>
+              <a:t>Teleoperation Input Commands</a:t>
+            </a:r>
+          </a:p>
+        </p:txBody>
+      </p:sp>
+      <p:sp>
+        <p:nvSpPr>
+          <p:cNvPr id="32" name="TextBox 31">
+            <a:extLst>
+              <a:ext uri="{FF2B5EF4-FFF2-40B4-BE49-F238E27FC236}">
+                <a16:creationId xmlns:a16="http://schemas.microsoft.com/office/drawing/2014/main" id="{BDF9EDE7-BD4F-43E2-BF5C-019BA0B54F3A}"/>
+              </a:ext>
+            </a:extLst>
+          </p:cNvPr>
+          <p:cNvSpPr txBox="1"/>
+          <p:nvPr/>
+        </p:nvSpPr>
+        <p:spPr>
+          <a:xfrm>
+            <a:off x="11274067" y="1741573"/>
+            <a:ext cx="518091" cy="369332"/>
+          </a:xfrm>
+          <a:prstGeom prst="rect">
+            <a:avLst/>
+          </a:prstGeom>
+          <a:noFill/>
+          <a:ln>
+            <a:solidFill>
+              <a:schemeClr val="dk1"/>
+            </a:solidFill>
+          </a:ln>
+        </p:spPr>
+        <p:txBody>
+          <a:bodyPr wrap="none" rtlCol="0">
+            <a:spAutoFit/>
+          </a:bodyPr>
+          <a:lstStyle/>
+          <a:p>
+            <a:r>
+              <a:rPr lang="en-US" b="1" i="1" dirty="0">
+                <a:latin typeface="Times New Roman" panose="02020603050405020304" pitchFamily="18" charset="0"/>
+                <a:cs typeface="Times New Roman" panose="02020603050405020304" pitchFamily="18" charset="0"/>
+              </a:rPr>
+              <a:t>p</a:t>
+            </a:r>
+            <a:r>
+              <a:rPr lang="en-US" dirty="0">
+                <a:latin typeface="Times New Roman" panose="02020603050405020304" pitchFamily="18" charset="0"/>
+                <a:cs typeface="Times New Roman" panose="02020603050405020304" pitchFamily="18" charset="0"/>
+              </a:rPr>
+              <a:t>(</a:t>
+            </a:r>
+            <a:r>
+              <a:rPr lang="en-US" i="1" dirty="0">
+                <a:latin typeface="Times New Roman" panose="02020603050405020304" pitchFamily="18" charset="0"/>
+                <a:cs typeface="Times New Roman" panose="02020603050405020304" pitchFamily="18" charset="0"/>
+              </a:rPr>
+              <a:t>t</a:t>
+            </a:r>
+            <a:r>
+              <a:rPr lang="en-US" dirty="0">
+                <a:latin typeface="Times New Roman" panose="02020603050405020304" pitchFamily="18" charset="0"/>
+                <a:cs typeface="Times New Roman" panose="02020603050405020304" pitchFamily="18" charset="0"/>
+              </a:rPr>
+              <a:t>)</a:t>
+            </a:r>
+          </a:p>
+        </p:txBody>
+      </p:sp>
+      <p:cxnSp>
+        <p:nvCxnSpPr>
+          <p:cNvPr id="33" name="Straight Arrow Connector 32">
+            <a:extLst>
+              <a:ext uri="{FF2B5EF4-FFF2-40B4-BE49-F238E27FC236}">
+                <a16:creationId xmlns:a16="http://schemas.microsoft.com/office/drawing/2014/main" id="{64F208AD-96D6-48C4-8C90-250E55E72CB0}"/>
+              </a:ext>
+            </a:extLst>
+          </p:cNvPr>
+          <p:cNvCxnSpPr>
+            <a:cxnSpLocks/>
+            <a:endCxn id="32" idx="1"/>
+          </p:cNvCxnSpPr>
+          <p:nvPr/>
+        </p:nvCxnSpPr>
+        <p:spPr>
+          <a:xfrm>
+            <a:off x="10972798" y="1925044"/>
+            <a:ext cx="301269" cy="1195"/>
+          </a:xfrm>
+          <a:prstGeom prst="straightConnector1">
+            <a:avLst/>
+          </a:prstGeom>
+          <a:ln w="9525">
+            <a:tailEnd type="triangle" w="lg" len="lg"/>
+          </a:ln>
+        </p:spPr>
+        <p:style>
+          <a:lnRef idx="1">
+            <a:schemeClr val="dk1"/>
+          </a:lnRef>
+          <a:fillRef idx="0">
+            <a:schemeClr val="dk1"/>
+          </a:fillRef>
+          <a:effectRef idx="0">
+            <a:schemeClr val="dk1"/>
+          </a:effectRef>
+          <a:fontRef idx="minor">
+            <a:schemeClr val="tx1"/>
+          </a:fontRef>
+        </p:style>
+      </p:cxnSp>
+    </p:spTree>
+    <p:extLst>
+      <p:ext uri="{BB962C8B-B14F-4D97-AF65-F5344CB8AC3E}">
+        <p14:creationId xmlns:p14="http://schemas.microsoft.com/office/powerpoint/2010/main" val="2851410350"/>
       </p:ext>
     </p:extLst>
   </p:cSld>

--- a/images/blocks.pptx
+++ b/images/blocks.pptx
@@ -1819,7 +1819,7 @@
           <p:cNvPr id="2" name="Title 1">
             <a:extLst>
               <a:ext uri="{FF2B5EF4-FFF2-40B4-BE49-F238E27FC236}">
-                <a16:creationId xmlns:a16="http://schemas.microsoft.com/office/drawing/2014/main" id="{37F28BB3-7D39-4D2F-AF90-C7157E658595}"/>
+                <a16:creationId xmlns:a16="http://schemas.microsoft.com/office/drawing/2014/main" xmlns="" id="{37F28BB3-7D39-4D2F-AF90-C7157E658595}"/>
               </a:ext>
             </a:extLst>
           </p:cNvPr>
@@ -1856,7 +1856,7 @@
           <p:cNvPr id="3" name="Subtitle 2">
             <a:extLst>
               <a:ext uri="{FF2B5EF4-FFF2-40B4-BE49-F238E27FC236}">
-                <a16:creationId xmlns:a16="http://schemas.microsoft.com/office/drawing/2014/main" id="{8F2C8932-6FBD-4A1F-B60D-5FD75C3E5B1C}"/>
+                <a16:creationId xmlns:a16="http://schemas.microsoft.com/office/drawing/2014/main" xmlns="" id="{8F2C8932-6FBD-4A1F-B60D-5FD75C3E5B1C}"/>
               </a:ext>
             </a:extLst>
           </p:cNvPr>
@@ -1926,7 +1926,7 @@
           <p:cNvPr id="4" name="Date Placeholder 3">
             <a:extLst>
               <a:ext uri="{FF2B5EF4-FFF2-40B4-BE49-F238E27FC236}">
-                <a16:creationId xmlns:a16="http://schemas.microsoft.com/office/drawing/2014/main" id="{100F5A77-957C-4DD3-B427-4888441216C2}"/>
+                <a16:creationId xmlns:a16="http://schemas.microsoft.com/office/drawing/2014/main" xmlns="" id="{100F5A77-957C-4DD3-B427-4888441216C2}"/>
               </a:ext>
             </a:extLst>
           </p:cNvPr>
@@ -1944,7 +1944,7 @@
           <a:p>
             <a:fld id="{867BF435-8069-48E5-9C04-75840B59FFBF}" type="datetimeFigureOut">
               <a:rPr lang="en-US" smtClean="0"/>
-              <a:t>3/3/2019</a:t>
+              <a:t>3/3/19</a:t>
             </a:fld>
             <a:endParaRPr lang="en-US"/>
           </a:p>
@@ -1955,7 +1955,7 @@
           <p:cNvPr id="5" name="Footer Placeholder 4">
             <a:extLst>
               <a:ext uri="{FF2B5EF4-FFF2-40B4-BE49-F238E27FC236}">
-                <a16:creationId xmlns:a16="http://schemas.microsoft.com/office/drawing/2014/main" id="{AC1FA7C0-2C01-46FF-9DBD-898CA19C3808}"/>
+                <a16:creationId xmlns:a16="http://schemas.microsoft.com/office/drawing/2014/main" xmlns="" id="{AC1FA7C0-2C01-46FF-9DBD-898CA19C3808}"/>
               </a:ext>
             </a:extLst>
           </p:cNvPr>
@@ -1980,7 +1980,7 @@
           <p:cNvPr id="6" name="Slide Number Placeholder 5">
             <a:extLst>
               <a:ext uri="{FF2B5EF4-FFF2-40B4-BE49-F238E27FC236}">
-                <a16:creationId xmlns:a16="http://schemas.microsoft.com/office/drawing/2014/main" id="{C179152B-92D3-45E0-B903-C1C2267C3B80}"/>
+                <a16:creationId xmlns:a16="http://schemas.microsoft.com/office/drawing/2014/main" xmlns="" id="{C179152B-92D3-45E0-B903-C1C2267C3B80}"/>
               </a:ext>
             </a:extLst>
           </p:cNvPr>
@@ -2039,7 +2039,7 @@
           <p:cNvPr id="2" name="Title 1">
             <a:extLst>
               <a:ext uri="{FF2B5EF4-FFF2-40B4-BE49-F238E27FC236}">
-                <a16:creationId xmlns:a16="http://schemas.microsoft.com/office/drawing/2014/main" id="{4F953716-A705-441D-9DB7-6B9AAC7A4C8D}"/>
+                <a16:creationId xmlns:a16="http://schemas.microsoft.com/office/drawing/2014/main" xmlns="" id="{4F953716-A705-441D-9DB7-6B9AAC7A4C8D}"/>
               </a:ext>
             </a:extLst>
           </p:cNvPr>
@@ -2067,7 +2067,7 @@
           <p:cNvPr id="3" name="Vertical Text Placeholder 2">
             <a:extLst>
               <a:ext uri="{FF2B5EF4-FFF2-40B4-BE49-F238E27FC236}">
-                <a16:creationId xmlns:a16="http://schemas.microsoft.com/office/drawing/2014/main" id="{288BE39B-3E49-4443-A154-4533C1E0082B}"/>
+                <a16:creationId xmlns:a16="http://schemas.microsoft.com/office/drawing/2014/main" xmlns="" id="{288BE39B-3E49-4443-A154-4533C1E0082B}"/>
               </a:ext>
             </a:extLst>
           </p:cNvPr>
@@ -2124,7 +2124,7 @@
           <p:cNvPr id="4" name="Date Placeholder 3">
             <a:extLst>
               <a:ext uri="{FF2B5EF4-FFF2-40B4-BE49-F238E27FC236}">
-                <a16:creationId xmlns:a16="http://schemas.microsoft.com/office/drawing/2014/main" id="{11CB527D-D33D-4F32-A47D-39AF47DCC99E}"/>
+                <a16:creationId xmlns:a16="http://schemas.microsoft.com/office/drawing/2014/main" xmlns="" id="{11CB527D-D33D-4F32-A47D-39AF47DCC99E}"/>
               </a:ext>
             </a:extLst>
           </p:cNvPr>
@@ -2142,7 +2142,7 @@
           <a:p>
             <a:fld id="{867BF435-8069-48E5-9C04-75840B59FFBF}" type="datetimeFigureOut">
               <a:rPr lang="en-US" smtClean="0"/>
-              <a:t>3/3/2019</a:t>
+              <a:t>3/3/19</a:t>
             </a:fld>
             <a:endParaRPr lang="en-US"/>
           </a:p>
@@ -2153,7 +2153,7 @@
           <p:cNvPr id="5" name="Footer Placeholder 4">
             <a:extLst>
               <a:ext uri="{FF2B5EF4-FFF2-40B4-BE49-F238E27FC236}">
-                <a16:creationId xmlns:a16="http://schemas.microsoft.com/office/drawing/2014/main" id="{F0974E14-8E30-48AD-9DF9-17C358A64E79}"/>
+                <a16:creationId xmlns:a16="http://schemas.microsoft.com/office/drawing/2014/main" xmlns="" id="{F0974E14-8E30-48AD-9DF9-17C358A64E79}"/>
               </a:ext>
             </a:extLst>
           </p:cNvPr>
@@ -2178,7 +2178,7 @@
           <p:cNvPr id="6" name="Slide Number Placeholder 5">
             <a:extLst>
               <a:ext uri="{FF2B5EF4-FFF2-40B4-BE49-F238E27FC236}">
-                <a16:creationId xmlns:a16="http://schemas.microsoft.com/office/drawing/2014/main" id="{CFE0FA30-3D32-4DC0-BC94-CD280D99E57B}"/>
+                <a16:creationId xmlns:a16="http://schemas.microsoft.com/office/drawing/2014/main" xmlns="" id="{CFE0FA30-3D32-4DC0-BC94-CD280D99E57B}"/>
               </a:ext>
             </a:extLst>
           </p:cNvPr>
@@ -2237,7 +2237,7 @@
           <p:cNvPr id="2" name="Vertical Title 1">
             <a:extLst>
               <a:ext uri="{FF2B5EF4-FFF2-40B4-BE49-F238E27FC236}">
-                <a16:creationId xmlns:a16="http://schemas.microsoft.com/office/drawing/2014/main" id="{8A0C37FB-1F17-4F17-99DB-2BB700C16F5E}"/>
+                <a16:creationId xmlns:a16="http://schemas.microsoft.com/office/drawing/2014/main" xmlns="" id="{8A0C37FB-1F17-4F17-99DB-2BB700C16F5E}"/>
               </a:ext>
             </a:extLst>
           </p:cNvPr>
@@ -2270,7 +2270,7 @@
           <p:cNvPr id="3" name="Vertical Text Placeholder 2">
             <a:extLst>
               <a:ext uri="{FF2B5EF4-FFF2-40B4-BE49-F238E27FC236}">
-                <a16:creationId xmlns:a16="http://schemas.microsoft.com/office/drawing/2014/main" id="{A5D2DBC9-3837-4BDA-9269-4D014A517399}"/>
+                <a16:creationId xmlns:a16="http://schemas.microsoft.com/office/drawing/2014/main" xmlns="" id="{A5D2DBC9-3837-4BDA-9269-4D014A517399}"/>
               </a:ext>
             </a:extLst>
           </p:cNvPr>
@@ -2332,7 +2332,7 @@
           <p:cNvPr id="4" name="Date Placeholder 3">
             <a:extLst>
               <a:ext uri="{FF2B5EF4-FFF2-40B4-BE49-F238E27FC236}">
-                <a16:creationId xmlns:a16="http://schemas.microsoft.com/office/drawing/2014/main" id="{9F836871-DB00-47BD-AE77-E69CDCFFA3CB}"/>
+                <a16:creationId xmlns:a16="http://schemas.microsoft.com/office/drawing/2014/main" xmlns="" id="{9F836871-DB00-47BD-AE77-E69CDCFFA3CB}"/>
               </a:ext>
             </a:extLst>
           </p:cNvPr>
@@ -2350,7 +2350,7 @@
           <a:p>
             <a:fld id="{867BF435-8069-48E5-9C04-75840B59FFBF}" type="datetimeFigureOut">
               <a:rPr lang="en-US" smtClean="0"/>
-              <a:t>3/3/2019</a:t>
+              <a:t>3/3/19</a:t>
             </a:fld>
             <a:endParaRPr lang="en-US"/>
           </a:p>
@@ -2361,7 +2361,7 @@
           <p:cNvPr id="5" name="Footer Placeholder 4">
             <a:extLst>
               <a:ext uri="{FF2B5EF4-FFF2-40B4-BE49-F238E27FC236}">
-                <a16:creationId xmlns:a16="http://schemas.microsoft.com/office/drawing/2014/main" id="{E2397209-F847-4554-9420-A91B248C9673}"/>
+                <a16:creationId xmlns:a16="http://schemas.microsoft.com/office/drawing/2014/main" xmlns="" id="{E2397209-F847-4554-9420-A91B248C9673}"/>
               </a:ext>
             </a:extLst>
           </p:cNvPr>
@@ -2386,7 +2386,7 @@
           <p:cNvPr id="6" name="Slide Number Placeholder 5">
             <a:extLst>
               <a:ext uri="{FF2B5EF4-FFF2-40B4-BE49-F238E27FC236}">
-                <a16:creationId xmlns:a16="http://schemas.microsoft.com/office/drawing/2014/main" id="{E4FC7B57-C374-49F3-9B86-6F72A121318F}"/>
+                <a16:creationId xmlns:a16="http://schemas.microsoft.com/office/drawing/2014/main" xmlns="" id="{E4FC7B57-C374-49F3-9B86-6F72A121318F}"/>
               </a:ext>
             </a:extLst>
           </p:cNvPr>
@@ -2445,7 +2445,7 @@
           <p:cNvPr id="2" name="Title 1">
             <a:extLst>
               <a:ext uri="{FF2B5EF4-FFF2-40B4-BE49-F238E27FC236}">
-                <a16:creationId xmlns:a16="http://schemas.microsoft.com/office/drawing/2014/main" id="{1FFEA154-931F-4963-9A40-8BFD8E24F2E2}"/>
+                <a16:creationId xmlns:a16="http://schemas.microsoft.com/office/drawing/2014/main" xmlns="" id="{1FFEA154-931F-4963-9A40-8BFD8E24F2E2}"/>
               </a:ext>
             </a:extLst>
           </p:cNvPr>
@@ -2473,7 +2473,7 @@
           <p:cNvPr id="3" name="Content Placeholder 2">
             <a:extLst>
               <a:ext uri="{FF2B5EF4-FFF2-40B4-BE49-F238E27FC236}">
-                <a16:creationId xmlns:a16="http://schemas.microsoft.com/office/drawing/2014/main" id="{CFA76A06-E306-4830-B6A3-F4E0FF303B3B}"/>
+                <a16:creationId xmlns:a16="http://schemas.microsoft.com/office/drawing/2014/main" xmlns="" id="{CFA76A06-E306-4830-B6A3-F4E0FF303B3B}"/>
               </a:ext>
             </a:extLst>
           </p:cNvPr>
@@ -2530,7 +2530,7 @@
           <p:cNvPr id="4" name="Date Placeholder 3">
             <a:extLst>
               <a:ext uri="{FF2B5EF4-FFF2-40B4-BE49-F238E27FC236}">
-                <a16:creationId xmlns:a16="http://schemas.microsoft.com/office/drawing/2014/main" id="{44E6F06F-6725-4630-B808-8EDED0F06599}"/>
+                <a16:creationId xmlns:a16="http://schemas.microsoft.com/office/drawing/2014/main" xmlns="" id="{44E6F06F-6725-4630-B808-8EDED0F06599}"/>
               </a:ext>
             </a:extLst>
           </p:cNvPr>
@@ -2548,7 +2548,7 @@
           <a:p>
             <a:fld id="{867BF435-8069-48E5-9C04-75840B59FFBF}" type="datetimeFigureOut">
               <a:rPr lang="en-US" smtClean="0"/>
-              <a:t>3/3/2019</a:t>
+              <a:t>3/3/19</a:t>
             </a:fld>
             <a:endParaRPr lang="en-US"/>
           </a:p>
@@ -2559,7 +2559,7 @@
           <p:cNvPr id="5" name="Footer Placeholder 4">
             <a:extLst>
               <a:ext uri="{FF2B5EF4-FFF2-40B4-BE49-F238E27FC236}">
-                <a16:creationId xmlns:a16="http://schemas.microsoft.com/office/drawing/2014/main" id="{CE795DA3-E9C0-4B43-9486-CF75CAFBCBA6}"/>
+                <a16:creationId xmlns:a16="http://schemas.microsoft.com/office/drawing/2014/main" xmlns="" id="{CE795DA3-E9C0-4B43-9486-CF75CAFBCBA6}"/>
               </a:ext>
             </a:extLst>
           </p:cNvPr>
@@ -2584,7 +2584,7 @@
           <p:cNvPr id="6" name="Slide Number Placeholder 5">
             <a:extLst>
               <a:ext uri="{FF2B5EF4-FFF2-40B4-BE49-F238E27FC236}">
-                <a16:creationId xmlns:a16="http://schemas.microsoft.com/office/drawing/2014/main" id="{80D0CDB3-1679-4D37-A659-5657C21A0D7D}"/>
+                <a16:creationId xmlns:a16="http://schemas.microsoft.com/office/drawing/2014/main" xmlns="" id="{80D0CDB3-1679-4D37-A659-5657C21A0D7D}"/>
               </a:ext>
             </a:extLst>
           </p:cNvPr>
@@ -2643,7 +2643,7 @@
           <p:cNvPr id="2" name="Title 1">
             <a:extLst>
               <a:ext uri="{FF2B5EF4-FFF2-40B4-BE49-F238E27FC236}">
-                <a16:creationId xmlns:a16="http://schemas.microsoft.com/office/drawing/2014/main" id="{D5862060-2457-4461-8A3B-4220211DB375}"/>
+                <a16:creationId xmlns:a16="http://schemas.microsoft.com/office/drawing/2014/main" xmlns="" id="{D5862060-2457-4461-8A3B-4220211DB375}"/>
               </a:ext>
             </a:extLst>
           </p:cNvPr>
@@ -2680,7 +2680,7 @@
           <p:cNvPr id="3" name="Text Placeholder 2">
             <a:extLst>
               <a:ext uri="{FF2B5EF4-FFF2-40B4-BE49-F238E27FC236}">
-                <a16:creationId xmlns:a16="http://schemas.microsoft.com/office/drawing/2014/main" id="{EE13BD39-843C-49CE-9A5F-DE5499CAD4E6}"/>
+                <a16:creationId xmlns:a16="http://schemas.microsoft.com/office/drawing/2014/main" xmlns="" id="{EE13BD39-843C-49CE-9A5F-DE5499CAD4E6}"/>
               </a:ext>
             </a:extLst>
           </p:cNvPr>
@@ -2805,7 +2805,7 @@
           <p:cNvPr id="4" name="Date Placeholder 3">
             <a:extLst>
               <a:ext uri="{FF2B5EF4-FFF2-40B4-BE49-F238E27FC236}">
-                <a16:creationId xmlns:a16="http://schemas.microsoft.com/office/drawing/2014/main" id="{5BDD5215-ABD3-45FD-9B75-2906993C82FD}"/>
+                <a16:creationId xmlns:a16="http://schemas.microsoft.com/office/drawing/2014/main" xmlns="" id="{5BDD5215-ABD3-45FD-9B75-2906993C82FD}"/>
               </a:ext>
             </a:extLst>
           </p:cNvPr>
@@ -2823,7 +2823,7 @@
           <a:p>
             <a:fld id="{867BF435-8069-48E5-9C04-75840B59FFBF}" type="datetimeFigureOut">
               <a:rPr lang="en-US" smtClean="0"/>
-              <a:t>3/3/2019</a:t>
+              <a:t>3/3/19</a:t>
             </a:fld>
             <a:endParaRPr lang="en-US"/>
           </a:p>
@@ -2834,7 +2834,7 @@
           <p:cNvPr id="5" name="Footer Placeholder 4">
             <a:extLst>
               <a:ext uri="{FF2B5EF4-FFF2-40B4-BE49-F238E27FC236}">
-                <a16:creationId xmlns:a16="http://schemas.microsoft.com/office/drawing/2014/main" id="{59075D7D-948B-4AE8-BBD0-61AF2EA50F1F}"/>
+                <a16:creationId xmlns:a16="http://schemas.microsoft.com/office/drawing/2014/main" xmlns="" id="{59075D7D-948B-4AE8-BBD0-61AF2EA50F1F}"/>
               </a:ext>
             </a:extLst>
           </p:cNvPr>
@@ -2859,7 +2859,7 @@
           <p:cNvPr id="6" name="Slide Number Placeholder 5">
             <a:extLst>
               <a:ext uri="{FF2B5EF4-FFF2-40B4-BE49-F238E27FC236}">
-                <a16:creationId xmlns:a16="http://schemas.microsoft.com/office/drawing/2014/main" id="{E749618D-2F26-4733-AF6A-62FEEDB1FCDC}"/>
+                <a16:creationId xmlns:a16="http://schemas.microsoft.com/office/drawing/2014/main" xmlns="" id="{E749618D-2F26-4733-AF6A-62FEEDB1FCDC}"/>
               </a:ext>
             </a:extLst>
           </p:cNvPr>
@@ -2918,7 +2918,7 @@
           <p:cNvPr id="2" name="Title 1">
             <a:extLst>
               <a:ext uri="{FF2B5EF4-FFF2-40B4-BE49-F238E27FC236}">
-                <a16:creationId xmlns:a16="http://schemas.microsoft.com/office/drawing/2014/main" id="{5E66352F-F600-43AC-8B14-881156FD159F}"/>
+                <a16:creationId xmlns:a16="http://schemas.microsoft.com/office/drawing/2014/main" xmlns="" id="{5E66352F-F600-43AC-8B14-881156FD159F}"/>
               </a:ext>
             </a:extLst>
           </p:cNvPr>
@@ -2946,7 +2946,7 @@
           <p:cNvPr id="3" name="Content Placeholder 2">
             <a:extLst>
               <a:ext uri="{FF2B5EF4-FFF2-40B4-BE49-F238E27FC236}">
-                <a16:creationId xmlns:a16="http://schemas.microsoft.com/office/drawing/2014/main" id="{404DDF3E-DAA1-45E9-AA4D-DD841FC4CDCD}"/>
+                <a16:creationId xmlns:a16="http://schemas.microsoft.com/office/drawing/2014/main" xmlns="" id="{404DDF3E-DAA1-45E9-AA4D-DD841FC4CDCD}"/>
               </a:ext>
             </a:extLst>
           </p:cNvPr>
@@ -3008,7 +3008,7 @@
           <p:cNvPr id="4" name="Content Placeholder 3">
             <a:extLst>
               <a:ext uri="{FF2B5EF4-FFF2-40B4-BE49-F238E27FC236}">
-                <a16:creationId xmlns:a16="http://schemas.microsoft.com/office/drawing/2014/main" id="{1E51C95D-1162-47C8-975F-1F773501D1FE}"/>
+                <a16:creationId xmlns:a16="http://schemas.microsoft.com/office/drawing/2014/main" xmlns="" id="{1E51C95D-1162-47C8-975F-1F773501D1FE}"/>
               </a:ext>
             </a:extLst>
           </p:cNvPr>
@@ -3070,7 +3070,7 @@
           <p:cNvPr id="5" name="Date Placeholder 4">
             <a:extLst>
               <a:ext uri="{FF2B5EF4-FFF2-40B4-BE49-F238E27FC236}">
-                <a16:creationId xmlns:a16="http://schemas.microsoft.com/office/drawing/2014/main" id="{ADE70CE5-4A67-4268-B7D7-FD74D4BE3FB6}"/>
+                <a16:creationId xmlns:a16="http://schemas.microsoft.com/office/drawing/2014/main" xmlns="" id="{ADE70CE5-4A67-4268-B7D7-FD74D4BE3FB6}"/>
               </a:ext>
             </a:extLst>
           </p:cNvPr>
@@ -3088,7 +3088,7 @@
           <a:p>
             <a:fld id="{867BF435-8069-48E5-9C04-75840B59FFBF}" type="datetimeFigureOut">
               <a:rPr lang="en-US" smtClean="0"/>
-              <a:t>3/3/2019</a:t>
+              <a:t>3/3/19</a:t>
             </a:fld>
             <a:endParaRPr lang="en-US"/>
           </a:p>
@@ -3099,7 +3099,7 @@
           <p:cNvPr id="6" name="Footer Placeholder 5">
             <a:extLst>
               <a:ext uri="{FF2B5EF4-FFF2-40B4-BE49-F238E27FC236}">
-                <a16:creationId xmlns:a16="http://schemas.microsoft.com/office/drawing/2014/main" id="{9424B10A-527E-489E-BFBA-DBC22110976D}"/>
+                <a16:creationId xmlns:a16="http://schemas.microsoft.com/office/drawing/2014/main" xmlns="" id="{9424B10A-527E-489E-BFBA-DBC22110976D}"/>
               </a:ext>
             </a:extLst>
           </p:cNvPr>
@@ -3124,7 +3124,7 @@
           <p:cNvPr id="7" name="Slide Number Placeholder 6">
             <a:extLst>
               <a:ext uri="{FF2B5EF4-FFF2-40B4-BE49-F238E27FC236}">
-                <a16:creationId xmlns:a16="http://schemas.microsoft.com/office/drawing/2014/main" id="{4238CBB1-BDEB-4B6B-ACA9-62C470B740ED}"/>
+                <a16:creationId xmlns:a16="http://schemas.microsoft.com/office/drawing/2014/main" xmlns="" id="{4238CBB1-BDEB-4B6B-ACA9-62C470B740ED}"/>
               </a:ext>
             </a:extLst>
           </p:cNvPr>
@@ -3183,7 +3183,7 @@
           <p:cNvPr id="2" name="Title 1">
             <a:extLst>
               <a:ext uri="{FF2B5EF4-FFF2-40B4-BE49-F238E27FC236}">
-                <a16:creationId xmlns:a16="http://schemas.microsoft.com/office/drawing/2014/main" id="{A0A1FB31-72D5-4728-B5A8-F27AB7933C08}"/>
+                <a16:creationId xmlns:a16="http://schemas.microsoft.com/office/drawing/2014/main" xmlns="" id="{A0A1FB31-72D5-4728-B5A8-F27AB7933C08}"/>
               </a:ext>
             </a:extLst>
           </p:cNvPr>
@@ -3216,7 +3216,7 @@
           <p:cNvPr id="3" name="Text Placeholder 2">
             <a:extLst>
               <a:ext uri="{FF2B5EF4-FFF2-40B4-BE49-F238E27FC236}">
-                <a16:creationId xmlns:a16="http://schemas.microsoft.com/office/drawing/2014/main" id="{2D6D39ED-9F25-452A-9DCD-17F0B221C4B0}"/>
+                <a16:creationId xmlns:a16="http://schemas.microsoft.com/office/drawing/2014/main" xmlns="" id="{2D6D39ED-9F25-452A-9DCD-17F0B221C4B0}"/>
               </a:ext>
             </a:extLst>
           </p:cNvPr>
@@ -3287,7 +3287,7 @@
           <p:cNvPr id="4" name="Content Placeholder 3">
             <a:extLst>
               <a:ext uri="{FF2B5EF4-FFF2-40B4-BE49-F238E27FC236}">
-                <a16:creationId xmlns:a16="http://schemas.microsoft.com/office/drawing/2014/main" id="{9B364AF0-EBF8-4F3A-BB5B-C484C63CAC7D}"/>
+                <a16:creationId xmlns:a16="http://schemas.microsoft.com/office/drawing/2014/main" xmlns="" id="{9B364AF0-EBF8-4F3A-BB5B-C484C63CAC7D}"/>
               </a:ext>
             </a:extLst>
           </p:cNvPr>
@@ -3349,7 +3349,7 @@
           <p:cNvPr id="5" name="Text Placeholder 4">
             <a:extLst>
               <a:ext uri="{FF2B5EF4-FFF2-40B4-BE49-F238E27FC236}">
-                <a16:creationId xmlns:a16="http://schemas.microsoft.com/office/drawing/2014/main" id="{AC044626-D9C6-4A1F-A8D5-C7EE54251098}"/>
+                <a16:creationId xmlns:a16="http://schemas.microsoft.com/office/drawing/2014/main" xmlns="" id="{AC044626-D9C6-4A1F-A8D5-C7EE54251098}"/>
               </a:ext>
             </a:extLst>
           </p:cNvPr>
@@ -3420,7 +3420,7 @@
           <p:cNvPr id="6" name="Content Placeholder 5">
             <a:extLst>
               <a:ext uri="{FF2B5EF4-FFF2-40B4-BE49-F238E27FC236}">
-                <a16:creationId xmlns:a16="http://schemas.microsoft.com/office/drawing/2014/main" id="{1A1DB8D6-F17B-46B0-A36B-81CB0BC325AC}"/>
+                <a16:creationId xmlns:a16="http://schemas.microsoft.com/office/drawing/2014/main" xmlns="" id="{1A1DB8D6-F17B-46B0-A36B-81CB0BC325AC}"/>
               </a:ext>
             </a:extLst>
           </p:cNvPr>
@@ -3482,7 +3482,7 @@
           <p:cNvPr id="7" name="Date Placeholder 6">
             <a:extLst>
               <a:ext uri="{FF2B5EF4-FFF2-40B4-BE49-F238E27FC236}">
-                <a16:creationId xmlns:a16="http://schemas.microsoft.com/office/drawing/2014/main" id="{960090F9-694D-4F2B-9FAD-F2A12DF4556C}"/>
+                <a16:creationId xmlns:a16="http://schemas.microsoft.com/office/drawing/2014/main" xmlns="" id="{960090F9-694D-4F2B-9FAD-F2A12DF4556C}"/>
               </a:ext>
             </a:extLst>
           </p:cNvPr>
@@ -3500,7 +3500,7 @@
           <a:p>
             <a:fld id="{867BF435-8069-48E5-9C04-75840B59FFBF}" type="datetimeFigureOut">
               <a:rPr lang="en-US" smtClean="0"/>
-              <a:t>3/3/2019</a:t>
+              <a:t>3/3/19</a:t>
             </a:fld>
             <a:endParaRPr lang="en-US"/>
           </a:p>
@@ -3511,7 +3511,7 @@
           <p:cNvPr id="8" name="Footer Placeholder 7">
             <a:extLst>
               <a:ext uri="{FF2B5EF4-FFF2-40B4-BE49-F238E27FC236}">
-                <a16:creationId xmlns:a16="http://schemas.microsoft.com/office/drawing/2014/main" id="{802222BD-4B7E-4821-AADA-B5C3263D45D9}"/>
+                <a16:creationId xmlns:a16="http://schemas.microsoft.com/office/drawing/2014/main" xmlns="" id="{802222BD-4B7E-4821-AADA-B5C3263D45D9}"/>
               </a:ext>
             </a:extLst>
           </p:cNvPr>
@@ -3536,7 +3536,7 @@
           <p:cNvPr id="9" name="Slide Number Placeholder 8">
             <a:extLst>
               <a:ext uri="{FF2B5EF4-FFF2-40B4-BE49-F238E27FC236}">
-                <a16:creationId xmlns:a16="http://schemas.microsoft.com/office/drawing/2014/main" id="{6BEC60E9-91F1-494F-8B34-6B3EED1F3944}"/>
+                <a16:creationId xmlns:a16="http://schemas.microsoft.com/office/drawing/2014/main" xmlns="" id="{6BEC60E9-91F1-494F-8B34-6B3EED1F3944}"/>
               </a:ext>
             </a:extLst>
           </p:cNvPr>
@@ -3595,7 +3595,7 @@
           <p:cNvPr id="2" name="Title 1">
             <a:extLst>
               <a:ext uri="{FF2B5EF4-FFF2-40B4-BE49-F238E27FC236}">
-                <a16:creationId xmlns:a16="http://schemas.microsoft.com/office/drawing/2014/main" id="{C84899BB-53F2-4020-8457-96113472F7C4}"/>
+                <a16:creationId xmlns:a16="http://schemas.microsoft.com/office/drawing/2014/main" xmlns="" id="{C84899BB-53F2-4020-8457-96113472F7C4}"/>
               </a:ext>
             </a:extLst>
           </p:cNvPr>
@@ -3623,7 +3623,7 @@
           <p:cNvPr id="3" name="Date Placeholder 2">
             <a:extLst>
               <a:ext uri="{FF2B5EF4-FFF2-40B4-BE49-F238E27FC236}">
-                <a16:creationId xmlns:a16="http://schemas.microsoft.com/office/drawing/2014/main" id="{1E473486-BD82-42C7-9E1D-19433208D8C6}"/>
+                <a16:creationId xmlns:a16="http://schemas.microsoft.com/office/drawing/2014/main" xmlns="" id="{1E473486-BD82-42C7-9E1D-19433208D8C6}"/>
               </a:ext>
             </a:extLst>
           </p:cNvPr>
@@ -3641,7 +3641,7 @@
           <a:p>
             <a:fld id="{867BF435-8069-48E5-9C04-75840B59FFBF}" type="datetimeFigureOut">
               <a:rPr lang="en-US" smtClean="0"/>
-              <a:t>3/3/2019</a:t>
+              <a:t>3/3/19</a:t>
             </a:fld>
             <a:endParaRPr lang="en-US"/>
           </a:p>
@@ -3652,7 +3652,7 @@
           <p:cNvPr id="4" name="Footer Placeholder 3">
             <a:extLst>
               <a:ext uri="{FF2B5EF4-FFF2-40B4-BE49-F238E27FC236}">
-                <a16:creationId xmlns:a16="http://schemas.microsoft.com/office/drawing/2014/main" id="{E681E207-7330-4645-AC72-BC431E18FFAF}"/>
+                <a16:creationId xmlns:a16="http://schemas.microsoft.com/office/drawing/2014/main" xmlns="" id="{E681E207-7330-4645-AC72-BC431E18FFAF}"/>
               </a:ext>
             </a:extLst>
           </p:cNvPr>
@@ -3677,7 +3677,7 @@
           <p:cNvPr id="5" name="Slide Number Placeholder 4">
             <a:extLst>
               <a:ext uri="{FF2B5EF4-FFF2-40B4-BE49-F238E27FC236}">
-                <a16:creationId xmlns:a16="http://schemas.microsoft.com/office/drawing/2014/main" id="{65035399-715F-498E-B0A0-988D37825CE2}"/>
+                <a16:creationId xmlns:a16="http://schemas.microsoft.com/office/drawing/2014/main" xmlns="" id="{65035399-715F-498E-B0A0-988D37825CE2}"/>
               </a:ext>
             </a:extLst>
           </p:cNvPr>
@@ -3736,7 +3736,7 @@
           <p:cNvPr id="2" name="Date Placeholder 1">
             <a:extLst>
               <a:ext uri="{FF2B5EF4-FFF2-40B4-BE49-F238E27FC236}">
-                <a16:creationId xmlns:a16="http://schemas.microsoft.com/office/drawing/2014/main" id="{F303480D-8C22-482B-BAB2-546D7FFF4B44}"/>
+                <a16:creationId xmlns:a16="http://schemas.microsoft.com/office/drawing/2014/main" xmlns="" id="{F303480D-8C22-482B-BAB2-546D7FFF4B44}"/>
               </a:ext>
             </a:extLst>
           </p:cNvPr>
@@ -3754,7 +3754,7 @@
           <a:p>
             <a:fld id="{867BF435-8069-48E5-9C04-75840B59FFBF}" type="datetimeFigureOut">
               <a:rPr lang="en-US" smtClean="0"/>
-              <a:t>3/3/2019</a:t>
+              <a:t>3/3/19</a:t>
             </a:fld>
             <a:endParaRPr lang="en-US"/>
           </a:p>
@@ -3765,7 +3765,7 @@
           <p:cNvPr id="3" name="Footer Placeholder 2">
             <a:extLst>
               <a:ext uri="{FF2B5EF4-FFF2-40B4-BE49-F238E27FC236}">
-                <a16:creationId xmlns:a16="http://schemas.microsoft.com/office/drawing/2014/main" id="{45B96272-8F40-4AC0-8038-F42C98919F36}"/>
+                <a16:creationId xmlns:a16="http://schemas.microsoft.com/office/drawing/2014/main" xmlns="" id="{45B96272-8F40-4AC0-8038-F42C98919F36}"/>
               </a:ext>
             </a:extLst>
           </p:cNvPr>
@@ -3790,7 +3790,7 @@
           <p:cNvPr id="4" name="Slide Number Placeholder 3">
             <a:extLst>
               <a:ext uri="{FF2B5EF4-FFF2-40B4-BE49-F238E27FC236}">
-                <a16:creationId xmlns:a16="http://schemas.microsoft.com/office/drawing/2014/main" id="{8454A2A6-FE28-4869-8C84-025C91BB3629}"/>
+                <a16:creationId xmlns:a16="http://schemas.microsoft.com/office/drawing/2014/main" xmlns="" id="{8454A2A6-FE28-4869-8C84-025C91BB3629}"/>
               </a:ext>
             </a:extLst>
           </p:cNvPr>
@@ -3849,7 +3849,7 @@
           <p:cNvPr id="2" name="Title 1">
             <a:extLst>
               <a:ext uri="{FF2B5EF4-FFF2-40B4-BE49-F238E27FC236}">
-                <a16:creationId xmlns:a16="http://schemas.microsoft.com/office/drawing/2014/main" id="{1506237E-E00A-4463-B061-5358A71FD35F}"/>
+                <a16:creationId xmlns:a16="http://schemas.microsoft.com/office/drawing/2014/main" xmlns="" id="{1506237E-E00A-4463-B061-5358A71FD35F}"/>
               </a:ext>
             </a:extLst>
           </p:cNvPr>
@@ -3886,7 +3886,7 @@
           <p:cNvPr id="3" name="Content Placeholder 2">
             <a:extLst>
               <a:ext uri="{FF2B5EF4-FFF2-40B4-BE49-F238E27FC236}">
-                <a16:creationId xmlns:a16="http://schemas.microsoft.com/office/drawing/2014/main" id="{8F664E9F-E417-4D17-9B1F-31525483695F}"/>
+                <a16:creationId xmlns:a16="http://schemas.microsoft.com/office/drawing/2014/main" xmlns="" id="{8F664E9F-E417-4D17-9B1F-31525483695F}"/>
               </a:ext>
             </a:extLst>
           </p:cNvPr>
@@ -3976,7 +3976,7 @@
           <p:cNvPr id="4" name="Text Placeholder 3">
             <a:extLst>
               <a:ext uri="{FF2B5EF4-FFF2-40B4-BE49-F238E27FC236}">
-                <a16:creationId xmlns:a16="http://schemas.microsoft.com/office/drawing/2014/main" id="{45DF5135-2661-4848-9161-702B2AC24F0B}"/>
+                <a16:creationId xmlns:a16="http://schemas.microsoft.com/office/drawing/2014/main" xmlns="" id="{45DF5135-2661-4848-9161-702B2AC24F0B}"/>
               </a:ext>
             </a:extLst>
           </p:cNvPr>
@@ -4047,7 +4047,7 @@
           <p:cNvPr id="5" name="Date Placeholder 4">
             <a:extLst>
               <a:ext uri="{FF2B5EF4-FFF2-40B4-BE49-F238E27FC236}">
-                <a16:creationId xmlns:a16="http://schemas.microsoft.com/office/drawing/2014/main" id="{6E84CE1A-6B02-4ECA-9BA3-DC92A13AA905}"/>
+                <a16:creationId xmlns:a16="http://schemas.microsoft.com/office/drawing/2014/main" xmlns="" id="{6E84CE1A-6B02-4ECA-9BA3-DC92A13AA905}"/>
               </a:ext>
             </a:extLst>
           </p:cNvPr>
@@ -4065,7 +4065,7 @@
           <a:p>
             <a:fld id="{867BF435-8069-48E5-9C04-75840B59FFBF}" type="datetimeFigureOut">
               <a:rPr lang="en-US" smtClean="0"/>
-              <a:t>3/3/2019</a:t>
+              <a:t>3/3/19</a:t>
             </a:fld>
             <a:endParaRPr lang="en-US"/>
           </a:p>
@@ -4076,7 +4076,7 @@
           <p:cNvPr id="6" name="Footer Placeholder 5">
             <a:extLst>
               <a:ext uri="{FF2B5EF4-FFF2-40B4-BE49-F238E27FC236}">
-                <a16:creationId xmlns:a16="http://schemas.microsoft.com/office/drawing/2014/main" id="{70FA3D9A-45C7-48F0-B9D5-0FB978B507AD}"/>
+                <a16:creationId xmlns:a16="http://schemas.microsoft.com/office/drawing/2014/main" xmlns="" id="{70FA3D9A-45C7-48F0-B9D5-0FB978B507AD}"/>
               </a:ext>
             </a:extLst>
           </p:cNvPr>
@@ -4101,7 +4101,7 @@
           <p:cNvPr id="7" name="Slide Number Placeholder 6">
             <a:extLst>
               <a:ext uri="{FF2B5EF4-FFF2-40B4-BE49-F238E27FC236}">
-                <a16:creationId xmlns:a16="http://schemas.microsoft.com/office/drawing/2014/main" id="{1629B47C-79CB-48FF-BEF9-01A797EFFC2A}"/>
+                <a16:creationId xmlns:a16="http://schemas.microsoft.com/office/drawing/2014/main" xmlns="" id="{1629B47C-79CB-48FF-BEF9-01A797EFFC2A}"/>
               </a:ext>
             </a:extLst>
           </p:cNvPr>
@@ -4160,7 +4160,7 @@
           <p:cNvPr id="2" name="Title 1">
             <a:extLst>
               <a:ext uri="{FF2B5EF4-FFF2-40B4-BE49-F238E27FC236}">
-                <a16:creationId xmlns:a16="http://schemas.microsoft.com/office/drawing/2014/main" id="{AE3DF1AC-0EFA-4959-9591-8B9235158F0C}"/>
+                <a16:creationId xmlns:a16="http://schemas.microsoft.com/office/drawing/2014/main" xmlns="" id="{AE3DF1AC-0EFA-4959-9591-8B9235158F0C}"/>
               </a:ext>
             </a:extLst>
           </p:cNvPr>
@@ -4197,7 +4197,7 @@
           <p:cNvPr id="3" name="Picture Placeholder 2">
             <a:extLst>
               <a:ext uri="{FF2B5EF4-FFF2-40B4-BE49-F238E27FC236}">
-                <a16:creationId xmlns:a16="http://schemas.microsoft.com/office/drawing/2014/main" id="{5A07818C-57EA-4F0F-AFBB-6508106BD023}"/>
+                <a16:creationId xmlns:a16="http://schemas.microsoft.com/office/drawing/2014/main" xmlns="" id="{5A07818C-57EA-4F0F-AFBB-6508106BD023}"/>
               </a:ext>
             </a:extLst>
           </p:cNvPr>
@@ -4264,7 +4264,7 @@
           <p:cNvPr id="4" name="Text Placeholder 3">
             <a:extLst>
               <a:ext uri="{FF2B5EF4-FFF2-40B4-BE49-F238E27FC236}">
-                <a16:creationId xmlns:a16="http://schemas.microsoft.com/office/drawing/2014/main" id="{62694E27-5090-49CD-A1EE-619FD8CD0CFA}"/>
+                <a16:creationId xmlns:a16="http://schemas.microsoft.com/office/drawing/2014/main" xmlns="" id="{62694E27-5090-49CD-A1EE-619FD8CD0CFA}"/>
               </a:ext>
             </a:extLst>
           </p:cNvPr>
@@ -4335,7 +4335,7 @@
           <p:cNvPr id="5" name="Date Placeholder 4">
             <a:extLst>
               <a:ext uri="{FF2B5EF4-FFF2-40B4-BE49-F238E27FC236}">
-                <a16:creationId xmlns:a16="http://schemas.microsoft.com/office/drawing/2014/main" id="{72E2C5E8-CE7D-416E-AEAD-4279C284702D}"/>
+                <a16:creationId xmlns:a16="http://schemas.microsoft.com/office/drawing/2014/main" xmlns="" id="{72E2C5E8-CE7D-416E-AEAD-4279C284702D}"/>
               </a:ext>
             </a:extLst>
           </p:cNvPr>
@@ -4353,7 +4353,7 @@
           <a:p>
             <a:fld id="{867BF435-8069-48E5-9C04-75840B59FFBF}" type="datetimeFigureOut">
               <a:rPr lang="en-US" smtClean="0"/>
-              <a:t>3/3/2019</a:t>
+              <a:t>3/3/19</a:t>
             </a:fld>
             <a:endParaRPr lang="en-US"/>
           </a:p>
@@ -4364,7 +4364,7 @@
           <p:cNvPr id="6" name="Footer Placeholder 5">
             <a:extLst>
               <a:ext uri="{FF2B5EF4-FFF2-40B4-BE49-F238E27FC236}">
-                <a16:creationId xmlns:a16="http://schemas.microsoft.com/office/drawing/2014/main" id="{E7FECA93-C27D-41DE-B129-4C0A4300567D}"/>
+                <a16:creationId xmlns:a16="http://schemas.microsoft.com/office/drawing/2014/main" xmlns="" id="{E7FECA93-C27D-41DE-B129-4C0A4300567D}"/>
               </a:ext>
             </a:extLst>
           </p:cNvPr>
@@ -4389,7 +4389,7 @@
           <p:cNvPr id="7" name="Slide Number Placeholder 6">
             <a:extLst>
               <a:ext uri="{FF2B5EF4-FFF2-40B4-BE49-F238E27FC236}">
-                <a16:creationId xmlns:a16="http://schemas.microsoft.com/office/drawing/2014/main" id="{B2B81CF8-436B-4016-A650-5C5ABDA81B29}"/>
+                <a16:creationId xmlns:a16="http://schemas.microsoft.com/office/drawing/2014/main" xmlns="" id="{B2B81CF8-436B-4016-A650-5C5ABDA81B29}"/>
               </a:ext>
             </a:extLst>
           </p:cNvPr>
@@ -4453,7 +4453,7 @@
           <p:cNvPr id="2" name="Title Placeholder 1">
             <a:extLst>
               <a:ext uri="{FF2B5EF4-FFF2-40B4-BE49-F238E27FC236}">
-                <a16:creationId xmlns:a16="http://schemas.microsoft.com/office/drawing/2014/main" id="{FD9C028F-9788-402E-8984-123F7A49E801}"/>
+                <a16:creationId xmlns:a16="http://schemas.microsoft.com/office/drawing/2014/main" xmlns="" id="{FD9C028F-9788-402E-8984-123F7A49E801}"/>
               </a:ext>
             </a:extLst>
           </p:cNvPr>
@@ -4491,7 +4491,7 @@
           <p:cNvPr id="3" name="Text Placeholder 2">
             <a:extLst>
               <a:ext uri="{FF2B5EF4-FFF2-40B4-BE49-F238E27FC236}">
-                <a16:creationId xmlns:a16="http://schemas.microsoft.com/office/drawing/2014/main" id="{D0FE78B4-EDD9-440E-B80A-E056E77673D7}"/>
+                <a16:creationId xmlns:a16="http://schemas.microsoft.com/office/drawing/2014/main" xmlns="" id="{D0FE78B4-EDD9-440E-B80A-E056E77673D7}"/>
               </a:ext>
             </a:extLst>
           </p:cNvPr>
@@ -4558,7 +4558,7 @@
           <p:cNvPr id="4" name="Date Placeholder 3">
             <a:extLst>
               <a:ext uri="{FF2B5EF4-FFF2-40B4-BE49-F238E27FC236}">
-                <a16:creationId xmlns:a16="http://schemas.microsoft.com/office/drawing/2014/main" id="{B44E6B12-A400-4BC2-B49F-DD09ECF15273}"/>
+                <a16:creationId xmlns:a16="http://schemas.microsoft.com/office/drawing/2014/main" xmlns="" id="{B44E6B12-A400-4BC2-B49F-DD09ECF15273}"/>
               </a:ext>
             </a:extLst>
           </p:cNvPr>
@@ -4594,7 +4594,7 @@
           <a:p>
             <a:fld id="{867BF435-8069-48E5-9C04-75840B59FFBF}" type="datetimeFigureOut">
               <a:rPr lang="en-US" smtClean="0"/>
-              <a:t>3/3/2019</a:t>
+              <a:t>3/3/19</a:t>
             </a:fld>
             <a:endParaRPr lang="en-US"/>
           </a:p>
@@ -4605,7 +4605,7 @@
           <p:cNvPr id="5" name="Footer Placeholder 4">
             <a:extLst>
               <a:ext uri="{FF2B5EF4-FFF2-40B4-BE49-F238E27FC236}">
-                <a16:creationId xmlns:a16="http://schemas.microsoft.com/office/drawing/2014/main" id="{7EC6F2B7-815E-4AAD-BA90-B4B2961D8EBF}"/>
+                <a16:creationId xmlns:a16="http://schemas.microsoft.com/office/drawing/2014/main" xmlns="" id="{7EC6F2B7-815E-4AAD-BA90-B4B2961D8EBF}"/>
               </a:ext>
             </a:extLst>
           </p:cNvPr>
@@ -4648,7 +4648,7 @@
           <p:cNvPr id="6" name="Slide Number Placeholder 5">
             <a:extLst>
               <a:ext uri="{FF2B5EF4-FFF2-40B4-BE49-F238E27FC236}">
-                <a16:creationId xmlns:a16="http://schemas.microsoft.com/office/drawing/2014/main" id="{D649B708-668F-4598-95B8-5093692A1D08}"/>
+                <a16:creationId xmlns:a16="http://schemas.microsoft.com/office/drawing/2014/main" xmlns="" id="{D649B708-668F-4598-95B8-5093692A1D08}"/>
               </a:ext>
             </a:extLst>
           </p:cNvPr>
@@ -5016,7 +5016,7 @@
           <p:cNvPr id="188" name="Group 187">
             <a:extLst>
               <a:ext uri="{FF2B5EF4-FFF2-40B4-BE49-F238E27FC236}">
-                <a16:creationId xmlns:a16="http://schemas.microsoft.com/office/drawing/2014/main" id="{AF46327E-FA09-426C-9341-2B76C72EA690}"/>
+                <a16:creationId xmlns:a16="http://schemas.microsoft.com/office/drawing/2014/main" xmlns="" id="{AF46327E-FA09-426C-9341-2B76C72EA690}"/>
               </a:ext>
             </a:extLst>
           </p:cNvPr>
@@ -5036,7 +5036,7 @@
             <p:cNvPr id="7" name="Group 6">
               <a:extLst>
                 <a:ext uri="{FF2B5EF4-FFF2-40B4-BE49-F238E27FC236}">
-                  <a16:creationId xmlns:a16="http://schemas.microsoft.com/office/drawing/2014/main" id="{0B8B4FAD-5360-4066-B560-2D321E8A5EDC}"/>
+                  <a16:creationId xmlns:a16="http://schemas.microsoft.com/office/drawing/2014/main" xmlns="" id="{0B8B4FAD-5360-4066-B560-2D321E8A5EDC}"/>
                 </a:ext>
               </a:extLst>
             </p:cNvPr>
@@ -5056,7 +5056,7 @@
               <p:cNvPr id="4" name="Rectangle 3">
                 <a:extLst>
                   <a:ext uri="{FF2B5EF4-FFF2-40B4-BE49-F238E27FC236}">
-                    <a16:creationId xmlns:a16="http://schemas.microsoft.com/office/drawing/2014/main" id="{B6968101-D003-468A-B323-23C77D47A0E1}"/>
+                    <a16:creationId xmlns:a16="http://schemas.microsoft.com/office/drawing/2014/main" xmlns="" id="{B6968101-D003-468A-B323-23C77D47A0E1}"/>
                   </a:ext>
                 </a:extLst>
               </p:cNvPr>
@@ -5100,7 +5100,7 @@
               <p:cNvPr id="6" name="Freeform: Shape 5">
                 <a:extLst>
                   <a:ext uri="{FF2B5EF4-FFF2-40B4-BE49-F238E27FC236}">
-                    <a16:creationId xmlns:a16="http://schemas.microsoft.com/office/drawing/2014/main" id="{35D73968-A712-4718-81E1-4E4DBEBA7AE2}"/>
+                    <a16:creationId xmlns:a16="http://schemas.microsoft.com/office/drawing/2014/main" xmlns="" id="{35D73968-A712-4718-81E1-4E4DBEBA7AE2}"/>
                   </a:ext>
                 </a:extLst>
               </p:cNvPr>
@@ -5193,7 +5193,7 @@
             <p:cNvPr id="10" name="Rectangle 9">
               <a:extLst>
                 <a:ext uri="{FF2B5EF4-FFF2-40B4-BE49-F238E27FC236}">
-                  <a16:creationId xmlns:a16="http://schemas.microsoft.com/office/drawing/2014/main" id="{961E956B-9821-4FF6-9850-FF476764A488}"/>
+                  <a16:creationId xmlns:a16="http://schemas.microsoft.com/office/drawing/2014/main" xmlns="" id="{961E956B-9821-4FF6-9850-FF476764A488}"/>
                 </a:ext>
               </a:extLst>
             </p:cNvPr>
@@ -5275,7 +5275,7 @@
             <p:cNvPr id="41" name="Rectangle 40">
               <a:extLst>
                 <a:ext uri="{FF2B5EF4-FFF2-40B4-BE49-F238E27FC236}">
-                  <a16:creationId xmlns:a16="http://schemas.microsoft.com/office/drawing/2014/main" id="{3685C48F-35CC-46CA-9649-F0987692B908}"/>
+                  <a16:creationId xmlns:a16="http://schemas.microsoft.com/office/drawing/2014/main" xmlns="" id="{3685C48F-35CC-46CA-9649-F0987692B908}"/>
                 </a:ext>
               </a:extLst>
             </p:cNvPr>
@@ -5325,7 +5325,7 @@
             <p:cNvPr id="45" name="Straight Arrow Connector 44">
               <a:extLst>
                 <a:ext uri="{FF2B5EF4-FFF2-40B4-BE49-F238E27FC236}">
-                  <a16:creationId xmlns:a16="http://schemas.microsoft.com/office/drawing/2014/main" id="{EE811716-2770-44ED-AEB6-54CC0896B796}"/>
+                  <a16:creationId xmlns:a16="http://schemas.microsoft.com/office/drawing/2014/main" xmlns="" id="{EE811716-2770-44ED-AEB6-54CC0896B796}"/>
                 </a:ext>
               </a:extLst>
             </p:cNvPr>
@@ -5364,7 +5364,7 @@
             <p:cNvPr id="46" name="Straight Arrow Connector 45">
               <a:extLst>
                 <a:ext uri="{FF2B5EF4-FFF2-40B4-BE49-F238E27FC236}">
-                  <a16:creationId xmlns:a16="http://schemas.microsoft.com/office/drawing/2014/main" id="{9B8CC8EF-D037-4A9D-9A8E-AAF47EEAF224}"/>
+                  <a16:creationId xmlns:a16="http://schemas.microsoft.com/office/drawing/2014/main" xmlns="" id="{9B8CC8EF-D037-4A9D-9A8E-AAF47EEAF224}"/>
                 </a:ext>
               </a:extLst>
             </p:cNvPr>
@@ -5405,7 +5405,7 @@
                 <p:cNvPr id="47" name="Rectangle 46">
                   <a:extLst>
                     <a:ext uri="{FF2B5EF4-FFF2-40B4-BE49-F238E27FC236}">
-                      <a16:creationId xmlns:a16="http://schemas.microsoft.com/office/drawing/2014/main" id="{685E7A9E-C017-43BF-8C54-56D58C05D975}"/>
+                      <a16:creationId xmlns:a16="http://schemas.microsoft.com/office/drawing/2014/main" xmlns="" id="{685E7A9E-C017-43BF-8C54-56D58C05D975}"/>
                     </a:ext>
                   </a:extLst>
                 </p:cNvPr>
@@ -5453,7 +5453,7 @@
                         <m:sSubPr>
                           <m:ctrlPr>
                             <a:rPr lang="en-US" i="1" smtClean="0">
-                              <a:latin typeface="Cambria Math" panose="02040503050406030204" pitchFamily="18" charset="0"/>
+                              <a:latin typeface="Cambria Math" charset="0"/>
                               <a:cs typeface="Times New Roman" panose="02020603050405020304" pitchFamily="18" charset="0"/>
                             </a:rPr>
                           </m:ctrlPr>
@@ -5539,7 +5539,7 @@
                 <p:cNvPr id="48" name="Rectangle 47">
                   <a:extLst>
                     <a:ext uri="{FF2B5EF4-FFF2-40B4-BE49-F238E27FC236}">
-                      <a16:creationId xmlns:a16="http://schemas.microsoft.com/office/drawing/2014/main" id="{B03E204B-C32E-4A61-AEC1-69894A829499}"/>
+                      <a16:creationId xmlns:a16="http://schemas.microsoft.com/office/drawing/2014/main" xmlns="" id="{B03E204B-C32E-4A61-AEC1-69894A829499}"/>
                     </a:ext>
                   </a:extLst>
                 </p:cNvPr>
@@ -5587,7 +5587,7 @@
                         <m:sSubPr>
                           <m:ctrlPr>
                             <a:rPr lang="en-US" i="1" smtClean="0">
-                              <a:latin typeface="Cambria Math" panose="02040503050406030204" pitchFamily="18" charset="0"/>
+                              <a:latin typeface="Cambria Math" charset="0"/>
                               <a:cs typeface="Times New Roman" panose="02020603050405020304" pitchFamily="18" charset="0"/>
                             </a:rPr>
                           </m:ctrlPr>
@@ -5598,7 +5598,7 @@
                               <m:chr m:val="̅"/>
                               <m:ctrlPr>
                                 <a:rPr lang="en-US" i="1" smtClean="0">
-                                  <a:latin typeface="Cambria Math" panose="02040503050406030204" pitchFamily="18" charset="0"/>
+                                  <a:latin typeface="Cambria Math" charset="0"/>
                                   <a:cs typeface="Times New Roman" panose="02020603050405020304" pitchFamily="18" charset="0"/>
                                 </a:rPr>
                               </m:ctrlPr>
@@ -5684,7 +5684,7 @@
             <p:cNvPr id="49" name="Straight Arrow Connector 48">
               <a:extLst>
                 <a:ext uri="{FF2B5EF4-FFF2-40B4-BE49-F238E27FC236}">
-                  <a16:creationId xmlns:a16="http://schemas.microsoft.com/office/drawing/2014/main" id="{E903B944-1A57-433D-B4D0-F22F71EEA458}"/>
+                  <a16:creationId xmlns:a16="http://schemas.microsoft.com/office/drawing/2014/main" xmlns="" id="{E903B944-1A57-433D-B4D0-F22F71EEA458}"/>
                 </a:ext>
               </a:extLst>
             </p:cNvPr>
@@ -5723,7 +5723,7 @@
             <p:cNvPr id="51" name="Rectangle 50">
               <a:extLst>
                 <a:ext uri="{FF2B5EF4-FFF2-40B4-BE49-F238E27FC236}">
-                  <a16:creationId xmlns:a16="http://schemas.microsoft.com/office/drawing/2014/main" id="{AB67BA3D-C569-427D-9A9B-4C79E6F22EE0}"/>
+                  <a16:creationId xmlns:a16="http://schemas.microsoft.com/office/drawing/2014/main" xmlns="" id="{AB67BA3D-C569-427D-9A9B-4C79E6F22EE0}"/>
                 </a:ext>
               </a:extLst>
             </p:cNvPr>
@@ -5773,7 +5773,7 @@
             <p:cNvPr id="69" name="Rectangle 68">
               <a:extLst>
                 <a:ext uri="{FF2B5EF4-FFF2-40B4-BE49-F238E27FC236}">
-                  <a16:creationId xmlns:a16="http://schemas.microsoft.com/office/drawing/2014/main" id="{26E0E398-1E80-4596-A6B9-0F5696C397D4}"/>
+                  <a16:creationId xmlns:a16="http://schemas.microsoft.com/office/drawing/2014/main" xmlns="" id="{26E0E398-1E80-4596-A6B9-0F5696C397D4}"/>
                 </a:ext>
               </a:extLst>
             </p:cNvPr>
@@ -5855,7 +5855,7 @@
             <p:cNvPr id="71" name="Rectangle 70">
               <a:extLst>
                 <a:ext uri="{FF2B5EF4-FFF2-40B4-BE49-F238E27FC236}">
-                  <a16:creationId xmlns:a16="http://schemas.microsoft.com/office/drawing/2014/main" id="{504C0520-AE5B-4464-8CD7-980FB0A687CE}"/>
+                  <a16:creationId xmlns:a16="http://schemas.microsoft.com/office/drawing/2014/main" xmlns="" id="{504C0520-AE5B-4464-8CD7-980FB0A687CE}"/>
                 </a:ext>
               </a:extLst>
             </p:cNvPr>
@@ -5905,7 +5905,7 @@
             <p:cNvPr id="73" name="Connector: Elbow 72">
               <a:extLst>
                 <a:ext uri="{FF2B5EF4-FFF2-40B4-BE49-F238E27FC236}">
-                  <a16:creationId xmlns:a16="http://schemas.microsoft.com/office/drawing/2014/main" id="{5165D21A-2A53-4581-9F38-F6461DFD99A0}"/>
+                  <a16:creationId xmlns:a16="http://schemas.microsoft.com/office/drawing/2014/main" xmlns="" id="{5165D21A-2A53-4581-9F38-F6461DFD99A0}"/>
                 </a:ext>
               </a:extLst>
             </p:cNvPr>
@@ -5947,7 +5947,7 @@
             <p:cNvPr id="81" name="Straight Arrow Connector 80">
               <a:extLst>
                 <a:ext uri="{FF2B5EF4-FFF2-40B4-BE49-F238E27FC236}">
-                  <a16:creationId xmlns:a16="http://schemas.microsoft.com/office/drawing/2014/main" id="{5C4B79B4-88B7-4C8C-A198-A2A87975A3A7}"/>
+                  <a16:creationId xmlns:a16="http://schemas.microsoft.com/office/drawing/2014/main" xmlns="" id="{5C4B79B4-88B7-4C8C-A198-A2A87975A3A7}"/>
                 </a:ext>
               </a:extLst>
             </p:cNvPr>
@@ -5990,7 +5990,7 @@
             <p:cNvPr id="83" name="Connector: Elbow 82">
               <a:extLst>
                 <a:ext uri="{FF2B5EF4-FFF2-40B4-BE49-F238E27FC236}">
-                  <a16:creationId xmlns:a16="http://schemas.microsoft.com/office/drawing/2014/main" id="{3383E3DE-3CC6-46C0-A227-15A44A12F86B}"/>
+                  <a16:creationId xmlns:a16="http://schemas.microsoft.com/office/drawing/2014/main" xmlns="" id="{3383E3DE-3CC6-46C0-A227-15A44A12F86B}"/>
                 </a:ext>
               </a:extLst>
             </p:cNvPr>
@@ -6031,7 +6031,7 @@
             <p:cNvPr id="84" name="Straight Arrow Connector 83">
               <a:extLst>
                 <a:ext uri="{FF2B5EF4-FFF2-40B4-BE49-F238E27FC236}">
-                  <a16:creationId xmlns:a16="http://schemas.microsoft.com/office/drawing/2014/main" id="{B84B76BF-E410-4B63-94F2-C8E34193CDC1}"/>
+                  <a16:creationId xmlns:a16="http://schemas.microsoft.com/office/drawing/2014/main" xmlns="" id="{B84B76BF-E410-4B63-94F2-C8E34193CDC1}"/>
                 </a:ext>
               </a:extLst>
             </p:cNvPr>
@@ -6073,7 +6073,7 @@
             <p:cNvPr id="87" name="Straight Arrow Connector 86">
               <a:extLst>
                 <a:ext uri="{FF2B5EF4-FFF2-40B4-BE49-F238E27FC236}">
-                  <a16:creationId xmlns:a16="http://schemas.microsoft.com/office/drawing/2014/main" id="{23B37549-D6EE-4D3B-BABE-479753714C18}"/>
+                  <a16:creationId xmlns:a16="http://schemas.microsoft.com/office/drawing/2014/main" xmlns="" id="{23B37549-D6EE-4D3B-BABE-479753714C18}"/>
                 </a:ext>
               </a:extLst>
             </p:cNvPr>
@@ -6116,7 +6116,7 @@
             <p:cNvPr id="90" name="Straight Arrow Connector 89">
               <a:extLst>
                 <a:ext uri="{FF2B5EF4-FFF2-40B4-BE49-F238E27FC236}">
-                  <a16:creationId xmlns:a16="http://schemas.microsoft.com/office/drawing/2014/main" id="{389A74D0-BF53-487D-BE3B-0D6775AEE3CA}"/>
+                  <a16:creationId xmlns:a16="http://schemas.microsoft.com/office/drawing/2014/main" xmlns="" id="{389A74D0-BF53-487D-BE3B-0D6775AEE3CA}"/>
                 </a:ext>
               </a:extLst>
             </p:cNvPr>
@@ -6157,7 +6157,7 @@
             <p:cNvPr id="92" name="Straight Arrow Connector 91">
               <a:extLst>
                 <a:ext uri="{FF2B5EF4-FFF2-40B4-BE49-F238E27FC236}">
-                  <a16:creationId xmlns:a16="http://schemas.microsoft.com/office/drawing/2014/main" id="{23F0F0F8-DB7A-44D1-996C-1DF9A64BC7B9}"/>
+                  <a16:creationId xmlns:a16="http://schemas.microsoft.com/office/drawing/2014/main" xmlns="" id="{23F0F0F8-DB7A-44D1-996C-1DF9A64BC7B9}"/>
                 </a:ext>
               </a:extLst>
             </p:cNvPr>
@@ -6198,7 +6198,7 @@
             <p:cNvPr id="94" name="Straight Arrow Connector 93">
               <a:extLst>
                 <a:ext uri="{FF2B5EF4-FFF2-40B4-BE49-F238E27FC236}">
-                  <a16:creationId xmlns:a16="http://schemas.microsoft.com/office/drawing/2014/main" id="{0E297948-C0E6-4051-BEC8-1C9E790B7F3C}"/>
+                  <a16:creationId xmlns:a16="http://schemas.microsoft.com/office/drawing/2014/main" xmlns="" id="{0E297948-C0E6-4051-BEC8-1C9E790B7F3C}"/>
                 </a:ext>
               </a:extLst>
             </p:cNvPr>
@@ -6239,7 +6239,7 @@
             <p:cNvPr id="96" name="TextBox 95">
               <a:extLst>
                 <a:ext uri="{FF2B5EF4-FFF2-40B4-BE49-F238E27FC236}">
-                  <a16:creationId xmlns:a16="http://schemas.microsoft.com/office/drawing/2014/main" id="{404CCF82-ED4E-4D35-A960-4578A6857248}"/>
+                  <a16:creationId xmlns:a16="http://schemas.microsoft.com/office/drawing/2014/main" xmlns="" id="{404CCF82-ED4E-4D35-A960-4578A6857248}"/>
                 </a:ext>
               </a:extLst>
             </p:cNvPr>
@@ -6288,7 +6288,7 @@
             <p:cNvPr id="97" name="TextBox 96">
               <a:extLst>
                 <a:ext uri="{FF2B5EF4-FFF2-40B4-BE49-F238E27FC236}">
-                  <a16:creationId xmlns:a16="http://schemas.microsoft.com/office/drawing/2014/main" id="{2205F757-DABF-49A0-85B6-406143A8C08D}"/>
+                  <a16:creationId xmlns:a16="http://schemas.microsoft.com/office/drawing/2014/main" xmlns="" id="{2205F757-DABF-49A0-85B6-406143A8C08D}"/>
                 </a:ext>
               </a:extLst>
             </p:cNvPr>
@@ -6337,7 +6337,7 @@
             <p:cNvPr id="113" name="Straight Arrow Connector 112">
               <a:extLst>
                 <a:ext uri="{FF2B5EF4-FFF2-40B4-BE49-F238E27FC236}">
-                  <a16:creationId xmlns:a16="http://schemas.microsoft.com/office/drawing/2014/main" id="{39C20603-9922-4199-85BE-EAAD43A140D5}"/>
+                  <a16:creationId xmlns:a16="http://schemas.microsoft.com/office/drawing/2014/main" xmlns="" id="{39C20603-9922-4199-85BE-EAAD43A140D5}"/>
                 </a:ext>
               </a:extLst>
             </p:cNvPr>
@@ -6378,7 +6378,7 @@
             <p:cNvPr id="118" name="Straight Arrow Connector 117">
               <a:extLst>
                 <a:ext uri="{FF2B5EF4-FFF2-40B4-BE49-F238E27FC236}">
-                  <a16:creationId xmlns:a16="http://schemas.microsoft.com/office/drawing/2014/main" id="{0277FC26-9665-4773-BF66-4C3E7CB8965B}"/>
+                  <a16:creationId xmlns:a16="http://schemas.microsoft.com/office/drawing/2014/main" xmlns="" id="{0277FC26-9665-4773-BF66-4C3E7CB8965B}"/>
                 </a:ext>
               </a:extLst>
             </p:cNvPr>
@@ -6419,7 +6419,7 @@
             <p:cNvPr id="166" name="Group 165">
               <a:extLst>
                 <a:ext uri="{FF2B5EF4-FFF2-40B4-BE49-F238E27FC236}">
-                  <a16:creationId xmlns:a16="http://schemas.microsoft.com/office/drawing/2014/main" id="{A39444D6-C6FD-49E2-BE61-F3FEAB3190F5}"/>
+                  <a16:creationId xmlns:a16="http://schemas.microsoft.com/office/drawing/2014/main" xmlns="" id="{A39444D6-C6FD-49E2-BE61-F3FEAB3190F5}"/>
                 </a:ext>
               </a:extLst>
             </p:cNvPr>
@@ -6439,7 +6439,7 @@
               <p:cNvPr id="98" name="Rectangle 97">
                 <a:extLst>
                   <a:ext uri="{FF2B5EF4-FFF2-40B4-BE49-F238E27FC236}">
-                    <a16:creationId xmlns:a16="http://schemas.microsoft.com/office/drawing/2014/main" id="{49C0C545-2E1C-4D66-9216-71AADEB597DF}"/>
+                    <a16:creationId xmlns:a16="http://schemas.microsoft.com/office/drawing/2014/main" xmlns="" id="{49C0C545-2E1C-4D66-9216-71AADEB597DF}"/>
                   </a:ext>
                 </a:extLst>
               </p:cNvPr>
@@ -6489,7 +6489,7 @@
               <p:cNvPr id="1028" name="Picture 4" descr="Image result for quadrotor clipart">
                 <a:extLst>
                   <a:ext uri="{FF2B5EF4-FFF2-40B4-BE49-F238E27FC236}">
-                    <a16:creationId xmlns:a16="http://schemas.microsoft.com/office/drawing/2014/main" id="{512E8876-A688-4008-8862-352E0C25C45C}"/>
+                    <a16:creationId xmlns:a16="http://schemas.microsoft.com/office/drawing/2014/main" xmlns="" id="{512E8876-A688-4008-8862-352E0C25C45C}"/>
                   </a:ext>
                 </a:extLst>
               </p:cNvPr>
@@ -6535,7 +6535,7 @@
             <p:cNvPr id="119" name="Rectangle 118">
               <a:extLst>
                 <a:ext uri="{FF2B5EF4-FFF2-40B4-BE49-F238E27FC236}">
-                  <a16:creationId xmlns:a16="http://schemas.microsoft.com/office/drawing/2014/main" id="{48459F0A-52CB-4DCF-BB6E-058B0B42DAAB}"/>
+                  <a16:creationId xmlns:a16="http://schemas.microsoft.com/office/drawing/2014/main" xmlns="" id="{48459F0A-52CB-4DCF-BB6E-058B0B42DAAB}"/>
                 </a:ext>
               </a:extLst>
             </p:cNvPr>
@@ -6592,7 +6592,7 @@
             <p:cNvPr id="156" name="TextBox 155">
               <a:extLst>
                 <a:ext uri="{FF2B5EF4-FFF2-40B4-BE49-F238E27FC236}">
-                  <a16:creationId xmlns:a16="http://schemas.microsoft.com/office/drawing/2014/main" id="{91F61885-E42F-46DB-8245-4C25062FC181}"/>
+                  <a16:creationId xmlns:a16="http://schemas.microsoft.com/office/drawing/2014/main" xmlns="" id="{91F61885-E42F-46DB-8245-4C25062FC181}"/>
                 </a:ext>
               </a:extLst>
             </p:cNvPr>
@@ -6641,7 +6641,7 @@
             <p:cNvPr id="157" name="TextBox 156">
               <a:extLst>
                 <a:ext uri="{FF2B5EF4-FFF2-40B4-BE49-F238E27FC236}">
-                  <a16:creationId xmlns:a16="http://schemas.microsoft.com/office/drawing/2014/main" id="{EECF94F8-A964-4B6F-9B22-7F9A6295808D}"/>
+                  <a16:creationId xmlns:a16="http://schemas.microsoft.com/office/drawing/2014/main" xmlns="" id="{EECF94F8-A964-4B6F-9B22-7F9A6295808D}"/>
                 </a:ext>
               </a:extLst>
             </p:cNvPr>
@@ -6690,7 +6690,7 @@
             <p:cNvPr id="165" name="Connector: Elbow 164">
               <a:extLst>
                 <a:ext uri="{FF2B5EF4-FFF2-40B4-BE49-F238E27FC236}">
-                  <a16:creationId xmlns:a16="http://schemas.microsoft.com/office/drawing/2014/main" id="{E7269B7B-FE94-4A65-9CC6-C73F1FA88DC6}"/>
+                  <a16:creationId xmlns:a16="http://schemas.microsoft.com/office/drawing/2014/main" xmlns="" id="{E7269B7B-FE94-4A65-9CC6-C73F1FA88DC6}"/>
                 </a:ext>
               </a:extLst>
             </p:cNvPr>
@@ -6732,7 +6732,7 @@
             <p:cNvPr id="131" name="Oval 130">
               <a:extLst>
                 <a:ext uri="{FF2B5EF4-FFF2-40B4-BE49-F238E27FC236}">
-                  <a16:creationId xmlns:a16="http://schemas.microsoft.com/office/drawing/2014/main" id="{B0AC01CF-17C2-4FAC-9DC6-B9ED0D0F5C05}"/>
+                  <a16:creationId xmlns:a16="http://schemas.microsoft.com/office/drawing/2014/main" xmlns="" id="{B0AC01CF-17C2-4FAC-9DC6-B9ED0D0F5C05}"/>
                 </a:ext>
               </a:extLst>
             </p:cNvPr>
@@ -6776,7 +6776,7 @@
             <p:cNvPr id="138" name="Connector: Elbow 137">
               <a:extLst>
                 <a:ext uri="{FF2B5EF4-FFF2-40B4-BE49-F238E27FC236}">
-                  <a16:creationId xmlns:a16="http://schemas.microsoft.com/office/drawing/2014/main" id="{6206CCA5-D5CD-47DE-986F-A8E91EB7CC54}"/>
+                  <a16:creationId xmlns:a16="http://schemas.microsoft.com/office/drawing/2014/main" xmlns="" id="{6206CCA5-D5CD-47DE-986F-A8E91EB7CC54}"/>
                 </a:ext>
               </a:extLst>
             </p:cNvPr>
@@ -6820,7 +6820,7 @@
             <p:cNvPr id="142" name="Straight Arrow Connector 141">
               <a:extLst>
                 <a:ext uri="{FF2B5EF4-FFF2-40B4-BE49-F238E27FC236}">
-                  <a16:creationId xmlns:a16="http://schemas.microsoft.com/office/drawing/2014/main" id="{D2E67A87-B173-4B99-8440-CF452F1A38E0}"/>
+                  <a16:creationId xmlns:a16="http://schemas.microsoft.com/office/drawing/2014/main" xmlns="" id="{D2E67A87-B173-4B99-8440-CF452F1A38E0}"/>
                 </a:ext>
               </a:extLst>
             </p:cNvPr>
@@ -6863,7 +6863,7 @@
             <p:cNvPr id="144" name="TextBox 143">
               <a:extLst>
                 <a:ext uri="{FF2B5EF4-FFF2-40B4-BE49-F238E27FC236}">
-                  <a16:creationId xmlns:a16="http://schemas.microsoft.com/office/drawing/2014/main" id="{A785EE6F-12D4-46C0-BA4C-9117173AABDA}"/>
+                  <a16:creationId xmlns:a16="http://schemas.microsoft.com/office/drawing/2014/main" xmlns="" id="{A785EE6F-12D4-46C0-BA4C-9117173AABDA}"/>
                 </a:ext>
               </a:extLst>
             </p:cNvPr>
@@ -6898,7 +6898,7 @@
             <p:cNvPr id="180" name="TextBox 179">
               <a:extLst>
                 <a:ext uri="{FF2B5EF4-FFF2-40B4-BE49-F238E27FC236}">
-                  <a16:creationId xmlns:a16="http://schemas.microsoft.com/office/drawing/2014/main" id="{0D0E36F4-9AF5-4C5E-8D11-09984F3C6B3F}"/>
+                  <a16:creationId xmlns:a16="http://schemas.microsoft.com/office/drawing/2014/main" xmlns="" id="{0D0E36F4-9AF5-4C5E-8D11-09984F3C6B3F}"/>
                 </a:ext>
               </a:extLst>
             </p:cNvPr>
@@ -6933,7 +6933,7 @@
             <p:cNvPr id="181" name="TextBox 180">
               <a:extLst>
                 <a:ext uri="{FF2B5EF4-FFF2-40B4-BE49-F238E27FC236}">
-                  <a16:creationId xmlns:a16="http://schemas.microsoft.com/office/drawing/2014/main" id="{B53EACC7-F351-4A3E-8E20-A8B94C9C3ED4}"/>
+                  <a16:creationId xmlns:a16="http://schemas.microsoft.com/office/drawing/2014/main" xmlns="" id="{B53EACC7-F351-4A3E-8E20-A8B94C9C3ED4}"/>
                 </a:ext>
               </a:extLst>
             </p:cNvPr>
@@ -6971,7 +6971,7 @@
             <p:cNvPr id="163" name="Straight Connector 162">
               <a:extLst>
                 <a:ext uri="{FF2B5EF4-FFF2-40B4-BE49-F238E27FC236}">
-                  <a16:creationId xmlns:a16="http://schemas.microsoft.com/office/drawing/2014/main" id="{034B4283-5944-4597-9D4F-4669F790C382}"/>
+                  <a16:creationId xmlns:a16="http://schemas.microsoft.com/office/drawing/2014/main" xmlns="" id="{034B4283-5944-4597-9D4F-4669F790C382}"/>
                 </a:ext>
               </a:extLst>
             </p:cNvPr>
@@ -7009,7 +7009,7 @@
             <p:cNvPr id="171" name="Straight Arrow Connector 170">
               <a:extLst>
                 <a:ext uri="{FF2B5EF4-FFF2-40B4-BE49-F238E27FC236}">
-                  <a16:creationId xmlns:a16="http://schemas.microsoft.com/office/drawing/2014/main" id="{911719F6-4445-4222-B0D4-6E8CB4447DFA}"/>
+                  <a16:creationId xmlns:a16="http://schemas.microsoft.com/office/drawing/2014/main" xmlns="" id="{911719F6-4445-4222-B0D4-6E8CB4447DFA}"/>
                 </a:ext>
               </a:extLst>
             </p:cNvPr>
@@ -7050,7 +7050,7 @@
             <p:cNvPr id="175" name="Straight Arrow Connector 174">
               <a:extLst>
                 <a:ext uri="{FF2B5EF4-FFF2-40B4-BE49-F238E27FC236}">
-                  <a16:creationId xmlns:a16="http://schemas.microsoft.com/office/drawing/2014/main" id="{8CC90907-2C39-4013-BF15-2ED29471BCB6}"/>
+                  <a16:creationId xmlns:a16="http://schemas.microsoft.com/office/drawing/2014/main" xmlns="" id="{8CC90907-2C39-4013-BF15-2ED29471BCB6}"/>
                 </a:ext>
               </a:extLst>
             </p:cNvPr>
@@ -7091,7 +7091,7 @@
             <p:cNvPr id="216" name="Rectangle 215">
               <a:extLst>
                 <a:ext uri="{FF2B5EF4-FFF2-40B4-BE49-F238E27FC236}">
-                  <a16:creationId xmlns:a16="http://schemas.microsoft.com/office/drawing/2014/main" id="{86BB5EAB-B776-4EBC-87C2-E7DD05A84537}"/>
+                  <a16:creationId xmlns:a16="http://schemas.microsoft.com/office/drawing/2014/main" xmlns="" id="{86BB5EAB-B776-4EBC-87C2-E7DD05A84537}"/>
                 </a:ext>
               </a:extLst>
             </p:cNvPr>
@@ -7141,7 +7141,7 @@
             <p:cNvPr id="187" name="Straight Arrow Connector 186">
               <a:extLst>
                 <a:ext uri="{FF2B5EF4-FFF2-40B4-BE49-F238E27FC236}">
-                  <a16:creationId xmlns:a16="http://schemas.microsoft.com/office/drawing/2014/main" id="{CC668142-2C7E-4943-A9F6-849DF00AB13A}"/>
+                  <a16:creationId xmlns:a16="http://schemas.microsoft.com/office/drawing/2014/main" xmlns="" id="{CC668142-2C7E-4943-A9F6-849DF00AB13A}"/>
                 </a:ext>
               </a:extLst>
             </p:cNvPr>
@@ -7184,7 +7184,7 @@
             <p:cNvPr id="226" name="TextBox 225">
               <a:extLst>
                 <a:ext uri="{FF2B5EF4-FFF2-40B4-BE49-F238E27FC236}">
-                  <a16:creationId xmlns:a16="http://schemas.microsoft.com/office/drawing/2014/main" id="{7827EB0E-839D-43BE-8691-71C760DB67CE}"/>
+                  <a16:creationId xmlns:a16="http://schemas.microsoft.com/office/drawing/2014/main" xmlns="" id="{7827EB0E-839D-43BE-8691-71C760DB67CE}"/>
                 </a:ext>
               </a:extLst>
             </p:cNvPr>
@@ -7226,7 +7226,7 @@
             <p:cNvPr id="227" name="TextBox 226">
               <a:extLst>
                 <a:ext uri="{FF2B5EF4-FFF2-40B4-BE49-F238E27FC236}">
-                  <a16:creationId xmlns:a16="http://schemas.microsoft.com/office/drawing/2014/main" id="{2ABBC1B9-B327-4795-8876-ADADA69C2AE6}"/>
+                  <a16:creationId xmlns:a16="http://schemas.microsoft.com/office/drawing/2014/main" xmlns="" id="{2ABBC1B9-B327-4795-8876-ADADA69C2AE6}"/>
                 </a:ext>
               </a:extLst>
             </p:cNvPr>
@@ -7301,7 +7301,7 @@
             <p:cNvPr id="228" name="TextBox 227">
               <a:extLst>
                 <a:ext uri="{FF2B5EF4-FFF2-40B4-BE49-F238E27FC236}">
-                  <a16:creationId xmlns:a16="http://schemas.microsoft.com/office/drawing/2014/main" id="{AC9E55B6-DD0B-4667-89AF-1ED259CBEE59}"/>
+                  <a16:creationId xmlns:a16="http://schemas.microsoft.com/office/drawing/2014/main" xmlns="" id="{AC9E55B6-DD0B-4667-89AF-1ED259CBEE59}"/>
                 </a:ext>
               </a:extLst>
             </p:cNvPr>
@@ -7350,7 +7350,7 @@
             <p:cNvPr id="229" name="TextBox 228">
               <a:extLst>
                 <a:ext uri="{FF2B5EF4-FFF2-40B4-BE49-F238E27FC236}">
-                  <a16:creationId xmlns:a16="http://schemas.microsoft.com/office/drawing/2014/main" id="{13325EE7-8E46-4014-B7B7-6A448E2A84AF}"/>
+                  <a16:creationId xmlns:a16="http://schemas.microsoft.com/office/drawing/2014/main" xmlns="" id="{13325EE7-8E46-4014-B7B7-6A448E2A84AF}"/>
                 </a:ext>
               </a:extLst>
             </p:cNvPr>
@@ -7399,7 +7399,7 @@
             <p:cNvPr id="230" name="TextBox 229">
               <a:extLst>
                 <a:ext uri="{FF2B5EF4-FFF2-40B4-BE49-F238E27FC236}">
-                  <a16:creationId xmlns:a16="http://schemas.microsoft.com/office/drawing/2014/main" id="{6F69C9A7-FD28-4172-B6C3-71C406DDAD79}"/>
+                  <a16:creationId xmlns:a16="http://schemas.microsoft.com/office/drawing/2014/main" xmlns="" id="{6F69C9A7-FD28-4172-B6C3-71C406DDAD79}"/>
                 </a:ext>
               </a:extLst>
             </p:cNvPr>
@@ -7437,7 +7437,7 @@
             <p:cNvPr id="231" name="TextBox 230">
               <a:extLst>
                 <a:ext uri="{FF2B5EF4-FFF2-40B4-BE49-F238E27FC236}">
-                  <a16:creationId xmlns:a16="http://schemas.microsoft.com/office/drawing/2014/main" id="{70FE2228-E723-4D6D-AC49-A93A51C61693}"/>
+                  <a16:creationId xmlns:a16="http://schemas.microsoft.com/office/drawing/2014/main" xmlns="" id="{70FE2228-E723-4D6D-AC49-A93A51C61693}"/>
                 </a:ext>
               </a:extLst>
             </p:cNvPr>
@@ -7476,7 +7476,7 @@
           <p:cNvPr id="191" name="Oval 190">
             <a:extLst>
               <a:ext uri="{FF2B5EF4-FFF2-40B4-BE49-F238E27FC236}">
-                <a16:creationId xmlns:a16="http://schemas.microsoft.com/office/drawing/2014/main" id="{5C3651C0-6E30-437F-B889-B683B93EFB66}"/>
+                <a16:creationId xmlns:a16="http://schemas.microsoft.com/office/drawing/2014/main" xmlns="" id="{5C3651C0-6E30-437F-B889-B683B93EFB66}"/>
               </a:ext>
             </a:extLst>
           </p:cNvPr>
@@ -7520,7 +7520,7 @@
           <p:cNvPr id="236" name="Oval 235">
             <a:extLst>
               <a:ext uri="{FF2B5EF4-FFF2-40B4-BE49-F238E27FC236}">
-                <a16:creationId xmlns:a16="http://schemas.microsoft.com/office/drawing/2014/main" id="{DFB956FA-2378-48AC-8FAC-503D53641662}"/>
+                <a16:creationId xmlns:a16="http://schemas.microsoft.com/office/drawing/2014/main" xmlns="" id="{DFB956FA-2378-48AC-8FAC-503D53641662}"/>
               </a:ext>
             </a:extLst>
           </p:cNvPr>
@@ -7564,7 +7564,7 @@
           <p:cNvPr id="237" name="TextBox 236">
             <a:extLst>
               <a:ext uri="{FF2B5EF4-FFF2-40B4-BE49-F238E27FC236}">
-                <a16:creationId xmlns:a16="http://schemas.microsoft.com/office/drawing/2014/main" id="{85664D0E-96EE-4CA6-9E22-5002561968E6}"/>
+                <a16:creationId xmlns:a16="http://schemas.microsoft.com/office/drawing/2014/main" xmlns="" id="{85664D0E-96EE-4CA6-9E22-5002561968E6}"/>
               </a:ext>
             </a:extLst>
           </p:cNvPr>
@@ -7599,7 +7599,7 @@
           <p:cNvPr id="238" name="TextBox 237">
             <a:extLst>
               <a:ext uri="{FF2B5EF4-FFF2-40B4-BE49-F238E27FC236}">
-                <a16:creationId xmlns:a16="http://schemas.microsoft.com/office/drawing/2014/main" id="{EB5FB5F3-D11A-4082-97C1-6573328E5241}"/>
+                <a16:creationId xmlns:a16="http://schemas.microsoft.com/office/drawing/2014/main" xmlns="" id="{EB5FB5F3-D11A-4082-97C1-6573328E5241}"/>
               </a:ext>
             </a:extLst>
           </p:cNvPr>
@@ -7634,7 +7634,7 @@
           <p:cNvPr id="239" name="TextBox 238">
             <a:extLst>
               <a:ext uri="{FF2B5EF4-FFF2-40B4-BE49-F238E27FC236}">
-                <a16:creationId xmlns:a16="http://schemas.microsoft.com/office/drawing/2014/main" id="{F4D388DF-0B56-488A-AF19-14D1B291EB54}"/>
+                <a16:creationId xmlns:a16="http://schemas.microsoft.com/office/drawing/2014/main" xmlns="" id="{F4D388DF-0B56-488A-AF19-14D1B291EB54}"/>
               </a:ext>
             </a:extLst>
           </p:cNvPr>
@@ -7669,7 +7669,7 @@
           <p:cNvPr id="240" name="TextBox 239">
             <a:extLst>
               <a:ext uri="{FF2B5EF4-FFF2-40B4-BE49-F238E27FC236}">
-                <a16:creationId xmlns:a16="http://schemas.microsoft.com/office/drawing/2014/main" id="{39E21419-B4E9-4BF5-ADF3-B8EFFF74F6C8}"/>
+                <a16:creationId xmlns:a16="http://schemas.microsoft.com/office/drawing/2014/main" xmlns="" id="{39E21419-B4E9-4BF5-ADF3-B8EFFF74F6C8}"/>
               </a:ext>
             </a:extLst>
           </p:cNvPr>
@@ -7704,7 +7704,7 @@
           <p:cNvPr id="62" name="Straight Arrow Connector 61">
             <a:extLst>
               <a:ext uri="{FF2B5EF4-FFF2-40B4-BE49-F238E27FC236}">
-                <a16:creationId xmlns:a16="http://schemas.microsoft.com/office/drawing/2014/main" id="{51289304-82BB-4485-BE4E-DCD2168FAFCD}"/>
+                <a16:creationId xmlns:a16="http://schemas.microsoft.com/office/drawing/2014/main" xmlns="" id="{51289304-82BB-4485-BE4E-DCD2168FAFCD}"/>
               </a:ext>
             </a:extLst>
           </p:cNvPr>
@@ -7745,7 +7745,7 @@
           <p:cNvPr id="68" name="Picture 4" descr="Image result for quadrotor clipart">
             <a:extLst>
               <a:ext uri="{FF2B5EF4-FFF2-40B4-BE49-F238E27FC236}">
-                <a16:creationId xmlns:a16="http://schemas.microsoft.com/office/drawing/2014/main" id="{0460257B-4470-45A7-83A0-02E94ACE4996}"/>
+                <a16:creationId xmlns:a16="http://schemas.microsoft.com/office/drawing/2014/main" xmlns="" id="{0460257B-4470-45A7-83A0-02E94ACE4996}"/>
               </a:ext>
             </a:extLst>
           </p:cNvPr>
@@ -7790,7 +7790,7 @@
           <p:cNvPr id="75" name="Straight Arrow Connector 74">
             <a:extLst>
               <a:ext uri="{FF2B5EF4-FFF2-40B4-BE49-F238E27FC236}">
-                <a16:creationId xmlns:a16="http://schemas.microsoft.com/office/drawing/2014/main" id="{8585588A-C3D7-4A03-AB71-7BDAEEE1FC7B}"/>
+                <a16:creationId xmlns:a16="http://schemas.microsoft.com/office/drawing/2014/main" xmlns="" id="{8585588A-C3D7-4A03-AB71-7BDAEEE1FC7B}"/>
               </a:ext>
             </a:extLst>
           </p:cNvPr>
@@ -7833,7 +7833,7 @@
           <p:cNvPr id="85" name="Straight Arrow Connector 84">
             <a:extLst>
               <a:ext uri="{FF2B5EF4-FFF2-40B4-BE49-F238E27FC236}">
-                <a16:creationId xmlns:a16="http://schemas.microsoft.com/office/drawing/2014/main" id="{DFA2E5B0-2EA1-47E6-A8B2-20978308C51F}"/>
+                <a16:creationId xmlns:a16="http://schemas.microsoft.com/office/drawing/2014/main" xmlns="" id="{DFA2E5B0-2EA1-47E6-A8B2-20978308C51F}"/>
               </a:ext>
             </a:extLst>
           </p:cNvPr>
@@ -7876,7 +7876,7 @@
           <p:cNvPr id="27" name="Rectangle 26">
             <a:extLst>
               <a:ext uri="{FF2B5EF4-FFF2-40B4-BE49-F238E27FC236}">
-                <a16:creationId xmlns:a16="http://schemas.microsoft.com/office/drawing/2014/main" id="{8E3C642D-35FD-4E10-909E-D815B4702A38}"/>
+                <a16:creationId xmlns:a16="http://schemas.microsoft.com/office/drawing/2014/main" xmlns="" id="{8E3C642D-35FD-4E10-909E-D815B4702A38}"/>
               </a:ext>
             </a:extLst>
           </p:cNvPr>
@@ -7932,7 +7932,7 @@
           <p:cNvPr id="2" name="Rectangle 1">
             <a:extLst>
               <a:ext uri="{FF2B5EF4-FFF2-40B4-BE49-F238E27FC236}">
-                <a16:creationId xmlns:a16="http://schemas.microsoft.com/office/drawing/2014/main" id="{2B2AFCDF-524C-4E9D-9AE8-0385B85AF52D}"/>
+                <a16:creationId xmlns:a16="http://schemas.microsoft.com/office/drawing/2014/main" xmlns="" id="{2B2AFCDF-524C-4E9D-9AE8-0385B85AF52D}"/>
               </a:ext>
             </a:extLst>
           </p:cNvPr>
@@ -7982,7 +7982,7 @@
           <p:cNvPr id="5" name="Connector: Elbow 4">
             <a:extLst>
               <a:ext uri="{FF2B5EF4-FFF2-40B4-BE49-F238E27FC236}">
-                <a16:creationId xmlns:a16="http://schemas.microsoft.com/office/drawing/2014/main" id="{1193C734-26D7-4051-8AC3-C8D526DD4E66}"/>
+                <a16:creationId xmlns:a16="http://schemas.microsoft.com/office/drawing/2014/main" xmlns="" id="{1193C734-26D7-4051-8AC3-C8D526DD4E66}"/>
               </a:ext>
             </a:extLst>
           </p:cNvPr>
@@ -8054,30 +8054,145 @@
       </p:grpSpPr>
       <p:grpSp>
         <p:nvGrpSpPr>
-          <p:cNvPr id="188" name="Group 187">
-            <a:extLst>
-              <a:ext uri="{FF2B5EF4-FFF2-40B4-BE49-F238E27FC236}">
-                <a16:creationId xmlns:a16="http://schemas.microsoft.com/office/drawing/2014/main" id="{AF46327E-FA09-426C-9341-2B76C72EA690}"/>
-              </a:ext>
-            </a:extLst>
-          </p:cNvPr>
+          <p:cNvPr id="50" name="Group 49"/>
           <p:cNvGrpSpPr/>
           <p:nvPr/>
         </p:nvGrpSpPr>
         <p:grpSpPr>
           <a:xfrm>
-            <a:off x="155234" y="539931"/>
-            <a:ext cx="11096240" cy="5634446"/>
-            <a:chOff x="1161432" y="1221377"/>
-            <a:chExt cx="8961101" cy="3852985"/>
+            <a:off x="155234" y="531982"/>
+            <a:ext cx="11284926" cy="5642395"/>
+            <a:chOff x="155234" y="531982"/>
+            <a:chExt cx="11284926" cy="5642395"/>
           </a:xfrm>
         </p:grpSpPr>
+        <p:cxnSp>
+          <p:nvCxnSpPr>
+            <p:cNvPr id="113" name="Straight Arrow Connector 112">
+              <a:extLst>
+                <a:ext uri="{FF2B5EF4-FFF2-40B4-BE49-F238E27FC236}">
+                  <a16:creationId xmlns:a16="http://schemas.microsoft.com/office/drawing/2014/main" xmlns="" id="{39C20603-9922-4199-85BE-EAAD43A140D5}"/>
+                </a:ext>
+              </a:extLst>
+            </p:cNvPr>
+            <p:cNvCxnSpPr>
+              <a:cxnSpLocks/>
+            </p:cNvCxnSpPr>
+            <p:nvPr/>
+          </p:nvCxnSpPr>
+          <p:spPr>
+            <a:xfrm>
+              <a:off x="10553231" y="3978906"/>
+              <a:ext cx="886929" cy="0"/>
+            </a:xfrm>
+            <a:prstGeom prst="straightConnector1">
+              <a:avLst/>
+            </a:prstGeom>
+            <a:ln w="38100">
+              <a:tailEnd type="triangle"/>
+            </a:ln>
+          </p:spPr>
+          <p:style>
+            <a:lnRef idx="1">
+              <a:schemeClr val="dk1"/>
+            </a:lnRef>
+            <a:fillRef idx="0">
+              <a:schemeClr val="dk1"/>
+            </a:fillRef>
+            <a:effectRef idx="0">
+              <a:schemeClr val="dk1"/>
+            </a:effectRef>
+            <a:fontRef idx="minor">
+              <a:schemeClr val="tx1"/>
+            </a:fontRef>
+          </p:style>
+        </p:cxnSp>
+        <p:cxnSp>
+          <p:nvCxnSpPr>
+            <p:cNvPr id="118" name="Straight Arrow Connector 117">
+              <a:extLst>
+                <a:ext uri="{FF2B5EF4-FFF2-40B4-BE49-F238E27FC236}">
+                  <a16:creationId xmlns:a16="http://schemas.microsoft.com/office/drawing/2014/main" xmlns="" id="{0277FC26-9665-4773-BF66-4C3E7CB8965B}"/>
+                </a:ext>
+              </a:extLst>
+            </p:cNvPr>
+            <p:cNvCxnSpPr>
+              <a:cxnSpLocks/>
+            </p:cNvCxnSpPr>
+            <p:nvPr/>
+          </p:nvCxnSpPr>
+          <p:spPr>
+            <a:xfrm>
+              <a:off x="10553231" y="3277168"/>
+              <a:ext cx="886929" cy="2120"/>
+            </a:xfrm>
+            <a:prstGeom prst="straightConnector1">
+              <a:avLst/>
+            </a:prstGeom>
+            <a:ln w="38100">
+              <a:tailEnd type="triangle"/>
+            </a:ln>
+          </p:spPr>
+          <p:style>
+            <a:lnRef idx="1">
+              <a:schemeClr val="dk1"/>
+            </a:lnRef>
+            <a:fillRef idx="0">
+              <a:schemeClr val="dk1"/>
+            </a:fillRef>
+            <a:effectRef idx="0">
+              <a:schemeClr val="dk1"/>
+            </a:effectRef>
+            <a:fontRef idx="minor">
+              <a:schemeClr val="tx1"/>
+            </a:fontRef>
+          </p:style>
+        </p:cxnSp>
+        <p:cxnSp>
+          <p:nvCxnSpPr>
+            <p:cNvPr id="49" name="Straight Arrow Connector 48">
+              <a:extLst>
+                <a:ext uri="{FF2B5EF4-FFF2-40B4-BE49-F238E27FC236}">
+                  <a16:creationId xmlns:a16="http://schemas.microsoft.com/office/drawing/2014/main" xmlns="" id="{E903B944-1A57-433D-B4D0-F22F71EEA458}"/>
+                </a:ext>
+              </a:extLst>
+            </p:cNvPr>
+            <p:cNvCxnSpPr/>
+            <p:nvPr/>
+          </p:nvCxnSpPr>
+          <p:spPr>
+            <a:xfrm>
+              <a:off x="6575474" y="3279289"/>
+              <a:ext cx="474478" cy="0"/>
+            </a:xfrm>
+            <a:prstGeom prst="straightConnector1">
+              <a:avLst/>
+            </a:prstGeom>
+            <a:ln w="38100">
+              <a:tailEnd type="triangle"/>
+            </a:ln>
+          </p:spPr>
+          <p:style>
+            <a:lnRef idx="1">
+              <a:schemeClr val="dk1"/>
+            </a:lnRef>
+            <a:fillRef idx="0">
+              <a:schemeClr val="dk1"/>
+            </a:fillRef>
+            <a:effectRef idx="0">
+              <a:schemeClr val="dk1"/>
+            </a:effectRef>
+            <a:fontRef idx="minor">
+              <a:schemeClr val="tx1"/>
+            </a:fontRef>
+          </p:style>
+        </p:cxnSp>
         <p:grpSp>
           <p:nvGrpSpPr>
             <p:cNvPr id="7" name="Group 6">
               <a:extLst>
                 <a:ext uri="{FF2B5EF4-FFF2-40B4-BE49-F238E27FC236}">
-                  <a16:creationId xmlns:a16="http://schemas.microsoft.com/office/drawing/2014/main" id="{0B8B4FAD-5360-4066-B560-2D321E8A5EDC}"/>
+                  <a16:creationId xmlns:a16="http://schemas.microsoft.com/office/drawing/2014/main" xmlns="" id="{0B8B4FAD-5360-4066-B560-2D321E8A5EDC}"/>
                 </a:ext>
               </a:extLst>
             </p:cNvPr>
@@ -8086,8 +8201,8 @@
           </p:nvGrpSpPr>
           <p:grpSpPr>
             <a:xfrm>
-              <a:off x="1619795" y="3076300"/>
-              <a:ext cx="783772" cy="687977"/>
+              <a:off x="722810" y="3252494"/>
+              <a:ext cx="970519" cy="1006069"/>
               <a:chOff x="1558834" y="2238103"/>
               <a:chExt cx="1018903" cy="836024"/>
             </a:xfrm>
@@ -8097,7 +8212,7 @@
               <p:cNvPr id="4" name="Rectangle 3">
                 <a:extLst>
                   <a:ext uri="{FF2B5EF4-FFF2-40B4-BE49-F238E27FC236}">
-                    <a16:creationId xmlns:a16="http://schemas.microsoft.com/office/drawing/2014/main" id="{B6968101-D003-468A-B323-23C77D47A0E1}"/>
+                    <a16:creationId xmlns:a16="http://schemas.microsoft.com/office/drawing/2014/main" xmlns="" id="{B6968101-D003-468A-B323-23C77D47A0E1}"/>
                   </a:ext>
                 </a:extLst>
               </p:cNvPr>
@@ -8112,6 +8227,7 @@
               <a:prstGeom prst="rect">
                 <a:avLst/>
               </a:prstGeom>
+              <a:ln w="38100"/>
             </p:spPr>
             <p:style>
               <a:lnRef idx="2">
@@ -8141,7 +8257,7 @@
               <p:cNvPr id="6" name="Freeform: Shape 5">
                 <a:extLst>
                   <a:ext uri="{FF2B5EF4-FFF2-40B4-BE49-F238E27FC236}">
-                    <a16:creationId xmlns:a16="http://schemas.microsoft.com/office/drawing/2014/main" id="{35D73968-A712-4718-81E1-4E4DBEBA7AE2}"/>
+                    <a16:creationId xmlns:a16="http://schemas.microsoft.com/office/drawing/2014/main" xmlns="" id="{35D73968-A712-4718-81E1-4E4DBEBA7AE2}"/>
                   </a:ext>
                 </a:extLst>
               </p:cNvPr>
@@ -8204,6 +8320,7 @@
                   </a:path>
                 </a:pathLst>
               </a:custGeom>
+              <a:ln w="38100"/>
             </p:spPr>
             <p:style>
               <a:lnRef idx="2">
@@ -8234,7 +8351,7 @@
             <p:cNvPr id="10" name="Rectangle 9">
               <a:extLst>
                 <a:ext uri="{FF2B5EF4-FFF2-40B4-BE49-F238E27FC236}">
-                  <a16:creationId xmlns:a16="http://schemas.microsoft.com/office/drawing/2014/main" id="{961E956B-9821-4FF6-9850-FF476764A488}"/>
+                  <a16:creationId xmlns:a16="http://schemas.microsoft.com/office/drawing/2014/main" xmlns="" id="{961E956B-9821-4FF6-9850-FF476764A488}"/>
                 </a:ext>
               </a:extLst>
             </p:cNvPr>
@@ -8243,12 +8360,13 @@
           </p:nvSpPr>
           <p:spPr>
             <a:xfrm>
-              <a:off x="2856411" y="2795445"/>
-              <a:ext cx="883919" cy="352696"/>
+              <a:off x="2254071" y="2841783"/>
+              <a:ext cx="1094528" cy="515768"/>
             </a:xfrm>
             <a:prstGeom prst="rect">
               <a:avLst/>
             </a:prstGeom>
+            <a:ln w="38100"/>
           </p:spPr>
           <p:style>
             <a:lnRef idx="2">
@@ -8270,7 +8388,7 @@
             <a:p>
               <a:pPr algn="ctr"/>
               <a:r>
-                <a:rPr lang="en-US" b="1" dirty="0">
+                <a:rPr lang="en-US" b="1" i="1" dirty="0">
                   <a:latin typeface="Times New Roman" panose="02020603050405020304" pitchFamily="18" charset="0"/>
                   <a:cs typeface="Times New Roman" panose="02020603050405020304" pitchFamily="18" charset="0"/>
                 </a:rPr>
@@ -8316,7 +8434,7 @@
             <p:cNvPr id="41" name="Rectangle 40">
               <a:extLst>
                 <a:ext uri="{FF2B5EF4-FFF2-40B4-BE49-F238E27FC236}">
-                  <a16:creationId xmlns:a16="http://schemas.microsoft.com/office/drawing/2014/main" id="{3685C48F-35CC-46CA-9649-F0987692B908}"/>
+                  <a16:creationId xmlns:a16="http://schemas.microsoft.com/office/drawing/2014/main" xmlns="" id="{3685C48F-35CC-46CA-9649-F0987692B908}"/>
                 </a:ext>
               </a:extLst>
             </p:cNvPr>
@@ -8325,12 +8443,13 @@
           </p:nvSpPr>
           <p:spPr>
             <a:xfrm>
-              <a:off x="4097759" y="2797631"/>
-              <a:ext cx="992778" cy="1262738"/>
+              <a:off x="3791192" y="2844980"/>
+              <a:ext cx="1229325" cy="1846576"/>
             </a:xfrm>
             <a:prstGeom prst="rect">
               <a:avLst/>
             </a:prstGeom>
+            <a:ln w="38100"/>
           </p:spPr>
           <p:style>
             <a:lnRef idx="2">
@@ -8351,13 +8470,10 @@
             <a:lstStyle/>
             <a:p>
               <a:pPr algn="ctr"/>
-              <a:r>
-                <a:rPr lang="en-US" dirty="0">
-                  <a:latin typeface="Times New Roman" panose="02020603050405020304" pitchFamily="18" charset="0"/>
-                  <a:cs typeface="Times New Roman" panose="02020603050405020304" pitchFamily="18" charset="0"/>
-                </a:rPr>
-                <a:t>Trained Regression Model</a:t>
-              </a:r>
+              <a:endParaRPr lang="en-US" dirty="0" smtClean="0">
+                <a:latin typeface="Times New Roman" panose="02020603050405020304" pitchFamily="18" charset="0"/>
+                <a:cs typeface="Times New Roman" panose="02020603050405020304" pitchFamily="18" charset="0"/>
+              </a:endParaRPr>
             </a:p>
           </p:txBody>
         </p:sp>
@@ -8366,7 +8482,7 @@
             <p:cNvPr id="45" name="Straight Arrow Connector 44">
               <a:extLst>
                 <a:ext uri="{FF2B5EF4-FFF2-40B4-BE49-F238E27FC236}">
-                  <a16:creationId xmlns:a16="http://schemas.microsoft.com/office/drawing/2014/main" id="{EE811716-2770-44ED-AEB6-54CC0896B796}"/>
+                  <a16:creationId xmlns:a16="http://schemas.microsoft.com/office/drawing/2014/main" xmlns="" id="{EE811716-2770-44ED-AEB6-54CC0896B796}"/>
                 </a:ext>
               </a:extLst>
             </p:cNvPr>
@@ -8375,13 +8491,13 @@
           </p:nvCxnSpPr>
           <p:spPr>
             <a:xfrm>
-              <a:off x="5085807" y="3169918"/>
-              <a:ext cx="383179" cy="0"/>
+              <a:off x="5014660" y="3301625"/>
+              <a:ext cx="474478" cy="0"/>
             </a:xfrm>
             <a:prstGeom prst="straightConnector1">
               <a:avLst/>
             </a:prstGeom>
-            <a:ln>
+            <a:ln w="38100">
               <a:tailEnd type="triangle"/>
             </a:ln>
           </p:spPr>
@@ -8405,7 +8521,7 @@
             <p:cNvPr id="46" name="Straight Arrow Connector 45">
               <a:extLst>
                 <a:ext uri="{FF2B5EF4-FFF2-40B4-BE49-F238E27FC236}">
-                  <a16:creationId xmlns:a16="http://schemas.microsoft.com/office/drawing/2014/main" id="{9B8CC8EF-D037-4A9D-9A8E-AAF47EEAF224}"/>
+                  <a16:creationId xmlns:a16="http://schemas.microsoft.com/office/drawing/2014/main" xmlns="" id="{9B8CC8EF-D037-4A9D-9A8E-AAF47EEAF224}"/>
                 </a:ext>
               </a:extLst>
             </p:cNvPr>
@@ -8414,13 +8530,13 @@
           </p:nvCxnSpPr>
           <p:spPr>
             <a:xfrm>
-              <a:off x="5085807" y="3616232"/>
-              <a:ext cx="383179" cy="0"/>
+              <a:off x="5014660" y="4060399"/>
+              <a:ext cx="474478" cy="0"/>
             </a:xfrm>
             <a:prstGeom prst="straightConnector1">
               <a:avLst/>
             </a:prstGeom>
-            <a:ln>
+            <a:ln w="38100">
               <a:tailEnd type="triangle"/>
             </a:ln>
           </p:spPr>
@@ -8439,14 +8555,14 @@
             </a:fontRef>
           </p:style>
         </p:cxnSp>
-        <mc:AlternateContent xmlns:mc="http://schemas.openxmlformats.org/markup-compatibility/2006" xmlns:a14="http://schemas.microsoft.com/office/drawing/2010/main">
-          <mc:Choice Requires="a14">
+        <mc:AlternateContent xmlns:mc="http://schemas.openxmlformats.org/markup-compatibility/2006">
+          <mc:Choice xmlns:a14="http://schemas.microsoft.com/office/drawing/2010/main" Requires="a14">
             <p:sp>
               <p:nvSpPr>
                 <p:cNvPr id="47" name="Rectangle 46">
                   <a:extLst>
                     <a:ext uri="{FF2B5EF4-FFF2-40B4-BE49-F238E27FC236}">
-                      <a16:creationId xmlns:a16="http://schemas.microsoft.com/office/drawing/2014/main" id="{685E7A9E-C017-43BF-8C54-56D58C05D975}"/>
+                      <a16:creationId xmlns:a16="http://schemas.microsoft.com/office/drawing/2014/main" xmlns="" id="{685E7A9E-C017-43BF-8C54-56D58C05D975}"/>
                     </a:ext>
                   </a:extLst>
                 </p:cNvPr>
@@ -8455,12 +8571,13 @@
               </p:nvSpPr>
               <p:spPr>
                 <a:xfrm>
-                  <a:off x="5468986" y="2934784"/>
-                  <a:ext cx="883919" cy="411483"/>
+                  <a:off x="5486213" y="2870441"/>
+                  <a:ext cx="1213726" cy="638343"/>
                 </a:xfrm>
                 <a:prstGeom prst="rect">
                   <a:avLst/>
                 </a:prstGeom>
+                <a:ln w="38100"/>
               </p:spPr>
               <p:style>
                 <a:lnRef idx="2">
@@ -8494,7 +8611,7 @@
                         <m:sSubPr>
                           <m:ctrlPr>
                             <a:rPr lang="en-US" i="1" smtClean="0">
-                              <a:latin typeface="Cambria Math" panose="02040503050406030204" pitchFamily="18" charset="0"/>
+                              <a:latin typeface="Cambria Math" charset="0"/>
                               <a:cs typeface="Times New Roman" panose="02020603050405020304" pitchFamily="18" charset="0"/>
                             </a:rPr>
                           </m:ctrlPr>
@@ -8528,13 +8645,13 @@
               </p:txBody>
             </p:sp>
           </mc:Choice>
-          <mc:Fallback xmlns="">
+          <mc:Fallback>
             <p:sp>
               <p:nvSpPr>
                 <p:cNvPr id="47" name="Rectangle 46">
                   <a:extLst>
                     <a:ext uri="{FF2B5EF4-FFF2-40B4-BE49-F238E27FC236}">
-                      <a16:creationId xmlns:a16="http://schemas.microsoft.com/office/drawing/2014/main" id="{685E7A9E-C017-43BF-8C54-56D58C05D975}"/>
+                      <a16:creationId xmlns:a16="http://schemas.microsoft.com/office/drawing/2014/main" xmlns:a14="http://schemas.microsoft.com/office/drawing/2010/main" xmlns="" id="{685E7A9E-C017-43BF-8C54-56D58C05D975}"/>
                     </a:ext>
                   </a:extLst>
                 </p:cNvPr>
@@ -8545,18 +8662,19 @@
               </p:nvSpPr>
               <p:spPr>
                 <a:xfrm>
-                  <a:off x="5468986" y="2934784"/>
-                  <a:ext cx="883919" cy="411483"/>
+                  <a:off x="5486213" y="2870441"/>
+                  <a:ext cx="1213726" cy="638343"/>
                 </a:xfrm>
                 <a:prstGeom prst="rect">
                   <a:avLst/>
                 </a:prstGeom>
-                <a:blipFill>
+                <a:blipFill rotWithShape="0">
                   <a:blip r:embed="rId2"/>
                   <a:stretch>
-                    <a:fillRect t="-8000" r="-2198" b="-8000"/>
+                    <a:fillRect t="-2703" b="-1802"/>
                   </a:stretch>
                 </a:blipFill>
+                <a:ln w="38100"/>
               </p:spPr>
               <p:txBody>
                 <a:bodyPr/>
@@ -8573,14 +8691,14 @@
             </p:sp>
           </mc:Fallback>
         </mc:AlternateContent>
-        <mc:AlternateContent xmlns:mc="http://schemas.openxmlformats.org/markup-compatibility/2006" xmlns:a14="http://schemas.microsoft.com/office/drawing/2010/main">
-          <mc:Choice Requires="a14">
+        <mc:AlternateContent xmlns:mc="http://schemas.openxmlformats.org/markup-compatibility/2006">
+          <mc:Choice xmlns:a14="http://schemas.microsoft.com/office/drawing/2010/main" Requires="a14">
             <p:sp>
               <p:nvSpPr>
                 <p:cNvPr id="48" name="Rectangle 47">
                   <a:extLst>
                     <a:ext uri="{FF2B5EF4-FFF2-40B4-BE49-F238E27FC236}">
-                      <a16:creationId xmlns:a16="http://schemas.microsoft.com/office/drawing/2014/main" id="{B03E204B-C32E-4A61-AEC1-69894A829499}"/>
+                      <a16:creationId xmlns:a16="http://schemas.microsoft.com/office/drawing/2014/main" xmlns="" id="{B03E204B-C32E-4A61-AEC1-69894A829499}"/>
                     </a:ext>
                   </a:extLst>
                 </p:cNvPr>
@@ -8589,12 +8707,13 @@
               </p:nvSpPr>
               <p:spPr>
                 <a:xfrm>
-                  <a:off x="5468986" y="3378920"/>
-                  <a:ext cx="980181" cy="594359"/>
+                  <a:off x="5502718" y="3755528"/>
+                  <a:ext cx="1213726" cy="936026"/>
                 </a:xfrm>
                 <a:prstGeom prst="rect">
                   <a:avLst/>
                 </a:prstGeom>
+                <a:ln w="38100"/>
               </p:spPr>
               <p:style>
                 <a:lnRef idx="2">
@@ -8628,7 +8747,7 @@
                         <m:sSubPr>
                           <m:ctrlPr>
                             <a:rPr lang="en-US" i="1" smtClean="0">
-                              <a:latin typeface="Cambria Math" panose="02040503050406030204" pitchFamily="18" charset="0"/>
+                              <a:latin typeface="Cambria Math" charset="0"/>
                               <a:cs typeface="Times New Roman" panose="02020603050405020304" pitchFamily="18" charset="0"/>
                             </a:rPr>
                           </m:ctrlPr>
@@ -8639,7 +8758,7 @@
                               <m:chr m:val="̅"/>
                               <m:ctrlPr>
                                 <a:rPr lang="en-US" i="1" smtClean="0">
-                                  <a:latin typeface="Cambria Math" panose="02040503050406030204" pitchFamily="18" charset="0"/>
+                                  <a:latin typeface="Cambria Math" charset="0"/>
                                   <a:cs typeface="Times New Roman" panose="02020603050405020304" pitchFamily="18" charset="0"/>
                                 </a:rPr>
                               </m:ctrlPr>
@@ -8675,13 +8794,13 @@
               </p:txBody>
             </p:sp>
           </mc:Choice>
-          <mc:Fallback xmlns="">
+          <mc:Fallback>
             <p:sp>
               <p:nvSpPr>
                 <p:cNvPr id="48" name="Rectangle 47">
                   <a:extLst>
                     <a:ext uri="{FF2B5EF4-FFF2-40B4-BE49-F238E27FC236}">
-                      <a16:creationId xmlns:a16="http://schemas.microsoft.com/office/drawing/2014/main" id="{B03E204B-C32E-4A61-AEC1-69894A829499}"/>
+                      <a16:creationId xmlns:a16="http://schemas.microsoft.com/office/drawing/2014/main" xmlns:a14="http://schemas.microsoft.com/office/drawing/2010/main" xmlns="" id="{B03E204B-C32E-4A61-AEC1-69894A829499}"/>
                     </a:ext>
                   </a:extLst>
                 </p:cNvPr>
@@ -8692,18 +8811,19 @@
               </p:nvSpPr>
               <p:spPr>
                 <a:xfrm>
-                  <a:off x="5468986" y="3378920"/>
-                  <a:ext cx="980181" cy="594359"/>
+                  <a:off x="5502718" y="3755528"/>
+                  <a:ext cx="1213726" cy="936026"/>
                 </a:xfrm>
                 <a:prstGeom prst="rect">
                   <a:avLst/>
                 </a:prstGeom>
-                <a:blipFill>
+                <a:blipFill rotWithShape="0">
                   <a:blip r:embed="rId3"/>
                   <a:stretch>
-                    <a:fillRect l="-2970" t="-5517" r="-6931" b="-5517"/>
+                    <a:fillRect l="-2927" t="-625" r="-5366"/>
                   </a:stretch>
                 </a:blipFill>
+                <a:ln w="38100"/>
               </p:spPr>
               <p:txBody>
                 <a:bodyPr/>
@@ -8720,51 +8840,12 @@
             </p:sp>
           </mc:Fallback>
         </mc:AlternateContent>
-        <p:cxnSp>
-          <p:nvCxnSpPr>
-            <p:cNvPr id="49" name="Straight Arrow Connector 48">
-              <a:extLst>
-                <a:ext uri="{FF2B5EF4-FFF2-40B4-BE49-F238E27FC236}">
-                  <a16:creationId xmlns:a16="http://schemas.microsoft.com/office/drawing/2014/main" id="{E903B944-1A57-433D-B4D0-F22F71EEA458}"/>
-                </a:ext>
-              </a:extLst>
-            </p:cNvPr>
-            <p:cNvCxnSpPr/>
-            <p:nvPr/>
-          </p:nvCxnSpPr>
-          <p:spPr>
-            <a:xfrm>
-              <a:off x="6352905" y="3169918"/>
-              <a:ext cx="383179" cy="0"/>
-            </a:xfrm>
-            <a:prstGeom prst="straightConnector1">
-              <a:avLst/>
-            </a:prstGeom>
-            <a:ln>
-              <a:tailEnd type="triangle"/>
-            </a:ln>
-          </p:spPr>
-          <p:style>
-            <a:lnRef idx="1">
-              <a:schemeClr val="dk1"/>
-            </a:lnRef>
-            <a:fillRef idx="0">
-              <a:schemeClr val="dk1"/>
-            </a:fillRef>
-            <a:effectRef idx="0">
-              <a:schemeClr val="dk1"/>
-            </a:effectRef>
-            <a:fontRef idx="minor">
-              <a:schemeClr val="tx1"/>
-            </a:fontRef>
-          </p:style>
-        </p:cxnSp>
         <p:sp>
           <p:nvSpPr>
             <p:cNvPr id="51" name="Rectangle 50">
               <a:extLst>
                 <a:ext uri="{FF2B5EF4-FFF2-40B4-BE49-F238E27FC236}">
-                  <a16:creationId xmlns:a16="http://schemas.microsoft.com/office/drawing/2014/main" id="{AB67BA3D-C569-427D-9A9B-4C79E6F22EE0}"/>
+                  <a16:creationId xmlns:a16="http://schemas.microsoft.com/office/drawing/2014/main" xmlns="" id="{AB67BA3D-C569-427D-9A9B-4C79E6F22EE0}"/>
                 </a:ext>
               </a:extLst>
             </p:cNvPr>
@@ -8773,12 +8854,13 @@
           </p:nvSpPr>
           <p:spPr>
             <a:xfrm>
-              <a:off x="6740435" y="2815043"/>
-              <a:ext cx="992778" cy="1053736"/>
+              <a:off x="7063532" y="2870441"/>
+              <a:ext cx="1229325" cy="1821113"/>
             </a:xfrm>
             <a:prstGeom prst="rect">
               <a:avLst/>
             </a:prstGeom>
+            <a:ln w="38100"/>
           </p:spPr>
           <p:style>
             <a:lnRef idx="2">
@@ -8814,7 +8896,7 @@
             <p:cNvPr id="69" name="Rectangle 68">
               <a:extLst>
                 <a:ext uri="{FF2B5EF4-FFF2-40B4-BE49-F238E27FC236}">
-                  <a16:creationId xmlns:a16="http://schemas.microsoft.com/office/drawing/2014/main" id="{26E0E398-1E80-4596-A6B9-0F5696C397D4}"/>
+                  <a16:creationId xmlns:a16="http://schemas.microsoft.com/office/drawing/2014/main" xmlns="" id="{26E0E398-1E80-4596-A6B9-0F5696C397D4}"/>
                 </a:ext>
               </a:extLst>
             </p:cNvPr>
@@ -8823,12 +8905,13 @@
           </p:nvSpPr>
           <p:spPr>
             <a:xfrm>
-              <a:off x="2852060" y="3251559"/>
-              <a:ext cx="883919" cy="352696"/>
+              <a:off x="2248684" y="3508785"/>
+              <a:ext cx="1094528" cy="515768"/>
             </a:xfrm>
             <a:prstGeom prst="rect">
               <a:avLst/>
             </a:prstGeom>
+            <a:ln w="38100"/>
           </p:spPr>
           <p:style>
             <a:lnRef idx="2">
@@ -8850,7 +8933,7 @@
             <a:p>
               <a:pPr algn="ctr"/>
               <a:r>
-                <a:rPr lang="en-US" b="1" dirty="0">
+                <a:rPr lang="en-US" b="1" i="1" dirty="0">
                   <a:latin typeface="Times New Roman" panose="02020603050405020304" pitchFamily="18" charset="0"/>
                   <a:cs typeface="Times New Roman" panose="02020603050405020304" pitchFamily="18" charset="0"/>
                 </a:rPr>
@@ -8896,7 +8979,7 @@
             <p:cNvPr id="71" name="Rectangle 70">
               <a:extLst>
                 <a:ext uri="{FF2B5EF4-FFF2-40B4-BE49-F238E27FC236}">
-                  <a16:creationId xmlns:a16="http://schemas.microsoft.com/office/drawing/2014/main" id="{504C0520-AE5B-4464-8CD7-980FB0A687CE}"/>
+                  <a16:creationId xmlns:a16="http://schemas.microsoft.com/office/drawing/2014/main" xmlns="" id="{504C0520-AE5B-4464-8CD7-980FB0A687CE}"/>
                 </a:ext>
               </a:extLst>
             </p:cNvPr>
@@ -8905,12 +8988,13 @@
           </p:nvSpPr>
           <p:spPr>
             <a:xfrm>
-              <a:off x="2847330" y="3707673"/>
-              <a:ext cx="883919" cy="352696"/>
+              <a:off x="2242827" y="4175787"/>
+              <a:ext cx="1094528" cy="515768"/>
             </a:xfrm>
             <a:prstGeom prst="rect">
               <a:avLst/>
             </a:prstGeom>
+            <a:ln w="38100"/>
           </p:spPr>
           <p:style>
             <a:lnRef idx="2">
@@ -8946,7 +9030,7 @@
             <p:cNvPr id="73" name="Connector: Elbow 72">
               <a:extLst>
                 <a:ext uri="{FF2B5EF4-FFF2-40B4-BE49-F238E27FC236}">
-                  <a16:creationId xmlns:a16="http://schemas.microsoft.com/office/drawing/2014/main" id="{5165D21A-2A53-4581-9F38-F6461DFD99A0}"/>
+                  <a16:creationId xmlns:a16="http://schemas.microsoft.com/office/drawing/2014/main" xmlns="" id="{5165D21A-2A53-4581-9F38-F6461DFD99A0}"/>
                 </a:ext>
               </a:extLst>
             </p:cNvPr>
@@ -8958,13 +9042,13 @@
           </p:nvCxnSpPr>
           <p:spPr>
             <a:xfrm flipV="1">
-              <a:off x="2403567" y="2971793"/>
-              <a:ext cx="452844" cy="236222"/>
+              <a:off x="1693329" y="3099667"/>
+              <a:ext cx="560742" cy="345441"/>
             </a:xfrm>
             <a:prstGeom prst="bentConnector3">
               <a:avLst/>
             </a:prstGeom>
-            <a:ln>
+            <a:ln w="38100">
               <a:tailEnd type="triangle"/>
             </a:ln>
           </p:spPr>
@@ -8988,7 +9072,7 @@
             <p:cNvPr id="81" name="Straight Arrow Connector 80">
               <a:extLst>
                 <a:ext uri="{FF2B5EF4-FFF2-40B4-BE49-F238E27FC236}">
-                  <a16:creationId xmlns:a16="http://schemas.microsoft.com/office/drawing/2014/main" id="{5C4B79B4-88B7-4C8C-A198-A2A87975A3A7}"/>
+                  <a16:creationId xmlns:a16="http://schemas.microsoft.com/office/drawing/2014/main" xmlns="" id="{5C4B79B4-88B7-4C8C-A198-A2A87975A3A7}"/>
                 </a:ext>
               </a:extLst>
             </p:cNvPr>
@@ -9001,13 +9085,13 @@
           </p:nvCxnSpPr>
           <p:spPr>
             <a:xfrm>
-              <a:off x="2403567" y="3420289"/>
-              <a:ext cx="448493" cy="7618"/>
+              <a:off x="1693329" y="3755529"/>
+              <a:ext cx="555354" cy="11140"/>
             </a:xfrm>
             <a:prstGeom prst="straightConnector1">
               <a:avLst/>
             </a:prstGeom>
-            <a:ln>
+            <a:ln w="38100">
               <a:tailEnd type="triangle"/>
             </a:ln>
           </p:spPr>
@@ -9031,7 +9115,7 @@
             <p:cNvPr id="83" name="Connector: Elbow 82">
               <a:extLst>
                 <a:ext uri="{FF2B5EF4-FFF2-40B4-BE49-F238E27FC236}">
-                  <a16:creationId xmlns:a16="http://schemas.microsoft.com/office/drawing/2014/main" id="{3383E3DE-3CC6-46C0-A227-15A44A12F86B}"/>
+                  <a16:creationId xmlns:a16="http://schemas.microsoft.com/office/drawing/2014/main" xmlns="" id="{3383E3DE-3CC6-46C0-A227-15A44A12F86B}"/>
                 </a:ext>
               </a:extLst>
             </p:cNvPr>
@@ -9042,13 +9126,13 @@
           </p:nvCxnSpPr>
           <p:spPr>
             <a:xfrm>
-              <a:off x="2407736" y="3646166"/>
-              <a:ext cx="452844" cy="236222"/>
+              <a:off x="1698492" y="4085842"/>
+              <a:ext cx="560742" cy="345441"/>
             </a:xfrm>
             <a:prstGeom prst="bentConnector3">
               <a:avLst/>
             </a:prstGeom>
-            <a:ln>
+            <a:ln w="38100">
               <a:tailEnd type="triangle"/>
             </a:ln>
           </p:spPr>
@@ -9072,7 +9156,7 @@
             <p:cNvPr id="84" name="Straight Arrow Connector 83">
               <a:extLst>
                 <a:ext uri="{FF2B5EF4-FFF2-40B4-BE49-F238E27FC236}">
-                  <a16:creationId xmlns:a16="http://schemas.microsoft.com/office/drawing/2014/main" id="{B84B76BF-E410-4B63-94F2-C8E34193CDC1}"/>
+                  <a16:creationId xmlns:a16="http://schemas.microsoft.com/office/drawing/2014/main" xmlns="" id="{B84B76BF-E410-4B63-94F2-C8E34193CDC1}"/>
                 </a:ext>
               </a:extLst>
             </p:cNvPr>
@@ -9084,13 +9168,13 @@
           </p:nvCxnSpPr>
           <p:spPr>
             <a:xfrm>
-              <a:off x="3740330" y="2971793"/>
-              <a:ext cx="357429" cy="0"/>
+              <a:off x="3348600" y="3099667"/>
+              <a:ext cx="442593" cy="0"/>
             </a:xfrm>
             <a:prstGeom prst="straightConnector1">
               <a:avLst/>
             </a:prstGeom>
-            <a:ln>
+            <a:ln w="38100">
               <a:tailEnd type="triangle"/>
             </a:ln>
           </p:spPr>
@@ -9114,7 +9198,7 @@
             <p:cNvPr id="87" name="Straight Arrow Connector 86">
               <a:extLst>
                 <a:ext uri="{FF2B5EF4-FFF2-40B4-BE49-F238E27FC236}">
-                  <a16:creationId xmlns:a16="http://schemas.microsoft.com/office/drawing/2014/main" id="{23B37549-D6EE-4D3B-BABE-479753714C18}"/>
+                  <a16:creationId xmlns:a16="http://schemas.microsoft.com/office/drawing/2014/main" xmlns="" id="{23B37549-D6EE-4D3B-BABE-479753714C18}"/>
                 </a:ext>
               </a:extLst>
             </p:cNvPr>
@@ -9127,13 +9211,13 @@
           </p:nvCxnSpPr>
           <p:spPr>
             <a:xfrm>
-              <a:off x="3735979" y="3427907"/>
-              <a:ext cx="361780" cy="1093"/>
+              <a:off x="3343212" y="3766669"/>
+              <a:ext cx="447980" cy="1598"/>
             </a:xfrm>
             <a:prstGeom prst="straightConnector1">
               <a:avLst/>
             </a:prstGeom>
-            <a:ln>
+            <a:ln w="38100">
               <a:tailEnd type="triangle"/>
             </a:ln>
           </p:spPr>
@@ -9157,7 +9241,7 @@
             <p:cNvPr id="90" name="Straight Arrow Connector 89">
               <a:extLst>
                 <a:ext uri="{FF2B5EF4-FFF2-40B4-BE49-F238E27FC236}">
-                  <a16:creationId xmlns:a16="http://schemas.microsoft.com/office/drawing/2014/main" id="{389A74D0-BF53-487D-BE3B-0D6775AEE3CA}"/>
+                  <a16:creationId xmlns:a16="http://schemas.microsoft.com/office/drawing/2014/main" xmlns="" id="{389A74D0-BF53-487D-BE3B-0D6775AEE3CA}"/>
                 </a:ext>
               </a:extLst>
             </p:cNvPr>
@@ -9168,13 +9252,13 @@
           </p:nvCxnSpPr>
           <p:spPr>
             <a:xfrm>
-              <a:off x="3733804" y="3867686"/>
-              <a:ext cx="361780" cy="1093"/>
+              <a:off x="3340519" y="4409784"/>
+              <a:ext cx="447980" cy="1598"/>
             </a:xfrm>
             <a:prstGeom prst="straightConnector1">
               <a:avLst/>
             </a:prstGeom>
-            <a:ln>
+            <a:ln w="38100">
               <a:tailEnd type="triangle"/>
             </a:ln>
           </p:spPr>
@@ -9198,7 +9282,7 @@
             <p:cNvPr id="92" name="Straight Arrow Connector 91">
               <a:extLst>
                 <a:ext uri="{FF2B5EF4-FFF2-40B4-BE49-F238E27FC236}">
-                  <a16:creationId xmlns:a16="http://schemas.microsoft.com/office/drawing/2014/main" id="{23F0F0F8-DB7A-44D1-996C-1DF9A64BC7B9}"/>
+                  <a16:creationId xmlns:a16="http://schemas.microsoft.com/office/drawing/2014/main" xmlns="" id="{23F0F0F8-DB7A-44D1-996C-1DF9A64BC7B9}"/>
                 </a:ext>
               </a:extLst>
             </p:cNvPr>
@@ -9209,13 +9293,13 @@
           </p:nvCxnSpPr>
           <p:spPr>
             <a:xfrm>
-              <a:off x="7733213" y="3085549"/>
-              <a:ext cx="430993" cy="4355"/>
+              <a:off x="8292857" y="3266019"/>
+              <a:ext cx="533685" cy="6369"/>
             </a:xfrm>
             <a:prstGeom prst="straightConnector1">
               <a:avLst/>
             </a:prstGeom>
-            <a:ln>
+            <a:ln w="38100">
               <a:tailEnd type="triangle"/>
             </a:ln>
           </p:spPr>
@@ -9239,24 +9323,25 @@
             <p:cNvPr id="94" name="Straight Arrow Connector 93">
               <a:extLst>
                 <a:ext uri="{FF2B5EF4-FFF2-40B4-BE49-F238E27FC236}">
-                  <a16:creationId xmlns:a16="http://schemas.microsoft.com/office/drawing/2014/main" id="{0E297948-C0E6-4051-BEC8-1C9E790B7F3C}"/>
+                  <a16:creationId xmlns:a16="http://schemas.microsoft.com/office/drawing/2014/main" xmlns="" id="{0E297948-C0E6-4051-BEC8-1C9E790B7F3C}"/>
                 </a:ext>
               </a:extLst>
             </p:cNvPr>
             <p:cNvCxnSpPr>
               <a:cxnSpLocks/>
+              <a:endCxn id="236" idx="2"/>
             </p:cNvCxnSpPr>
             <p:nvPr/>
           </p:nvCxnSpPr>
           <p:spPr>
-            <a:xfrm>
-              <a:off x="7728859" y="3602074"/>
-              <a:ext cx="429523" cy="0"/>
+            <a:xfrm flipV="1">
+              <a:off x="8287465" y="4019885"/>
+              <a:ext cx="549461" cy="1478"/>
             </a:xfrm>
             <a:prstGeom prst="straightConnector1">
               <a:avLst/>
             </a:prstGeom>
-            <a:ln>
+            <a:ln w="38100">
               <a:tailEnd type="triangle"/>
             </a:ln>
           </p:spPr>
@@ -9280,7 +9365,7 @@
             <p:cNvPr id="96" name="TextBox 95">
               <a:extLst>
                 <a:ext uri="{FF2B5EF4-FFF2-40B4-BE49-F238E27FC236}">
-                  <a16:creationId xmlns:a16="http://schemas.microsoft.com/office/drawing/2014/main" id="{404CCF82-ED4E-4D35-A960-4578A6857248}"/>
+                  <a16:creationId xmlns:a16="http://schemas.microsoft.com/office/drawing/2014/main" xmlns="" id="{404CCF82-ED4E-4D35-A960-4578A6857248}"/>
                 </a:ext>
               </a:extLst>
             </p:cNvPr>
@@ -9289,13 +9374,16 @@
           </p:nvSpPr>
           <p:spPr>
             <a:xfrm>
-              <a:off x="7851960" y="3341911"/>
-              <a:ext cx="360145" cy="252559"/>
+              <a:off x="8311257" y="3633750"/>
+              <a:ext cx="445956" cy="369332"/>
             </a:xfrm>
             <a:prstGeom prst="rect">
               <a:avLst/>
             </a:prstGeom>
             <a:noFill/>
+            <a:ln w="38100">
+              <a:noFill/>
+            </a:ln>
           </p:spPr>
           <p:txBody>
             <a:bodyPr wrap="none" rtlCol="0">
@@ -9304,7 +9392,7 @@
             <a:lstStyle/>
             <a:p>
               <a:r>
-                <a:rPr lang="en-US" b="1" dirty="0">
+                <a:rPr lang="en-US" b="1" i="1" dirty="0">
                   <a:latin typeface="Times New Roman" panose="02020603050405020304" pitchFamily="18" charset="0"/>
                   <a:cs typeface="Times New Roman" panose="02020603050405020304" pitchFamily="18" charset="0"/>
                 </a:rPr>
@@ -9329,7 +9417,7 @@
             <p:cNvPr id="97" name="TextBox 96">
               <a:extLst>
                 <a:ext uri="{FF2B5EF4-FFF2-40B4-BE49-F238E27FC236}">
-                  <a16:creationId xmlns:a16="http://schemas.microsoft.com/office/drawing/2014/main" id="{2205F757-DABF-49A0-85B6-406143A8C08D}"/>
+                  <a16:creationId xmlns:a16="http://schemas.microsoft.com/office/drawing/2014/main" xmlns="" id="{2205F757-DABF-49A0-85B6-406143A8C08D}"/>
                 </a:ext>
               </a:extLst>
             </p:cNvPr>
@@ -9338,13 +9426,16 @@
           </p:nvSpPr>
           <p:spPr>
             <a:xfrm>
-              <a:off x="7851960" y="2840988"/>
-              <a:ext cx="360145" cy="252559"/>
+              <a:off x="8322749" y="2911023"/>
+              <a:ext cx="445956" cy="369332"/>
             </a:xfrm>
             <a:prstGeom prst="rect">
               <a:avLst/>
             </a:prstGeom>
             <a:noFill/>
+            <a:ln w="38100">
+              <a:noFill/>
+            </a:ln>
           </p:spPr>
           <p:txBody>
             <a:bodyPr wrap="none" rtlCol="0">
@@ -9353,7 +9444,7 @@
             <a:lstStyle/>
             <a:p>
               <a:r>
-                <a:rPr lang="en-US" b="1" dirty="0">
+                <a:rPr lang="en-US" b="1" i="1" dirty="0">
                   <a:latin typeface="Times New Roman" panose="02020603050405020304" pitchFamily="18" charset="0"/>
                   <a:cs typeface="Times New Roman" panose="02020603050405020304" pitchFamily="18" charset="0"/>
                 </a:rPr>
@@ -9373,94 +9464,12 @@
             </a:p>
           </p:txBody>
         </p:sp>
-        <p:cxnSp>
-          <p:nvCxnSpPr>
-            <p:cNvPr id="113" name="Straight Arrow Connector 112">
-              <a:extLst>
-                <a:ext uri="{FF2B5EF4-FFF2-40B4-BE49-F238E27FC236}">
-                  <a16:creationId xmlns:a16="http://schemas.microsoft.com/office/drawing/2014/main" id="{39C20603-9922-4199-85BE-EAAD43A140D5}"/>
-                </a:ext>
-              </a:extLst>
-            </p:cNvPr>
-            <p:cNvCxnSpPr>
-              <a:cxnSpLocks/>
-            </p:cNvCxnSpPr>
-            <p:nvPr/>
-          </p:nvCxnSpPr>
-          <p:spPr>
-            <a:xfrm>
-              <a:off x="9558646" y="3573040"/>
-              <a:ext cx="555178" cy="3454"/>
-            </a:xfrm>
-            <a:prstGeom prst="straightConnector1">
-              <a:avLst/>
-            </a:prstGeom>
-            <a:ln>
-              <a:tailEnd type="triangle"/>
-            </a:ln>
-          </p:spPr>
-          <p:style>
-            <a:lnRef idx="1">
-              <a:schemeClr val="dk1"/>
-            </a:lnRef>
-            <a:fillRef idx="0">
-              <a:schemeClr val="dk1"/>
-            </a:fillRef>
-            <a:effectRef idx="0">
-              <a:schemeClr val="dk1"/>
-            </a:effectRef>
-            <a:fontRef idx="minor">
-              <a:schemeClr val="tx1"/>
-            </a:fontRef>
-          </p:style>
-        </p:cxnSp>
-        <p:cxnSp>
-          <p:nvCxnSpPr>
-            <p:cNvPr id="118" name="Straight Arrow Connector 117">
-              <a:extLst>
-                <a:ext uri="{FF2B5EF4-FFF2-40B4-BE49-F238E27FC236}">
-                  <a16:creationId xmlns:a16="http://schemas.microsoft.com/office/drawing/2014/main" id="{0277FC26-9665-4773-BF66-4C3E7CB8965B}"/>
-                </a:ext>
-              </a:extLst>
-            </p:cNvPr>
-            <p:cNvCxnSpPr>
-              <a:cxnSpLocks/>
-            </p:cNvCxnSpPr>
-            <p:nvPr/>
-          </p:nvCxnSpPr>
-          <p:spPr>
-            <a:xfrm>
-              <a:off x="9558646" y="3093173"/>
-              <a:ext cx="563887" cy="0"/>
-            </a:xfrm>
-            <a:prstGeom prst="straightConnector1">
-              <a:avLst/>
-            </a:prstGeom>
-            <a:ln>
-              <a:tailEnd type="triangle"/>
-            </a:ln>
-          </p:spPr>
-          <p:style>
-            <a:lnRef idx="1">
-              <a:schemeClr val="dk1"/>
-            </a:lnRef>
-            <a:fillRef idx="0">
-              <a:schemeClr val="dk1"/>
-            </a:fillRef>
-            <a:effectRef idx="0">
-              <a:schemeClr val="dk1"/>
-            </a:effectRef>
-            <a:fontRef idx="minor">
-              <a:schemeClr val="tx1"/>
-            </a:fontRef>
-          </p:style>
-        </p:cxnSp>
         <p:grpSp>
           <p:nvGrpSpPr>
             <p:cNvPr id="166" name="Group 165">
               <a:extLst>
                 <a:ext uri="{FF2B5EF4-FFF2-40B4-BE49-F238E27FC236}">
-                  <a16:creationId xmlns:a16="http://schemas.microsoft.com/office/drawing/2014/main" id="{A39444D6-C6FD-49E2-BE61-F3FEAB3190F5}"/>
+                  <a16:creationId xmlns:a16="http://schemas.microsoft.com/office/drawing/2014/main" xmlns="" id="{A39444D6-C6FD-49E2-BE61-F3FEAB3190F5}"/>
                 </a:ext>
               </a:extLst>
             </p:cNvPr>
@@ -9469,10 +9478,10 @@
           </p:nvGrpSpPr>
           <p:grpSpPr>
             <a:xfrm>
-              <a:off x="8635356" y="2815043"/>
-              <a:ext cx="992778" cy="1053736"/>
+              <a:off x="9409951" y="2870442"/>
+              <a:ext cx="1229325" cy="1821112"/>
               <a:chOff x="8504908" y="1976846"/>
-              <a:chExt cx="992778" cy="1053736"/>
+              <a:chExt cx="992778" cy="1245325"/>
             </a:xfrm>
           </p:grpSpPr>
           <p:sp>
@@ -9480,7 +9489,7 @@
               <p:cNvPr id="98" name="Rectangle 97">
                 <a:extLst>
                   <a:ext uri="{FF2B5EF4-FFF2-40B4-BE49-F238E27FC236}">
-                    <a16:creationId xmlns:a16="http://schemas.microsoft.com/office/drawing/2014/main" id="{49C0C545-2E1C-4D66-9216-71AADEB597DF}"/>
+                    <a16:creationId xmlns:a16="http://schemas.microsoft.com/office/drawing/2014/main" xmlns="" id="{49C0C545-2E1C-4D66-9216-71AADEB597DF}"/>
                   </a:ext>
                 </a:extLst>
               </p:cNvPr>
@@ -9490,11 +9499,15 @@
             <p:spPr>
               <a:xfrm>
                 <a:off x="8504908" y="1976846"/>
-                <a:ext cx="992778" cy="1053736"/>
+                <a:ext cx="992778" cy="1245325"/>
               </a:xfrm>
               <a:prstGeom prst="rect">
                 <a:avLst/>
               </a:prstGeom>
+              <a:solidFill>
+                <a:schemeClr val="bg1"/>
+              </a:solidFill>
+              <a:ln w="38100"/>
             </p:spPr>
             <p:style>
               <a:lnRef idx="2">
@@ -9516,12 +9529,16 @@
               <a:p>
                 <a:pPr algn="ctr"/>
                 <a:r>
-                  <a:rPr lang="en-US" dirty="0">
+                  <a:rPr lang="en-US" dirty="0" smtClean="0">
                     <a:latin typeface="Times New Roman" panose="02020603050405020304" pitchFamily="18" charset="0"/>
                     <a:cs typeface="Times New Roman" panose="02020603050405020304" pitchFamily="18" charset="0"/>
                   </a:rPr>
-                  <a:t>Plant (UAV)</a:t>
+                  <a:t>Plant</a:t>
                 </a:r>
+                <a:endParaRPr lang="en-US" dirty="0">
+                  <a:latin typeface="Times New Roman" panose="02020603050405020304" pitchFamily="18" charset="0"/>
+                  <a:cs typeface="Times New Roman" panose="02020603050405020304" pitchFamily="18" charset="0"/>
+                </a:endParaRPr>
               </a:p>
             </p:txBody>
           </p:sp>
@@ -9530,7 +9547,7 @@
               <p:cNvPr id="1028" name="Picture 4" descr="Image result for quadrotor clipart">
                 <a:extLst>
                   <a:ext uri="{FF2B5EF4-FFF2-40B4-BE49-F238E27FC236}">
-                    <a16:creationId xmlns:a16="http://schemas.microsoft.com/office/drawing/2014/main" id="{512E8876-A688-4008-8862-352E0C25C45C}"/>
+                    <a16:creationId xmlns:a16="http://schemas.microsoft.com/office/drawing/2014/main" xmlns="" id="{512E8876-A688-4008-8862-352E0C25C45C}"/>
                   </a:ext>
                 </a:extLst>
               </p:cNvPr>
@@ -9552,13 +9569,16 @@
             </p:blipFill>
             <p:spPr bwMode="auto">
               <a:xfrm>
-                <a:off x="8534506" y="2229746"/>
-                <a:ext cx="947252" cy="759179"/>
+                <a:off x="8562552" y="2354424"/>
+                <a:ext cx="879812" cy="653139"/>
               </a:xfrm>
               <a:prstGeom prst="rect">
                 <a:avLst/>
               </a:prstGeom>
               <a:noFill/>
+              <a:ln w="38100">
+                <a:noFill/>
+              </a:ln>
               <a:extLst>
                 <a:ext uri="{909E8E84-426E-40DD-AFC4-6F175D3DCCD1}">
                   <a14:hiddenFill xmlns:a14="http://schemas.microsoft.com/office/drawing/2010/main">
@@ -9576,7 +9596,7 @@
             <p:cNvPr id="119" name="Rectangle 118">
               <a:extLst>
                 <a:ext uri="{FF2B5EF4-FFF2-40B4-BE49-F238E27FC236}">
-                  <a16:creationId xmlns:a16="http://schemas.microsoft.com/office/drawing/2014/main" id="{48459F0A-52CB-4DCF-BB6E-058B0B42DAAB}"/>
+                  <a16:creationId xmlns:a16="http://schemas.microsoft.com/office/drawing/2014/main" xmlns="" id="{48459F0A-52CB-4DCF-BB6E-058B0B42DAAB}"/>
                 </a:ext>
               </a:extLst>
             </p:cNvPr>
@@ -9585,12 +9605,13 @@
           </p:nvSpPr>
           <p:spPr>
             <a:xfrm>
-              <a:off x="8142517" y="4079508"/>
-              <a:ext cx="335277" cy="305706"/>
+              <a:off x="8799685" y="4719544"/>
+              <a:ext cx="415163" cy="447052"/>
             </a:xfrm>
             <a:prstGeom prst="rect">
               <a:avLst/>
             </a:prstGeom>
+            <a:ln w="38100"/>
           </p:spPr>
           <p:style>
             <a:lnRef idx="2">
@@ -9633,7 +9654,7 @@
             <p:cNvPr id="156" name="TextBox 155">
               <a:extLst>
                 <a:ext uri="{FF2B5EF4-FFF2-40B4-BE49-F238E27FC236}">
-                  <a16:creationId xmlns:a16="http://schemas.microsoft.com/office/drawing/2014/main" id="{91F61885-E42F-46DB-8245-4C25062FC181}"/>
+                  <a16:creationId xmlns:a16="http://schemas.microsoft.com/office/drawing/2014/main" xmlns="" id="{91F61885-E42F-46DB-8245-4C25062FC181}"/>
                 </a:ext>
               </a:extLst>
             </p:cNvPr>
@@ -9642,13 +9663,16 @@
           </p:nvSpPr>
           <p:spPr>
             <a:xfrm>
-              <a:off x="9633946" y="2857477"/>
-              <a:ext cx="314835" cy="252559"/>
+              <a:off x="10660549" y="2901550"/>
+              <a:ext cx="389850" cy="369332"/>
             </a:xfrm>
             <a:prstGeom prst="rect">
               <a:avLst/>
             </a:prstGeom>
             <a:noFill/>
+            <a:ln w="38100">
+              <a:noFill/>
+            </a:ln>
           </p:spPr>
           <p:txBody>
             <a:bodyPr wrap="none" rtlCol="0">
@@ -9657,7 +9681,7 @@
             <a:lstStyle/>
             <a:p>
               <a:r>
-                <a:rPr lang="en-US" b="1" dirty="0">
+                <a:rPr lang="en-US" b="1" i="1" dirty="0">
                   <a:latin typeface="Times New Roman" panose="02020603050405020304" pitchFamily="18" charset="0"/>
                   <a:cs typeface="Times New Roman" panose="02020603050405020304" pitchFamily="18" charset="0"/>
                 </a:rPr>
@@ -9682,7 +9706,7 @@
             <p:cNvPr id="157" name="TextBox 156">
               <a:extLst>
                 <a:ext uri="{FF2B5EF4-FFF2-40B4-BE49-F238E27FC236}">
-                  <a16:creationId xmlns:a16="http://schemas.microsoft.com/office/drawing/2014/main" id="{EECF94F8-A964-4B6F-9B22-7F9A6295808D}"/>
+                  <a16:creationId xmlns:a16="http://schemas.microsoft.com/office/drawing/2014/main" xmlns="" id="{EECF94F8-A964-4B6F-9B22-7F9A6295808D}"/>
                 </a:ext>
               </a:extLst>
             </p:cNvPr>
@@ -9691,13 +9715,16 @@
           </p:nvSpPr>
           <p:spPr>
             <a:xfrm>
-              <a:off x="9639968" y="3346266"/>
-              <a:ext cx="314835" cy="252559"/>
+              <a:off x="10673342" y="3609574"/>
+              <a:ext cx="389850" cy="369332"/>
             </a:xfrm>
             <a:prstGeom prst="rect">
               <a:avLst/>
             </a:prstGeom>
             <a:noFill/>
+            <a:ln w="38100">
+              <a:noFill/>
+            </a:ln>
           </p:spPr>
           <p:txBody>
             <a:bodyPr wrap="none" rtlCol="0">
@@ -9706,7 +9733,7 @@
             <a:lstStyle/>
             <a:p>
               <a:r>
-                <a:rPr lang="en-US" b="1" dirty="0">
+                <a:rPr lang="en-US" b="1" i="1" dirty="0">
                   <a:latin typeface="Times New Roman" panose="02020603050405020304" pitchFamily="18" charset="0"/>
                   <a:cs typeface="Times New Roman" panose="02020603050405020304" pitchFamily="18" charset="0"/>
                 </a:rPr>
@@ -9731,7 +9758,7 @@
             <p:cNvPr id="165" name="Connector: Elbow 164">
               <a:extLst>
                 <a:ext uri="{FF2B5EF4-FFF2-40B4-BE49-F238E27FC236}">
-                  <a16:creationId xmlns:a16="http://schemas.microsoft.com/office/drawing/2014/main" id="{E7269B7B-FE94-4A65-9CC6-C73F1FA88DC6}"/>
+                  <a16:creationId xmlns:a16="http://schemas.microsoft.com/office/drawing/2014/main" xmlns="" id="{E7269B7B-FE94-4A65-9CC6-C73F1FA88DC6}"/>
                 </a:ext>
               </a:extLst>
             </p:cNvPr>
@@ -9743,13 +9770,13 @@
           </p:nvCxnSpPr>
           <p:spPr>
             <a:xfrm rot="5400000">
-              <a:off x="8328330" y="3251852"/>
-              <a:ext cx="1824909" cy="1514415"/>
+              <a:off x="8825298" y="3678897"/>
+              <a:ext cx="2668671" cy="1875251"/>
             </a:xfrm>
             <a:prstGeom prst="bentConnector2">
               <a:avLst/>
             </a:prstGeom>
-            <a:ln>
+            <a:ln w="38100">
               <a:tailEnd type="triangle"/>
             </a:ln>
           </p:spPr>
@@ -9773,7 +9800,7 @@
             <p:cNvPr id="131" name="Oval 130">
               <a:extLst>
                 <a:ext uri="{FF2B5EF4-FFF2-40B4-BE49-F238E27FC236}">
-                  <a16:creationId xmlns:a16="http://schemas.microsoft.com/office/drawing/2014/main" id="{B0AC01CF-17C2-4FAC-9DC6-B9ED0D0F5C05}"/>
+                  <a16:creationId xmlns:a16="http://schemas.microsoft.com/office/drawing/2014/main" xmlns="" id="{B0AC01CF-17C2-4FAC-9DC6-B9ED0D0F5C05}"/>
                 </a:ext>
               </a:extLst>
             </p:cNvPr>
@@ -9782,12 +9809,13 @@
           </p:nvSpPr>
           <p:spPr>
             <a:xfrm>
-              <a:off x="8148299" y="4768665"/>
-              <a:ext cx="335277" cy="305697"/>
+              <a:off x="8806844" y="5727338"/>
+              <a:ext cx="415163" cy="447039"/>
             </a:xfrm>
             <a:prstGeom prst="ellipse">
               <a:avLst/>
             </a:prstGeom>
+            <a:ln w="38100"/>
           </p:spPr>
           <p:style>
             <a:lnRef idx="2">
@@ -9817,7 +9845,7 @@
             <p:cNvPr id="138" name="Connector: Elbow 137">
               <a:extLst>
                 <a:ext uri="{FF2B5EF4-FFF2-40B4-BE49-F238E27FC236}">
-                  <a16:creationId xmlns:a16="http://schemas.microsoft.com/office/drawing/2014/main" id="{6206CCA5-D5CD-47DE-986F-A8E91EB7CC54}"/>
+                  <a16:creationId xmlns:a16="http://schemas.microsoft.com/office/drawing/2014/main" xmlns="" id="{6206CCA5-D5CD-47DE-986F-A8E91EB7CC54}"/>
                 </a:ext>
               </a:extLst>
             </p:cNvPr>
@@ -9829,15 +9857,15 @@
           </p:nvCxnSpPr>
           <p:spPr>
             <a:xfrm>
-              <a:off x="3958239" y="2971793"/>
-              <a:ext cx="4190060" cy="1949721"/>
+              <a:off x="3618429" y="3099667"/>
+              <a:ext cx="5188415" cy="2851191"/>
             </a:xfrm>
             <a:prstGeom prst="bentConnector3">
               <a:avLst>
                 <a:gd name="adj1" fmla="val -1128"/>
               </a:avLst>
             </a:prstGeom>
-            <a:ln>
+            <a:ln w="38100">
               <a:tailEnd type="triangle"/>
             </a:ln>
           </p:spPr>
@@ -9861,7 +9889,7 @@
             <p:cNvPr id="142" name="Straight Arrow Connector 141">
               <a:extLst>
                 <a:ext uri="{FF2B5EF4-FFF2-40B4-BE49-F238E27FC236}">
-                  <a16:creationId xmlns:a16="http://schemas.microsoft.com/office/drawing/2014/main" id="{D2E67A87-B173-4B99-8440-CF452F1A38E0}"/>
+                  <a16:creationId xmlns:a16="http://schemas.microsoft.com/office/drawing/2014/main" xmlns="" id="{D2E67A87-B173-4B99-8440-CF452F1A38E0}"/>
                 </a:ext>
               </a:extLst>
             </p:cNvPr>
@@ -9874,13 +9902,13 @@
           </p:nvCxnSpPr>
           <p:spPr>
             <a:xfrm flipH="1" flipV="1">
-              <a:off x="8310156" y="4385214"/>
-              <a:ext cx="5782" cy="383451"/>
+              <a:off x="9007267" y="5166595"/>
+              <a:ext cx="7160" cy="560743"/>
             </a:xfrm>
             <a:prstGeom prst="straightConnector1">
               <a:avLst/>
             </a:prstGeom>
-            <a:ln>
+            <a:ln w="38100">
               <a:tailEnd type="triangle"/>
             </a:ln>
           </p:spPr>
@@ -9904,7 +9932,7 @@
             <p:cNvPr id="144" name="TextBox 143">
               <a:extLst>
                 <a:ext uri="{FF2B5EF4-FFF2-40B4-BE49-F238E27FC236}">
-                  <a16:creationId xmlns:a16="http://schemas.microsoft.com/office/drawing/2014/main" id="{A785EE6F-12D4-46C0-BA4C-9117173AABDA}"/>
+                  <a16:creationId xmlns:a16="http://schemas.microsoft.com/office/drawing/2014/main" xmlns="" id="{A785EE6F-12D4-46C0-BA4C-9117173AABDA}"/>
                 </a:ext>
               </a:extLst>
             </p:cNvPr>
@@ -9913,13 +9941,16 @@
           </p:nvSpPr>
           <p:spPr>
             <a:xfrm>
-              <a:off x="8453934" y="4633876"/>
-              <a:ext cx="242340" cy="252559"/>
+              <a:off x="9185302" y="5530228"/>
+              <a:ext cx="300082" cy="369332"/>
             </a:xfrm>
             <a:prstGeom prst="rect">
               <a:avLst/>
             </a:prstGeom>
             <a:noFill/>
+            <a:ln w="38100">
+              <a:noFill/>
+            </a:ln>
           </p:spPr>
           <p:txBody>
             <a:bodyPr wrap="none" rtlCol="0">
@@ -9939,7 +9970,7 @@
             <p:cNvPr id="180" name="TextBox 179">
               <a:extLst>
                 <a:ext uri="{FF2B5EF4-FFF2-40B4-BE49-F238E27FC236}">
-                  <a16:creationId xmlns:a16="http://schemas.microsoft.com/office/drawing/2014/main" id="{0D0E36F4-9AF5-4C5E-8D11-09984F3C6B3F}"/>
+                  <a16:creationId xmlns:a16="http://schemas.microsoft.com/office/drawing/2014/main" xmlns="" id="{0D0E36F4-9AF5-4C5E-8D11-09984F3C6B3F}"/>
                 </a:ext>
               </a:extLst>
             </p:cNvPr>
@@ -9948,13 +9979,16 @@
           </p:nvSpPr>
           <p:spPr>
             <a:xfrm>
-              <a:off x="7975474" y="4665938"/>
-              <a:ext cx="242340" cy="252559"/>
+              <a:off x="8592841" y="5577115"/>
+              <a:ext cx="300082" cy="369332"/>
             </a:xfrm>
             <a:prstGeom prst="rect">
               <a:avLst/>
             </a:prstGeom>
             <a:noFill/>
+            <a:ln w="38100">
+              <a:noFill/>
+            </a:ln>
           </p:spPr>
           <p:txBody>
             <a:bodyPr wrap="none" rtlCol="0">
@@ -9974,7 +10008,7 @@
             <p:cNvPr id="181" name="TextBox 180">
               <a:extLst>
                 <a:ext uri="{FF2B5EF4-FFF2-40B4-BE49-F238E27FC236}">
-                  <a16:creationId xmlns:a16="http://schemas.microsoft.com/office/drawing/2014/main" id="{B53EACC7-F351-4A3E-8E20-A8B94C9C3ED4}"/>
+                  <a16:creationId xmlns:a16="http://schemas.microsoft.com/office/drawing/2014/main" xmlns="" id="{B53EACC7-F351-4A3E-8E20-A8B94C9C3ED4}"/>
                 </a:ext>
               </a:extLst>
             </p:cNvPr>
@@ -9983,13 +10017,16 @@
           </p:nvSpPr>
           <p:spPr>
             <a:xfrm>
-              <a:off x="8259634" y="4485012"/>
-              <a:ext cx="231984" cy="252559"/>
+              <a:off x="9028210" y="5109598"/>
+              <a:ext cx="287258" cy="369332"/>
             </a:xfrm>
             <a:prstGeom prst="rect">
               <a:avLst/>
             </a:prstGeom>
             <a:noFill/>
+            <a:ln w="38100">
+              <a:noFill/>
+            </a:ln>
           </p:spPr>
           <p:txBody>
             <a:bodyPr wrap="none" rtlCol="0">
@@ -10012,23 +10049,26 @@
             <p:cNvPr id="163" name="Straight Connector 162">
               <a:extLst>
                 <a:ext uri="{FF2B5EF4-FFF2-40B4-BE49-F238E27FC236}">
-                  <a16:creationId xmlns:a16="http://schemas.microsoft.com/office/drawing/2014/main" id="{034B4283-5944-4597-9D4F-4669F790C382}"/>
+                  <a16:creationId xmlns:a16="http://schemas.microsoft.com/office/drawing/2014/main" xmlns="" id="{034B4283-5944-4597-9D4F-4669F790C382}"/>
                 </a:ext>
               </a:extLst>
             </p:cNvPr>
             <p:cNvCxnSpPr>
               <a:cxnSpLocks/>
+              <a:stCxn id="119" idx="0"/>
+              <a:endCxn id="236" idx="4"/>
             </p:cNvCxnSpPr>
             <p:nvPr/>
           </p:nvCxnSpPr>
           <p:spPr>
-            <a:xfrm flipV="1">
-              <a:off x="8296090" y="2989211"/>
-              <a:ext cx="18650" cy="1090297"/>
+            <a:xfrm flipH="1" flipV="1">
+              <a:off x="8996947" y="4179906"/>
+              <a:ext cx="10320" cy="539638"/>
             </a:xfrm>
             <a:prstGeom prst="line">
               <a:avLst/>
             </a:prstGeom>
+            <a:ln w="38100"/>
           </p:spPr>
           <p:style>
             <a:lnRef idx="1">
@@ -10050,7 +10090,7 @@
             <p:cNvPr id="171" name="Straight Arrow Connector 170">
               <a:extLst>
                 <a:ext uri="{FF2B5EF4-FFF2-40B4-BE49-F238E27FC236}">
-                  <a16:creationId xmlns:a16="http://schemas.microsoft.com/office/drawing/2014/main" id="{911719F6-4445-4222-B0D4-6E8CB4447DFA}"/>
+                  <a16:creationId xmlns:a16="http://schemas.microsoft.com/office/drawing/2014/main" xmlns="" id="{911719F6-4445-4222-B0D4-6E8CB4447DFA}"/>
                 </a:ext>
               </a:extLst>
             </p:cNvPr>
@@ -10061,13 +10101,13 @@
           </p:nvCxnSpPr>
           <p:spPr>
             <a:xfrm>
-              <a:off x="8411475" y="3603175"/>
-              <a:ext cx="237551" cy="0"/>
+              <a:off x="9132727" y="4022974"/>
+              <a:ext cx="294152" cy="0"/>
             </a:xfrm>
             <a:prstGeom prst="straightConnector1">
               <a:avLst/>
             </a:prstGeom>
-            <a:ln>
+            <a:ln w="38100">
               <a:tailEnd type="triangle"/>
             </a:ln>
           </p:spPr>
@@ -10091,7 +10131,7 @@
             <p:cNvPr id="175" name="Straight Arrow Connector 174">
               <a:extLst>
                 <a:ext uri="{FF2B5EF4-FFF2-40B4-BE49-F238E27FC236}">
-                  <a16:creationId xmlns:a16="http://schemas.microsoft.com/office/drawing/2014/main" id="{8CC90907-2C39-4013-BF15-2ED29471BCB6}"/>
+                  <a16:creationId xmlns:a16="http://schemas.microsoft.com/office/drawing/2014/main" xmlns="" id="{8CC90907-2C39-4013-BF15-2ED29471BCB6}"/>
                 </a:ext>
               </a:extLst>
             </p:cNvPr>
@@ -10102,13 +10142,13 @@
           </p:nvCxnSpPr>
           <p:spPr>
             <a:xfrm flipV="1">
-              <a:off x="8424104" y="3091504"/>
-              <a:ext cx="205486" cy="554"/>
+              <a:off x="9148365" y="3274727"/>
+              <a:ext cx="254447" cy="810"/>
             </a:xfrm>
             <a:prstGeom prst="straightConnector1">
               <a:avLst/>
             </a:prstGeom>
-            <a:ln>
+            <a:ln w="38100">
               <a:tailEnd type="triangle"/>
             </a:ln>
           </p:spPr>
@@ -10132,7 +10172,7 @@
             <p:cNvPr id="216" name="Rectangle 215">
               <a:extLst>
                 <a:ext uri="{FF2B5EF4-FFF2-40B4-BE49-F238E27FC236}">
-                  <a16:creationId xmlns:a16="http://schemas.microsoft.com/office/drawing/2014/main" id="{86BB5EAB-B776-4EBC-87C2-E7DD05A84537}"/>
+                  <a16:creationId xmlns:a16="http://schemas.microsoft.com/office/drawing/2014/main" xmlns="" id="{86BB5EAB-B776-4EBC-87C2-E7DD05A84537}"/>
                 </a:ext>
               </a:extLst>
             </p:cNvPr>
@@ -10141,12 +10181,13 @@
           </p:nvSpPr>
           <p:spPr>
             <a:xfrm>
-              <a:off x="4067473" y="1221377"/>
-              <a:ext cx="1050142" cy="921934"/>
+              <a:off x="3753690" y="539931"/>
+              <a:ext cx="1300357" cy="1348198"/>
             </a:xfrm>
             <a:prstGeom prst="rect">
               <a:avLst/>
             </a:prstGeom>
+            <a:ln w="38100"/>
           </p:spPr>
           <p:style>
             <a:lnRef idx="2">
@@ -10182,7 +10223,7 @@
             <p:cNvPr id="187" name="Straight Arrow Connector 186">
               <a:extLst>
                 <a:ext uri="{FF2B5EF4-FFF2-40B4-BE49-F238E27FC236}">
-                  <a16:creationId xmlns:a16="http://schemas.microsoft.com/office/drawing/2014/main" id="{CC668142-2C7E-4943-A9F6-849DF00AB13A}"/>
+                  <a16:creationId xmlns:a16="http://schemas.microsoft.com/office/drawing/2014/main" xmlns="" id="{CC668142-2C7E-4943-A9F6-849DF00AB13A}"/>
                 </a:ext>
               </a:extLst>
             </p:cNvPr>
@@ -10195,13 +10236,13 @@
           </p:nvCxnSpPr>
           <p:spPr>
             <a:xfrm>
-              <a:off x="4592544" y="2143311"/>
-              <a:ext cx="1604" cy="654320"/>
+              <a:off x="4403868" y="1888129"/>
+              <a:ext cx="1986" cy="956851"/>
             </a:xfrm>
             <a:prstGeom prst="straightConnector1">
               <a:avLst/>
             </a:prstGeom>
-            <a:ln>
+            <a:ln w="38100">
               <a:tailEnd type="triangle"/>
             </a:ln>
           </p:spPr>
@@ -10225,7 +10266,7 @@
             <p:cNvPr id="226" name="TextBox 225">
               <a:extLst>
                 <a:ext uri="{FF2B5EF4-FFF2-40B4-BE49-F238E27FC236}">
-                  <a16:creationId xmlns:a16="http://schemas.microsoft.com/office/drawing/2014/main" id="{7827EB0E-839D-43BE-8691-71C760DB67CE}"/>
+                  <a16:creationId xmlns:a16="http://schemas.microsoft.com/office/drawing/2014/main" xmlns="" id="{7827EB0E-839D-43BE-8691-71C760DB67CE}"/>
                 </a:ext>
               </a:extLst>
             </p:cNvPr>
@@ -10234,13 +10275,16 @@
           </p:nvSpPr>
           <p:spPr>
             <a:xfrm>
-              <a:off x="1161432" y="1221377"/>
-              <a:ext cx="1412617" cy="252559"/>
+              <a:off x="155234" y="539931"/>
+              <a:ext cx="1749198" cy="369332"/>
             </a:xfrm>
             <a:prstGeom prst="rect">
               <a:avLst/>
             </a:prstGeom>
             <a:noFill/>
+            <a:ln w="38100">
+              <a:noFill/>
+            </a:ln>
           </p:spPr>
           <p:txBody>
             <a:bodyPr wrap="none" rtlCol="0">
@@ -10267,7 +10311,7 @@
             <p:cNvPr id="227" name="TextBox 226">
               <a:extLst>
                 <a:ext uri="{FF2B5EF4-FFF2-40B4-BE49-F238E27FC236}">
-                  <a16:creationId xmlns:a16="http://schemas.microsoft.com/office/drawing/2014/main" id="{2ABBC1B9-B327-4795-8876-ADADA69C2AE6}"/>
+                  <a16:creationId xmlns:a16="http://schemas.microsoft.com/office/drawing/2014/main" xmlns="" id="{2ABBC1B9-B327-4795-8876-ADADA69C2AE6}"/>
                 </a:ext>
               </a:extLst>
             </p:cNvPr>
@@ -10276,14 +10320,14 @@
           </p:nvSpPr>
           <p:spPr>
             <a:xfrm>
-              <a:off x="1488768" y="1558106"/>
-              <a:ext cx="553033" cy="252559"/>
+              <a:off x="560564" y="1032350"/>
+              <a:ext cx="684803" cy="369332"/>
             </a:xfrm>
             <a:prstGeom prst="rect">
               <a:avLst/>
             </a:prstGeom>
             <a:noFill/>
-            <a:ln>
+            <a:ln w="38100">
               <a:solidFill>
                 <a:schemeClr val="dk1"/>
               </a:solidFill>
@@ -10296,7 +10340,7 @@
             <a:lstStyle/>
             <a:p>
               <a:r>
-                <a:rPr lang="en-US" b="1" dirty="0">
+                <a:rPr lang="en-US" b="1" i="1" dirty="0">
                   <a:latin typeface="Times New Roman" panose="02020603050405020304" pitchFamily="18" charset="0"/>
                   <a:cs typeface="Times New Roman" panose="02020603050405020304" pitchFamily="18" charset="0"/>
                 </a:rPr>
@@ -10317,7 +10361,7 @@
                 <a:t>, </a:t>
               </a:r>
               <a:r>
-                <a:rPr lang="en-US" b="1" dirty="0">
+                <a:rPr lang="en-US" b="1" i="1" dirty="0">
                   <a:latin typeface="Times New Roman" panose="02020603050405020304" pitchFamily="18" charset="0"/>
                   <a:cs typeface="Times New Roman" panose="02020603050405020304" pitchFamily="18" charset="0"/>
                 </a:rPr>
@@ -10342,7 +10386,7 @@
             <p:cNvPr id="228" name="TextBox 227">
               <a:extLst>
                 <a:ext uri="{FF2B5EF4-FFF2-40B4-BE49-F238E27FC236}">
-                  <a16:creationId xmlns:a16="http://schemas.microsoft.com/office/drawing/2014/main" id="{AC9E55B6-DD0B-4667-89AF-1ED259CBEE59}"/>
+                  <a16:creationId xmlns:a16="http://schemas.microsoft.com/office/drawing/2014/main" xmlns="" id="{AC9E55B6-DD0B-4667-89AF-1ED259CBEE59}"/>
                 </a:ext>
               </a:extLst>
             </p:cNvPr>
@@ -10351,13 +10395,16 @@
           </p:nvSpPr>
           <p:spPr>
             <a:xfrm>
-              <a:off x="8342574" y="2831756"/>
-              <a:ext cx="360145" cy="252559"/>
+              <a:off x="9047409" y="2894883"/>
+              <a:ext cx="445956" cy="369332"/>
             </a:xfrm>
             <a:prstGeom prst="rect">
               <a:avLst/>
             </a:prstGeom>
             <a:noFill/>
+            <a:ln w="38100">
+              <a:noFill/>
+            </a:ln>
           </p:spPr>
           <p:txBody>
             <a:bodyPr wrap="none" rtlCol="0">
@@ -10366,7 +10413,7 @@
             <a:lstStyle/>
             <a:p>
               <a:r>
-                <a:rPr lang="en-US" b="1" dirty="0">
+                <a:rPr lang="en-US" b="1" i="1" dirty="0">
                   <a:latin typeface="Times New Roman" panose="02020603050405020304" pitchFamily="18" charset="0"/>
                   <a:cs typeface="Times New Roman" panose="02020603050405020304" pitchFamily="18" charset="0"/>
                 </a:rPr>
@@ -10391,7 +10438,7 @@
             <p:cNvPr id="229" name="TextBox 228">
               <a:extLst>
                 <a:ext uri="{FF2B5EF4-FFF2-40B4-BE49-F238E27FC236}">
-                  <a16:creationId xmlns:a16="http://schemas.microsoft.com/office/drawing/2014/main" id="{13325EE7-8E46-4014-B7B7-6A448E2A84AF}"/>
+                  <a16:creationId xmlns:a16="http://schemas.microsoft.com/office/drawing/2014/main" xmlns="" id="{13325EE7-8E46-4014-B7B7-6A448E2A84AF}"/>
                 </a:ext>
               </a:extLst>
             </p:cNvPr>
@@ -10400,13 +10447,16 @@
           </p:nvSpPr>
           <p:spPr>
             <a:xfrm>
-              <a:off x="8332448" y="3337886"/>
-              <a:ext cx="360145" cy="252559"/>
+              <a:off x="9034870" y="3635026"/>
+              <a:ext cx="445956" cy="369332"/>
             </a:xfrm>
             <a:prstGeom prst="rect">
               <a:avLst/>
             </a:prstGeom>
             <a:noFill/>
+            <a:ln w="38100">
+              <a:noFill/>
+            </a:ln>
           </p:spPr>
           <p:txBody>
             <a:bodyPr wrap="none" rtlCol="0">
@@ -10415,7 +10465,7 @@
             <a:lstStyle/>
             <a:p>
               <a:r>
-                <a:rPr lang="en-US" b="1" dirty="0">
+                <a:rPr lang="en-US" b="1" i="1" dirty="0">
                   <a:latin typeface="Times New Roman" panose="02020603050405020304" pitchFamily="18" charset="0"/>
                   <a:cs typeface="Times New Roman" panose="02020603050405020304" pitchFamily="18" charset="0"/>
                 </a:rPr>
@@ -10440,7 +10490,7 @@
             <p:cNvPr id="230" name="TextBox 229">
               <a:extLst>
                 <a:ext uri="{FF2B5EF4-FFF2-40B4-BE49-F238E27FC236}">
-                  <a16:creationId xmlns:a16="http://schemas.microsoft.com/office/drawing/2014/main" id="{6F69C9A7-FD28-4172-B6C3-71C406DDAD79}"/>
+                  <a16:creationId xmlns:a16="http://schemas.microsoft.com/office/drawing/2014/main" xmlns="" id="{6F69C9A7-FD28-4172-B6C3-71C406DDAD79}"/>
                 </a:ext>
               </a:extLst>
             </p:cNvPr>
@@ -10449,13 +10499,16 @@
           </p:nvSpPr>
           <p:spPr>
             <a:xfrm>
-              <a:off x="1549646" y="2671719"/>
-              <a:ext cx="1024403" cy="441978"/>
+              <a:off x="635947" y="2604868"/>
+              <a:ext cx="1268485" cy="646330"/>
             </a:xfrm>
             <a:prstGeom prst="rect">
               <a:avLst/>
             </a:prstGeom>
             <a:noFill/>
+            <a:ln w="38100">
+              <a:noFill/>
+            </a:ln>
           </p:spPr>
           <p:txBody>
             <a:bodyPr wrap="square" rtlCol="0">
@@ -10478,7 +10531,7 @@
             <p:cNvPr id="231" name="TextBox 230">
               <a:extLst>
                 <a:ext uri="{FF2B5EF4-FFF2-40B4-BE49-F238E27FC236}">
-                  <a16:creationId xmlns:a16="http://schemas.microsoft.com/office/drawing/2014/main" id="{70FE2228-E723-4D6D-AC49-A93A51C61693}"/>
+                  <a16:creationId xmlns:a16="http://schemas.microsoft.com/office/drawing/2014/main" xmlns="" id="{70FE2228-E723-4D6D-AC49-A93A51C61693}"/>
                 </a:ext>
               </a:extLst>
             </p:cNvPr>
@@ -10487,13 +10540,16 @@
           </p:nvSpPr>
           <p:spPr>
             <a:xfrm>
-              <a:off x="2713808" y="2391772"/>
-              <a:ext cx="1285784" cy="441978"/>
+              <a:off x="2077491" y="2195485"/>
+              <a:ext cx="1592145" cy="646330"/>
             </a:xfrm>
             <a:prstGeom prst="rect">
               <a:avLst/>
             </a:prstGeom>
             <a:noFill/>
+            <a:ln w="38100">
+              <a:noFill/>
+            </a:ln>
           </p:spPr>
           <p:txBody>
             <a:bodyPr wrap="square" rtlCol="0">
@@ -10511,558 +10567,849 @@
             </a:p>
           </p:txBody>
         </p:sp>
-      </p:grpSp>
-      <p:sp>
-        <p:nvSpPr>
-          <p:cNvPr id="191" name="Oval 190">
+        <p:sp>
+          <p:nvSpPr>
+            <p:cNvPr id="191" name="Oval 190">
+              <a:extLst>
+                <a:ext uri="{FF2B5EF4-FFF2-40B4-BE49-F238E27FC236}">
+                  <a16:creationId xmlns:a16="http://schemas.microsoft.com/office/drawing/2014/main" xmlns="" id="{5C3651C0-6E30-437F-B889-B683B93EFB66}"/>
+                </a:ext>
+              </a:extLst>
+            </p:cNvPr>
+            <p:cNvSpPr/>
+            <p:nvPr/>
+          </p:nvSpPr>
+          <p:spPr>
+            <a:xfrm>
+              <a:off x="8822505" y="3119269"/>
+              <a:ext cx="320040" cy="320040"/>
+            </a:xfrm>
+            <a:prstGeom prst="ellipse">
+              <a:avLst/>
+            </a:prstGeom>
+            <a:ln w="38100"/>
+          </p:spPr>
+          <p:style>
+            <a:lnRef idx="2">
+              <a:schemeClr val="dk1"/>
+            </a:lnRef>
+            <a:fillRef idx="1">
+              <a:schemeClr val="lt1"/>
+            </a:fillRef>
+            <a:effectRef idx="0">
+              <a:schemeClr val="dk1"/>
+            </a:effectRef>
+            <a:fontRef idx="minor">
+              <a:schemeClr val="dk1"/>
+            </a:fontRef>
+          </p:style>
+          <p:txBody>
+            <a:bodyPr rtlCol="0" anchor="ctr"/>
+            <a:lstStyle/>
+            <a:p>
+              <a:pPr algn="ctr"/>
+              <a:endParaRPr lang="en-US"/>
+            </a:p>
+          </p:txBody>
+        </p:sp>
+        <p:sp>
+          <p:nvSpPr>
+            <p:cNvPr id="236" name="Oval 235">
+              <a:extLst>
+                <a:ext uri="{FF2B5EF4-FFF2-40B4-BE49-F238E27FC236}">
+                  <a16:creationId xmlns:a16="http://schemas.microsoft.com/office/drawing/2014/main" xmlns="" id="{DFB956FA-2378-48AC-8FAC-503D53641662}"/>
+                </a:ext>
+              </a:extLst>
+            </p:cNvPr>
+            <p:cNvSpPr/>
+            <p:nvPr/>
+          </p:nvSpPr>
+          <p:spPr>
+            <a:xfrm>
+              <a:off x="8836927" y="3859866"/>
+              <a:ext cx="320040" cy="320040"/>
+            </a:xfrm>
+            <a:prstGeom prst="ellipse">
+              <a:avLst/>
+            </a:prstGeom>
+            <a:ln w="38100"/>
+          </p:spPr>
+          <p:style>
+            <a:lnRef idx="2">
+              <a:schemeClr val="dk1"/>
+            </a:lnRef>
+            <a:fillRef idx="1">
+              <a:schemeClr val="lt1"/>
+            </a:fillRef>
+            <a:effectRef idx="0">
+              <a:schemeClr val="dk1"/>
+            </a:effectRef>
+            <a:fontRef idx="minor">
+              <a:schemeClr val="dk1"/>
+            </a:fontRef>
+          </p:style>
+          <p:txBody>
+            <a:bodyPr rtlCol="0" anchor="ctr"/>
+            <a:lstStyle/>
+            <a:p>
+              <a:pPr algn="ctr"/>
+              <a:endParaRPr lang="en-US"/>
+            </a:p>
+          </p:txBody>
+        </p:sp>
+        <p:sp>
+          <p:nvSpPr>
+            <p:cNvPr id="237" name="TextBox 236">
+              <a:extLst>
+                <a:ext uri="{FF2B5EF4-FFF2-40B4-BE49-F238E27FC236}">
+                  <a16:creationId xmlns:a16="http://schemas.microsoft.com/office/drawing/2014/main" xmlns="" id="{85664D0E-96EE-4CA6-9E22-5002561968E6}"/>
+                </a:ext>
+              </a:extLst>
+            </p:cNvPr>
+            <p:cNvSpPr txBox="1"/>
+            <p:nvPr/>
+          </p:nvSpPr>
+          <p:spPr>
+            <a:xfrm>
+              <a:off x="8626938" y="3663466"/>
+              <a:ext cx="300082" cy="369332"/>
+            </a:xfrm>
+            <a:prstGeom prst="rect">
+              <a:avLst/>
+            </a:prstGeom>
+            <a:noFill/>
+            <a:ln w="38100">
+              <a:noFill/>
+            </a:ln>
+          </p:spPr>
+          <p:txBody>
+            <a:bodyPr wrap="none" rtlCol="0">
+              <a:spAutoFit/>
+            </a:bodyPr>
+            <a:lstStyle/>
+            <a:p>
+              <a:r>
+                <a:rPr lang="en-US" dirty="0"/>
+                <a:t>+</a:t>
+              </a:r>
+            </a:p>
+          </p:txBody>
+        </p:sp>
+        <p:sp>
+          <p:nvSpPr>
+            <p:cNvPr id="238" name="TextBox 237">
+              <a:extLst>
+                <a:ext uri="{FF2B5EF4-FFF2-40B4-BE49-F238E27FC236}">
+                  <a16:creationId xmlns:a16="http://schemas.microsoft.com/office/drawing/2014/main" xmlns="" id="{EB5FB5F3-D11A-4082-97C1-6573328E5241}"/>
+                </a:ext>
+              </a:extLst>
+            </p:cNvPr>
+            <p:cNvSpPr txBox="1"/>
+            <p:nvPr/>
+          </p:nvSpPr>
+          <p:spPr>
+            <a:xfrm>
+              <a:off x="8721844" y="4073734"/>
+              <a:ext cx="300082" cy="369332"/>
+            </a:xfrm>
+            <a:prstGeom prst="rect">
+              <a:avLst/>
+            </a:prstGeom>
+            <a:noFill/>
+            <a:ln w="38100">
+              <a:noFill/>
+            </a:ln>
+          </p:spPr>
+          <p:txBody>
+            <a:bodyPr wrap="none" rtlCol="0">
+              <a:spAutoFit/>
+            </a:bodyPr>
+            <a:lstStyle/>
+            <a:p>
+              <a:r>
+                <a:rPr lang="en-US" dirty="0"/>
+                <a:t>+</a:t>
+              </a:r>
+            </a:p>
+          </p:txBody>
+        </p:sp>
+        <p:sp>
+          <p:nvSpPr>
+            <p:cNvPr id="239" name="TextBox 238">
+              <a:extLst>
+                <a:ext uri="{FF2B5EF4-FFF2-40B4-BE49-F238E27FC236}">
+                  <a16:creationId xmlns:a16="http://schemas.microsoft.com/office/drawing/2014/main" xmlns="" id="{F4D388DF-0B56-488A-AF19-14D1B291EB54}"/>
+                </a:ext>
+              </a:extLst>
+            </p:cNvPr>
+            <p:cNvSpPr txBox="1"/>
+            <p:nvPr/>
+          </p:nvSpPr>
+          <p:spPr>
+            <a:xfrm>
+              <a:off x="8614007" y="2908361"/>
+              <a:ext cx="300082" cy="369332"/>
+            </a:xfrm>
+            <a:prstGeom prst="rect">
+              <a:avLst/>
+            </a:prstGeom>
+            <a:noFill/>
+            <a:ln w="38100">
+              <a:noFill/>
+            </a:ln>
+          </p:spPr>
+          <p:txBody>
+            <a:bodyPr wrap="none" rtlCol="0">
+              <a:spAutoFit/>
+            </a:bodyPr>
+            <a:lstStyle/>
+            <a:p>
+              <a:r>
+                <a:rPr lang="en-US" dirty="0"/>
+                <a:t>+</a:t>
+              </a:r>
+            </a:p>
+          </p:txBody>
+        </p:sp>
+        <p:sp>
+          <p:nvSpPr>
+            <p:cNvPr id="240" name="TextBox 239">
+              <a:extLst>
+                <a:ext uri="{FF2B5EF4-FFF2-40B4-BE49-F238E27FC236}">
+                  <a16:creationId xmlns:a16="http://schemas.microsoft.com/office/drawing/2014/main" xmlns="" id="{39E21419-B4E9-4BF5-ADF3-B8EFFF74F6C8}"/>
+                </a:ext>
+              </a:extLst>
+            </p:cNvPr>
+            <p:cNvSpPr txBox="1"/>
+            <p:nvPr/>
+          </p:nvSpPr>
+          <p:spPr>
+            <a:xfrm>
+              <a:off x="8707184" y="3344067"/>
+              <a:ext cx="300082" cy="369332"/>
+            </a:xfrm>
+            <a:prstGeom prst="rect">
+              <a:avLst/>
+            </a:prstGeom>
+            <a:noFill/>
+            <a:ln w="38100">
+              <a:noFill/>
+            </a:ln>
+          </p:spPr>
+          <p:txBody>
+            <a:bodyPr wrap="none" rtlCol="0">
+              <a:spAutoFit/>
+            </a:bodyPr>
+            <a:lstStyle/>
+            <a:p>
+              <a:r>
+                <a:rPr lang="en-US" dirty="0"/>
+                <a:t>+</a:t>
+              </a:r>
+            </a:p>
+          </p:txBody>
+        </p:sp>
+        <p:cxnSp>
+          <p:nvCxnSpPr>
+            <p:cNvPr id="62" name="Straight Arrow Connector 61">
+              <a:extLst>
+                <a:ext uri="{FF2B5EF4-FFF2-40B4-BE49-F238E27FC236}">
+                  <a16:creationId xmlns:a16="http://schemas.microsoft.com/office/drawing/2014/main" xmlns="" id="{51289304-82BB-4485-BE4E-DCD2168FAFCD}"/>
+                </a:ext>
+              </a:extLst>
+            </p:cNvPr>
+            <p:cNvCxnSpPr>
+              <a:cxnSpLocks/>
+            </p:cNvCxnSpPr>
+            <p:nvPr/>
+          </p:nvCxnSpPr>
+          <p:spPr>
+            <a:xfrm flipV="1">
+              <a:off x="6698362" y="4042068"/>
+              <a:ext cx="353593" cy="3424"/>
+            </a:xfrm>
+            <a:prstGeom prst="straightConnector1">
+              <a:avLst/>
+            </a:prstGeom>
+            <a:ln w="38100">
+              <a:tailEnd type="triangle"/>
+            </a:ln>
+          </p:spPr>
+          <p:style>
+            <a:lnRef idx="1">
+              <a:schemeClr val="dk1"/>
+            </a:lnRef>
+            <a:fillRef idx="0">
+              <a:schemeClr val="dk1"/>
+            </a:fillRef>
+            <a:effectRef idx="0">
+              <a:schemeClr val="dk1"/>
+            </a:effectRef>
+            <a:fontRef idx="minor">
+              <a:schemeClr val="tx1"/>
+            </a:fontRef>
+          </p:style>
+        </p:cxnSp>
+        <p:pic>
+          <p:nvPicPr>
+            <p:cNvPr id="68" name="Picture 4" descr="Image result for quadrotor clipart">
+              <a:extLst>
+                <a:ext uri="{FF2B5EF4-FFF2-40B4-BE49-F238E27FC236}">
+                  <a16:creationId xmlns:a16="http://schemas.microsoft.com/office/drawing/2014/main" xmlns="" id="{0460257B-4470-45A7-83A0-02E94ACE4996}"/>
+                </a:ext>
+              </a:extLst>
+            </p:cNvPr>
+            <p:cNvPicPr>
+              <a:picLocks noChangeAspect="1" noChangeArrowheads="1"/>
+            </p:cNvPicPr>
+            <p:nvPr/>
+          </p:nvPicPr>
+          <p:blipFill rotWithShape="1">
+            <a:blip r:embed="rId4">
+              <a:extLst>
+                <a:ext uri="{28A0092B-C50C-407E-A947-70E740481C1C}">
+                  <a14:useLocalDpi xmlns:a14="http://schemas.microsoft.com/office/drawing/2010/main" val="0"/>
+                </a:ext>
+              </a:extLst>
+            </a:blip>
+            <a:srcRect l="17843" r="17515"/>
+            <a:stretch/>
+          </p:blipFill>
+          <p:spPr bwMode="auto">
+            <a:xfrm>
+              <a:off x="1904433" y="700432"/>
+              <a:ext cx="1178852" cy="1027196"/>
+            </a:xfrm>
+            <a:prstGeom prst="rect">
+              <a:avLst/>
+            </a:prstGeom>
+            <a:noFill/>
+            <a:ln w="38100">
+              <a:noFill/>
+            </a:ln>
             <a:extLst>
-              <a:ext uri="{FF2B5EF4-FFF2-40B4-BE49-F238E27FC236}">
-                <a16:creationId xmlns:a16="http://schemas.microsoft.com/office/drawing/2014/main" id="{5C3651C0-6E30-437F-B889-B683B93EFB66}"/>
+              <a:ext uri="{909E8E84-426E-40DD-AFC4-6F175D3DCCD1}">
+                <a14:hiddenFill xmlns:a14="http://schemas.microsoft.com/office/drawing/2010/main">
+                  <a:solidFill>
+                    <a:srgbClr val="FFFFFF"/>
+                  </a:solidFill>
+                </a14:hiddenFill>
               </a:ext>
             </a:extLst>
-          </p:cNvPr>
-          <p:cNvSpPr/>
-          <p:nvPr/>
-        </p:nvSpPr>
-        <p:spPr>
-          <a:xfrm>
-            <a:off x="8841376" y="3111657"/>
-            <a:ext cx="320040" cy="320040"/>
-          </a:xfrm>
-          <a:prstGeom prst="ellipse">
-            <a:avLst/>
-          </a:prstGeom>
-        </p:spPr>
-        <p:style>
-          <a:lnRef idx="2">
-            <a:schemeClr val="dk1"/>
-          </a:lnRef>
-          <a:fillRef idx="1">
-            <a:schemeClr val="lt1"/>
-          </a:fillRef>
-          <a:effectRef idx="0">
-            <a:schemeClr val="dk1"/>
-          </a:effectRef>
-          <a:fontRef idx="minor">
-            <a:schemeClr val="dk1"/>
-          </a:fontRef>
-        </p:style>
-        <p:txBody>
-          <a:bodyPr rtlCol="0" anchor="ctr"/>
-          <a:lstStyle/>
-          <a:p>
-            <a:pPr algn="ctr"/>
-            <a:endParaRPr lang="en-US"/>
-          </a:p>
-        </p:txBody>
-      </p:sp>
-      <p:sp>
-        <p:nvSpPr>
-          <p:cNvPr id="236" name="Oval 235">
-            <a:extLst>
-              <a:ext uri="{FF2B5EF4-FFF2-40B4-BE49-F238E27FC236}">
-                <a16:creationId xmlns:a16="http://schemas.microsoft.com/office/drawing/2014/main" id="{DFB956FA-2378-48AC-8FAC-503D53641662}"/>
-              </a:ext>
-            </a:extLst>
-          </p:cNvPr>
-          <p:cNvSpPr/>
-          <p:nvPr/>
-        </p:nvSpPr>
-        <p:spPr>
-          <a:xfrm>
-            <a:off x="8828325" y="3854912"/>
-            <a:ext cx="320040" cy="320040"/>
-          </a:xfrm>
-          <a:prstGeom prst="ellipse">
-            <a:avLst/>
-          </a:prstGeom>
-        </p:spPr>
-        <p:style>
-          <a:lnRef idx="2">
-            <a:schemeClr val="dk1"/>
-          </a:lnRef>
-          <a:fillRef idx="1">
-            <a:schemeClr val="lt1"/>
-          </a:fillRef>
-          <a:effectRef idx="0">
-            <a:schemeClr val="dk1"/>
-          </a:effectRef>
-          <a:fontRef idx="minor">
-            <a:schemeClr val="dk1"/>
-          </a:fontRef>
-        </p:style>
-        <p:txBody>
-          <a:bodyPr rtlCol="0" anchor="ctr"/>
-          <a:lstStyle/>
-          <a:p>
-            <a:pPr algn="ctr"/>
-            <a:endParaRPr lang="en-US"/>
-          </a:p>
-        </p:txBody>
-      </p:sp>
-      <p:sp>
-        <p:nvSpPr>
-          <p:cNvPr id="237" name="TextBox 236">
-            <a:extLst>
-              <a:ext uri="{FF2B5EF4-FFF2-40B4-BE49-F238E27FC236}">
-                <a16:creationId xmlns:a16="http://schemas.microsoft.com/office/drawing/2014/main" id="{85664D0E-96EE-4CA6-9E22-5002561968E6}"/>
-              </a:ext>
-            </a:extLst>
-          </p:cNvPr>
-          <p:cNvSpPr txBox="1"/>
-          <p:nvPr/>
-        </p:nvSpPr>
-        <p:spPr>
-          <a:xfrm>
-            <a:off x="8692182" y="3639304"/>
-            <a:ext cx="300082" cy="369332"/>
-          </a:xfrm>
-          <a:prstGeom prst="rect">
-            <a:avLst/>
-          </a:prstGeom>
-          <a:noFill/>
-        </p:spPr>
-        <p:txBody>
-          <a:bodyPr wrap="none" rtlCol="0">
-            <a:spAutoFit/>
-          </a:bodyPr>
-          <a:lstStyle/>
-          <a:p>
-            <a:r>
-              <a:rPr lang="en-US" dirty="0"/>
-              <a:t>+</a:t>
-            </a:r>
-          </a:p>
-        </p:txBody>
-      </p:sp>
-      <p:sp>
-        <p:nvSpPr>
-          <p:cNvPr id="238" name="TextBox 237">
-            <a:extLst>
-              <a:ext uri="{FF2B5EF4-FFF2-40B4-BE49-F238E27FC236}">
-                <a16:creationId xmlns:a16="http://schemas.microsoft.com/office/drawing/2014/main" id="{EB5FB5F3-D11A-4082-97C1-6573328E5241}"/>
-              </a:ext>
-            </a:extLst>
-          </p:cNvPr>
-          <p:cNvSpPr txBox="1"/>
-          <p:nvPr/>
-        </p:nvSpPr>
-        <p:spPr>
-          <a:xfrm>
-            <a:off x="8688485" y="3983957"/>
-            <a:ext cx="300082" cy="369332"/>
-          </a:xfrm>
-          <a:prstGeom prst="rect">
-            <a:avLst/>
-          </a:prstGeom>
-          <a:noFill/>
-        </p:spPr>
-        <p:txBody>
-          <a:bodyPr wrap="none" rtlCol="0">
-            <a:spAutoFit/>
-          </a:bodyPr>
-          <a:lstStyle/>
-          <a:p>
-            <a:r>
-              <a:rPr lang="en-US" dirty="0"/>
-              <a:t>+</a:t>
-            </a:r>
-          </a:p>
-        </p:txBody>
-      </p:sp>
-      <p:sp>
-        <p:nvSpPr>
-          <p:cNvPr id="239" name="TextBox 238">
-            <a:extLst>
-              <a:ext uri="{FF2B5EF4-FFF2-40B4-BE49-F238E27FC236}">
-                <a16:creationId xmlns:a16="http://schemas.microsoft.com/office/drawing/2014/main" id="{F4D388DF-0B56-488A-AF19-14D1B291EB54}"/>
-              </a:ext>
-            </a:extLst>
-          </p:cNvPr>
-          <p:cNvSpPr txBox="1"/>
-          <p:nvPr/>
-        </p:nvSpPr>
-        <p:spPr>
-          <a:xfrm>
-            <a:off x="8699942" y="2889272"/>
-            <a:ext cx="300082" cy="369332"/>
-          </a:xfrm>
-          <a:prstGeom prst="rect">
-            <a:avLst/>
-          </a:prstGeom>
-          <a:noFill/>
-        </p:spPr>
-        <p:txBody>
-          <a:bodyPr wrap="none" rtlCol="0">
-            <a:spAutoFit/>
-          </a:bodyPr>
-          <a:lstStyle/>
-          <a:p>
-            <a:r>
-              <a:rPr lang="en-US" dirty="0"/>
-              <a:t>+</a:t>
-            </a:r>
-          </a:p>
-        </p:txBody>
-      </p:sp>
-      <p:sp>
-        <p:nvSpPr>
-          <p:cNvPr id="240" name="TextBox 239">
-            <a:extLst>
-              <a:ext uri="{FF2B5EF4-FFF2-40B4-BE49-F238E27FC236}">
-                <a16:creationId xmlns:a16="http://schemas.microsoft.com/office/drawing/2014/main" id="{39E21419-B4E9-4BF5-ADF3-B8EFFF74F6C8}"/>
-              </a:ext>
-            </a:extLst>
-          </p:cNvPr>
-          <p:cNvSpPr txBox="1"/>
-          <p:nvPr/>
-        </p:nvSpPr>
-        <p:spPr>
-          <a:xfrm>
-            <a:off x="8696976" y="3250895"/>
-            <a:ext cx="300082" cy="369332"/>
-          </a:xfrm>
-          <a:prstGeom prst="rect">
-            <a:avLst/>
-          </a:prstGeom>
-          <a:noFill/>
-        </p:spPr>
-        <p:txBody>
-          <a:bodyPr wrap="none" rtlCol="0">
-            <a:spAutoFit/>
-          </a:bodyPr>
-          <a:lstStyle/>
-          <a:p>
-            <a:r>
-              <a:rPr lang="en-US" dirty="0"/>
-              <a:t>+</a:t>
-            </a:r>
-          </a:p>
-        </p:txBody>
-      </p:sp>
-      <p:cxnSp>
-        <p:nvCxnSpPr>
-          <p:cNvPr id="62" name="Straight Arrow Connector 61">
-            <a:extLst>
-              <a:ext uri="{FF2B5EF4-FFF2-40B4-BE49-F238E27FC236}">
-                <a16:creationId xmlns:a16="http://schemas.microsoft.com/office/drawing/2014/main" id="{51289304-82BB-4485-BE4E-DCD2168FAFCD}"/>
-              </a:ext>
-            </a:extLst>
-          </p:cNvPr>
-          <p:cNvCxnSpPr>
-            <a:cxnSpLocks/>
-          </p:cNvCxnSpPr>
-          <p:nvPr/>
-        </p:nvCxnSpPr>
-        <p:spPr>
-          <a:xfrm flipV="1">
-            <a:off x="6709939" y="4008636"/>
-            <a:ext cx="353593" cy="3424"/>
-          </a:xfrm>
-          <a:prstGeom prst="straightConnector1">
-            <a:avLst/>
-          </a:prstGeom>
-          <a:ln>
-            <a:tailEnd type="triangle"/>
-          </a:ln>
-        </p:spPr>
-        <p:style>
-          <a:lnRef idx="1">
-            <a:schemeClr val="dk1"/>
-          </a:lnRef>
-          <a:fillRef idx="0">
-            <a:schemeClr val="dk1"/>
-          </a:fillRef>
-          <a:effectRef idx="0">
-            <a:schemeClr val="dk1"/>
-          </a:effectRef>
-          <a:fontRef idx="minor">
-            <a:schemeClr val="tx1"/>
-          </a:fontRef>
-        </p:style>
-      </p:cxnSp>
-      <p:pic>
-        <p:nvPicPr>
-          <p:cNvPr id="68" name="Picture 4" descr="Image result for quadrotor clipart">
-            <a:extLst>
-              <a:ext uri="{FF2B5EF4-FFF2-40B4-BE49-F238E27FC236}">
-                <a16:creationId xmlns:a16="http://schemas.microsoft.com/office/drawing/2014/main" id="{0460257B-4470-45A7-83A0-02E94ACE4996}"/>
-              </a:ext>
-            </a:extLst>
-          </p:cNvPr>
-          <p:cNvPicPr>
-            <a:picLocks noChangeAspect="1" noChangeArrowheads="1"/>
-          </p:cNvPicPr>
-          <p:nvPr/>
-        </p:nvPicPr>
-        <p:blipFill rotWithShape="1">
-          <a:blip r:embed="rId4">
-            <a:extLst>
-              <a:ext uri="{28A0092B-C50C-407E-A947-70E740481C1C}">
-                <a14:useLocalDpi xmlns:a14="http://schemas.microsoft.com/office/drawing/2010/main" val="0"/>
-              </a:ext>
-            </a:extLst>
-          </a:blip>
-          <a:srcRect l="17843" r="17515"/>
-          <a:stretch/>
-        </p:blipFill>
-        <p:spPr bwMode="auto">
-          <a:xfrm>
-            <a:off x="1998021" y="700432"/>
-            <a:ext cx="1085263" cy="1027196"/>
-          </a:xfrm>
-          <a:prstGeom prst="rect">
-            <a:avLst/>
-          </a:prstGeom>
-          <a:noFill/>
-          <a:extLst>
-            <a:ext uri="{909E8E84-426E-40DD-AFC4-6F175D3DCCD1}">
-              <a14:hiddenFill xmlns:a14="http://schemas.microsoft.com/office/drawing/2010/main">
-                <a:solidFill>
-                  <a:srgbClr val="FFFFFF"/>
-                </a:solidFill>
-              </a14:hiddenFill>
-            </a:ext>
-          </a:extLst>
-        </p:spPr>
-      </p:pic>
-      <p:cxnSp>
-        <p:nvCxnSpPr>
-          <p:cNvPr id="75" name="Straight Arrow Connector 74">
-            <a:extLst>
-              <a:ext uri="{FF2B5EF4-FFF2-40B4-BE49-F238E27FC236}">
-                <a16:creationId xmlns:a16="http://schemas.microsoft.com/office/drawing/2014/main" id="{8585588A-C3D7-4A03-AB71-7BDAEEE1FC7B}"/>
-              </a:ext>
-            </a:extLst>
-          </p:cNvPr>
-          <p:cNvCxnSpPr>
-            <a:cxnSpLocks/>
-            <a:stCxn id="68" idx="3"/>
-            <a:endCxn id="216" idx="1"/>
-          </p:cNvCxnSpPr>
-          <p:nvPr/>
-        </p:nvCxnSpPr>
-        <p:spPr>
-          <a:xfrm>
-            <a:off x="3083284" y="1214030"/>
-            <a:ext cx="670406" cy="0"/>
-          </a:xfrm>
-          <a:prstGeom prst="straightConnector1">
-            <a:avLst/>
-          </a:prstGeom>
-          <a:ln>
-            <a:tailEnd type="triangle"/>
-          </a:ln>
-        </p:spPr>
-        <p:style>
-          <a:lnRef idx="1">
-            <a:schemeClr val="dk1"/>
-          </a:lnRef>
-          <a:fillRef idx="0">
-            <a:schemeClr val="dk1"/>
-          </a:fillRef>
-          <a:effectRef idx="0">
-            <a:schemeClr val="dk1"/>
-          </a:effectRef>
-          <a:fontRef idx="minor">
-            <a:schemeClr val="tx1"/>
-          </a:fontRef>
-        </p:style>
-      </p:cxnSp>
-      <p:cxnSp>
-        <p:nvCxnSpPr>
-          <p:cNvPr id="85" name="Straight Arrow Connector 84">
-            <a:extLst>
-              <a:ext uri="{FF2B5EF4-FFF2-40B4-BE49-F238E27FC236}">
-                <a16:creationId xmlns:a16="http://schemas.microsoft.com/office/drawing/2014/main" id="{DFA2E5B0-2EA1-47E6-A8B2-20978308C51F}"/>
-              </a:ext>
-            </a:extLst>
-          </p:cNvPr>
-          <p:cNvCxnSpPr>
-            <a:cxnSpLocks/>
-            <a:stCxn id="227" idx="3"/>
-            <a:endCxn id="68" idx="1"/>
-          </p:cNvCxnSpPr>
-          <p:nvPr/>
-        </p:nvCxnSpPr>
-        <p:spPr>
-          <a:xfrm flipV="1">
-            <a:off x="1245367" y="1214030"/>
-            <a:ext cx="752654" cy="2986"/>
-          </a:xfrm>
-          <a:prstGeom prst="straightConnector1">
-            <a:avLst/>
-          </a:prstGeom>
-          <a:ln>
-            <a:tailEnd type="triangle"/>
-          </a:ln>
-        </p:spPr>
-        <p:style>
-          <a:lnRef idx="1">
-            <a:schemeClr val="dk1"/>
-          </a:lnRef>
-          <a:fillRef idx="0">
-            <a:schemeClr val="dk1"/>
-          </a:fillRef>
-          <a:effectRef idx="0">
-            <a:schemeClr val="dk1"/>
-          </a:effectRef>
-          <a:fontRef idx="minor">
-            <a:schemeClr val="tx1"/>
-          </a:fontRef>
-        </p:style>
-      </p:cxnSp>
-      <p:sp>
-        <p:nvSpPr>
-          <p:cNvPr id="27" name="Rectangle 26">
-            <a:extLst>
-              <a:ext uri="{FF2B5EF4-FFF2-40B4-BE49-F238E27FC236}">
-                <a16:creationId xmlns:a16="http://schemas.microsoft.com/office/drawing/2014/main" id="{8E3C642D-35FD-4E10-909E-D815B4702A38}"/>
-              </a:ext>
-            </a:extLst>
-          </p:cNvPr>
-          <p:cNvSpPr/>
-          <p:nvPr/>
-        </p:nvSpPr>
-        <p:spPr>
-          <a:xfrm>
-            <a:off x="2923414" y="836749"/>
-            <a:ext cx="909224" cy="369332"/>
-          </a:xfrm>
-          <a:prstGeom prst="rect">
-            <a:avLst/>
-          </a:prstGeom>
-        </p:spPr>
-        <p:txBody>
-          <a:bodyPr wrap="none">
-            <a:spAutoFit/>
-          </a:bodyPr>
-          <a:lstStyle/>
-          <a:p>
-            <a:pPr algn="ctr"/>
-            <a:r>
-              <a:rPr lang="en-US" dirty="0">
+          </p:spPr>
+        </p:pic>
+        <p:cxnSp>
+          <p:nvCxnSpPr>
+            <p:cNvPr id="75" name="Straight Arrow Connector 74">
+              <a:extLst>
+                <a:ext uri="{FF2B5EF4-FFF2-40B4-BE49-F238E27FC236}">
+                  <a16:creationId xmlns:a16="http://schemas.microsoft.com/office/drawing/2014/main" xmlns="" id="{8585588A-C3D7-4A03-AB71-7BDAEEE1FC7B}"/>
+                </a:ext>
+              </a:extLst>
+            </p:cNvPr>
+            <p:cNvCxnSpPr>
+              <a:cxnSpLocks/>
+              <a:stCxn id="68" idx="3"/>
+              <a:endCxn id="216" idx="1"/>
+            </p:cNvCxnSpPr>
+            <p:nvPr/>
+          </p:nvCxnSpPr>
+          <p:spPr>
+            <a:xfrm>
+              <a:off x="3083285" y="1214030"/>
+              <a:ext cx="670405" cy="0"/>
+            </a:xfrm>
+            <a:prstGeom prst="straightConnector1">
+              <a:avLst/>
+            </a:prstGeom>
+            <a:ln w="38100">
+              <a:tailEnd type="triangle"/>
+            </a:ln>
+          </p:spPr>
+          <p:style>
+            <a:lnRef idx="1">
+              <a:schemeClr val="dk1"/>
+            </a:lnRef>
+            <a:fillRef idx="0">
+              <a:schemeClr val="dk1"/>
+            </a:fillRef>
+            <a:effectRef idx="0">
+              <a:schemeClr val="dk1"/>
+            </a:effectRef>
+            <a:fontRef idx="minor">
+              <a:schemeClr val="tx1"/>
+            </a:fontRef>
+          </p:style>
+        </p:cxnSp>
+        <p:cxnSp>
+          <p:nvCxnSpPr>
+            <p:cNvPr id="85" name="Straight Arrow Connector 84">
+              <a:extLst>
+                <a:ext uri="{FF2B5EF4-FFF2-40B4-BE49-F238E27FC236}">
+                  <a16:creationId xmlns:a16="http://schemas.microsoft.com/office/drawing/2014/main" xmlns="" id="{DFA2E5B0-2EA1-47E6-A8B2-20978308C51F}"/>
+                </a:ext>
+              </a:extLst>
+            </p:cNvPr>
+            <p:cNvCxnSpPr>
+              <a:cxnSpLocks/>
+              <a:stCxn id="227" idx="3"/>
+              <a:endCxn id="68" idx="1"/>
+            </p:cNvCxnSpPr>
+            <p:nvPr/>
+          </p:nvCxnSpPr>
+          <p:spPr>
+            <a:xfrm flipV="1">
+              <a:off x="1245367" y="1214030"/>
+              <a:ext cx="659066" cy="2986"/>
+            </a:xfrm>
+            <a:prstGeom prst="straightConnector1">
+              <a:avLst/>
+            </a:prstGeom>
+            <a:ln w="38100">
+              <a:tailEnd type="triangle"/>
+            </a:ln>
+          </p:spPr>
+          <p:style>
+            <a:lnRef idx="1">
+              <a:schemeClr val="dk1"/>
+            </a:lnRef>
+            <a:fillRef idx="0">
+              <a:schemeClr val="dk1"/>
+            </a:fillRef>
+            <a:effectRef idx="0">
+              <a:schemeClr val="dk1"/>
+            </a:effectRef>
+            <a:fontRef idx="minor">
+              <a:schemeClr val="tx1"/>
+            </a:fontRef>
+          </p:style>
+        </p:cxnSp>
+        <p:sp>
+          <p:nvSpPr>
+            <p:cNvPr id="27" name="Rectangle 26">
+              <a:extLst>
+                <a:ext uri="{FF2B5EF4-FFF2-40B4-BE49-F238E27FC236}">
+                  <a16:creationId xmlns:a16="http://schemas.microsoft.com/office/drawing/2014/main" xmlns="" id="{8E3C642D-35FD-4E10-909E-D815B4702A38}"/>
+                </a:ext>
+              </a:extLst>
+            </p:cNvPr>
+            <p:cNvSpPr/>
+            <p:nvPr/>
+          </p:nvSpPr>
+          <p:spPr>
+            <a:xfrm>
+              <a:off x="2923414" y="836749"/>
+              <a:ext cx="909224" cy="369332"/>
+            </a:xfrm>
+            <a:prstGeom prst="rect">
+              <a:avLst/>
+            </a:prstGeom>
+            <a:ln w="38100">
+              <a:noFill/>
+            </a:ln>
+          </p:spPr>
+          <p:txBody>
+            <a:bodyPr wrap="none">
+              <a:spAutoFit/>
+            </a:bodyPr>
+            <a:lstStyle/>
+            <a:p>
+              <a:pPr algn="ctr"/>
+              <a:r>
+                <a:rPr lang="en-US" dirty="0">
+                  <a:latin typeface="Times New Roman" panose="02020603050405020304" pitchFamily="18" charset="0"/>
+                  <a:cs typeface="Times New Roman" panose="02020603050405020304" pitchFamily="18" charset="0"/>
+                </a:rPr>
+                <a:t>x(</a:t>
+              </a:r>
+              <a:r>
+                <a:rPr lang="en-US" i="1" dirty="0">
+                  <a:latin typeface="Times New Roman" panose="02020603050405020304" pitchFamily="18" charset="0"/>
+                  <a:cs typeface="Times New Roman" panose="02020603050405020304" pitchFamily="18" charset="0"/>
+                </a:rPr>
+                <a:t>t</a:t>
+              </a:r>
+              <a:r>
+                <a:rPr lang="en-US" dirty="0">
+                  <a:latin typeface="Times New Roman" panose="02020603050405020304" pitchFamily="18" charset="0"/>
+                  <a:cs typeface="Times New Roman" panose="02020603050405020304" pitchFamily="18" charset="0"/>
+                </a:rPr>
+                <a:t>),y(t)</a:t>
+              </a:r>
+              <a:endParaRPr lang="en-US" i="1" baseline="-25000" dirty="0">
                 <a:latin typeface="Times New Roman" panose="02020603050405020304" pitchFamily="18" charset="0"/>
                 <a:cs typeface="Times New Roman" panose="02020603050405020304" pitchFamily="18" charset="0"/>
-              </a:rPr>
-              <a:t>x(</a:t>
-            </a:r>
-            <a:r>
-              <a:rPr lang="en-US" i="1" dirty="0">
+              </a:endParaRPr>
+            </a:p>
+          </p:txBody>
+        </p:sp>
+        <p:sp>
+          <p:nvSpPr>
+            <p:cNvPr id="2" name="Rectangle 1">
+              <a:extLst>
+                <a:ext uri="{FF2B5EF4-FFF2-40B4-BE49-F238E27FC236}">
+                  <a16:creationId xmlns:a16="http://schemas.microsoft.com/office/drawing/2014/main" xmlns="" id="{2B2AFCDF-524C-4E9D-9AE8-0385B85AF52D}"/>
+                </a:ext>
+              </a:extLst>
+            </p:cNvPr>
+            <p:cNvSpPr/>
+            <p:nvPr/>
+          </p:nvSpPr>
+          <p:spPr>
+            <a:xfrm>
+              <a:off x="1661200" y="5090463"/>
+              <a:ext cx="1665318" cy="855984"/>
+            </a:xfrm>
+            <a:prstGeom prst="rect">
+              <a:avLst/>
+            </a:prstGeom>
+            <a:ln w="38100"/>
+          </p:spPr>
+          <p:style>
+            <a:lnRef idx="2">
+              <a:schemeClr val="dk1"/>
+            </a:lnRef>
+            <a:fillRef idx="1">
+              <a:schemeClr val="lt1"/>
+            </a:fillRef>
+            <a:effectRef idx="0">
+              <a:schemeClr val="dk1"/>
+            </a:effectRef>
+            <a:fontRef idx="minor">
+              <a:schemeClr val="dk1"/>
+            </a:fontRef>
+          </p:style>
+          <p:txBody>
+            <a:bodyPr rtlCol="0" anchor="ctr"/>
+            <a:lstStyle/>
+            <a:p>
+              <a:pPr algn="ctr"/>
+              <a:r>
+                <a:rPr lang="en-US" smtClean="0">
+                  <a:latin typeface="Times New Roman" panose="02020603050405020304" pitchFamily="18" charset="0"/>
+                  <a:cs typeface="Times New Roman" panose="02020603050405020304" pitchFamily="18" charset="0"/>
+                </a:rPr>
+                <a:t>SMT-based Correction </a:t>
+              </a:r>
+              <a:endParaRPr lang="en-US" dirty="0">
                 <a:latin typeface="Times New Roman" panose="02020603050405020304" pitchFamily="18" charset="0"/>
                 <a:cs typeface="Times New Roman" panose="02020603050405020304" pitchFamily="18" charset="0"/>
-              </a:rPr>
-              <a:t>t</a:t>
-            </a:r>
-            <a:r>
-              <a:rPr lang="en-US" dirty="0">
+              </a:endParaRPr>
+            </a:p>
+          </p:txBody>
+        </p:sp>
+        <p:sp>
+          <p:nvSpPr>
+            <p:cNvPr id="67" name="Rectangle 66">
+              <a:extLst>
+                <a:ext uri="{FF2B5EF4-FFF2-40B4-BE49-F238E27FC236}">
+                  <a16:creationId xmlns:a16="http://schemas.microsoft.com/office/drawing/2014/main" xmlns="" id="{86BB5EAB-B776-4EBC-87C2-E7DD05A84537}"/>
+                </a:ext>
+              </a:extLst>
+            </p:cNvPr>
+            <p:cNvSpPr/>
+            <p:nvPr/>
+          </p:nvSpPr>
+          <p:spPr>
+            <a:xfrm>
+              <a:off x="5559179" y="531982"/>
+              <a:ext cx="1300357" cy="1348198"/>
+            </a:xfrm>
+            <a:prstGeom prst="rect">
+              <a:avLst/>
+            </a:prstGeom>
+            <a:ln w="38100"/>
+          </p:spPr>
+          <p:style>
+            <a:lnRef idx="2">
+              <a:schemeClr val="dk1"/>
+            </a:lnRef>
+            <a:fillRef idx="1">
+              <a:schemeClr val="lt1"/>
+            </a:fillRef>
+            <a:effectRef idx="0">
+              <a:schemeClr val="dk1"/>
+            </a:effectRef>
+            <a:fontRef idx="minor">
+              <a:schemeClr val="dk1"/>
+            </a:fontRef>
+          </p:style>
+          <p:txBody>
+            <a:bodyPr rtlCol="0" anchor="ctr"/>
+            <a:lstStyle/>
+            <a:p>
+              <a:pPr algn="ctr"/>
+              <a:r>
+                <a:rPr lang="en-US" dirty="0" smtClean="0">
+                  <a:latin typeface="Times New Roman" panose="02020603050405020304" pitchFamily="18" charset="0"/>
+                  <a:cs typeface="Times New Roman" panose="02020603050405020304" pitchFamily="18" charset="0"/>
+                </a:rPr>
+                <a:t>Regression Error Analysis</a:t>
+              </a:r>
+              <a:endParaRPr lang="en-US" dirty="0">
                 <a:latin typeface="Times New Roman" panose="02020603050405020304" pitchFamily="18" charset="0"/>
                 <a:cs typeface="Times New Roman" panose="02020603050405020304" pitchFamily="18" charset="0"/>
-              </a:rPr>
-              <a:t>),y(t)</a:t>
-            </a:r>
-            <a:endParaRPr lang="en-US" i="1" baseline="-25000" dirty="0">
-              <a:latin typeface="Times New Roman" panose="02020603050405020304" pitchFamily="18" charset="0"/>
-              <a:cs typeface="Times New Roman" panose="02020603050405020304" pitchFamily="18" charset="0"/>
-            </a:endParaRPr>
-          </a:p>
-        </p:txBody>
-      </p:sp>
-      <p:sp>
-        <p:nvSpPr>
-          <p:cNvPr id="2" name="Rectangle 1">
-            <a:extLst>
-              <a:ext uri="{FF2B5EF4-FFF2-40B4-BE49-F238E27FC236}">
-                <a16:creationId xmlns:a16="http://schemas.microsoft.com/office/drawing/2014/main" id="{2B2AFCDF-524C-4E9D-9AE8-0385B85AF52D}"/>
-              </a:ext>
-            </a:extLst>
-          </p:cNvPr>
-          <p:cNvSpPr/>
-          <p:nvPr/>
-        </p:nvSpPr>
-        <p:spPr>
-          <a:xfrm>
-            <a:off x="3832638" y="3766669"/>
-            <a:ext cx="1160095" cy="855984"/>
-          </a:xfrm>
-          <a:prstGeom prst="rect">
-            <a:avLst/>
-          </a:prstGeom>
-        </p:spPr>
-        <p:style>
-          <a:lnRef idx="2">
-            <a:schemeClr val="dk1"/>
-          </a:lnRef>
-          <a:fillRef idx="1">
-            <a:schemeClr val="lt1"/>
-          </a:fillRef>
-          <a:effectRef idx="0">
-            <a:schemeClr val="dk1"/>
-          </a:effectRef>
-          <a:fontRef idx="minor">
-            <a:schemeClr val="dk1"/>
-          </a:fontRef>
-        </p:style>
-        <p:txBody>
-          <a:bodyPr rtlCol="0" anchor="ctr"/>
-          <a:lstStyle/>
-          <a:p>
-            <a:pPr algn="ctr"/>
-            <a:r>
-              <a:rPr lang="en-US" dirty="0">
-                <a:latin typeface="Times New Roman" panose="02020603050405020304" pitchFamily="18" charset="0"/>
-                <a:cs typeface="Times New Roman" panose="02020603050405020304" pitchFamily="18" charset="0"/>
-              </a:rPr>
-              <a:t>Error Check</a:t>
-            </a:r>
-          </a:p>
-        </p:txBody>
-      </p:sp>
-      <p:cxnSp>
-        <p:nvCxnSpPr>
-          <p:cNvPr id="5" name="Connector: Elbow 4">
-            <a:extLst>
-              <a:ext uri="{FF2B5EF4-FFF2-40B4-BE49-F238E27FC236}">
-                <a16:creationId xmlns:a16="http://schemas.microsoft.com/office/drawing/2014/main" id="{1193C734-26D7-4051-8AC3-C8D526DD4E66}"/>
-              </a:ext>
-            </a:extLst>
-          </p:cNvPr>
-          <p:cNvCxnSpPr>
-            <a:cxnSpLocks/>
-            <a:stCxn id="2" idx="2"/>
-            <a:endCxn id="71" idx="2"/>
-          </p:cNvCxnSpPr>
-          <p:nvPr/>
-        </p:nvCxnSpPr>
-        <p:spPr>
-          <a:xfrm rot="5400000">
-            <a:off x="3566938" y="3845807"/>
-            <a:ext cx="68902" cy="1622595"/>
-          </a:xfrm>
-          <a:prstGeom prst="bentConnector3">
-            <a:avLst>
-              <a:gd name="adj1" fmla="val 1164841"/>
-            </a:avLst>
-          </a:prstGeom>
-          <a:ln>
-            <a:tailEnd type="triangle"/>
-          </a:ln>
-        </p:spPr>
-        <p:style>
-          <a:lnRef idx="1">
-            <a:schemeClr val="dk1"/>
-          </a:lnRef>
-          <a:fillRef idx="0">
-            <a:schemeClr val="dk1"/>
-          </a:fillRef>
-          <a:effectRef idx="0">
-            <a:schemeClr val="dk1"/>
-          </a:effectRef>
-          <a:fontRef idx="minor">
-            <a:schemeClr val="tx1"/>
-          </a:fontRef>
-        </p:style>
-      </p:cxnSp>
+              </a:endParaRPr>
+            </a:p>
+          </p:txBody>
+        </p:sp>
+        <p:cxnSp>
+          <p:nvCxnSpPr>
+            <p:cNvPr id="70" name="Straight Arrow Connector 69">
+              <a:extLst>
+                <a:ext uri="{FF2B5EF4-FFF2-40B4-BE49-F238E27FC236}">
+                  <a16:creationId xmlns:a16="http://schemas.microsoft.com/office/drawing/2014/main" xmlns="" id="{8585588A-C3D7-4A03-AB71-7BDAEEE1FC7B}"/>
+                </a:ext>
+              </a:extLst>
+            </p:cNvPr>
+            <p:cNvCxnSpPr>
+              <a:cxnSpLocks/>
+              <a:stCxn id="216" idx="3"/>
+              <a:endCxn id="67" idx="1"/>
+            </p:cNvCxnSpPr>
+            <p:nvPr/>
+          </p:nvCxnSpPr>
+          <p:spPr>
+            <a:xfrm flipV="1">
+              <a:off x="5054047" y="1206081"/>
+              <a:ext cx="505132" cy="7949"/>
+            </a:xfrm>
+            <a:prstGeom prst="straightConnector1">
+              <a:avLst/>
+            </a:prstGeom>
+            <a:ln w="38100">
+              <a:tailEnd type="triangle"/>
+            </a:ln>
+          </p:spPr>
+          <p:style>
+            <a:lnRef idx="1">
+              <a:schemeClr val="dk1"/>
+            </a:lnRef>
+            <a:fillRef idx="0">
+              <a:schemeClr val="dk1"/>
+            </a:fillRef>
+            <a:effectRef idx="0">
+              <a:schemeClr val="dk1"/>
+            </a:effectRef>
+            <a:fontRef idx="minor">
+              <a:schemeClr val="tx1"/>
+            </a:fontRef>
+          </p:style>
+        </p:cxnSp>
+        <p:cxnSp>
+          <p:nvCxnSpPr>
+            <p:cNvPr id="86" name="Straight Connector 85">
+              <a:extLst>
+                <a:ext uri="{FF2B5EF4-FFF2-40B4-BE49-F238E27FC236}">
+                  <a16:creationId xmlns:a16="http://schemas.microsoft.com/office/drawing/2014/main" xmlns="" id="{034B4283-5944-4597-9D4F-4669F790C382}"/>
+                </a:ext>
+              </a:extLst>
+            </p:cNvPr>
+            <p:cNvCxnSpPr>
+              <a:cxnSpLocks/>
+              <a:stCxn id="119" idx="0"/>
+              <a:endCxn id="236" idx="4"/>
+            </p:cNvCxnSpPr>
+            <p:nvPr/>
+          </p:nvCxnSpPr>
+          <p:spPr>
+            <a:xfrm flipH="1" flipV="1">
+              <a:off x="8996947" y="4179906"/>
+              <a:ext cx="10320" cy="539638"/>
+            </a:xfrm>
+            <a:prstGeom prst="line">
+              <a:avLst/>
+            </a:prstGeom>
+            <a:ln w="38100">
+              <a:tailEnd type="triangle"/>
+            </a:ln>
+          </p:spPr>
+          <p:style>
+            <a:lnRef idx="1">
+              <a:schemeClr val="dk1"/>
+            </a:lnRef>
+            <a:fillRef idx="0">
+              <a:schemeClr val="dk1"/>
+            </a:fillRef>
+            <a:effectRef idx="0">
+              <a:schemeClr val="dk1"/>
+            </a:effectRef>
+            <a:fontRef idx="minor">
+              <a:schemeClr val="tx1"/>
+            </a:fontRef>
+          </p:style>
+        </p:cxnSp>
+        <p:cxnSp>
+          <p:nvCxnSpPr>
+            <p:cNvPr id="74" name="Straight Connector 73">
+              <a:extLst>
+                <a:ext uri="{FF2B5EF4-FFF2-40B4-BE49-F238E27FC236}">
+                  <a16:creationId xmlns:a16="http://schemas.microsoft.com/office/drawing/2014/main" xmlns="" id="{034B4283-5944-4597-9D4F-4669F790C382}"/>
+                </a:ext>
+              </a:extLst>
+            </p:cNvPr>
+            <p:cNvCxnSpPr>
+              <a:cxnSpLocks/>
+              <a:stCxn id="119" idx="0"/>
+              <a:endCxn id="191" idx="4"/>
+            </p:cNvCxnSpPr>
+            <p:nvPr/>
+          </p:nvCxnSpPr>
+          <p:spPr>
+            <a:xfrm flipH="1" flipV="1">
+              <a:off x="8982525" y="3439309"/>
+              <a:ext cx="24742" cy="1280235"/>
+            </a:xfrm>
+            <a:prstGeom prst="line">
+              <a:avLst/>
+            </a:prstGeom>
+            <a:ln w="38100">
+              <a:tailEnd type="triangle"/>
+            </a:ln>
+          </p:spPr>
+          <p:style>
+            <a:lnRef idx="1">
+              <a:schemeClr val="dk1"/>
+            </a:lnRef>
+            <a:fillRef idx="0">
+              <a:schemeClr val="dk1"/>
+            </a:fillRef>
+            <a:effectRef idx="0">
+              <a:schemeClr val="dk1"/>
+            </a:effectRef>
+            <a:fontRef idx="minor">
+              <a:schemeClr val="tx1"/>
+            </a:fontRef>
+          </p:style>
+        </p:cxnSp>
+        <p:sp>
+          <p:nvSpPr>
+            <p:cNvPr id="34" name="TextBox 33"/>
+            <p:cNvSpPr txBox="1"/>
+            <p:nvPr/>
+          </p:nvSpPr>
+          <p:spPr>
+            <a:xfrm>
+              <a:off x="3713347" y="3297384"/>
+              <a:ext cx="1437071" cy="1200329"/>
+            </a:xfrm>
+            <a:prstGeom prst="rect">
+              <a:avLst/>
+            </a:prstGeom>
+            <a:noFill/>
+            <a:ln w="38100">
+              <a:noFill/>
+            </a:ln>
+          </p:spPr>
+          <p:txBody>
+            <a:bodyPr wrap="square" rtlCol="0">
+              <a:spAutoFit/>
+            </a:bodyPr>
+            <a:lstStyle/>
+            <a:p>
+              <a:pPr algn="ctr"/>
+              <a:r>
+                <a:rPr lang="en-US" dirty="0">
+                  <a:latin typeface="Times New Roman" panose="02020603050405020304" pitchFamily="18" charset="0"/>
+                  <a:cs typeface="Times New Roman" panose="02020603050405020304" pitchFamily="18" charset="0"/>
+                </a:rPr>
+                <a:t>Trained Regression Model</a:t>
+              </a:r>
+            </a:p>
+            <a:p>
+              <a:endParaRPr lang="en-US" dirty="0"/>
+            </a:p>
+          </p:txBody>
+        </p:sp>
+        <p:cxnSp>
+          <p:nvCxnSpPr>
+            <p:cNvPr id="95" name="Straight Arrow Connector 94">
+              <a:extLst>
+                <a:ext uri="{FF2B5EF4-FFF2-40B4-BE49-F238E27FC236}">
+                  <a16:creationId xmlns:a16="http://schemas.microsoft.com/office/drawing/2014/main" xmlns="" id="{CC668142-2C7E-4943-A9F6-849DF00AB13A}"/>
+                </a:ext>
+              </a:extLst>
+            </p:cNvPr>
+            <p:cNvCxnSpPr>
+              <a:cxnSpLocks/>
+              <a:stCxn id="2" idx="0"/>
+            </p:cNvCxnSpPr>
+            <p:nvPr/>
+          </p:nvCxnSpPr>
+          <p:spPr>
+            <a:xfrm flipV="1">
+              <a:off x="2493859" y="4691555"/>
+              <a:ext cx="10494" cy="398908"/>
+            </a:xfrm>
+            <a:prstGeom prst="straightConnector1">
+              <a:avLst/>
+            </a:prstGeom>
+            <a:ln w="38100">
+              <a:tailEnd type="triangle"/>
+            </a:ln>
+          </p:spPr>
+          <p:style>
+            <a:lnRef idx="1">
+              <a:schemeClr val="dk1"/>
+            </a:lnRef>
+            <a:fillRef idx="0">
+              <a:schemeClr val="dk1"/>
+            </a:fillRef>
+            <a:effectRef idx="0">
+              <a:schemeClr val="dk1"/>
+            </a:effectRef>
+            <a:fontRef idx="minor">
+              <a:schemeClr val="tx1"/>
+            </a:fontRef>
+          </p:style>
+        </p:cxnSp>
+        <p:cxnSp>
+          <p:nvCxnSpPr>
+            <p:cNvPr id="99" name="Connector: Elbow 82">
+              <a:extLst>
+                <a:ext uri="{FF2B5EF4-FFF2-40B4-BE49-F238E27FC236}">
+                  <a16:creationId xmlns:a16="http://schemas.microsoft.com/office/drawing/2014/main" xmlns="" id="{3383E3DE-3CC6-46C0-A227-15A44A12F86B}"/>
+                </a:ext>
+              </a:extLst>
+            </p:cNvPr>
+            <p:cNvCxnSpPr>
+              <a:cxnSpLocks/>
+              <a:stCxn id="67" idx="3"/>
+              <a:endCxn id="2" idx="2"/>
+            </p:cNvCxnSpPr>
+            <p:nvPr/>
+          </p:nvCxnSpPr>
+          <p:spPr>
+            <a:xfrm flipH="1">
+              <a:off x="2493859" y="1206081"/>
+              <a:ext cx="4365677" cy="4740366"/>
+            </a:xfrm>
+            <a:prstGeom prst="bentConnector4">
+              <a:avLst>
+                <a:gd name="adj1" fmla="val -111672"/>
+                <a:gd name="adj2" fmla="val 109940"/>
+              </a:avLst>
+            </a:prstGeom>
+            <a:ln w="38100">
+              <a:tailEnd type="triangle"/>
+            </a:ln>
+          </p:spPr>
+          <p:style>
+            <a:lnRef idx="1">
+              <a:schemeClr val="dk1"/>
+            </a:lnRef>
+            <a:fillRef idx="0">
+              <a:schemeClr val="dk1"/>
+            </a:fillRef>
+            <a:effectRef idx="0">
+              <a:schemeClr val="dk1"/>
+            </a:effectRef>
+            <a:fontRef idx="minor">
+              <a:schemeClr val="tx1"/>
+            </a:fontRef>
+          </p:style>
+        </p:cxnSp>
+      </p:grpSp>
     </p:spTree>
     <p:extLst>
       <p:ext uri="{BB962C8B-B14F-4D97-AF65-F5344CB8AC3E}">
@@ -11098,7 +11445,7 @@
           <p:cNvPr id="4" name="Rectangle 3">
             <a:extLst>
               <a:ext uri="{FF2B5EF4-FFF2-40B4-BE49-F238E27FC236}">
-                <a16:creationId xmlns:a16="http://schemas.microsoft.com/office/drawing/2014/main" id="{C41A784A-3296-480B-9E7C-5D0B58058917}"/>
+                <a16:creationId xmlns:a16="http://schemas.microsoft.com/office/drawing/2014/main" xmlns="" id="{C41A784A-3296-480B-9E7C-5D0B58058917}"/>
               </a:ext>
             </a:extLst>
           </p:cNvPr>
@@ -11148,7 +11495,7 @@
           <p:cNvPr id="5" name="Rectangle 4">
             <a:extLst>
               <a:ext uri="{FF2B5EF4-FFF2-40B4-BE49-F238E27FC236}">
-                <a16:creationId xmlns:a16="http://schemas.microsoft.com/office/drawing/2014/main" id="{0B48700A-CC5A-416F-B30A-8A3BEE18382A}"/>
+                <a16:creationId xmlns:a16="http://schemas.microsoft.com/office/drawing/2014/main" xmlns="" id="{0B48700A-CC5A-416F-B30A-8A3BEE18382A}"/>
               </a:ext>
             </a:extLst>
           </p:cNvPr>
@@ -11198,7 +11545,7 @@
           <p:cNvPr id="6" name="Rectangle 5">
             <a:extLst>
               <a:ext uri="{FF2B5EF4-FFF2-40B4-BE49-F238E27FC236}">
-                <a16:creationId xmlns:a16="http://schemas.microsoft.com/office/drawing/2014/main" id="{2E075DD2-942E-4AA0-BB94-0A9F8B4E29D9}"/>
+                <a16:creationId xmlns:a16="http://schemas.microsoft.com/office/drawing/2014/main" xmlns="" id="{2E075DD2-942E-4AA0-BB94-0A9F8B4E29D9}"/>
               </a:ext>
             </a:extLst>
           </p:cNvPr>
@@ -11248,7 +11595,7 @@
           <p:cNvPr id="7" name="Rectangle 6">
             <a:extLst>
               <a:ext uri="{FF2B5EF4-FFF2-40B4-BE49-F238E27FC236}">
-                <a16:creationId xmlns:a16="http://schemas.microsoft.com/office/drawing/2014/main" id="{E242D4D6-3033-433D-B16B-545A8C4FC87A}"/>
+                <a16:creationId xmlns:a16="http://schemas.microsoft.com/office/drawing/2014/main" xmlns="" id="{E242D4D6-3033-433D-B16B-545A8C4FC87A}"/>
               </a:ext>
             </a:extLst>
           </p:cNvPr>
@@ -11298,7 +11645,7 @@
           <p:cNvPr id="8" name="Rectangle 7">
             <a:extLst>
               <a:ext uri="{FF2B5EF4-FFF2-40B4-BE49-F238E27FC236}">
-                <a16:creationId xmlns:a16="http://schemas.microsoft.com/office/drawing/2014/main" id="{E8839FF8-A8F0-40AC-A495-42157B378CC4}"/>
+                <a16:creationId xmlns:a16="http://schemas.microsoft.com/office/drawing/2014/main" xmlns="" id="{E8839FF8-A8F0-40AC-A495-42157B378CC4}"/>
               </a:ext>
             </a:extLst>
           </p:cNvPr>
@@ -11348,7 +11695,7 @@
           <p:cNvPr id="10" name="Straight Arrow Connector 9">
             <a:extLst>
               <a:ext uri="{FF2B5EF4-FFF2-40B4-BE49-F238E27FC236}">
-                <a16:creationId xmlns:a16="http://schemas.microsoft.com/office/drawing/2014/main" id="{33879D10-61CB-4775-9357-C490F58BD118}"/>
+                <a16:creationId xmlns:a16="http://schemas.microsoft.com/office/drawing/2014/main" xmlns="" id="{33879D10-61CB-4775-9357-C490F58BD118}"/>
               </a:ext>
             </a:extLst>
           </p:cNvPr>
@@ -11391,7 +11738,7 @@
           <p:cNvPr id="12" name="Straight Arrow Connector 11">
             <a:extLst>
               <a:ext uri="{FF2B5EF4-FFF2-40B4-BE49-F238E27FC236}">
-                <a16:creationId xmlns:a16="http://schemas.microsoft.com/office/drawing/2014/main" id="{7C07CD14-C8AA-4DF9-9E9E-61E6CDD94959}"/>
+                <a16:creationId xmlns:a16="http://schemas.microsoft.com/office/drawing/2014/main" xmlns="" id="{7C07CD14-C8AA-4DF9-9E9E-61E6CDD94959}"/>
               </a:ext>
             </a:extLst>
           </p:cNvPr>
@@ -11432,7 +11779,7 @@
           <p:cNvPr id="13" name="Straight Arrow Connector 12">
             <a:extLst>
               <a:ext uri="{FF2B5EF4-FFF2-40B4-BE49-F238E27FC236}">
-                <a16:creationId xmlns:a16="http://schemas.microsoft.com/office/drawing/2014/main" id="{4D15E9D7-0B61-4615-B19E-83143388533D}"/>
+                <a16:creationId xmlns:a16="http://schemas.microsoft.com/office/drawing/2014/main" xmlns="" id="{4D15E9D7-0B61-4615-B19E-83143388533D}"/>
               </a:ext>
             </a:extLst>
           </p:cNvPr>
@@ -11473,7 +11820,7 @@
           <p:cNvPr id="14" name="Straight Arrow Connector 13">
             <a:extLst>
               <a:ext uri="{FF2B5EF4-FFF2-40B4-BE49-F238E27FC236}">
-                <a16:creationId xmlns:a16="http://schemas.microsoft.com/office/drawing/2014/main" id="{4BA7E1F9-265F-4477-99FB-834FBA844EC1}"/>
+                <a16:creationId xmlns:a16="http://schemas.microsoft.com/office/drawing/2014/main" xmlns="" id="{4BA7E1F9-265F-4477-99FB-834FBA844EC1}"/>
               </a:ext>
             </a:extLst>
           </p:cNvPr>
@@ -11514,7 +11861,7 @@
           <p:cNvPr id="15" name="TextBox 14">
             <a:extLst>
               <a:ext uri="{FF2B5EF4-FFF2-40B4-BE49-F238E27FC236}">
-                <a16:creationId xmlns:a16="http://schemas.microsoft.com/office/drawing/2014/main" id="{7715315B-590E-45CF-83CB-4013572EAAEB}"/>
+                <a16:creationId xmlns:a16="http://schemas.microsoft.com/office/drawing/2014/main" xmlns="" id="{7715315B-590E-45CF-83CB-4013572EAAEB}"/>
               </a:ext>
             </a:extLst>
           </p:cNvPr>
@@ -11563,7 +11910,7 @@
           <p:cNvPr id="16" name="TextBox 15">
             <a:extLst>
               <a:ext uri="{FF2B5EF4-FFF2-40B4-BE49-F238E27FC236}">
-                <a16:creationId xmlns:a16="http://schemas.microsoft.com/office/drawing/2014/main" id="{E936755D-DD1E-4C9D-8C75-3B91FFB83D20}"/>
+                <a16:creationId xmlns:a16="http://schemas.microsoft.com/office/drawing/2014/main" xmlns="" id="{E936755D-DD1E-4C9D-8C75-3B91FFB83D20}"/>
               </a:ext>
             </a:extLst>
           </p:cNvPr>
@@ -11607,7 +11954,7 @@
           <p:cNvPr id="17" name="Straight Arrow Connector 16">
             <a:extLst>
               <a:ext uri="{FF2B5EF4-FFF2-40B4-BE49-F238E27FC236}">
-                <a16:creationId xmlns:a16="http://schemas.microsoft.com/office/drawing/2014/main" id="{C3459528-8E4D-4D84-892B-9CE461BD1619}"/>
+                <a16:creationId xmlns:a16="http://schemas.microsoft.com/office/drawing/2014/main" xmlns="" id="{C3459528-8E4D-4D84-892B-9CE461BD1619}"/>
               </a:ext>
             </a:extLst>
           </p:cNvPr>
@@ -11648,7 +11995,7 @@
           <p:cNvPr id="18" name="TextBox 17">
             <a:extLst>
               <a:ext uri="{FF2B5EF4-FFF2-40B4-BE49-F238E27FC236}">
-                <a16:creationId xmlns:a16="http://schemas.microsoft.com/office/drawing/2014/main" id="{EE3FE011-1231-4AFC-93DA-B2AD204D47ED}"/>
+                <a16:creationId xmlns:a16="http://schemas.microsoft.com/office/drawing/2014/main" xmlns="" id="{EE3FE011-1231-4AFC-93DA-B2AD204D47ED}"/>
               </a:ext>
             </a:extLst>
           </p:cNvPr>
@@ -11718,7 +12065,7 @@
           <p:cNvPr id="19" name="TextBox 18">
             <a:extLst>
               <a:ext uri="{FF2B5EF4-FFF2-40B4-BE49-F238E27FC236}">
-                <a16:creationId xmlns:a16="http://schemas.microsoft.com/office/drawing/2014/main" id="{E08A2870-1A18-4808-A098-4CD477CAB781}"/>
+                <a16:creationId xmlns:a16="http://schemas.microsoft.com/office/drawing/2014/main" xmlns="" id="{E08A2870-1A18-4808-A098-4CD477CAB781}"/>
               </a:ext>
             </a:extLst>
           </p:cNvPr>
@@ -11784,7 +12131,7 @@
           <p:cNvPr id="21" name="Straight Arrow Connector 20">
             <a:extLst>
               <a:ext uri="{FF2B5EF4-FFF2-40B4-BE49-F238E27FC236}">
-                <a16:creationId xmlns:a16="http://schemas.microsoft.com/office/drawing/2014/main" id="{1EEA48F2-1F5F-4646-9637-FC32FF73E600}"/>
+                <a16:creationId xmlns:a16="http://schemas.microsoft.com/office/drawing/2014/main" xmlns="" id="{1EEA48F2-1F5F-4646-9637-FC32FF73E600}"/>
               </a:ext>
             </a:extLst>
           </p:cNvPr>
@@ -11827,7 +12174,7 @@
               <p:cNvPr id="24" name="TextBox 23">
                 <a:extLst>
                   <a:ext uri="{FF2B5EF4-FFF2-40B4-BE49-F238E27FC236}">
-                    <a16:creationId xmlns:a16="http://schemas.microsoft.com/office/drawing/2014/main" id="{17950BB9-FE5C-4EE0-93CA-284484FE4290}"/>
+                    <a16:creationId xmlns:a16="http://schemas.microsoft.com/office/drawing/2014/main" xmlns="" id="{17950BB9-FE5C-4EE0-93CA-284484FE4290}"/>
                   </a:ext>
                 </a:extLst>
               </p:cNvPr>
@@ -11857,7 +12204,7 @@
                         <m:chr m:val="̇"/>
                         <m:ctrlPr>
                           <a:rPr lang="en-US" i="1" smtClean="0">
-                            <a:latin typeface="Cambria Math" panose="02040503050406030204" pitchFamily="18" charset="0"/>
+                            <a:latin typeface="Cambria Math" charset="0"/>
                             <a:cs typeface="Times New Roman" panose="02020603050405020304" pitchFamily="18" charset="0"/>
                           </a:rPr>
                         </m:ctrlPr>
@@ -11941,7 +12288,7 @@
               <p:cNvPr id="25" name="TextBox 24">
                 <a:extLst>
                   <a:ext uri="{FF2B5EF4-FFF2-40B4-BE49-F238E27FC236}">
-                    <a16:creationId xmlns:a16="http://schemas.microsoft.com/office/drawing/2014/main" id="{F5617655-64E5-4342-9CFB-F38121851FE0}"/>
+                    <a16:creationId xmlns:a16="http://schemas.microsoft.com/office/drawing/2014/main" xmlns="" id="{F5617655-64E5-4342-9CFB-F38121851FE0}"/>
                   </a:ext>
                 </a:extLst>
               </p:cNvPr>
@@ -11971,7 +12318,7 @@
                         <m:chr m:val="̇"/>
                         <m:ctrlPr>
                           <a:rPr lang="en-US" i="1" smtClean="0">
-                            <a:latin typeface="Cambria Math" panose="02040503050406030204" pitchFamily="18" charset="0"/>
+                            <a:latin typeface="Cambria Math" charset="0"/>
                             <a:cs typeface="Times New Roman" panose="02020603050405020304" pitchFamily="18" charset="0"/>
                           </a:rPr>
                         </m:ctrlPr>
@@ -12053,7 +12400,7 @@
           <p:cNvPr id="26" name="Straight Arrow Connector 25">
             <a:extLst>
               <a:ext uri="{FF2B5EF4-FFF2-40B4-BE49-F238E27FC236}">
-                <a16:creationId xmlns:a16="http://schemas.microsoft.com/office/drawing/2014/main" id="{BEB94C12-928A-4A11-B505-89F8DAEBDB94}"/>
+                <a16:creationId xmlns:a16="http://schemas.microsoft.com/office/drawing/2014/main" xmlns="" id="{BEB94C12-928A-4A11-B505-89F8DAEBDB94}"/>
               </a:ext>
             </a:extLst>
           </p:cNvPr>
@@ -12094,7 +12441,7 @@
           <p:cNvPr id="28" name="TextBox 27">
             <a:extLst>
               <a:ext uri="{FF2B5EF4-FFF2-40B4-BE49-F238E27FC236}">
-                <a16:creationId xmlns:a16="http://schemas.microsoft.com/office/drawing/2014/main" id="{787E96AE-BD5A-400E-B9A8-229CDE79ABA9}"/>
+                <a16:creationId xmlns:a16="http://schemas.microsoft.com/office/drawing/2014/main" xmlns="" id="{787E96AE-BD5A-400E-B9A8-229CDE79ABA9}"/>
               </a:ext>
             </a:extLst>
           </p:cNvPr>
@@ -12164,7 +12511,7 @@
           <p:cNvPr id="30" name="Connector: Elbow 29">
             <a:extLst>
               <a:ext uri="{FF2B5EF4-FFF2-40B4-BE49-F238E27FC236}">
-                <a16:creationId xmlns:a16="http://schemas.microsoft.com/office/drawing/2014/main" id="{73515440-5A22-4DF7-B1B6-8B3040ABB019}"/>
+                <a16:creationId xmlns:a16="http://schemas.microsoft.com/office/drawing/2014/main" xmlns="" id="{73515440-5A22-4DF7-B1B6-8B3040ABB019}"/>
               </a:ext>
             </a:extLst>
           </p:cNvPr>
@@ -12210,7 +12557,7 @@
           <p:cNvPr id="42" name="Connector: Elbow 41">
             <a:extLst>
               <a:ext uri="{FF2B5EF4-FFF2-40B4-BE49-F238E27FC236}">
-                <a16:creationId xmlns:a16="http://schemas.microsoft.com/office/drawing/2014/main" id="{C89904B0-30B0-46CB-8EEC-1010F4412EF4}"/>
+                <a16:creationId xmlns:a16="http://schemas.microsoft.com/office/drawing/2014/main" xmlns="" id="{C89904B0-30B0-46CB-8EEC-1010F4412EF4}"/>
               </a:ext>
             </a:extLst>
           </p:cNvPr>
@@ -12253,7 +12600,7 @@
           <p:cNvPr id="55" name="Straight Arrow Connector 54">
             <a:extLst>
               <a:ext uri="{FF2B5EF4-FFF2-40B4-BE49-F238E27FC236}">
-                <a16:creationId xmlns:a16="http://schemas.microsoft.com/office/drawing/2014/main" id="{C2444D98-81EE-459A-9101-DE1F45021816}"/>
+                <a16:creationId xmlns:a16="http://schemas.microsoft.com/office/drawing/2014/main" xmlns="" id="{C2444D98-81EE-459A-9101-DE1F45021816}"/>
               </a:ext>
             </a:extLst>
           </p:cNvPr>
@@ -12296,7 +12643,7 @@
               <p:cNvPr id="81" name="TextBox 80">
                 <a:extLst>
                   <a:ext uri="{FF2B5EF4-FFF2-40B4-BE49-F238E27FC236}">
-                    <a16:creationId xmlns:a16="http://schemas.microsoft.com/office/drawing/2014/main" id="{621C7DA5-07BF-43C2-8C9D-4D9AF50DBED6}"/>
+                    <a16:creationId xmlns:a16="http://schemas.microsoft.com/office/drawing/2014/main" xmlns="" id="{621C7DA5-07BF-43C2-8C9D-4D9AF50DBED6}"/>
                   </a:ext>
                 </a:extLst>
               </p:cNvPr>
@@ -12326,7 +12673,7 @@
                         <m:chr m:val="̇"/>
                         <m:ctrlPr>
                           <a:rPr lang="en-US" i="1" smtClean="0">
-                            <a:latin typeface="Cambria Math" panose="02040503050406030204" pitchFamily="18" charset="0"/>
+                            <a:latin typeface="Cambria Math" charset="0"/>
                             <a:cs typeface="Times New Roman" panose="02020603050405020304" pitchFamily="18" charset="0"/>
                           </a:rPr>
                         </m:ctrlPr>
@@ -12378,7 +12725,7 @@
                         <m:chr m:val="̇"/>
                         <m:ctrlPr>
                           <a:rPr lang="en-US" i="1" smtClean="0">
-                            <a:latin typeface="Cambria Math" panose="02040503050406030204" pitchFamily="18" charset="0"/>
+                            <a:latin typeface="Cambria Math" charset="0"/>
                             <a:cs typeface="Times New Roman" panose="02020603050405020304" pitchFamily="18" charset="0"/>
                           </a:rPr>
                         </m:ctrlPr>
@@ -12480,7 +12827,7 @@
           <p:cNvPr id="83" name="TextBox 82">
             <a:extLst>
               <a:ext uri="{FF2B5EF4-FFF2-40B4-BE49-F238E27FC236}">
-                <a16:creationId xmlns:a16="http://schemas.microsoft.com/office/drawing/2014/main" id="{76A9BEAA-0682-4CD7-A70E-7BA21B61E510}"/>
+                <a16:creationId xmlns:a16="http://schemas.microsoft.com/office/drawing/2014/main" xmlns="" id="{76A9BEAA-0682-4CD7-A70E-7BA21B61E510}"/>
               </a:ext>
             </a:extLst>
           </p:cNvPr>
@@ -12569,7 +12916,7 @@
           <p:cNvPr id="2" name="Rectangle 1">
             <a:extLst>
               <a:ext uri="{FF2B5EF4-FFF2-40B4-BE49-F238E27FC236}">
-                <a16:creationId xmlns:a16="http://schemas.microsoft.com/office/drawing/2014/main" id="{D27FEE64-474D-476C-8C81-064830D400BB}"/>
+                <a16:creationId xmlns:a16="http://schemas.microsoft.com/office/drawing/2014/main" xmlns="" id="{D27FEE64-474D-476C-8C81-064830D400BB}"/>
               </a:ext>
             </a:extLst>
           </p:cNvPr>
@@ -12620,7 +12967,7 @@
           <p:cNvPr id="5" name="Rectangle 4">
             <a:extLst>
               <a:ext uri="{FF2B5EF4-FFF2-40B4-BE49-F238E27FC236}">
-                <a16:creationId xmlns:a16="http://schemas.microsoft.com/office/drawing/2014/main" id="{0B48700A-CC5A-416F-B30A-8A3BEE18382A}"/>
+                <a16:creationId xmlns:a16="http://schemas.microsoft.com/office/drawing/2014/main" xmlns="" id="{0B48700A-CC5A-416F-B30A-8A3BEE18382A}"/>
               </a:ext>
             </a:extLst>
           </p:cNvPr>
@@ -12670,7 +13017,7 @@
           <p:cNvPr id="6" name="Rectangle 5">
             <a:extLst>
               <a:ext uri="{FF2B5EF4-FFF2-40B4-BE49-F238E27FC236}">
-                <a16:creationId xmlns:a16="http://schemas.microsoft.com/office/drawing/2014/main" id="{2E075DD2-942E-4AA0-BB94-0A9F8B4E29D9}"/>
+                <a16:creationId xmlns:a16="http://schemas.microsoft.com/office/drawing/2014/main" xmlns="" id="{2E075DD2-942E-4AA0-BB94-0A9F8B4E29D9}"/>
               </a:ext>
             </a:extLst>
           </p:cNvPr>
@@ -12720,7 +13067,7 @@
           <p:cNvPr id="7" name="Rectangle 6">
             <a:extLst>
               <a:ext uri="{FF2B5EF4-FFF2-40B4-BE49-F238E27FC236}">
-                <a16:creationId xmlns:a16="http://schemas.microsoft.com/office/drawing/2014/main" id="{E242D4D6-3033-433D-B16B-545A8C4FC87A}"/>
+                <a16:creationId xmlns:a16="http://schemas.microsoft.com/office/drawing/2014/main" xmlns="" id="{E242D4D6-3033-433D-B16B-545A8C4FC87A}"/>
               </a:ext>
             </a:extLst>
           </p:cNvPr>
@@ -12770,7 +13117,7 @@
           <p:cNvPr id="8" name="Rectangle 7">
             <a:extLst>
               <a:ext uri="{FF2B5EF4-FFF2-40B4-BE49-F238E27FC236}">
-                <a16:creationId xmlns:a16="http://schemas.microsoft.com/office/drawing/2014/main" id="{E8839FF8-A8F0-40AC-A495-42157B378CC4}"/>
+                <a16:creationId xmlns:a16="http://schemas.microsoft.com/office/drawing/2014/main" xmlns="" id="{E8839FF8-A8F0-40AC-A495-42157B378CC4}"/>
               </a:ext>
             </a:extLst>
           </p:cNvPr>
@@ -12820,7 +13167,7 @@
           <p:cNvPr id="10" name="Straight Arrow Connector 9">
             <a:extLst>
               <a:ext uri="{FF2B5EF4-FFF2-40B4-BE49-F238E27FC236}">
-                <a16:creationId xmlns:a16="http://schemas.microsoft.com/office/drawing/2014/main" id="{33879D10-61CB-4775-9357-C490F58BD118}"/>
+                <a16:creationId xmlns:a16="http://schemas.microsoft.com/office/drawing/2014/main" xmlns="" id="{33879D10-61CB-4775-9357-C490F58BD118}"/>
               </a:ext>
             </a:extLst>
           </p:cNvPr>
@@ -12863,7 +13210,7 @@
           <p:cNvPr id="12" name="Straight Arrow Connector 11">
             <a:extLst>
               <a:ext uri="{FF2B5EF4-FFF2-40B4-BE49-F238E27FC236}">
-                <a16:creationId xmlns:a16="http://schemas.microsoft.com/office/drawing/2014/main" id="{7C07CD14-C8AA-4DF9-9E9E-61E6CDD94959}"/>
+                <a16:creationId xmlns:a16="http://schemas.microsoft.com/office/drawing/2014/main" xmlns="" id="{7C07CD14-C8AA-4DF9-9E9E-61E6CDD94959}"/>
               </a:ext>
             </a:extLst>
           </p:cNvPr>
@@ -12904,7 +13251,7 @@
           <p:cNvPr id="13" name="Straight Arrow Connector 12">
             <a:extLst>
               <a:ext uri="{FF2B5EF4-FFF2-40B4-BE49-F238E27FC236}">
-                <a16:creationId xmlns:a16="http://schemas.microsoft.com/office/drawing/2014/main" id="{4D15E9D7-0B61-4615-B19E-83143388533D}"/>
+                <a16:creationId xmlns:a16="http://schemas.microsoft.com/office/drawing/2014/main" xmlns="" id="{4D15E9D7-0B61-4615-B19E-83143388533D}"/>
               </a:ext>
             </a:extLst>
           </p:cNvPr>
@@ -12945,7 +13292,7 @@
           <p:cNvPr id="14" name="Straight Arrow Connector 13">
             <a:extLst>
               <a:ext uri="{FF2B5EF4-FFF2-40B4-BE49-F238E27FC236}">
-                <a16:creationId xmlns:a16="http://schemas.microsoft.com/office/drawing/2014/main" id="{4BA7E1F9-265F-4477-99FB-834FBA844EC1}"/>
+                <a16:creationId xmlns:a16="http://schemas.microsoft.com/office/drawing/2014/main" xmlns="" id="{4BA7E1F9-265F-4477-99FB-834FBA844EC1}"/>
               </a:ext>
             </a:extLst>
           </p:cNvPr>
@@ -12986,7 +13333,7 @@
           <p:cNvPr id="15" name="TextBox 14">
             <a:extLst>
               <a:ext uri="{FF2B5EF4-FFF2-40B4-BE49-F238E27FC236}">
-                <a16:creationId xmlns:a16="http://schemas.microsoft.com/office/drawing/2014/main" id="{7715315B-590E-45CF-83CB-4013572EAAEB}"/>
+                <a16:creationId xmlns:a16="http://schemas.microsoft.com/office/drawing/2014/main" xmlns="" id="{7715315B-590E-45CF-83CB-4013572EAAEB}"/>
               </a:ext>
             </a:extLst>
           </p:cNvPr>
@@ -13035,7 +13382,7 @@
           <p:cNvPr id="16" name="TextBox 15">
             <a:extLst>
               <a:ext uri="{FF2B5EF4-FFF2-40B4-BE49-F238E27FC236}">
-                <a16:creationId xmlns:a16="http://schemas.microsoft.com/office/drawing/2014/main" id="{E936755D-DD1E-4C9D-8C75-3B91FFB83D20}"/>
+                <a16:creationId xmlns:a16="http://schemas.microsoft.com/office/drawing/2014/main" xmlns="" id="{E936755D-DD1E-4C9D-8C75-3B91FFB83D20}"/>
               </a:ext>
             </a:extLst>
           </p:cNvPr>
@@ -13079,7 +13426,7 @@
           <p:cNvPr id="17" name="Straight Arrow Connector 16">
             <a:extLst>
               <a:ext uri="{FF2B5EF4-FFF2-40B4-BE49-F238E27FC236}">
-                <a16:creationId xmlns:a16="http://schemas.microsoft.com/office/drawing/2014/main" id="{C3459528-8E4D-4D84-892B-9CE461BD1619}"/>
+                <a16:creationId xmlns:a16="http://schemas.microsoft.com/office/drawing/2014/main" xmlns="" id="{C3459528-8E4D-4D84-892B-9CE461BD1619}"/>
               </a:ext>
             </a:extLst>
           </p:cNvPr>
@@ -13120,7 +13467,7 @@
           <p:cNvPr id="18" name="TextBox 17">
             <a:extLst>
               <a:ext uri="{FF2B5EF4-FFF2-40B4-BE49-F238E27FC236}">
-                <a16:creationId xmlns:a16="http://schemas.microsoft.com/office/drawing/2014/main" id="{EE3FE011-1231-4AFC-93DA-B2AD204D47ED}"/>
+                <a16:creationId xmlns:a16="http://schemas.microsoft.com/office/drawing/2014/main" xmlns="" id="{EE3FE011-1231-4AFC-93DA-B2AD204D47ED}"/>
               </a:ext>
             </a:extLst>
           </p:cNvPr>
@@ -13190,7 +13537,7 @@
           <p:cNvPr id="19" name="TextBox 18">
             <a:extLst>
               <a:ext uri="{FF2B5EF4-FFF2-40B4-BE49-F238E27FC236}">
-                <a16:creationId xmlns:a16="http://schemas.microsoft.com/office/drawing/2014/main" id="{E08A2870-1A18-4808-A098-4CD477CAB781}"/>
+                <a16:creationId xmlns:a16="http://schemas.microsoft.com/office/drawing/2014/main" xmlns="" id="{E08A2870-1A18-4808-A098-4CD477CAB781}"/>
               </a:ext>
             </a:extLst>
           </p:cNvPr>
@@ -13256,7 +13603,7 @@
           <p:cNvPr id="21" name="Straight Arrow Connector 20">
             <a:extLst>
               <a:ext uri="{FF2B5EF4-FFF2-40B4-BE49-F238E27FC236}">
-                <a16:creationId xmlns:a16="http://schemas.microsoft.com/office/drawing/2014/main" id="{1EEA48F2-1F5F-4646-9637-FC32FF73E600}"/>
+                <a16:creationId xmlns:a16="http://schemas.microsoft.com/office/drawing/2014/main" xmlns="" id="{1EEA48F2-1F5F-4646-9637-FC32FF73E600}"/>
               </a:ext>
             </a:extLst>
           </p:cNvPr>
@@ -13297,7 +13644,7 @@
           <p:cNvPr id="25" name="TextBox 24">
             <a:extLst>
               <a:ext uri="{FF2B5EF4-FFF2-40B4-BE49-F238E27FC236}">
-                <a16:creationId xmlns:a16="http://schemas.microsoft.com/office/drawing/2014/main" id="{F5617655-64E5-4342-9CFB-F38121851FE0}"/>
+                <a16:creationId xmlns:a16="http://schemas.microsoft.com/office/drawing/2014/main" xmlns="" id="{F5617655-64E5-4342-9CFB-F38121851FE0}"/>
               </a:ext>
             </a:extLst>
           </p:cNvPr>
@@ -13346,7 +13693,7 @@
           <p:cNvPr id="27" name="TextBox 26">
             <a:extLst>
               <a:ext uri="{FF2B5EF4-FFF2-40B4-BE49-F238E27FC236}">
-                <a16:creationId xmlns:a16="http://schemas.microsoft.com/office/drawing/2014/main" id="{CC699B97-8BA3-423B-861D-E0B20EF7F294}"/>
+                <a16:creationId xmlns:a16="http://schemas.microsoft.com/office/drawing/2014/main" xmlns="" id="{CC699B97-8BA3-423B-861D-E0B20EF7F294}"/>
               </a:ext>
             </a:extLst>
           </p:cNvPr>
@@ -13395,7 +13742,7 @@
           <p:cNvPr id="31" name="Rectangle 30">
             <a:extLst>
               <a:ext uri="{FF2B5EF4-FFF2-40B4-BE49-F238E27FC236}">
-                <a16:creationId xmlns:a16="http://schemas.microsoft.com/office/drawing/2014/main" id="{F5965033-EFA0-4FD4-8C95-42C42F1FA853}"/>
+                <a16:creationId xmlns:a16="http://schemas.microsoft.com/office/drawing/2014/main" xmlns="" id="{F5965033-EFA0-4FD4-8C95-42C42F1FA853}"/>
               </a:ext>
             </a:extLst>
           </p:cNvPr>
@@ -13445,7 +13792,7 @@
           <p:cNvPr id="32" name="TextBox 31">
             <a:extLst>
               <a:ext uri="{FF2B5EF4-FFF2-40B4-BE49-F238E27FC236}">
-                <a16:creationId xmlns:a16="http://schemas.microsoft.com/office/drawing/2014/main" id="{BDF9EDE7-BD4F-43E2-BF5C-019BA0B54F3A}"/>
+                <a16:creationId xmlns:a16="http://schemas.microsoft.com/office/drawing/2014/main" xmlns="" id="{BDF9EDE7-BD4F-43E2-BF5C-019BA0B54F3A}"/>
               </a:ext>
             </a:extLst>
           </p:cNvPr>
@@ -13509,7 +13856,7 @@
           <p:cNvPr id="33" name="Straight Arrow Connector 32">
             <a:extLst>
               <a:ext uri="{FF2B5EF4-FFF2-40B4-BE49-F238E27FC236}">
-                <a16:creationId xmlns:a16="http://schemas.microsoft.com/office/drawing/2014/main" id="{64F208AD-96D6-48C4-8C90-250E55E72CB0}"/>
+                <a16:creationId xmlns:a16="http://schemas.microsoft.com/office/drawing/2014/main" xmlns="" id="{64F208AD-96D6-48C4-8C90-250E55E72CB0}"/>
               </a:ext>
             </a:extLst>
           </p:cNvPr>
@@ -13576,718 +13923,674 @@
           <a:chExt cx="0" cy="0"/>
         </a:xfrm>
       </p:grpSpPr>
-      <p:sp>
-        <p:nvSpPr>
-          <p:cNvPr id="2" name="Rectangle 1">
-            <a:extLst>
-              <a:ext uri="{FF2B5EF4-FFF2-40B4-BE49-F238E27FC236}">
-                <a16:creationId xmlns:a16="http://schemas.microsoft.com/office/drawing/2014/main" id="{D27FEE64-474D-476C-8C81-064830D400BB}"/>
-              </a:ext>
-            </a:extLst>
-          </p:cNvPr>
-          <p:cNvSpPr/>
+      <p:grpSp>
+        <p:nvGrpSpPr>
+          <p:cNvPr id="3" name="Group 2"/>
+          <p:cNvGrpSpPr/>
           <p:nvPr/>
-        </p:nvSpPr>
-        <p:spPr>
+        </p:nvGrpSpPr>
+        <p:grpSpPr>
           <a:xfrm>
-            <a:off x="2791376" y="879566"/>
-            <a:ext cx="8181422" cy="1979247"/>
+            <a:off x="592186" y="879566"/>
+            <a:ext cx="11199972" cy="1979247"/>
+            <a:chOff x="592186" y="879566"/>
+            <a:chExt cx="11199972" cy="1979247"/>
           </a:xfrm>
-          <a:prstGeom prst="rect">
-            <a:avLst/>
-          </a:prstGeom>
-          <a:solidFill>
-            <a:schemeClr val="accent3">
-              <a:lumMod val="20000"/>
-              <a:lumOff val="80000"/>
-              <a:alpha val="43000"/>
-            </a:schemeClr>
-          </a:solidFill>
-        </p:spPr>
-        <p:style>
-          <a:lnRef idx="2">
-            <a:schemeClr val="dk1"/>
-          </a:lnRef>
-          <a:fillRef idx="1">
-            <a:schemeClr val="lt1"/>
-          </a:fillRef>
-          <a:effectRef idx="0">
-            <a:schemeClr val="dk1"/>
-          </a:effectRef>
-          <a:fontRef idx="minor">
-            <a:schemeClr val="dk1"/>
-          </a:fontRef>
-        </p:style>
-        <p:txBody>
-          <a:bodyPr rtlCol="0" anchor="ctr"/>
-          <a:lstStyle/>
-          <a:p>
-            <a:pPr algn="ctr"/>
-            <a:endParaRPr lang="en-US"/>
-          </a:p>
-        </p:txBody>
-      </p:sp>
-      <p:sp>
-        <p:nvSpPr>
-          <p:cNvPr id="5" name="Rectangle 4">
-            <a:extLst>
-              <a:ext uri="{FF2B5EF4-FFF2-40B4-BE49-F238E27FC236}">
-                <a16:creationId xmlns:a16="http://schemas.microsoft.com/office/drawing/2014/main" id="{0B48700A-CC5A-416F-B30A-8A3BEE18382A}"/>
-              </a:ext>
-            </a:extLst>
-          </p:cNvPr>
-          <p:cNvSpPr/>
-          <p:nvPr/>
-        </p:nvSpPr>
-        <p:spPr>
-          <a:xfrm>
-            <a:off x="2975989" y="1443785"/>
-            <a:ext cx="1383632" cy="962527"/>
-          </a:xfrm>
-          <a:prstGeom prst="rect">
-            <a:avLst/>
-          </a:prstGeom>
-        </p:spPr>
-        <p:style>
-          <a:lnRef idx="2">
-            <a:schemeClr val="dk1"/>
-          </a:lnRef>
-          <a:fillRef idx="1">
-            <a:schemeClr val="lt1"/>
-          </a:fillRef>
-          <a:effectRef idx="0">
-            <a:schemeClr val="dk1"/>
-          </a:effectRef>
-          <a:fontRef idx="minor">
-            <a:schemeClr val="dk1"/>
-          </a:fontRef>
-        </p:style>
-        <p:txBody>
-          <a:bodyPr rtlCol="0" anchor="ctr"/>
-          <a:lstStyle/>
-          <a:p>
-            <a:pPr algn="ctr"/>
-            <a:r>
-              <a:rPr lang="en-US" dirty="0">
+        </p:grpSpPr>
+        <p:sp>
+          <p:nvSpPr>
+            <p:cNvPr id="2" name="Rectangle 1">
+              <a:extLst>
+                <a:ext uri="{FF2B5EF4-FFF2-40B4-BE49-F238E27FC236}">
+                  <a16:creationId xmlns:a16="http://schemas.microsoft.com/office/drawing/2014/main" xmlns="" id="{D27FEE64-474D-476C-8C81-064830D400BB}"/>
+                </a:ext>
+              </a:extLst>
+            </p:cNvPr>
+            <p:cNvSpPr/>
+            <p:nvPr/>
+          </p:nvSpPr>
+          <p:spPr>
+            <a:xfrm>
+              <a:off x="2791376" y="879566"/>
+              <a:ext cx="8181422" cy="1979247"/>
+            </a:xfrm>
+            <a:prstGeom prst="rect">
+              <a:avLst/>
+            </a:prstGeom>
+            <a:solidFill>
+              <a:schemeClr val="accent3">
+                <a:lumMod val="20000"/>
+                <a:lumOff val="80000"/>
+                <a:alpha val="43000"/>
+              </a:schemeClr>
+            </a:solidFill>
+          </p:spPr>
+          <p:style>
+            <a:lnRef idx="2">
+              <a:schemeClr val="dk1"/>
+            </a:lnRef>
+            <a:fillRef idx="1">
+              <a:schemeClr val="lt1"/>
+            </a:fillRef>
+            <a:effectRef idx="0">
+              <a:schemeClr val="dk1"/>
+            </a:effectRef>
+            <a:fontRef idx="minor">
+              <a:schemeClr val="dk1"/>
+            </a:fontRef>
+          </p:style>
+          <p:txBody>
+            <a:bodyPr rtlCol="0" anchor="ctr"/>
+            <a:lstStyle/>
+            <a:p>
+              <a:pPr algn="ctr"/>
+              <a:r>
+                <a:rPr lang="en-US" sz="2000" dirty="0" smtClean="0">
+                  <a:latin typeface="Times New Roman" panose="02020603050405020304" pitchFamily="18" charset="0"/>
+                  <a:cs typeface="Times New Roman" panose="02020603050405020304" pitchFamily="18" charset="0"/>
+                </a:rPr>
+                <a:t>Quadrotor</a:t>
+              </a:r>
+            </a:p>
+            <a:p>
+              <a:pPr algn="ctr"/>
+              <a:endParaRPr lang="en-US" dirty="0">
                 <a:latin typeface="Times New Roman" panose="02020603050405020304" pitchFamily="18" charset="0"/>
                 <a:cs typeface="Times New Roman" panose="02020603050405020304" pitchFamily="18" charset="0"/>
-              </a:rPr>
-              <a:t>Low Level Control</a:t>
-            </a:r>
-          </a:p>
-        </p:txBody>
-      </p:sp>
-      <p:sp>
-        <p:nvSpPr>
-          <p:cNvPr id="6" name="Rectangle 5">
-            <a:extLst>
-              <a:ext uri="{FF2B5EF4-FFF2-40B4-BE49-F238E27FC236}">
-                <a16:creationId xmlns:a16="http://schemas.microsoft.com/office/drawing/2014/main" id="{2E075DD2-942E-4AA0-BB94-0A9F8B4E29D9}"/>
-              </a:ext>
-            </a:extLst>
-          </p:cNvPr>
-          <p:cNvSpPr/>
-          <p:nvPr/>
-        </p:nvSpPr>
-        <p:spPr>
-          <a:xfrm>
-            <a:off x="5308692" y="1443784"/>
-            <a:ext cx="1190210" cy="962527"/>
-          </a:xfrm>
-          <a:prstGeom prst="rect">
-            <a:avLst/>
-          </a:prstGeom>
-        </p:spPr>
-        <p:style>
-          <a:lnRef idx="2">
-            <a:schemeClr val="dk1"/>
-          </a:lnRef>
-          <a:fillRef idx="1">
-            <a:schemeClr val="lt1"/>
-          </a:fillRef>
-          <a:effectRef idx="0">
-            <a:schemeClr val="dk1"/>
-          </a:effectRef>
-          <a:fontRef idx="minor">
-            <a:schemeClr val="dk1"/>
-          </a:fontRef>
-        </p:style>
-        <p:txBody>
-          <a:bodyPr rtlCol="0" anchor="ctr"/>
-          <a:lstStyle/>
-          <a:p>
-            <a:pPr algn="ctr"/>
-            <a:r>
-              <a:rPr lang="en-US" dirty="0">
+              </a:endParaRPr>
+            </a:p>
+            <a:p>
+              <a:pPr algn="ctr"/>
+              <a:endParaRPr lang="en-US" dirty="0" smtClean="0">
                 <a:latin typeface="Times New Roman" panose="02020603050405020304" pitchFamily="18" charset="0"/>
                 <a:cs typeface="Times New Roman" panose="02020603050405020304" pitchFamily="18" charset="0"/>
-              </a:rPr>
-              <a:t>Attitude Control</a:t>
-            </a:r>
-          </a:p>
-        </p:txBody>
-      </p:sp>
-      <p:sp>
-        <p:nvSpPr>
-          <p:cNvPr id="7" name="Rectangle 6">
-            <a:extLst>
-              <a:ext uri="{FF2B5EF4-FFF2-40B4-BE49-F238E27FC236}">
-                <a16:creationId xmlns:a16="http://schemas.microsoft.com/office/drawing/2014/main" id="{E242D4D6-3033-433D-B16B-545A8C4FC87A}"/>
-              </a:ext>
-            </a:extLst>
-          </p:cNvPr>
-          <p:cNvSpPr/>
-          <p:nvPr/>
-        </p:nvSpPr>
-        <p:spPr>
-          <a:xfrm>
-            <a:off x="7254551" y="1443783"/>
-            <a:ext cx="1383632" cy="962527"/>
-          </a:xfrm>
-          <a:prstGeom prst="rect">
-            <a:avLst/>
-          </a:prstGeom>
-        </p:spPr>
-        <p:style>
-          <a:lnRef idx="2">
-            <a:schemeClr val="dk1"/>
-          </a:lnRef>
-          <a:fillRef idx="1">
-            <a:schemeClr val="lt1"/>
-          </a:fillRef>
-          <a:effectRef idx="0">
-            <a:schemeClr val="dk1"/>
-          </a:effectRef>
-          <a:fontRef idx="minor">
-            <a:schemeClr val="dk1"/>
-          </a:fontRef>
-        </p:style>
-        <p:txBody>
-          <a:bodyPr rtlCol="0" anchor="ctr"/>
-          <a:lstStyle/>
-          <a:p>
-            <a:pPr algn="ctr"/>
-            <a:r>
-              <a:rPr lang="en-US" dirty="0">
+              </a:endParaRPr>
+            </a:p>
+            <a:p>
+              <a:pPr algn="ctr"/>
+              <a:endParaRPr lang="en-US" dirty="0">
                 <a:latin typeface="Times New Roman" panose="02020603050405020304" pitchFamily="18" charset="0"/>
                 <a:cs typeface="Times New Roman" panose="02020603050405020304" pitchFamily="18" charset="0"/>
-              </a:rPr>
-              <a:t>Motor Dynamics</a:t>
-            </a:r>
-          </a:p>
-        </p:txBody>
-      </p:sp>
-      <p:sp>
-        <p:nvSpPr>
-          <p:cNvPr id="8" name="Rectangle 7">
-            <a:extLst>
-              <a:ext uri="{FF2B5EF4-FFF2-40B4-BE49-F238E27FC236}">
-                <a16:creationId xmlns:a16="http://schemas.microsoft.com/office/drawing/2014/main" id="{E8839FF8-A8F0-40AC-A495-42157B378CC4}"/>
-              </a:ext>
-            </a:extLst>
-          </p:cNvPr>
-          <p:cNvSpPr/>
-          <p:nvPr/>
-        </p:nvSpPr>
-        <p:spPr>
-          <a:xfrm>
-            <a:off x="9393832" y="1443782"/>
-            <a:ext cx="1383632" cy="962527"/>
-          </a:xfrm>
-          <a:prstGeom prst="rect">
-            <a:avLst/>
-          </a:prstGeom>
-        </p:spPr>
-        <p:style>
-          <a:lnRef idx="2">
-            <a:schemeClr val="dk1"/>
-          </a:lnRef>
-          <a:fillRef idx="1">
-            <a:schemeClr val="lt1"/>
-          </a:fillRef>
-          <a:effectRef idx="0">
-            <a:schemeClr val="dk1"/>
-          </a:effectRef>
-          <a:fontRef idx="minor">
-            <a:schemeClr val="dk1"/>
-          </a:fontRef>
-        </p:style>
-        <p:txBody>
-          <a:bodyPr rtlCol="0" anchor="ctr"/>
-          <a:lstStyle/>
-          <a:p>
-            <a:pPr algn="ctr"/>
-            <a:r>
-              <a:rPr lang="en-US" dirty="0">
+              </a:endParaRPr>
+            </a:p>
+            <a:p>
+              <a:pPr algn="ctr"/>
+              <a:endParaRPr lang="en-US" dirty="0" smtClean="0">
                 <a:latin typeface="Times New Roman" panose="02020603050405020304" pitchFamily="18" charset="0"/>
                 <a:cs typeface="Times New Roman" panose="02020603050405020304" pitchFamily="18" charset="0"/>
-              </a:rPr>
-              <a:t>Quadrotor Body Dynamics</a:t>
-            </a:r>
-          </a:p>
-        </p:txBody>
-      </p:sp>
-      <p:cxnSp>
-        <p:nvCxnSpPr>
-          <p:cNvPr id="10" name="Straight Arrow Connector 9">
-            <a:extLst>
-              <a:ext uri="{FF2B5EF4-FFF2-40B4-BE49-F238E27FC236}">
-                <a16:creationId xmlns:a16="http://schemas.microsoft.com/office/drawing/2014/main" id="{33879D10-61CB-4775-9357-C490F58BD118}"/>
-              </a:ext>
-            </a:extLst>
-          </p:cNvPr>
-          <p:cNvCxnSpPr>
-            <a:cxnSpLocks/>
-            <a:stCxn id="7" idx="3"/>
-            <a:endCxn id="8" idx="1"/>
-          </p:cNvCxnSpPr>
-          <p:nvPr/>
-        </p:nvCxnSpPr>
-        <p:spPr>
-          <a:xfrm flipV="1">
-            <a:off x="8638183" y="1925046"/>
-            <a:ext cx="755649" cy="1"/>
-          </a:xfrm>
-          <a:prstGeom prst="straightConnector1">
-            <a:avLst/>
-          </a:prstGeom>
-          <a:ln w="9525">
-            <a:tailEnd type="triangle" w="lg" len="lg"/>
-          </a:ln>
-        </p:spPr>
-        <p:style>
-          <a:lnRef idx="1">
-            <a:schemeClr val="dk1"/>
-          </a:lnRef>
-          <a:fillRef idx="0">
-            <a:schemeClr val="dk1"/>
-          </a:fillRef>
-          <a:effectRef idx="0">
-            <a:schemeClr val="dk1"/>
-          </a:effectRef>
-          <a:fontRef idx="minor">
-            <a:schemeClr val="tx1"/>
-          </a:fontRef>
-        </p:style>
-      </p:cxnSp>
-      <p:cxnSp>
-        <p:nvCxnSpPr>
-          <p:cNvPr id="12" name="Straight Arrow Connector 11">
-            <a:extLst>
-              <a:ext uri="{FF2B5EF4-FFF2-40B4-BE49-F238E27FC236}">
-                <a16:creationId xmlns:a16="http://schemas.microsoft.com/office/drawing/2014/main" id="{7C07CD14-C8AA-4DF9-9E9E-61E6CDD94959}"/>
-              </a:ext>
-            </a:extLst>
-          </p:cNvPr>
-          <p:cNvCxnSpPr>
-            <a:cxnSpLocks/>
-          </p:cNvCxnSpPr>
-          <p:nvPr/>
-        </p:nvCxnSpPr>
-        <p:spPr>
-          <a:xfrm flipV="1">
-            <a:off x="6498902" y="1925044"/>
-            <a:ext cx="755649" cy="1"/>
-          </a:xfrm>
-          <a:prstGeom prst="straightConnector1">
-            <a:avLst/>
-          </a:prstGeom>
-          <a:ln w="9525">
-            <a:tailEnd type="triangle" w="lg" len="lg"/>
-          </a:ln>
-        </p:spPr>
-        <p:style>
-          <a:lnRef idx="1">
-            <a:schemeClr val="dk1"/>
-          </a:lnRef>
-          <a:fillRef idx="0">
-            <a:schemeClr val="dk1"/>
-          </a:fillRef>
-          <a:effectRef idx="0">
-            <a:schemeClr val="dk1"/>
-          </a:effectRef>
-          <a:fontRef idx="minor">
-            <a:schemeClr val="tx1"/>
-          </a:fontRef>
-        </p:style>
-      </p:cxnSp>
-      <p:cxnSp>
-        <p:nvCxnSpPr>
-          <p:cNvPr id="14" name="Straight Arrow Connector 13">
-            <a:extLst>
-              <a:ext uri="{FF2B5EF4-FFF2-40B4-BE49-F238E27FC236}">
-                <a16:creationId xmlns:a16="http://schemas.microsoft.com/office/drawing/2014/main" id="{4BA7E1F9-265F-4477-99FB-834FBA844EC1}"/>
-              </a:ext>
-            </a:extLst>
-          </p:cNvPr>
-          <p:cNvCxnSpPr>
-            <a:cxnSpLocks/>
-          </p:cNvCxnSpPr>
-          <p:nvPr/>
-        </p:nvCxnSpPr>
-        <p:spPr>
-          <a:xfrm flipV="1">
-            <a:off x="2039658" y="1709143"/>
-            <a:ext cx="755649" cy="1"/>
-          </a:xfrm>
-          <a:prstGeom prst="straightConnector1">
-            <a:avLst/>
-          </a:prstGeom>
-          <a:ln w="9525">
-            <a:tailEnd type="triangle" w="lg" len="lg"/>
-          </a:ln>
-        </p:spPr>
-        <p:style>
-          <a:lnRef idx="1">
-            <a:schemeClr val="dk1"/>
-          </a:lnRef>
-          <a:fillRef idx="0">
-            <a:schemeClr val="dk1"/>
-          </a:fillRef>
-          <a:effectRef idx="0">
-            <a:schemeClr val="dk1"/>
-          </a:effectRef>
-          <a:fontRef idx="minor">
-            <a:schemeClr val="tx1"/>
-          </a:fontRef>
-        </p:style>
-      </p:cxnSp>
-      <p:cxnSp>
-        <p:nvCxnSpPr>
-          <p:cNvPr id="17" name="Straight Arrow Connector 16">
-            <a:extLst>
-              <a:ext uri="{FF2B5EF4-FFF2-40B4-BE49-F238E27FC236}">
-                <a16:creationId xmlns:a16="http://schemas.microsoft.com/office/drawing/2014/main" id="{C3459528-8E4D-4D84-892B-9CE461BD1619}"/>
-              </a:ext>
-            </a:extLst>
-          </p:cNvPr>
-          <p:cNvCxnSpPr>
-            <a:cxnSpLocks/>
-          </p:cNvCxnSpPr>
-          <p:nvPr/>
-        </p:nvCxnSpPr>
-        <p:spPr>
-          <a:xfrm flipV="1">
-            <a:off x="4359621" y="1928021"/>
-            <a:ext cx="945604" cy="1154"/>
-          </a:xfrm>
-          <a:prstGeom prst="straightConnector1">
-            <a:avLst/>
-          </a:prstGeom>
-          <a:ln w="9525">
-            <a:tailEnd type="triangle" w="lg" len="lg"/>
-          </a:ln>
-        </p:spPr>
-        <p:style>
-          <a:lnRef idx="1">
-            <a:schemeClr val="dk1"/>
-          </a:lnRef>
-          <a:fillRef idx="0">
-            <a:schemeClr val="dk1"/>
-          </a:fillRef>
-          <a:effectRef idx="0">
-            <a:schemeClr val="dk1"/>
-          </a:effectRef>
-          <a:fontRef idx="minor">
-            <a:schemeClr val="tx1"/>
-          </a:fontRef>
-        </p:style>
-      </p:cxnSp>
-      <p:cxnSp>
-        <p:nvCxnSpPr>
-          <p:cNvPr id="21" name="Straight Arrow Connector 20">
-            <a:extLst>
-              <a:ext uri="{FF2B5EF4-FFF2-40B4-BE49-F238E27FC236}">
-                <a16:creationId xmlns:a16="http://schemas.microsoft.com/office/drawing/2014/main" id="{1EEA48F2-1F5F-4646-9637-FC32FF73E600}"/>
-              </a:ext>
-            </a:extLst>
-          </p:cNvPr>
-          <p:cNvCxnSpPr>
-            <a:cxnSpLocks/>
-          </p:cNvCxnSpPr>
-          <p:nvPr/>
-        </p:nvCxnSpPr>
-        <p:spPr>
-          <a:xfrm flipV="1">
-            <a:off x="2035272" y="2173187"/>
-            <a:ext cx="755649" cy="1"/>
-          </a:xfrm>
-          <a:prstGeom prst="straightConnector1">
-            <a:avLst/>
-          </a:prstGeom>
-          <a:ln w="9525">
-            <a:tailEnd type="triangle" w="lg" len="lg"/>
-          </a:ln>
-        </p:spPr>
-        <p:style>
-          <a:lnRef idx="1">
-            <a:schemeClr val="dk1"/>
-          </a:lnRef>
-          <a:fillRef idx="0">
-            <a:schemeClr val="dk1"/>
-          </a:fillRef>
-          <a:effectRef idx="0">
-            <a:schemeClr val="dk1"/>
-          </a:effectRef>
-          <a:fontRef idx="minor">
-            <a:schemeClr val="tx1"/>
-          </a:fontRef>
-        </p:style>
-      </p:cxnSp>
-      <p:sp>
-        <p:nvSpPr>
-          <p:cNvPr id="25" name="TextBox 24">
-            <a:extLst>
-              <a:ext uri="{FF2B5EF4-FFF2-40B4-BE49-F238E27FC236}">
-                <a16:creationId xmlns:a16="http://schemas.microsoft.com/office/drawing/2014/main" id="{F5617655-64E5-4342-9CFB-F38121851FE0}"/>
-              </a:ext>
-            </a:extLst>
-          </p:cNvPr>
-          <p:cNvSpPr txBox="1"/>
-          <p:nvPr/>
-        </p:nvSpPr>
-        <p:spPr>
-          <a:xfrm>
-            <a:off x="2175219" y="1820476"/>
-            <a:ext cx="369012" cy="369332"/>
-          </a:xfrm>
-          <a:prstGeom prst="rect">
-            <a:avLst/>
-          </a:prstGeom>
-          <a:noFill/>
-        </p:spPr>
-        <p:txBody>
-          <a:bodyPr wrap="none" rtlCol="0">
-            <a:spAutoFit/>
-          </a:bodyPr>
-          <a:lstStyle/>
-          <a:p>
-            <a:r>
-              <a:rPr lang="en-US" b="1" i="1" dirty="0">
+              </a:endParaRPr>
+            </a:p>
+            <a:p>
+              <a:pPr algn="ctr"/>
+              <a:endParaRPr lang="en-US" dirty="0"/>
+            </a:p>
+          </p:txBody>
+        </p:sp>
+        <p:sp>
+          <p:nvSpPr>
+            <p:cNvPr id="5" name="Rectangle 4">
+              <a:extLst>
+                <a:ext uri="{FF2B5EF4-FFF2-40B4-BE49-F238E27FC236}">
+                  <a16:creationId xmlns:a16="http://schemas.microsoft.com/office/drawing/2014/main" xmlns="" id="{0B48700A-CC5A-416F-B30A-8A3BEE18382A}"/>
+                </a:ext>
+              </a:extLst>
+            </p:cNvPr>
+            <p:cNvSpPr/>
+            <p:nvPr/>
+          </p:nvSpPr>
+          <p:spPr>
+            <a:xfrm>
+              <a:off x="2975989" y="1443785"/>
+              <a:ext cx="1383632" cy="962527"/>
+            </a:xfrm>
+            <a:prstGeom prst="rect">
+              <a:avLst/>
+            </a:prstGeom>
+          </p:spPr>
+          <p:style>
+            <a:lnRef idx="2">
+              <a:schemeClr val="dk1"/>
+            </a:lnRef>
+            <a:fillRef idx="1">
+              <a:schemeClr val="lt1"/>
+            </a:fillRef>
+            <a:effectRef idx="0">
+              <a:schemeClr val="dk1"/>
+            </a:effectRef>
+            <a:fontRef idx="minor">
+              <a:schemeClr val="dk1"/>
+            </a:fontRef>
+          </p:style>
+          <p:txBody>
+            <a:bodyPr rtlCol="0" anchor="ctr"/>
+            <a:lstStyle/>
+            <a:p>
+              <a:pPr algn="ctr"/>
+              <a:r>
+                <a:rPr lang="en-US" dirty="0">
+                  <a:latin typeface="Times New Roman" panose="02020603050405020304" pitchFamily="18" charset="0"/>
+                  <a:cs typeface="Times New Roman" panose="02020603050405020304" pitchFamily="18" charset="0"/>
+                </a:rPr>
+                <a:t>Low Level Control</a:t>
+              </a:r>
+            </a:p>
+          </p:txBody>
+        </p:sp>
+        <p:sp>
+          <p:nvSpPr>
+            <p:cNvPr id="6" name="Rectangle 5">
+              <a:extLst>
+                <a:ext uri="{FF2B5EF4-FFF2-40B4-BE49-F238E27FC236}">
+                  <a16:creationId xmlns:a16="http://schemas.microsoft.com/office/drawing/2014/main" xmlns="" id="{2E075DD2-942E-4AA0-BB94-0A9F8B4E29D9}"/>
+                </a:ext>
+              </a:extLst>
+            </p:cNvPr>
+            <p:cNvSpPr/>
+            <p:nvPr/>
+          </p:nvSpPr>
+          <p:spPr>
+            <a:xfrm>
+              <a:off x="5308692" y="1443784"/>
+              <a:ext cx="1190210" cy="962527"/>
+            </a:xfrm>
+            <a:prstGeom prst="rect">
+              <a:avLst/>
+            </a:prstGeom>
+          </p:spPr>
+          <p:style>
+            <a:lnRef idx="2">
+              <a:schemeClr val="dk1"/>
+            </a:lnRef>
+            <a:fillRef idx="1">
+              <a:schemeClr val="lt1"/>
+            </a:fillRef>
+            <a:effectRef idx="0">
+              <a:schemeClr val="dk1"/>
+            </a:effectRef>
+            <a:fontRef idx="minor">
+              <a:schemeClr val="dk1"/>
+            </a:fontRef>
+          </p:style>
+          <p:txBody>
+            <a:bodyPr rtlCol="0" anchor="ctr"/>
+            <a:lstStyle/>
+            <a:p>
+              <a:pPr algn="ctr"/>
+              <a:r>
+                <a:rPr lang="en-US" dirty="0">
+                  <a:latin typeface="Times New Roman" panose="02020603050405020304" pitchFamily="18" charset="0"/>
+                  <a:cs typeface="Times New Roman" panose="02020603050405020304" pitchFamily="18" charset="0"/>
+                </a:rPr>
+                <a:t>Attitude Control</a:t>
+              </a:r>
+            </a:p>
+          </p:txBody>
+        </p:sp>
+        <p:sp>
+          <p:nvSpPr>
+            <p:cNvPr id="7" name="Rectangle 6">
+              <a:extLst>
+                <a:ext uri="{FF2B5EF4-FFF2-40B4-BE49-F238E27FC236}">
+                  <a16:creationId xmlns:a16="http://schemas.microsoft.com/office/drawing/2014/main" xmlns="" id="{E242D4D6-3033-433D-B16B-545A8C4FC87A}"/>
+                </a:ext>
+              </a:extLst>
+            </p:cNvPr>
+            <p:cNvSpPr/>
+            <p:nvPr/>
+          </p:nvSpPr>
+          <p:spPr>
+            <a:xfrm>
+              <a:off x="7254551" y="1443783"/>
+              <a:ext cx="1383632" cy="962527"/>
+            </a:xfrm>
+            <a:prstGeom prst="rect">
+              <a:avLst/>
+            </a:prstGeom>
+          </p:spPr>
+          <p:style>
+            <a:lnRef idx="2">
+              <a:schemeClr val="dk1"/>
+            </a:lnRef>
+            <a:fillRef idx="1">
+              <a:schemeClr val="lt1"/>
+            </a:fillRef>
+            <a:effectRef idx="0">
+              <a:schemeClr val="dk1"/>
+            </a:effectRef>
+            <a:fontRef idx="minor">
+              <a:schemeClr val="dk1"/>
+            </a:fontRef>
+          </p:style>
+          <p:txBody>
+            <a:bodyPr rtlCol="0" anchor="ctr"/>
+            <a:lstStyle/>
+            <a:p>
+              <a:pPr algn="ctr"/>
+              <a:r>
+                <a:rPr lang="en-US" dirty="0">
+                  <a:latin typeface="Times New Roman" panose="02020603050405020304" pitchFamily="18" charset="0"/>
+                  <a:cs typeface="Times New Roman" panose="02020603050405020304" pitchFamily="18" charset="0"/>
+                </a:rPr>
+                <a:t>Motor Dynamics</a:t>
+              </a:r>
+            </a:p>
+          </p:txBody>
+        </p:sp>
+        <p:sp>
+          <p:nvSpPr>
+            <p:cNvPr id="8" name="Rectangle 7">
+              <a:extLst>
+                <a:ext uri="{FF2B5EF4-FFF2-40B4-BE49-F238E27FC236}">
+                  <a16:creationId xmlns:a16="http://schemas.microsoft.com/office/drawing/2014/main" xmlns="" id="{E8839FF8-A8F0-40AC-A495-42157B378CC4}"/>
+                </a:ext>
+              </a:extLst>
+            </p:cNvPr>
+            <p:cNvSpPr/>
+            <p:nvPr/>
+          </p:nvSpPr>
+          <p:spPr>
+            <a:xfrm>
+              <a:off x="9393832" y="1443782"/>
+              <a:ext cx="1383632" cy="962527"/>
+            </a:xfrm>
+            <a:prstGeom prst="rect">
+              <a:avLst/>
+            </a:prstGeom>
+          </p:spPr>
+          <p:style>
+            <a:lnRef idx="2">
+              <a:schemeClr val="dk1"/>
+            </a:lnRef>
+            <a:fillRef idx="1">
+              <a:schemeClr val="lt1"/>
+            </a:fillRef>
+            <a:effectRef idx="0">
+              <a:schemeClr val="dk1"/>
+            </a:effectRef>
+            <a:fontRef idx="minor">
+              <a:schemeClr val="dk1"/>
+            </a:fontRef>
+          </p:style>
+          <p:txBody>
+            <a:bodyPr rtlCol="0" anchor="ctr"/>
+            <a:lstStyle/>
+            <a:p>
+              <a:pPr algn="ctr"/>
+              <a:r>
+                <a:rPr lang="en-US" dirty="0">
+                  <a:latin typeface="Times New Roman" panose="02020603050405020304" pitchFamily="18" charset="0"/>
+                  <a:cs typeface="Times New Roman" panose="02020603050405020304" pitchFamily="18" charset="0"/>
+                </a:rPr>
+                <a:t>Quadrotor Body Dynamics</a:t>
+              </a:r>
+            </a:p>
+          </p:txBody>
+        </p:sp>
+        <p:cxnSp>
+          <p:nvCxnSpPr>
+            <p:cNvPr id="10" name="Straight Arrow Connector 9">
+              <a:extLst>
+                <a:ext uri="{FF2B5EF4-FFF2-40B4-BE49-F238E27FC236}">
+                  <a16:creationId xmlns:a16="http://schemas.microsoft.com/office/drawing/2014/main" xmlns="" id="{33879D10-61CB-4775-9357-C490F58BD118}"/>
+                </a:ext>
+              </a:extLst>
+            </p:cNvPr>
+            <p:cNvCxnSpPr>
+              <a:cxnSpLocks/>
+              <a:stCxn id="7" idx="3"/>
+              <a:endCxn id="8" idx="1"/>
+            </p:cNvCxnSpPr>
+            <p:nvPr/>
+          </p:nvCxnSpPr>
+          <p:spPr>
+            <a:xfrm flipV="1">
+              <a:off x="8638183" y="1925046"/>
+              <a:ext cx="755649" cy="1"/>
+            </a:xfrm>
+            <a:prstGeom prst="straightConnector1">
+              <a:avLst/>
+            </a:prstGeom>
+            <a:ln w="9525">
+              <a:tailEnd type="triangle" w="lg" len="lg"/>
+            </a:ln>
+          </p:spPr>
+          <p:style>
+            <a:lnRef idx="1">
+              <a:schemeClr val="dk1"/>
+            </a:lnRef>
+            <a:fillRef idx="0">
+              <a:schemeClr val="dk1"/>
+            </a:fillRef>
+            <a:effectRef idx="0">
+              <a:schemeClr val="dk1"/>
+            </a:effectRef>
+            <a:fontRef idx="minor">
+              <a:schemeClr val="tx1"/>
+            </a:fontRef>
+          </p:style>
+        </p:cxnSp>
+        <p:cxnSp>
+          <p:nvCxnSpPr>
+            <p:cNvPr id="12" name="Straight Arrow Connector 11">
+              <a:extLst>
+                <a:ext uri="{FF2B5EF4-FFF2-40B4-BE49-F238E27FC236}">
+                  <a16:creationId xmlns:a16="http://schemas.microsoft.com/office/drawing/2014/main" xmlns="" id="{7C07CD14-C8AA-4DF9-9E9E-61E6CDD94959}"/>
+                </a:ext>
+              </a:extLst>
+            </p:cNvPr>
+            <p:cNvCxnSpPr>
+              <a:cxnSpLocks/>
+            </p:cNvCxnSpPr>
+            <p:nvPr/>
+          </p:nvCxnSpPr>
+          <p:spPr>
+            <a:xfrm flipV="1">
+              <a:off x="6498902" y="1925044"/>
+              <a:ext cx="755649" cy="1"/>
+            </a:xfrm>
+            <a:prstGeom prst="straightConnector1">
+              <a:avLst/>
+            </a:prstGeom>
+            <a:ln w="9525">
+              <a:tailEnd type="triangle" w="lg" len="lg"/>
+            </a:ln>
+          </p:spPr>
+          <p:style>
+            <a:lnRef idx="1">
+              <a:schemeClr val="dk1"/>
+            </a:lnRef>
+            <a:fillRef idx="0">
+              <a:schemeClr val="dk1"/>
+            </a:fillRef>
+            <a:effectRef idx="0">
+              <a:schemeClr val="dk1"/>
+            </a:effectRef>
+            <a:fontRef idx="minor">
+              <a:schemeClr val="tx1"/>
+            </a:fontRef>
+          </p:style>
+        </p:cxnSp>
+        <p:cxnSp>
+          <p:nvCxnSpPr>
+            <p:cNvPr id="14" name="Straight Arrow Connector 13">
+              <a:extLst>
+                <a:ext uri="{FF2B5EF4-FFF2-40B4-BE49-F238E27FC236}">
+                  <a16:creationId xmlns:a16="http://schemas.microsoft.com/office/drawing/2014/main" xmlns="" id="{4BA7E1F9-265F-4477-99FB-834FBA844EC1}"/>
+                </a:ext>
+              </a:extLst>
+            </p:cNvPr>
+            <p:cNvCxnSpPr>
+              <a:cxnSpLocks/>
+            </p:cNvCxnSpPr>
+            <p:nvPr/>
+          </p:nvCxnSpPr>
+          <p:spPr>
+            <a:xfrm flipV="1">
+              <a:off x="2037693" y="1957559"/>
+              <a:ext cx="755649" cy="1"/>
+            </a:xfrm>
+            <a:prstGeom prst="straightConnector1">
+              <a:avLst/>
+            </a:prstGeom>
+            <a:ln w="9525">
+              <a:tailEnd type="triangle" w="lg" len="lg"/>
+            </a:ln>
+          </p:spPr>
+          <p:style>
+            <a:lnRef idx="1">
+              <a:schemeClr val="dk1"/>
+            </a:lnRef>
+            <a:fillRef idx="0">
+              <a:schemeClr val="dk1"/>
+            </a:fillRef>
+            <a:effectRef idx="0">
+              <a:schemeClr val="dk1"/>
+            </a:effectRef>
+            <a:fontRef idx="minor">
+              <a:schemeClr val="tx1"/>
+            </a:fontRef>
+          </p:style>
+        </p:cxnSp>
+        <p:cxnSp>
+          <p:nvCxnSpPr>
+            <p:cNvPr id="17" name="Straight Arrow Connector 16">
+              <a:extLst>
+                <a:ext uri="{FF2B5EF4-FFF2-40B4-BE49-F238E27FC236}">
+                  <a16:creationId xmlns:a16="http://schemas.microsoft.com/office/drawing/2014/main" xmlns="" id="{C3459528-8E4D-4D84-892B-9CE461BD1619}"/>
+                </a:ext>
+              </a:extLst>
+            </p:cNvPr>
+            <p:cNvCxnSpPr>
+              <a:cxnSpLocks/>
+            </p:cNvCxnSpPr>
+            <p:nvPr/>
+          </p:nvCxnSpPr>
+          <p:spPr>
+            <a:xfrm flipV="1">
+              <a:off x="4359621" y="1928021"/>
+              <a:ext cx="945604" cy="1154"/>
+            </a:xfrm>
+            <a:prstGeom prst="straightConnector1">
+              <a:avLst/>
+            </a:prstGeom>
+            <a:ln w="9525">
+              <a:tailEnd type="triangle" w="lg" len="lg"/>
+            </a:ln>
+          </p:spPr>
+          <p:style>
+            <a:lnRef idx="1">
+              <a:schemeClr val="dk1"/>
+            </a:lnRef>
+            <a:fillRef idx="0">
+              <a:schemeClr val="dk1"/>
+            </a:fillRef>
+            <a:effectRef idx="0">
+              <a:schemeClr val="dk1"/>
+            </a:effectRef>
+            <a:fontRef idx="minor">
+              <a:schemeClr val="tx1"/>
+            </a:fontRef>
+          </p:style>
+        </p:cxnSp>
+        <p:sp>
+          <p:nvSpPr>
+            <p:cNvPr id="27" name="TextBox 26">
+              <a:extLst>
+                <a:ext uri="{FF2B5EF4-FFF2-40B4-BE49-F238E27FC236}">
+                  <a16:creationId xmlns:a16="http://schemas.microsoft.com/office/drawing/2014/main" xmlns="" id="{CC699B97-8BA3-423B-861D-E0B20EF7F294}"/>
+                </a:ext>
+              </a:extLst>
+            </p:cNvPr>
+            <p:cNvSpPr txBox="1"/>
+            <p:nvPr/>
+          </p:nvSpPr>
+          <p:spPr>
+            <a:xfrm>
+              <a:off x="2235658" y="1588227"/>
+              <a:ext cx="300082" cy="369332"/>
+            </a:xfrm>
+            <a:prstGeom prst="rect">
+              <a:avLst/>
+            </a:prstGeom>
+            <a:noFill/>
+          </p:spPr>
+          <p:txBody>
+            <a:bodyPr wrap="none" rtlCol="0">
+              <a:spAutoFit/>
+            </a:bodyPr>
+            <a:lstStyle/>
+            <a:p>
+              <a:r>
+                <a:rPr lang="en-US" b="1" i="1" dirty="0" smtClean="0">
+                  <a:latin typeface="Times New Roman" panose="02020603050405020304" pitchFamily="18" charset="0"/>
+                  <a:cs typeface="Times New Roman" panose="02020603050405020304" pitchFamily="18" charset="0"/>
+                </a:rPr>
+                <a:t>J</a:t>
+              </a:r>
+              <a:endParaRPr lang="en-US" i="1" dirty="0">
                 <a:latin typeface="Times New Roman" panose="02020603050405020304" pitchFamily="18" charset="0"/>
                 <a:cs typeface="Times New Roman" panose="02020603050405020304" pitchFamily="18" charset="0"/>
-              </a:rPr>
-              <a:t>J</a:t>
-            </a:r>
-            <a:r>
-              <a:rPr lang="en-US" i="1" baseline="-25000" dirty="0">
-                <a:latin typeface="Times New Roman" panose="02020603050405020304" pitchFamily="18" charset="0"/>
-                <a:cs typeface="Times New Roman" panose="02020603050405020304" pitchFamily="18" charset="0"/>
-              </a:rPr>
-              <a:t>x</a:t>
-            </a:r>
-            <a:endParaRPr lang="en-US" i="1" dirty="0">
-              <a:latin typeface="Times New Roman" panose="02020603050405020304" pitchFamily="18" charset="0"/>
-              <a:cs typeface="Times New Roman" panose="02020603050405020304" pitchFamily="18" charset="0"/>
-            </a:endParaRPr>
-          </a:p>
-        </p:txBody>
-      </p:sp>
-      <p:sp>
-        <p:nvSpPr>
-          <p:cNvPr id="27" name="TextBox 26">
-            <a:extLst>
-              <a:ext uri="{FF2B5EF4-FFF2-40B4-BE49-F238E27FC236}">
-                <a16:creationId xmlns:a16="http://schemas.microsoft.com/office/drawing/2014/main" id="{CC699B97-8BA3-423B-861D-E0B20EF7F294}"/>
-              </a:ext>
-            </a:extLst>
-          </p:cNvPr>
-          <p:cNvSpPr txBox="1"/>
-          <p:nvPr/>
-        </p:nvSpPr>
-        <p:spPr>
-          <a:xfrm>
-            <a:off x="2175219" y="1338660"/>
-            <a:ext cx="369012" cy="369332"/>
-          </a:xfrm>
-          <a:prstGeom prst="rect">
-            <a:avLst/>
-          </a:prstGeom>
-          <a:noFill/>
-        </p:spPr>
-        <p:txBody>
-          <a:bodyPr wrap="none" rtlCol="0">
-            <a:spAutoFit/>
-          </a:bodyPr>
-          <a:lstStyle/>
-          <a:p>
-            <a:r>
-              <a:rPr lang="en-US" b="1" i="1" dirty="0">
-                <a:latin typeface="Times New Roman" panose="02020603050405020304" pitchFamily="18" charset="0"/>
-                <a:cs typeface="Times New Roman" panose="02020603050405020304" pitchFamily="18" charset="0"/>
-              </a:rPr>
-              <a:t>J</a:t>
-            </a:r>
-            <a:r>
-              <a:rPr lang="en-US" i="1" baseline="-25000" dirty="0">
-                <a:latin typeface="Times New Roman" panose="02020603050405020304" pitchFamily="18" charset="0"/>
-                <a:cs typeface="Times New Roman" panose="02020603050405020304" pitchFamily="18" charset="0"/>
-              </a:rPr>
-              <a:t>y</a:t>
-            </a:r>
-            <a:endParaRPr lang="en-US" i="1" dirty="0">
-              <a:latin typeface="Times New Roman" panose="02020603050405020304" pitchFamily="18" charset="0"/>
-              <a:cs typeface="Times New Roman" panose="02020603050405020304" pitchFamily="18" charset="0"/>
-            </a:endParaRPr>
-          </a:p>
-        </p:txBody>
-      </p:sp>
-      <p:sp>
-        <p:nvSpPr>
-          <p:cNvPr id="31" name="Rectangle 30">
-            <a:extLst>
-              <a:ext uri="{FF2B5EF4-FFF2-40B4-BE49-F238E27FC236}">
-                <a16:creationId xmlns:a16="http://schemas.microsoft.com/office/drawing/2014/main" id="{F5965033-EFA0-4FD4-8C95-42C42F1FA853}"/>
-              </a:ext>
-            </a:extLst>
-          </p:cNvPr>
-          <p:cNvSpPr/>
-          <p:nvPr/>
-        </p:nvSpPr>
-        <p:spPr>
-          <a:xfrm>
-            <a:off x="592186" y="1443779"/>
-            <a:ext cx="1447472" cy="962527"/>
-          </a:xfrm>
-          <a:prstGeom prst="rect">
-            <a:avLst/>
-          </a:prstGeom>
-        </p:spPr>
-        <p:style>
-          <a:lnRef idx="2">
-            <a:schemeClr val="dk1"/>
-          </a:lnRef>
-          <a:fillRef idx="1">
-            <a:schemeClr val="lt1"/>
-          </a:fillRef>
-          <a:effectRef idx="0">
-            <a:schemeClr val="dk1"/>
-          </a:effectRef>
-          <a:fontRef idx="minor">
-            <a:schemeClr val="dk1"/>
-          </a:fontRef>
-        </p:style>
-        <p:txBody>
-          <a:bodyPr rtlCol="0" anchor="ctr"/>
-          <a:lstStyle/>
-          <a:p>
-            <a:pPr algn="ctr"/>
-            <a:r>
-              <a:rPr lang="en-US" dirty="0">
-                <a:latin typeface="Times New Roman" panose="02020603050405020304" pitchFamily="18" charset="0"/>
-                <a:cs typeface="Times New Roman" panose="02020603050405020304" pitchFamily="18" charset="0"/>
-              </a:rPr>
-              <a:t>Teleoperation Input Commands</a:t>
-            </a:r>
-          </a:p>
-        </p:txBody>
-      </p:sp>
-      <p:sp>
-        <p:nvSpPr>
-          <p:cNvPr id="32" name="TextBox 31">
-            <a:extLst>
-              <a:ext uri="{FF2B5EF4-FFF2-40B4-BE49-F238E27FC236}">
-                <a16:creationId xmlns:a16="http://schemas.microsoft.com/office/drawing/2014/main" id="{BDF9EDE7-BD4F-43E2-BF5C-019BA0B54F3A}"/>
-              </a:ext>
-            </a:extLst>
-          </p:cNvPr>
-          <p:cNvSpPr txBox="1"/>
-          <p:nvPr/>
-        </p:nvSpPr>
-        <p:spPr>
-          <a:xfrm>
-            <a:off x="11274067" y="1741573"/>
-            <a:ext cx="518091" cy="369332"/>
-          </a:xfrm>
-          <a:prstGeom prst="rect">
-            <a:avLst/>
-          </a:prstGeom>
-          <a:noFill/>
-          <a:ln>
-            <a:solidFill>
-              <a:schemeClr val="dk1"/>
-            </a:solidFill>
-          </a:ln>
-        </p:spPr>
-        <p:txBody>
-          <a:bodyPr wrap="none" rtlCol="0">
-            <a:spAutoFit/>
-          </a:bodyPr>
-          <a:lstStyle/>
-          <a:p>
-            <a:r>
-              <a:rPr lang="en-US" b="1" i="1" dirty="0">
-                <a:latin typeface="Times New Roman" panose="02020603050405020304" pitchFamily="18" charset="0"/>
-                <a:cs typeface="Times New Roman" panose="02020603050405020304" pitchFamily="18" charset="0"/>
-              </a:rPr>
-              <a:t>p</a:t>
-            </a:r>
-            <a:r>
-              <a:rPr lang="en-US" dirty="0">
-                <a:latin typeface="Times New Roman" panose="02020603050405020304" pitchFamily="18" charset="0"/>
-                <a:cs typeface="Times New Roman" panose="02020603050405020304" pitchFamily="18" charset="0"/>
-              </a:rPr>
-              <a:t>(</a:t>
-            </a:r>
-            <a:r>
-              <a:rPr lang="en-US" i="1" dirty="0">
-                <a:latin typeface="Times New Roman" panose="02020603050405020304" pitchFamily="18" charset="0"/>
-                <a:cs typeface="Times New Roman" panose="02020603050405020304" pitchFamily="18" charset="0"/>
-              </a:rPr>
-              <a:t>t</a:t>
-            </a:r>
-            <a:r>
-              <a:rPr lang="en-US" dirty="0">
-                <a:latin typeface="Times New Roman" panose="02020603050405020304" pitchFamily="18" charset="0"/>
-                <a:cs typeface="Times New Roman" panose="02020603050405020304" pitchFamily="18" charset="0"/>
-              </a:rPr>
-              <a:t>)</a:t>
-            </a:r>
-          </a:p>
-        </p:txBody>
-      </p:sp>
-      <p:cxnSp>
-        <p:nvCxnSpPr>
-          <p:cNvPr id="33" name="Straight Arrow Connector 32">
-            <a:extLst>
-              <a:ext uri="{FF2B5EF4-FFF2-40B4-BE49-F238E27FC236}">
-                <a16:creationId xmlns:a16="http://schemas.microsoft.com/office/drawing/2014/main" id="{64F208AD-96D6-48C4-8C90-250E55E72CB0}"/>
-              </a:ext>
-            </a:extLst>
-          </p:cNvPr>
-          <p:cNvCxnSpPr>
-            <a:cxnSpLocks/>
-            <a:endCxn id="32" idx="1"/>
-          </p:cNvCxnSpPr>
-          <p:nvPr/>
-        </p:nvCxnSpPr>
-        <p:spPr>
-          <a:xfrm>
-            <a:off x="10972798" y="1925044"/>
-            <a:ext cx="301269" cy="1195"/>
-          </a:xfrm>
-          <a:prstGeom prst="straightConnector1">
-            <a:avLst/>
-          </a:prstGeom>
-          <a:ln w="9525">
-            <a:tailEnd type="triangle" w="lg" len="lg"/>
-          </a:ln>
-        </p:spPr>
-        <p:style>
-          <a:lnRef idx="1">
-            <a:schemeClr val="dk1"/>
-          </a:lnRef>
-          <a:fillRef idx="0">
-            <a:schemeClr val="dk1"/>
-          </a:fillRef>
-          <a:effectRef idx="0">
-            <a:schemeClr val="dk1"/>
-          </a:effectRef>
-          <a:fontRef idx="minor">
-            <a:schemeClr val="tx1"/>
-          </a:fontRef>
-        </p:style>
-      </p:cxnSp>
+              </a:endParaRPr>
+            </a:p>
+          </p:txBody>
+        </p:sp>
+        <p:sp>
+          <p:nvSpPr>
+            <p:cNvPr id="31" name="Rectangle 30">
+              <a:extLst>
+                <a:ext uri="{FF2B5EF4-FFF2-40B4-BE49-F238E27FC236}">
+                  <a16:creationId xmlns:a16="http://schemas.microsoft.com/office/drawing/2014/main" xmlns="" id="{F5965033-EFA0-4FD4-8C95-42C42F1FA853}"/>
+                </a:ext>
+              </a:extLst>
+            </p:cNvPr>
+            <p:cNvSpPr/>
+            <p:nvPr/>
+          </p:nvSpPr>
+          <p:spPr>
+            <a:xfrm>
+              <a:off x="592186" y="1443779"/>
+              <a:ext cx="1447472" cy="962527"/>
+            </a:xfrm>
+            <a:prstGeom prst="rect">
+              <a:avLst/>
+            </a:prstGeom>
+          </p:spPr>
+          <p:style>
+            <a:lnRef idx="2">
+              <a:schemeClr val="dk1"/>
+            </a:lnRef>
+            <a:fillRef idx="1">
+              <a:schemeClr val="lt1"/>
+            </a:fillRef>
+            <a:effectRef idx="0">
+              <a:schemeClr val="dk1"/>
+            </a:effectRef>
+            <a:fontRef idx="minor">
+              <a:schemeClr val="dk1"/>
+            </a:fontRef>
+          </p:style>
+          <p:txBody>
+            <a:bodyPr rtlCol="0" anchor="ctr"/>
+            <a:lstStyle/>
+            <a:p>
+              <a:pPr algn="ctr"/>
+              <a:r>
+                <a:rPr lang="en-US" dirty="0">
+                  <a:latin typeface="Times New Roman" panose="02020603050405020304" pitchFamily="18" charset="0"/>
+                  <a:cs typeface="Times New Roman" panose="02020603050405020304" pitchFamily="18" charset="0"/>
+                </a:rPr>
+                <a:t>Teleoperation Input Commands</a:t>
+              </a:r>
+            </a:p>
+          </p:txBody>
+        </p:sp>
+        <p:sp>
+          <p:nvSpPr>
+            <p:cNvPr id="32" name="TextBox 31">
+              <a:extLst>
+                <a:ext uri="{FF2B5EF4-FFF2-40B4-BE49-F238E27FC236}">
+                  <a16:creationId xmlns:a16="http://schemas.microsoft.com/office/drawing/2014/main" xmlns="" id="{BDF9EDE7-BD4F-43E2-BF5C-019BA0B54F3A}"/>
+                </a:ext>
+              </a:extLst>
+            </p:cNvPr>
+            <p:cNvSpPr txBox="1"/>
+            <p:nvPr/>
+          </p:nvSpPr>
+          <p:spPr>
+            <a:xfrm>
+              <a:off x="11274067" y="1741573"/>
+              <a:ext cx="518091" cy="369332"/>
+            </a:xfrm>
+            <a:prstGeom prst="rect">
+              <a:avLst/>
+            </a:prstGeom>
+            <a:noFill/>
+            <a:ln>
+              <a:solidFill>
+                <a:schemeClr val="dk1"/>
+              </a:solidFill>
+            </a:ln>
+          </p:spPr>
+          <p:txBody>
+            <a:bodyPr wrap="none" rtlCol="0">
+              <a:spAutoFit/>
+            </a:bodyPr>
+            <a:lstStyle/>
+            <a:p>
+              <a:r>
+                <a:rPr lang="en-US" b="1" i="1" dirty="0">
+                  <a:latin typeface="Times New Roman" panose="02020603050405020304" pitchFamily="18" charset="0"/>
+                  <a:cs typeface="Times New Roman" panose="02020603050405020304" pitchFamily="18" charset="0"/>
+                </a:rPr>
+                <a:t>p</a:t>
+              </a:r>
+              <a:r>
+                <a:rPr lang="en-US" dirty="0">
+                  <a:latin typeface="Times New Roman" panose="02020603050405020304" pitchFamily="18" charset="0"/>
+                  <a:cs typeface="Times New Roman" panose="02020603050405020304" pitchFamily="18" charset="0"/>
+                </a:rPr>
+                <a:t>(</a:t>
+              </a:r>
+              <a:r>
+                <a:rPr lang="en-US" i="1" dirty="0">
+                  <a:latin typeface="Times New Roman" panose="02020603050405020304" pitchFamily="18" charset="0"/>
+                  <a:cs typeface="Times New Roman" panose="02020603050405020304" pitchFamily="18" charset="0"/>
+                </a:rPr>
+                <a:t>t</a:t>
+              </a:r>
+              <a:r>
+                <a:rPr lang="en-US" dirty="0">
+                  <a:latin typeface="Times New Roman" panose="02020603050405020304" pitchFamily="18" charset="0"/>
+                  <a:cs typeface="Times New Roman" panose="02020603050405020304" pitchFamily="18" charset="0"/>
+                </a:rPr>
+                <a:t>)</a:t>
+              </a:r>
+            </a:p>
+          </p:txBody>
+        </p:sp>
+        <p:cxnSp>
+          <p:nvCxnSpPr>
+            <p:cNvPr id="33" name="Straight Arrow Connector 32">
+              <a:extLst>
+                <a:ext uri="{FF2B5EF4-FFF2-40B4-BE49-F238E27FC236}">
+                  <a16:creationId xmlns:a16="http://schemas.microsoft.com/office/drawing/2014/main" xmlns="" id="{64F208AD-96D6-48C4-8C90-250E55E72CB0}"/>
+                </a:ext>
+              </a:extLst>
+            </p:cNvPr>
+            <p:cNvCxnSpPr>
+              <a:cxnSpLocks/>
+              <a:endCxn id="32" idx="1"/>
+            </p:cNvCxnSpPr>
+            <p:nvPr/>
+          </p:nvCxnSpPr>
+          <p:spPr>
+            <a:xfrm>
+              <a:off x="10972798" y="1925044"/>
+              <a:ext cx="301269" cy="1195"/>
+            </a:xfrm>
+            <a:prstGeom prst="straightConnector1">
+              <a:avLst/>
+            </a:prstGeom>
+            <a:ln w="9525">
+              <a:tailEnd type="triangle" w="lg" len="lg"/>
+            </a:ln>
+          </p:spPr>
+          <p:style>
+            <a:lnRef idx="1">
+              <a:schemeClr val="dk1"/>
+            </a:lnRef>
+            <a:fillRef idx="0">
+              <a:schemeClr val="dk1"/>
+            </a:fillRef>
+            <a:effectRef idx="0">
+              <a:schemeClr val="dk1"/>
+            </a:effectRef>
+            <a:fontRef idx="minor">
+              <a:schemeClr val="tx1"/>
+            </a:fontRef>
+          </p:style>
+        </p:cxnSp>
+      </p:grpSp>
     </p:spTree>
     <p:extLst>
       <p:ext uri="{BB962C8B-B14F-4D97-AF65-F5344CB8AC3E}">
